--- a/DiscussionSlides-17-June.pptx
+++ b/DiscussionSlides-17-June.pptx
@@ -3,12 +3,22 @@
 <p:presentation xmlns:a="http://schemas.openxmlformats.org/drawingml/2006/main" xmlns:p="http://schemas.openxmlformats.org/presentationml/2006/main" xmlns:r="http://schemas.openxmlformats.org/officeDocument/2006/relationships" xmlns:p14="http://schemas.microsoft.com/office/powerpoint/2010/main" xmlns:p15="http://schemas.microsoft.com/office/powerpoint/2012/main" xmlns:mc="http://schemas.openxmlformats.org/markup-compatibility/2006">
   <p:sldMasterIdLst>
     <p:sldMasterId id="2147483648" r:id="rId2"/>
+    <p:sldMasterId id="2147483661" r:id="rId3"/>
   </p:sldMasterIdLst>
   <p:sldIdLst>
-    <p:sldId id="256" r:id="rId3"/>
-    <p:sldId id="257" r:id="rId4"/>
-    <p:sldId id="258" r:id="rId5"/>
-    <p:sldId id="259" r:id="rId6"/>
+    <p:sldId id="256" r:id="rId4"/>
+    <p:sldId id="257" r:id="rId5"/>
+    <p:sldId id="258" r:id="rId6"/>
+    <p:sldId id="259" r:id="rId7"/>
+    <p:sldId id="260" r:id="rId8"/>
+    <p:sldId id="261" r:id="rId9"/>
+    <p:sldId id="262" r:id="rId10"/>
+    <p:sldId id="263" r:id="rId11"/>
+    <p:sldId id="264" r:id="rId12"/>
+    <p:sldId id="265" r:id="rId13"/>
+    <p:sldId id="266" r:id="rId14"/>
+    <p:sldId id="267" r:id="rId15"/>
+    <p:sldId id="268" r:id="rId16"/>
   </p:sldIdLst>
   <p:sldSz cx="10080625" cy="5670550"/>
   <p:notesSz cx="7559675" cy="10691812"/>
@@ -56,7 +66,7 @@
       </p:grpSpPr>
       <p:sp>
         <p:nvSpPr>
-          <p:cNvPr id="26" name="PlaceHolder 1"/>
+          <p:cNvPr id="23" name="PlaceHolder 1"/>
           <p:cNvSpPr>
             <a:spLocks noGrp="1"/>
           </p:cNvSpPr>
@@ -67,14 +77,16 @@
         <p:spPr>
           <a:xfrm>
             <a:off x="504000" y="226080"/>
-            <a:ext cx="9071640" cy="946440"/>
-          </a:xfrm>
-          <a:prstGeom prst="rect">
-            <a:avLst/>
-          </a:prstGeom>
-        </p:spPr>
-        <p:txBody>
-          <a:bodyPr lIns="0" rIns="0" tIns="0" bIns="0" anchor="ctr"/>
+            <a:ext cx="9071280" cy="946080"/>
+          </a:xfrm>
+          <a:prstGeom prst="rect">
+            <a:avLst/>
+          </a:prstGeom>
+        </p:spPr>
+        <p:txBody>
+          <a:bodyPr lIns="0" rIns="0" tIns="0" bIns="0" anchor="ctr">
+            <a:noAutofit/>
+          </a:bodyPr>
           <a:p>
             <a:pPr algn="ctr"/>
             <a:endParaRPr b="0" lang="en-IN" sz="4400" spc="-1" strike="noStrike">
@@ -85,7 +97,7 @@
       </p:sp>
       <p:sp>
         <p:nvSpPr>
-          <p:cNvPr id="27" name="PlaceHolder 2"/>
+          <p:cNvPr id="24" name="PlaceHolder 2"/>
           <p:cNvSpPr>
             <a:spLocks noGrp="1"/>
           </p:cNvSpPr>
@@ -96,7 +108,7 @@
         <p:spPr>
           <a:xfrm>
             <a:off x="504000" y="1326600"/>
-            <a:ext cx="9071640" cy="1568160"/>
+            <a:ext cx="9072000" cy="1568520"/>
           </a:xfrm>
           <a:prstGeom prst="rect">
             <a:avLst/>
@@ -115,7 +127,7 @@
       </p:sp>
       <p:sp>
         <p:nvSpPr>
-          <p:cNvPr id="28" name="PlaceHolder 3"/>
+          <p:cNvPr id="25" name="PlaceHolder 3"/>
           <p:cNvSpPr>
             <a:spLocks noGrp="1"/>
           </p:cNvSpPr>
@@ -125,8 +137,8 @@
         </p:nvSpPr>
         <p:spPr>
           <a:xfrm>
-            <a:off x="504000" y="3044160"/>
-            <a:ext cx="9071640" cy="1568160"/>
+            <a:off x="504000" y="3044520"/>
+            <a:ext cx="9072000" cy="1568520"/>
           </a:xfrm>
           <a:prstGeom prst="rect">
             <a:avLst/>
@@ -167,7 +179,7 @@
       </p:grpSpPr>
       <p:sp>
         <p:nvSpPr>
-          <p:cNvPr id="29" name="PlaceHolder 1"/>
+          <p:cNvPr id="26" name="PlaceHolder 1"/>
           <p:cNvSpPr>
             <a:spLocks noGrp="1"/>
           </p:cNvSpPr>
@@ -178,14 +190,16 @@
         <p:spPr>
           <a:xfrm>
             <a:off x="504000" y="226080"/>
-            <a:ext cx="9071640" cy="946440"/>
-          </a:xfrm>
-          <a:prstGeom prst="rect">
-            <a:avLst/>
-          </a:prstGeom>
-        </p:spPr>
-        <p:txBody>
-          <a:bodyPr lIns="0" rIns="0" tIns="0" bIns="0" anchor="ctr"/>
+            <a:ext cx="9071280" cy="946080"/>
+          </a:xfrm>
+          <a:prstGeom prst="rect">
+            <a:avLst/>
+          </a:prstGeom>
+        </p:spPr>
+        <p:txBody>
+          <a:bodyPr lIns="0" rIns="0" tIns="0" bIns="0" anchor="ctr">
+            <a:noAutofit/>
+          </a:bodyPr>
           <a:p>
             <a:pPr algn="ctr"/>
             <a:endParaRPr b="0" lang="en-IN" sz="4400" spc="-1" strike="noStrike">
@@ -196,7 +210,7 @@
       </p:sp>
       <p:sp>
         <p:nvSpPr>
-          <p:cNvPr id="30" name="PlaceHolder 2"/>
+          <p:cNvPr id="27" name="PlaceHolder 2"/>
           <p:cNvSpPr>
             <a:spLocks noGrp="1"/>
           </p:cNvSpPr>
@@ -207,7 +221,7 @@
         <p:spPr>
           <a:xfrm>
             <a:off x="504000" y="1326600"/>
-            <a:ext cx="4426920" cy="1568160"/>
+            <a:ext cx="4426920" cy="1568520"/>
           </a:xfrm>
           <a:prstGeom prst="rect">
             <a:avLst/>
@@ -226,7 +240,7 @@
       </p:sp>
       <p:sp>
         <p:nvSpPr>
-          <p:cNvPr id="31" name="PlaceHolder 3"/>
+          <p:cNvPr id="28" name="PlaceHolder 3"/>
           <p:cNvSpPr>
             <a:spLocks noGrp="1"/>
           </p:cNvSpPr>
@@ -237,7 +251,7 @@
         <p:spPr>
           <a:xfrm>
             <a:off x="5152680" y="1326600"/>
-            <a:ext cx="4426920" cy="1568160"/>
+            <a:ext cx="4426920" cy="1568520"/>
           </a:xfrm>
           <a:prstGeom prst="rect">
             <a:avLst/>
@@ -256,7 +270,7 @@
       </p:sp>
       <p:sp>
         <p:nvSpPr>
-          <p:cNvPr id="32" name="PlaceHolder 4"/>
+          <p:cNvPr id="29" name="PlaceHolder 4"/>
           <p:cNvSpPr>
             <a:spLocks noGrp="1"/>
           </p:cNvSpPr>
@@ -266,8 +280,8 @@
         </p:nvSpPr>
         <p:spPr>
           <a:xfrm>
-            <a:off x="504000" y="3044160"/>
-            <a:ext cx="4426920" cy="1568160"/>
+            <a:off x="504000" y="3044520"/>
+            <a:ext cx="4426920" cy="1568520"/>
           </a:xfrm>
           <a:prstGeom prst="rect">
             <a:avLst/>
@@ -286,7 +300,7 @@
       </p:sp>
       <p:sp>
         <p:nvSpPr>
-          <p:cNvPr id="33" name="PlaceHolder 5"/>
+          <p:cNvPr id="30" name="PlaceHolder 5"/>
           <p:cNvSpPr>
             <a:spLocks noGrp="1"/>
           </p:cNvSpPr>
@@ -296,8 +310,8 @@
         </p:nvSpPr>
         <p:spPr>
           <a:xfrm>
-            <a:off x="5152680" y="3044160"/>
-            <a:ext cx="4426920" cy="1568160"/>
+            <a:off x="5152680" y="3044520"/>
+            <a:ext cx="4426920" cy="1568520"/>
           </a:xfrm>
           <a:prstGeom prst="rect">
             <a:avLst/>
@@ -338,7 +352,7 @@
       </p:grpSpPr>
       <p:sp>
         <p:nvSpPr>
-          <p:cNvPr id="34" name="PlaceHolder 1"/>
+          <p:cNvPr id="31" name="PlaceHolder 1"/>
           <p:cNvSpPr>
             <a:spLocks noGrp="1"/>
           </p:cNvSpPr>
@@ -349,14 +363,16 @@
         <p:spPr>
           <a:xfrm>
             <a:off x="504000" y="226080"/>
-            <a:ext cx="9071640" cy="946440"/>
-          </a:xfrm>
-          <a:prstGeom prst="rect">
-            <a:avLst/>
-          </a:prstGeom>
-        </p:spPr>
-        <p:txBody>
-          <a:bodyPr lIns="0" rIns="0" tIns="0" bIns="0" anchor="ctr"/>
+            <a:ext cx="9071280" cy="946080"/>
+          </a:xfrm>
+          <a:prstGeom prst="rect">
+            <a:avLst/>
+          </a:prstGeom>
+        </p:spPr>
+        <p:txBody>
+          <a:bodyPr lIns="0" rIns="0" tIns="0" bIns="0" anchor="ctr">
+            <a:noAutofit/>
+          </a:bodyPr>
           <a:p>
             <a:pPr algn="ctr"/>
             <a:endParaRPr b="0" lang="en-IN" sz="4400" spc="-1" strike="noStrike">
@@ -367,7 +383,7 @@
       </p:sp>
       <p:sp>
         <p:nvSpPr>
-          <p:cNvPr id="35" name="PlaceHolder 2"/>
+          <p:cNvPr id="32" name="PlaceHolder 2"/>
           <p:cNvSpPr>
             <a:spLocks noGrp="1"/>
           </p:cNvSpPr>
@@ -378,7 +394,7 @@
         <p:spPr>
           <a:xfrm>
             <a:off x="504000" y="1326600"/>
-            <a:ext cx="2920680" cy="1568160"/>
+            <a:ext cx="2921040" cy="1568520"/>
           </a:xfrm>
           <a:prstGeom prst="rect">
             <a:avLst/>
@@ -397,7 +413,7 @@
       </p:sp>
       <p:sp>
         <p:nvSpPr>
-          <p:cNvPr id="36" name="PlaceHolder 3"/>
+          <p:cNvPr id="33" name="PlaceHolder 3"/>
           <p:cNvSpPr>
             <a:spLocks noGrp="1"/>
           </p:cNvSpPr>
@@ -407,8 +423,8 @@
         </p:nvSpPr>
         <p:spPr>
           <a:xfrm>
-            <a:off x="3571200" y="1326600"/>
-            <a:ext cx="2920680" cy="1568160"/>
+            <a:off x="3571560" y="1326600"/>
+            <a:ext cx="2921040" cy="1568520"/>
           </a:xfrm>
           <a:prstGeom prst="rect">
             <a:avLst/>
@@ -427,7 +443,7 @@
       </p:sp>
       <p:sp>
         <p:nvSpPr>
-          <p:cNvPr id="37" name="PlaceHolder 4"/>
+          <p:cNvPr id="34" name="PlaceHolder 4"/>
           <p:cNvSpPr>
             <a:spLocks noGrp="1"/>
           </p:cNvSpPr>
@@ -437,8 +453,8 @@
         </p:nvSpPr>
         <p:spPr>
           <a:xfrm>
-            <a:off x="6638040" y="1326600"/>
-            <a:ext cx="2920680" cy="1568160"/>
+            <a:off x="6639120" y="1326600"/>
+            <a:ext cx="2921040" cy="1568520"/>
           </a:xfrm>
           <a:prstGeom prst="rect">
             <a:avLst/>
@@ -457,7 +473,7 @@
       </p:sp>
       <p:sp>
         <p:nvSpPr>
-          <p:cNvPr id="38" name="PlaceHolder 5"/>
+          <p:cNvPr id="35" name="PlaceHolder 5"/>
           <p:cNvSpPr>
             <a:spLocks noGrp="1"/>
           </p:cNvSpPr>
@@ -467,8 +483,8 @@
         </p:nvSpPr>
         <p:spPr>
           <a:xfrm>
-            <a:off x="504000" y="3044160"/>
-            <a:ext cx="2920680" cy="1568160"/>
+            <a:off x="504000" y="3044520"/>
+            <a:ext cx="2921040" cy="1568520"/>
           </a:xfrm>
           <a:prstGeom prst="rect">
             <a:avLst/>
@@ -487,7 +503,7 @@
       </p:sp>
       <p:sp>
         <p:nvSpPr>
-          <p:cNvPr id="39" name="PlaceHolder 6"/>
+          <p:cNvPr id="36" name="PlaceHolder 6"/>
           <p:cNvSpPr>
             <a:spLocks noGrp="1"/>
           </p:cNvSpPr>
@@ -497,8 +513,8 @@
         </p:nvSpPr>
         <p:spPr>
           <a:xfrm>
-            <a:off x="3571200" y="3044160"/>
-            <a:ext cx="2920680" cy="1568160"/>
+            <a:off x="3571560" y="3044520"/>
+            <a:ext cx="2921040" cy="1568520"/>
           </a:xfrm>
           <a:prstGeom prst="rect">
             <a:avLst/>
@@ -517,7 +533,7 @@
       </p:sp>
       <p:sp>
         <p:nvSpPr>
-          <p:cNvPr id="40" name="PlaceHolder 7"/>
+          <p:cNvPr id="37" name="PlaceHolder 7"/>
           <p:cNvSpPr>
             <a:spLocks noGrp="1"/>
           </p:cNvSpPr>
@@ -527,8 +543,559 @@
         </p:nvSpPr>
         <p:spPr>
           <a:xfrm>
-            <a:off x="6638040" y="3044160"/>
-            <a:ext cx="2920680" cy="1568160"/>
+            <a:off x="6639120" y="3044520"/>
+            <a:ext cx="2921040" cy="1568520"/>
+          </a:xfrm>
+          <a:prstGeom prst="rect">
+            <a:avLst/>
+          </a:prstGeom>
+        </p:spPr>
+        <p:txBody>
+          <a:bodyPr lIns="0" rIns="0" tIns="0" bIns="0">
+            <a:normAutofit/>
+          </a:bodyPr>
+          <a:p>
+            <a:endParaRPr b="0" lang="en-IN" sz="3200" spc="-1" strike="noStrike">
+              <a:latin typeface="Arial"/>
+            </a:endParaRPr>
+          </a:p>
+        </p:txBody>
+      </p:sp>
+    </p:spTree>
+  </p:cSld>
+</p:sldLayout>
+</file>
+
+<file path=ppt/slideLayouts/slideLayout13.xml><?xml version="1.0" encoding="utf-8"?>
+<p:sldLayout xmlns:a="http://schemas.openxmlformats.org/drawingml/2006/main" xmlns:p="http://schemas.openxmlformats.org/presentationml/2006/main" xmlns:r="http://schemas.openxmlformats.org/officeDocument/2006/relationships" xmlns:p14="http://schemas.microsoft.com/office/powerpoint/2010/main" xmlns:p15="http://schemas.microsoft.com/office/powerpoint/2012/main" xmlns:mc="http://schemas.openxmlformats.org/markup-compatibility/2006" type="blank" preserve="1">
+  <p:cSld name="Blank Slide">
+    <p:spTree>
+      <p:nvGrpSpPr>
+        <p:cNvPr id="1" name=""/>
+        <p:cNvGrpSpPr/>
+        <p:nvPr/>
+      </p:nvGrpSpPr>
+      <p:grpSpPr>
+        <a:xfrm>
+          <a:off x="0" y="0"/>
+          <a:ext cx="0" cy="0"/>
+          <a:chOff x="0" y="0"/>
+          <a:chExt cx="0" cy="0"/>
+        </a:xfrm>
+      </p:grpSpPr>
+    </p:spTree>
+  </p:cSld>
+</p:sldLayout>
+</file>
+
+<file path=ppt/slideLayouts/slideLayout14.xml><?xml version="1.0" encoding="utf-8"?>
+<p:sldLayout xmlns:a="http://schemas.openxmlformats.org/drawingml/2006/main" xmlns:p="http://schemas.openxmlformats.org/presentationml/2006/main" xmlns:r="http://schemas.openxmlformats.org/officeDocument/2006/relationships" xmlns:p14="http://schemas.microsoft.com/office/powerpoint/2010/main" xmlns:p15="http://schemas.microsoft.com/office/powerpoint/2012/main" xmlns:mc="http://schemas.openxmlformats.org/markup-compatibility/2006" type="tx" preserve="1">
+  <p:cSld name="Title Slide">
+    <p:spTree>
+      <p:nvGrpSpPr>
+        <p:cNvPr id="1" name=""/>
+        <p:cNvGrpSpPr/>
+        <p:nvPr/>
+      </p:nvGrpSpPr>
+      <p:grpSpPr>
+        <a:xfrm>
+          <a:off x="0" y="0"/>
+          <a:ext cx="0" cy="0"/>
+          <a:chOff x="0" y="0"/>
+          <a:chExt cx="0" cy="0"/>
+        </a:xfrm>
+      </p:grpSpPr>
+      <p:sp>
+        <p:nvSpPr>
+          <p:cNvPr id="40" name="PlaceHolder 1"/>
+          <p:cNvSpPr>
+            <a:spLocks noGrp="1"/>
+          </p:cNvSpPr>
+          <p:nvPr>
+            <p:ph type="title"/>
+          </p:nvPr>
+        </p:nvSpPr>
+        <p:spPr>
+          <a:xfrm>
+            <a:off x="504000" y="226080"/>
+            <a:ext cx="9071280" cy="946080"/>
+          </a:xfrm>
+          <a:prstGeom prst="rect">
+            <a:avLst/>
+          </a:prstGeom>
+        </p:spPr>
+        <p:txBody>
+          <a:bodyPr lIns="0" rIns="0" tIns="0" bIns="0" anchor="ctr">
+            <a:noAutofit/>
+          </a:bodyPr>
+          <a:p>
+            <a:pPr algn="ctr"/>
+            <a:endParaRPr b="0" lang="en-IN" sz="4400" spc="-1" strike="noStrike">
+              <a:latin typeface="Arial"/>
+            </a:endParaRPr>
+          </a:p>
+        </p:txBody>
+      </p:sp>
+      <p:sp>
+        <p:nvSpPr>
+          <p:cNvPr id="41" name="PlaceHolder 2"/>
+          <p:cNvSpPr>
+            <a:spLocks noGrp="1"/>
+          </p:cNvSpPr>
+          <p:nvPr>
+            <p:ph type="subTitle"/>
+          </p:nvPr>
+        </p:nvSpPr>
+        <p:spPr>
+          <a:xfrm>
+            <a:off x="504000" y="1326600"/>
+            <a:ext cx="9072000" cy="3288600"/>
+          </a:xfrm>
+          <a:prstGeom prst="rect">
+            <a:avLst/>
+          </a:prstGeom>
+        </p:spPr>
+        <p:txBody>
+          <a:bodyPr lIns="0" rIns="0" tIns="0" bIns="0" anchor="ctr">
+            <a:noAutofit/>
+          </a:bodyPr>
+          <a:p>
+            <a:pPr algn="ctr"/>
+            <a:endParaRPr b="0" lang="en-IN" sz="3200" spc="-1" strike="noStrike">
+              <a:latin typeface="Arial"/>
+            </a:endParaRPr>
+          </a:p>
+        </p:txBody>
+      </p:sp>
+    </p:spTree>
+  </p:cSld>
+</p:sldLayout>
+</file>
+
+<file path=ppt/slideLayouts/slideLayout15.xml><?xml version="1.0" encoding="utf-8"?>
+<p:sldLayout xmlns:a="http://schemas.openxmlformats.org/drawingml/2006/main" xmlns:p="http://schemas.openxmlformats.org/presentationml/2006/main" xmlns:r="http://schemas.openxmlformats.org/officeDocument/2006/relationships" xmlns:p14="http://schemas.microsoft.com/office/powerpoint/2010/main" xmlns:p15="http://schemas.microsoft.com/office/powerpoint/2012/main" xmlns:mc="http://schemas.openxmlformats.org/markup-compatibility/2006" type="obj" preserve="1">
+  <p:cSld name="Title, Content">
+    <p:spTree>
+      <p:nvGrpSpPr>
+        <p:cNvPr id="1" name=""/>
+        <p:cNvGrpSpPr/>
+        <p:nvPr/>
+      </p:nvGrpSpPr>
+      <p:grpSpPr>
+        <a:xfrm>
+          <a:off x="0" y="0"/>
+          <a:ext cx="0" cy="0"/>
+          <a:chOff x="0" y="0"/>
+          <a:chExt cx="0" cy="0"/>
+        </a:xfrm>
+      </p:grpSpPr>
+      <p:sp>
+        <p:nvSpPr>
+          <p:cNvPr id="42" name="PlaceHolder 1"/>
+          <p:cNvSpPr>
+            <a:spLocks noGrp="1"/>
+          </p:cNvSpPr>
+          <p:nvPr>
+            <p:ph type="title"/>
+          </p:nvPr>
+        </p:nvSpPr>
+        <p:spPr>
+          <a:xfrm>
+            <a:off x="504000" y="226080"/>
+            <a:ext cx="9071280" cy="946080"/>
+          </a:xfrm>
+          <a:prstGeom prst="rect">
+            <a:avLst/>
+          </a:prstGeom>
+        </p:spPr>
+        <p:txBody>
+          <a:bodyPr lIns="0" rIns="0" tIns="0" bIns="0" anchor="ctr">
+            <a:noAutofit/>
+          </a:bodyPr>
+          <a:p>
+            <a:pPr algn="ctr"/>
+            <a:endParaRPr b="0" lang="en-IN" sz="4400" spc="-1" strike="noStrike">
+              <a:latin typeface="Arial"/>
+            </a:endParaRPr>
+          </a:p>
+        </p:txBody>
+      </p:sp>
+      <p:sp>
+        <p:nvSpPr>
+          <p:cNvPr id="43" name="PlaceHolder 2"/>
+          <p:cNvSpPr>
+            <a:spLocks noGrp="1"/>
+          </p:cNvSpPr>
+          <p:nvPr>
+            <p:ph type="body"/>
+          </p:nvPr>
+        </p:nvSpPr>
+        <p:spPr>
+          <a:xfrm>
+            <a:off x="504000" y="1326600"/>
+            <a:ext cx="9072000" cy="3288600"/>
+          </a:xfrm>
+          <a:prstGeom prst="rect">
+            <a:avLst/>
+          </a:prstGeom>
+        </p:spPr>
+        <p:txBody>
+          <a:bodyPr lIns="0" rIns="0" tIns="0" bIns="0">
+            <a:normAutofit/>
+          </a:bodyPr>
+          <a:p>
+            <a:endParaRPr b="0" lang="en-IN" sz="3200" spc="-1" strike="noStrike">
+              <a:latin typeface="Arial"/>
+            </a:endParaRPr>
+          </a:p>
+        </p:txBody>
+      </p:sp>
+    </p:spTree>
+  </p:cSld>
+</p:sldLayout>
+</file>
+
+<file path=ppt/slideLayouts/slideLayout16.xml><?xml version="1.0" encoding="utf-8"?>
+<p:sldLayout xmlns:a="http://schemas.openxmlformats.org/drawingml/2006/main" xmlns:p="http://schemas.openxmlformats.org/presentationml/2006/main" xmlns:r="http://schemas.openxmlformats.org/officeDocument/2006/relationships" xmlns:p14="http://schemas.microsoft.com/office/powerpoint/2010/main" xmlns:p15="http://schemas.microsoft.com/office/powerpoint/2012/main" xmlns:mc="http://schemas.openxmlformats.org/markup-compatibility/2006" type="twoObj" preserve="1">
+  <p:cSld name="Title, 2 Content">
+    <p:spTree>
+      <p:nvGrpSpPr>
+        <p:cNvPr id="1" name=""/>
+        <p:cNvGrpSpPr/>
+        <p:nvPr/>
+      </p:nvGrpSpPr>
+      <p:grpSpPr>
+        <a:xfrm>
+          <a:off x="0" y="0"/>
+          <a:ext cx="0" cy="0"/>
+          <a:chOff x="0" y="0"/>
+          <a:chExt cx="0" cy="0"/>
+        </a:xfrm>
+      </p:grpSpPr>
+      <p:sp>
+        <p:nvSpPr>
+          <p:cNvPr id="44" name="PlaceHolder 1"/>
+          <p:cNvSpPr>
+            <a:spLocks noGrp="1"/>
+          </p:cNvSpPr>
+          <p:nvPr>
+            <p:ph type="title"/>
+          </p:nvPr>
+        </p:nvSpPr>
+        <p:spPr>
+          <a:xfrm>
+            <a:off x="504000" y="226080"/>
+            <a:ext cx="9071280" cy="946080"/>
+          </a:xfrm>
+          <a:prstGeom prst="rect">
+            <a:avLst/>
+          </a:prstGeom>
+        </p:spPr>
+        <p:txBody>
+          <a:bodyPr lIns="0" rIns="0" tIns="0" bIns="0" anchor="ctr">
+            <a:noAutofit/>
+          </a:bodyPr>
+          <a:p>
+            <a:pPr algn="ctr"/>
+            <a:endParaRPr b="0" lang="en-IN" sz="4400" spc="-1" strike="noStrike">
+              <a:latin typeface="Arial"/>
+            </a:endParaRPr>
+          </a:p>
+        </p:txBody>
+      </p:sp>
+      <p:sp>
+        <p:nvSpPr>
+          <p:cNvPr id="45" name="PlaceHolder 2"/>
+          <p:cNvSpPr>
+            <a:spLocks noGrp="1"/>
+          </p:cNvSpPr>
+          <p:nvPr>
+            <p:ph type="body"/>
+          </p:nvPr>
+        </p:nvSpPr>
+        <p:spPr>
+          <a:xfrm>
+            <a:off x="504000" y="1326600"/>
+            <a:ext cx="4426920" cy="3288600"/>
+          </a:xfrm>
+          <a:prstGeom prst="rect">
+            <a:avLst/>
+          </a:prstGeom>
+        </p:spPr>
+        <p:txBody>
+          <a:bodyPr lIns="0" rIns="0" tIns="0" bIns="0">
+            <a:normAutofit/>
+          </a:bodyPr>
+          <a:p>
+            <a:endParaRPr b="0" lang="en-IN" sz="3200" spc="-1" strike="noStrike">
+              <a:latin typeface="Arial"/>
+            </a:endParaRPr>
+          </a:p>
+        </p:txBody>
+      </p:sp>
+      <p:sp>
+        <p:nvSpPr>
+          <p:cNvPr id="46" name="PlaceHolder 3"/>
+          <p:cNvSpPr>
+            <a:spLocks noGrp="1"/>
+          </p:cNvSpPr>
+          <p:nvPr>
+            <p:ph type="body"/>
+          </p:nvPr>
+        </p:nvSpPr>
+        <p:spPr>
+          <a:xfrm>
+            <a:off x="5152680" y="1326600"/>
+            <a:ext cx="4426920" cy="3288600"/>
+          </a:xfrm>
+          <a:prstGeom prst="rect">
+            <a:avLst/>
+          </a:prstGeom>
+        </p:spPr>
+        <p:txBody>
+          <a:bodyPr lIns="0" rIns="0" tIns="0" bIns="0">
+            <a:normAutofit/>
+          </a:bodyPr>
+          <a:p>
+            <a:endParaRPr b="0" lang="en-IN" sz="3200" spc="-1" strike="noStrike">
+              <a:latin typeface="Arial"/>
+            </a:endParaRPr>
+          </a:p>
+        </p:txBody>
+      </p:sp>
+    </p:spTree>
+  </p:cSld>
+</p:sldLayout>
+</file>
+
+<file path=ppt/slideLayouts/slideLayout17.xml><?xml version="1.0" encoding="utf-8"?>
+<p:sldLayout xmlns:a="http://schemas.openxmlformats.org/drawingml/2006/main" xmlns:p="http://schemas.openxmlformats.org/presentationml/2006/main" xmlns:r="http://schemas.openxmlformats.org/officeDocument/2006/relationships" xmlns:p14="http://schemas.microsoft.com/office/powerpoint/2010/main" xmlns:p15="http://schemas.microsoft.com/office/powerpoint/2012/main" xmlns:mc="http://schemas.openxmlformats.org/markup-compatibility/2006" type="titleOnly" preserve="1">
+  <p:cSld name="Title Only">
+    <p:spTree>
+      <p:nvGrpSpPr>
+        <p:cNvPr id="1" name=""/>
+        <p:cNvGrpSpPr/>
+        <p:nvPr/>
+      </p:nvGrpSpPr>
+      <p:grpSpPr>
+        <a:xfrm>
+          <a:off x="0" y="0"/>
+          <a:ext cx="0" cy="0"/>
+          <a:chOff x="0" y="0"/>
+          <a:chExt cx="0" cy="0"/>
+        </a:xfrm>
+      </p:grpSpPr>
+      <p:sp>
+        <p:nvSpPr>
+          <p:cNvPr id="47" name="PlaceHolder 1"/>
+          <p:cNvSpPr>
+            <a:spLocks noGrp="1"/>
+          </p:cNvSpPr>
+          <p:nvPr>
+            <p:ph type="title"/>
+          </p:nvPr>
+        </p:nvSpPr>
+        <p:spPr>
+          <a:xfrm>
+            <a:off x="504000" y="226080"/>
+            <a:ext cx="9071280" cy="946080"/>
+          </a:xfrm>
+          <a:prstGeom prst="rect">
+            <a:avLst/>
+          </a:prstGeom>
+        </p:spPr>
+        <p:txBody>
+          <a:bodyPr lIns="0" rIns="0" tIns="0" bIns="0" anchor="ctr">
+            <a:noAutofit/>
+          </a:bodyPr>
+          <a:p>
+            <a:pPr algn="ctr"/>
+            <a:endParaRPr b="0" lang="en-IN" sz="4400" spc="-1" strike="noStrike">
+              <a:latin typeface="Arial"/>
+            </a:endParaRPr>
+          </a:p>
+        </p:txBody>
+      </p:sp>
+    </p:spTree>
+  </p:cSld>
+</p:sldLayout>
+</file>
+
+<file path=ppt/slideLayouts/slideLayout18.xml><?xml version="1.0" encoding="utf-8"?>
+<p:sldLayout xmlns:a="http://schemas.openxmlformats.org/drawingml/2006/main" xmlns:p="http://schemas.openxmlformats.org/presentationml/2006/main" xmlns:r="http://schemas.openxmlformats.org/officeDocument/2006/relationships" xmlns:p14="http://schemas.microsoft.com/office/powerpoint/2010/main" xmlns:p15="http://schemas.microsoft.com/office/powerpoint/2012/main" xmlns:mc="http://schemas.openxmlformats.org/markup-compatibility/2006" type="objOnly" preserve="1">
+  <p:cSld name="Centered Text">
+    <p:spTree>
+      <p:nvGrpSpPr>
+        <p:cNvPr id="1" name=""/>
+        <p:cNvGrpSpPr/>
+        <p:nvPr/>
+      </p:nvGrpSpPr>
+      <p:grpSpPr>
+        <a:xfrm>
+          <a:off x="0" y="0"/>
+          <a:ext cx="0" cy="0"/>
+          <a:chOff x="0" y="0"/>
+          <a:chExt cx="0" cy="0"/>
+        </a:xfrm>
+      </p:grpSpPr>
+      <p:sp>
+        <p:nvSpPr>
+          <p:cNvPr id="48" name="PlaceHolder 1"/>
+          <p:cNvSpPr>
+            <a:spLocks noGrp="1"/>
+          </p:cNvSpPr>
+          <p:nvPr>
+            <p:ph type="subTitle"/>
+          </p:nvPr>
+        </p:nvSpPr>
+        <p:spPr>
+          <a:xfrm>
+            <a:off x="504000" y="226080"/>
+            <a:ext cx="9071280" cy="4386600"/>
+          </a:xfrm>
+          <a:prstGeom prst="rect">
+            <a:avLst/>
+          </a:prstGeom>
+        </p:spPr>
+        <p:txBody>
+          <a:bodyPr lIns="0" rIns="0" tIns="0" bIns="0" anchor="ctr">
+            <a:noAutofit/>
+          </a:bodyPr>
+          <a:p>
+            <a:pPr algn="ctr"/>
+            <a:endParaRPr b="0" lang="en-IN" sz="3200" spc="-1" strike="noStrike">
+              <a:latin typeface="Arial"/>
+            </a:endParaRPr>
+          </a:p>
+        </p:txBody>
+      </p:sp>
+    </p:spTree>
+  </p:cSld>
+</p:sldLayout>
+</file>
+
+<file path=ppt/slideLayouts/slideLayout19.xml><?xml version="1.0" encoding="utf-8"?>
+<p:sldLayout xmlns:a="http://schemas.openxmlformats.org/drawingml/2006/main" xmlns:p="http://schemas.openxmlformats.org/presentationml/2006/main" xmlns:r="http://schemas.openxmlformats.org/officeDocument/2006/relationships" xmlns:p14="http://schemas.microsoft.com/office/powerpoint/2010/main" xmlns:p15="http://schemas.microsoft.com/office/powerpoint/2012/main" xmlns:mc="http://schemas.openxmlformats.org/markup-compatibility/2006" type="twoObjAndObj" preserve="1">
+  <p:cSld name="Title, 2 Content and Content">
+    <p:spTree>
+      <p:nvGrpSpPr>
+        <p:cNvPr id="1" name=""/>
+        <p:cNvGrpSpPr/>
+        <p:nvPr/>
+      </p:nvGrpSpPr>
+      <p:grpSpPr>
+        <a:xfrm>
+          <a:off x="0" y="0"/>
+          <a:ext cx="0" cy="0"/>
+          <a:chOff x="0" y="0"/>
+          <a:chExt cx="0" cy="0"/>
+        </a:xfrm>
+      </p:grpSpPr>
+      <p:sp>
+        <p:nvSpPr>
+          <p:cNvPr id="49" name="PlaceHolder 1"/>
+          <p:cNvSpPr>
+            <a:spLocks noGrp="1"/>
+          </p:cNvSpPr>
+          <p:nvPr>
+            <p:ph type="title"/>
+          </p:nvPr>
+        </p:nvSpPr>
+        <p:spPr>
+          <a:xfrm>
+            <a:off x="504000" y="226080"/>
+            <a:ext cx="9071280" cy="946080"/>
+          </a:xfrm>
+          <a:prstGeom prst="rect">
+            <a:avLst/>
+          </a:prstGeom>
+        </p:spPr>
+        <p:txBody>
+          <a:bodyPr lIns="0" rIns="0" tIns="0" bIns="0" anchor="ctr">
+            <a:noAutofit/>
+          </a:bodyPr>
+          <a:p>
+            <a:pPr algn="ctr"/>
+            <a:endParaRPr b="0" lang="en-IN" sz="4400" spc="-1" strike="noStrike">
+              <a:latin typeface="Arial"/>
+            </a:endParaRPr>
+          </a:p>
+        </p:txBody>
+      </p:sp>
+      <p:sp>
+        <p:nvSpPr>
+          <p:cNvPr id="50" name="PlaceHolder 2"/>
+          <p:cNvSpPr>
+            <a:spLocks noGrp="1"/>
+          </p:cNvSpPr>
+          <p:nvPr>
+            <p:ph type="body"/>
+          </p:nvPr>
+        </p:nvSpPr>
+        <p:spPr>
+          <a:xfrm>
+            <a:off x="504000" y="1326600"/>
+            <a:ext cx="4426920" cy="1568520"/>
+          </a:xfrm>
+          <a:prstGeom prst="rect">
+            <a:avLst/>
+          </a:prstGeom>
+        </p:spPr>
+        <p:txBody>
+          <a:bodyPr lIns="0" rIns="0" tIns="0" bIns="0">
+            <a:normAutofit/>
+          </a:bodyPr>
+          <a:p>
+            <a:endParaRPr b="0" lang="en-IN" sz="3200" spc="-1" strike="noStrike">
+              <a:latin typeface="Arial"/>
+            </a:endParaRPr>
+          </a:p>
+        </p:txBody>
+      </p:sp>
+      <p:sp>
+        <p:nvSpPr>
+          <p:cNvPr id="51" name="PlaceHolder 3"/>
+          <p:cNvSpPr>
+            <a:spLocks noGrp="1"/>
+          </p:cNvSpPr>
+          <p:nvPr>
+            <p:ph type="body"/>
+          </p:nvPr>
+        </p:nvSpPr>
+        <p:spPr>
+          <a:xfrm>
+            <a:off x="5152680" y="1326600"/>
+            <a:ext cx="4426920" cy="3288600"/>
+          </a:xfrm>
+          <a:prstGeom prst="rect">
+            <a:avLst/>
+          </a:prstGeom>
+        </p:spPr>
+        <p:txBody>
+          <a:bodyPr lIns="0" rIns="0" tIns="0" bIns="0">
+            <a:normAutofit/>
+          </a:bodyPr>
+          <a:p>
+            <a:endParaRPr b="0" lang="en-IN" sz="3200" spc="-1" strike="noStrike">
+              <a:latin typeface="Arial"/>
+            </a:endParaRPr>
+          </a:p>
+        </p:txBody>
+      </p:sp>
+      <p:sp>
+        <p:nvSpPr>
+          <p:cNvPr id="52" name="PlaceHolder 4"/>
+          <p:cNvSpPr>
+            <a:spLocks noGrp="1"/>
+          </p:cNvSpPr>
+          <p:nvPr>
+            <p:ph type="body"/>
+          </p:nvPr>
+        </p:nvSpPr>
+        <p:spPr>
+          <a:xfrm>
+            <a:off x="504000" y="3044520"/>
+            <a:ext cx="4426920" cy="1568520"/>
           </a:xfrm>
           <a:prstGeom prst="rect">
             <a:avLst/>
@@ -569,7 +1136,7 @@
       </p:grpSpPr>
       <p:sp>
         <p:nvSpPr>
-          <p:cNvPr id="5" name="PlaceHolder 1"/>
+          <p:cNvPr id="2" name="PlaceHolder 1"/>
           <p:cNvSpPr>
             <a:spLocks noGrp="1"/>
           </p:cNvSpPr>
@@ -580,14 +1147,16 @@
         <p:spPr>
           <a:xfrm>
             <a:off x="504000" y="226080"/>
-            <a:ext cx="9071640" cy="946440"/>
-          </a:xfrm>
-          <a:prstGeom prst="rect">
-            <a:avLst/>
-          </a:prstGeom>
-        </p:spPr>
-        <p:txBody>
-          <a:bodyPr lIns="0" rIns="0" tIns="0" bIns="0" anchor="ctr"/>
+            <a:ext cx="9071280" cy="946080"/>
+          </a:xfrm>
+          <a:prstGeom prst="rect">
+            <a:avLst/>
+          </a:prstGeom>
+        </p:spPr>
+        <p:txBody>
+          <a:bodyPr lIns="0" rIns="0" tIns="0" bIns="0" anchor="ctr">
+            <a:noAutofit/>
+          </a:bodyPr>
           <a:p>
             <a:pPr algn="ctr"/>
             <a:endParaRPr b="0" lang="en-IN" sz="4400" spc="-1" strike="noStrike">
@@ -598,7 +1167,7 @@
       </p:sp>
       <p:sp>
         <p:nvSpPr>
-          <p:cNvPr id="6" name="PlaceHolder 2"/>
+          <p:cNvPr id="3" name="PlaceHolder 2"/>
           <p:cNvSpPr>
             <a:spLocks noGrp="1"/>
           </p:cNvSpPr>
@@ -609,16 +1178,823 @@
         <p:spPr>
           <a:xfrm>
             <a:off x="504000" y="1326600"/>
-            <a:ext cx="9071640" cy="3288240"/>
-          </a:xfrm>
-          <a:prstGeom prst="rect">
-            <a:avLst/>
-          </a:prstGeom>
-        </p:spPr>
-        <p:txBody>
-          <a:bodyPr lIns="0" rIns="0" tIns="0" bIns="0" anchor="ctr"/>
+            <a:ext cx="9072000" cy="3288600"/>
+          </a:xfrm>
+          <a:prstGeom prst="rect">
+            <a:avLst/>
+          </a:prstGeom>
+        </p:spPr>
+        <p:txBody>
+          <a:bodyPr lIns="0" rIns="0" tIns="0" bIns="0" anchor="ctr">
+            <a:noAutofit/>
+          </a:bodyPr>
           <a:p>
             <a:pPr algn="ctr"/>
+            <a:endParaRPr b="0" lang="en-IN" sz="3200" spc="-1" strike="noStrike">
+              <a:latin typeface="Arial"/>
+            </a:endParaRPr>
+          </a:p>
+        </p:txBody>
+      </p:sp>
+    </p:spTree>
+  </p:cSld>
+</p:sldLayout>
+</file>
+
+<file path=ppt/slideLayouts/slideLayout20.xml><?xml version="1.0" encoding="utf-8"?>
+<p:sldLayout xmlns:a="http://schemas.openxmlformats.org/drawingml/2006/main" xmlns:p="http://schemas.openxmlformats.org/presentationml/2006/main" xmlns:r="http://schemas.openxmlformats.org/officeDocument/2006/relationships" xmlns:p14="http://schemas.microsoft.com/office/powerpoint/2010/main" xmlns:p15="http://schemas.microsoft.com/office/powerpoint/2012/main" xmlns:mc="http://schemas.openxmlformats.org/markup-compatibility/2006" type="objAndTwoObj" preserve="1">
+  <p:cSld name="Title Content and 2 Content">
+    <p:spTree>
+      <p:nvGrpSpPr>
+        <p:cNvPr id="1" name=""/>
+        <p:cNvGrpSpPr/>
+        <p:nvPr/>
+      </p:nvGrpSpPr>
+      <p:grpSpPr>
+        <a:xfrm>
+          <a:off x="0" y="0"/>
+          <a:ext cx="0" cy="0"/>
+          <a:chOff x="0" y="0"/>
+          <a:chExt cx="0" cy="0"/>
+        </a:xfrm>
+      </p:grpSpPr>
+      <p:sp>
+        <p:nvSpPr>
+          <p:cNvPr id="53" name="PlaceHolder 1"/>
+          <p:cNvSpPr>
+            <a:spLocks noGrp="1"/>
+          </p:cNvSpPr>
+          <p:nvPr>
+            <p:ph type="title"/>
+          </p:nvPr>
+        </p:nvSpPr>
+        <p:spPr>
+          <a:xfrm>
+            <a:off x="504000" y="226080"/>
+            <a:ext cx="9071280" cy="946080"/>
+          </a:xfrm>
+          <a:prstGeom prst="rect">
+            <a:avLst/>
+          </a:prstGeom>
+        </p:spPr>
+        <p:txBody>
+          <a:bodyPr lIns="0" rIns="0" tIns="0" bIns="0" anchor="ctr">
+            <a:noAutofit/>
+          </a:bodyPr>
+          <a:p>
+            <a:pPr algn="ctr"/>
+            <a:endParaRPr b="0" lang="en-IN" sz="4400" spc="-1" strike="noStrike">
+              <a:latin typeface="Arial"/>
+            </a:endParaRPr>
+          </a:p>
+        </p:txBody>
+      </p:sp>
+      <p:sp>
+        <p:nvSpPr>
+          <p:cNvPr id="54" name="PlaceHolder 2"/>
+          <p:cNvSpPr>
+            <a:spLocks noGrp="1"/>
+          </p:cNvSpPr>
+          <p:nvPr>
+            <p:ph type="body"/>
+          </p:nvPr>
+        </p:nvSpPr>
+        <p:spPr>
+          <a:xfrm>
+            <a:off x="504000" y="1326600"/>
+            <a:ext cx="4426920" cy="3288600"/>
+          </a:xfrm>
+          <a:prstGeom prst="rect">
+            <a:avLst/>
+          </a:prstGeom>
+        </p:spPr>
+        <p:txBody>
+          <a:bodyPr lIns="0" rIns="0" tIns="0" bIns="0">
+            <a:normAutofit/>
+          </a:bodyPr>
+          <a:p>
+            <a:endParaRPr b="0" lang="en-IN" sz="3200" spc="-1" strike="noStrike">
+              <a:latin typeface="Arial"/>
+            </a:endParaRPr>
+          </a:p>
+        </p:txBody>
+      </p:sp>
+      <p:sp>
+        <p:nvSpPr>
+          <p:cNvPr id="55" name="PlaceHolder 3"/>
+          <p:cNvSpPr>
+            <a:spLocks noGrp="1"/>
+          </p:cNvSpPr>
+          <p:nvPr>
+            <p:ph type="body"/>
+          </p:nvPr>
+        </p:nvSpPr>
+        <p:spPr>
+          <a:xfrm>
+            <a:off x="5152680" y="1326600"/>
+            <a:ext cx="4426920" cy="1568520"/>
+          </a:xfrm>
+          <a:prstGeom prst="rect">
+            <a:avLst/>
+          </a:prstGeom>
+        </p:spPr>
+        <p:txBody>
+          <a:bodyPr lIns="0" rIns="0" tIns="0" bIns="0">
+            <a:normAutofit/>
+          </a:bodyPr>
+          <a:p>
+            <a:endParaRPr b="0" lang="en-IN" sz="3200" spc="-1" strike="noStrike">
+              <a:latin typeface="Arial"/>
+            </a:endParaRPr>
+          </a:p>
+        </p:txBody>
+      </p:sp>
+      <p:sp>
+        <p:nvSpPr>
+          <p:cNvPr id="56" name="PlaceHolder 4"/>
+          <p:cNvSpPr>
+            <a:spLocks noGrp="1"/>
+          </p:cNvSpPr>
+          <p:nvPr>
+            <p:ph type="body"/>
+          </p:nvPr>
+        </p:nvSpPr>
+        <p:spPr>
+          <a:xfrm>
+            <a:off x="5152680" y="3044520"/>
+            <a:ext cx="4426920" cy="1568520"/>
+          </a:xfrm>
+          <a:prstGeom prst="rect">
+            <a:avLst/>
+          </a:prstGeom>
+        </p:spPr>
+        <p:txBody>
+          <a:bodyPr lIns="0" rIns="0" tIns="0" bIns="0">
+            <a:normAutofit/>
+          </a:bodyPr>
+          <a:p>
+            <a:endParaRPr b="0" lang="en-IN" sz="3200" spc="-1" strike="noStrike">
+              <a:latin typeface="Arial"/>
+            </a:endParaRPr>
+          </a:p>
+        </p:txBody>
+      </p:sp>
+    </p:spTree>
+  </p:cSld>
+</p:sldLayout>
+</file>
+
+<file path=ppt/slideLayouts/slideLayout21.xml><?xml version="1.0" encoding="utf-8"?>
+<p:sldLayout xmlns:a="http://schemas.openxmlformats.org/drawingml/2006/main" xmlns:p="http://schemas.openxmlformats.org/presentationml/2006/main" xmlns:r="http://schemas.openxmlformats.org/officeDocument/2006/relationships" xmlns:p14="http://schemas.microsoft.com/office/powerpoint/2010/main" xmlns:p15="http://schemas.microsoft.com/office/powerpoint/2012/main" xmlns:mc="http://schemas.openxmlformats.org/markup-compatibility/2006" type="twoObjOverTx" preserve="1">
+  <p:cSld name="Title, 2 Content over Content">
+    <p:spTree>
+      <p:nvGrpSpPr>
+        <p:cNvPr id="1" name=""/>
+        <p:cNvGrpSpPr/>
+        <p:nvPr/>
+      </p:nvGrpSpPr>
+      <p:grpSpPr>
+        <a:xfrm>
+          <a:off x="0" y="0"/>
+          <a:ext cx="0" cy="0"/>
+          <a:chOff x="0" y="0"/>
+          <a:chExt cx="0" cy="0"/>
+        </a:xfrm>
+      </p:grpSpPr>
+      <p:sp>
+        <p:nvSpPr>
+          <p:cNvPr id="57" name="PlaceHolder 1"/>
+          <p:cNvSpPr>
+            <a:spLocks noGrp="1"/>
+          </p:cNvSpPr>
+          <p:nvPr>
+            <p:ph type="title"/>
+          </p:nvPr>
+        </p:nvSpPr>
+        <p:spPr>
+          <a:xfrm>
+            <a:off x="504000" y="226080"/>
+            <a:ext cx="9071280" cy="946080"/>
+          </a:xfrm>
+          <a:prstGeom prst="rect">
+            <a:avLst/>
+          </a:prstGeom>
+        </p:spPr>
+        <p:txBody>
+          <a:bodyPr lIns="0" rIns="0" tIns="0" bIns="0" anchor="ctr">
+            <a:noAutofit/>
+          </a:bodyPr>
+          <a:p>
+            <a:pPr algn="ctr"/>
+            <a:endParaRPr b="0" lang="en-IN" sz="4400" spc="-1" strike="noStrike">
+              <a:latin typeface="Arial"/>
+            </a:endParaRPr>
+          </a:p>
+        </p:txBody>
+      </p:sp>
+      <p:sp>
+        <p:nvSpPr>
+          <p:cNvPr id="58" name="PlaceHolder 2"/>
+          <p:cNvSpPr>
+            <a:spLocks noGrp="1"/>
+          </p:cNvSpPr>
+          <p:nvPr>
+            <p:ph type="body"/>
+          </p:nvPr>
+        </p:nvSpPr>
+        <p:spPr>
+          <a:xfrm>
+            <a:off x="504000" y="1326600"/>
+            <a:ext cx="4426920" cy="1568520"/>
+          </a:xfrm>
+          <a:prstGeom prst="rect">
+            <a:avLst/>
+          </a:prstGeom>
+        </p:spPr>
+        <p:txBody>
+          <a:bodyPr lIns="0" rIns="0" tIns="0" bIns="0">
+            <a:normAutofit/>
+          </a:bodyPr>
+          <a:p>
+            <a:endParaRPr b="0" lang="en-IN" sz="3200" spc="-1" strike="noStrike">
+              <a:latin typeface="Arial"/>
+            </a:endParaRPr>
+          </a:p>
+        </p:txBody>
+      </p:sp>
+      <p:sp>
+        <p:nvSpPr>
+          <p:cNvPr id="59" name="PlaceHolder 3"/>
+          <p:cNvSpPr>
+            <a:spLocks noGrp="1"/>
+          </p:cNvSpPr>
+          <p:nvPr>
+            <p:ph type="body"/>
+          </p:nvPr>
+        </p:nvSpPr>
+        <p:spPr>
+          <a:xfrm>
+            <a:off x="5152680" y="1326600"/>
+            <a:ext cx="4426920" cy="1568520"/>
+          </a:xfrm>
+          <a:prstGeom prst="rect">
+            <a:avLst/>
+          </a:prstGeom>
+        </p:spPr>
+        <p:txBody>
+          <a:bodyPr lIns="0" rIns="0" tIns="0" bIns="0">
+            <a:normAutofit/>
+          </a:bodyPr>
+          <a:p>
+            <a:endParaRPr b="0" lang="en-IN" sz="3200" spc="-1" strike="noStrike">
+              <a:latin typeface="Arial"/>
+            </a:endParaRPr>
+          </a:p>
+        </p:txBody>
+      </p:sp>
+      <p:sp>
+        <p:nvSpPr>
+          <p:cNvPr id="60" name="PlaceHolder 4"/>
+          <p:cNvSpPr>
+            <a:spLocks noGrp="1"/>
+          </p:cNvSpPr>
+          <p:nvPr>
+            <p:ph type="body"/>
+          </p:nvPr>
+        </p:nvSpPr>
+        <p:spPr>
+          <a:xfrm>
+            <a:off x="504000" y="3044520"/>
+            <a:ext cx="9072000" cy="1568520"/>
+          </a:xfrm>
+          <a:prstGeom prst="rect">
+            <a:avLst/>
+          </a:prstGeom>
+        </p:spPr>
+        <p:txBody>
+          <a:bodyPr lIns="0" rIns="0" tIns="0" bIns="0">
+            <a:normAutofit/>
+          </a:bodyPr>
+          <a:p>
+            <a:endParaRPr b="0" lang="en-IN" sz="3200" spc="-1" strike="noStrike">
+              <a:latin typeface="Arial"/>
+            </a:endParaRPr>
+          </a:p>
+        </p:txBody>
+      </p:sp>
+    </p:spTree>
+  </p:cSld>
+</p:sldLayout>
+</file>
+
+<file path=ppt/slideLayouts/slideLayout22.xml><?xml version="1.0" encoding="utf-8"?>
+<p:sldLayout xmlns:a="http://schemas.openxmlformats.org/drawingml/2006/main" xmlns:p="http://schemas.openxmlformats.org/presentationml/2006/main" xmlns:r="http://schemas.openxmlformats.org/officeDocument/2006/relationships" xmlns:p14="http://schemas.microsoft.com/office/powerpoint/2010/main" xmlns:p15="http://schemas.microsoft.com/office/powerpoint/2012/main" xmlns:mc="http://schemas.openxmlformats.org/markup-compatibility/2006" type="objOverTx" preserve="1">
+  <p:cSld name="Title, Content over Content">
+    <p:spTree>
+      <p:nvGrpSpPr>
+        <p:cNvPr id="1" name=""/>
+        <p:cNvGrpSpPr/>
+        <p:nvPr/>
+      </p:nvGrpSpPr>
+      <p:grpSpPr>
+        <a:xfrm>
+          <a:off x="0" y="0"/>
+          <a:ext cx="0" cy="0"/>
+          <a:chOff x="0" y="0"/>
+          <a:chExt cx="0" cy="0"/>
+        </a:xfrm>
+      </p:grpSpPr>
+      <p:sp>
+        <p:nvSpPr>
+          <p:cNvPr id="61" name="PlaceHolder 1"/>
+          <p:cNvSpPr>
+            <a:spLocks noGrp="1"/>
+          </p:cNvSpPr>
+          <p:nvPr>
+            <p:ph type="title"/>
+          </p:nvPr>
+        </p:nvSpPr>
+        <p:spPr>
+          <a:xfrm>
+            <a:off x="504000" y="226080"/>
+            <a:ext cx="9071280" cy="946080"/>
+          </a:xfrm>
+          <a:prstGeom prst="rect">
+            <a:avLst/>
+          </a:prstGeom>
+        </p:spPr>
+        <p:txBody>
+          <a:bodyPr lIns="0" rIns="0" tIns="0" bIns="0" anchor="ctr">
+            <a:noAutofit/>
+          </a:bodyPr>
+          <a:p>
+            <a:pPr algn="ctr"/>
+            <a:endParaRPr b="0" lang="en-IN" sz="4400" spc="-1" strike="noStrike">
+              <a:latin typeface="Arial"/>
+            </a:endParaRPr>
+          </a:p>
+        </p:txBody>
+      </p:sp>
+      <p:sp>
+        <p:nvSpPr>
+          <p:cNvPr id="62" name="PlaceHolder 2"/>
+          <p:cNvSpPr>
+            <a:spLocks noGrp="1"/>
+          </p:cNvSpPr>
+          <p:nvPr>
+            <p:ph type="body"/>
+          </p:nvPr>
+        </p:nvSpPr>
+        <p:spPr>
+          <a:xfrm>
+            <a:off x="504000" y="1326600"/>
+            <a:ext cx="9072000" cy="1568520"/>
+          </a:xfrm>
+          <a:prstGeom prst="rect">
+            <a:avLst/>
+          </a:prstGeom>
+        </p:spPr>
+        <p:txBody>
+          <a:bodyPr lIns="0" rIns="0" tIns="0" bIns="0">
+            <a:normAutofit/>
+          </a:bodyPr>
+          <a:p>
+            <a:endParaRPr b="0" lang="en-IN" sz="3200" spc="-1" strike="noStrike">
+              <a:latin typeface="Arial"/>
+            </a:endParaRPr>
+          </a:p>
+        </p:txBody>
+      </p:sp>
+      <p:sp>
+        <p:nvSpPr>
+          <p:cNvPr id="63" name="PlaceHolder 3"/>
+          <p:cNvSpPr>
+            <a:spLocks noGrp="1"/>
+          </p:cNvSpPr>
+          <p:nvPr>
+            <p:ph type="body"/>
+          </p:nvPr>
+        </p:nvSpPr>
+        <p:spPr>
+          <a:xfrm>
+            <a:off x="504000" y="3044520"/>
+            <a:ext cx="9072000" cy="1568520"/>
+          </a:xfrm>
+          <a:prstGeom prst="rect">
+            <a:avLst/>
+          </a:prstGeom>
+        </p:spPr>
+        <p:txBody>
+          <a:bodyPr lIns="0" rIns="0" tIns="0" bIns="0">
+            <a:normAutofit/>
+          </a:bodyPr>
+          <a:p>
+            <a:endParaRPr b="0" lang="en-IN" sz="3200" spc="-1" strike="noStrike">
+              <a:latin typeface="Arial"/>
+            </a:endParaRPr>
+          </a:p>
+        </p:txBody>
+      </p:sp>
+    </p:spTree>
+  </p:cSld>
+</p:sldLayout>
+</file>
+
+<file path=ppt/slideLayouts/slideLayout23.xml><?xml version="1.0" encoding="utf-8"?>
+<p:sldLayout xmlns:a="http://schemas.openxmlformats.org/drawingml/2006/main" xmlns:p="http://schemas.openxmlformats.org/presentationml/2006/main" xmlns:r="http://schemas.openxmlformats.org/officeDocument/2006/relationships" xmlns:p14="http://schemas.microsoft.com/office/powerpoint/2010/main" xmlns:p15="http://schemas.microsoft.com/office/powerpoint/2012/main" xmlns:mc="http://schemas.openxmlformats.org/markup-compatibility/2006" type="fourObj" preserve="1">
+  <p:cSld name="Title, 4 Content">
+    <p:spTree>
+      <p:nvGrpSpPr>
+        <p:cNvPr id="1" name=""/>
+        <p:cNvGrpSpPr/>
+        <p:nvPr/>
+      </p:nvGrpSpPr>
+      <p:grpSpPr>
+        <a:xfrm>
+          <a:off x="0" y="0"/>
+          <a:ext cx="0" cy="0"/>
+          <a:chOff x="0" y="0"/>
+          <a:chExt cx="0" cy="0"/>
+        </a:xfrm>
+      </p:grpSpPr>
+      <p:sp>
+        <p:nvSpPr>
+          <p:cNvPr id="64" name="PlaceHolder 1"/>
+          <p:cNvSpPr>
+            <a:spLocks noGrp="1"/>
+          </p:cNvSpPr>
+          <p:nvPr>
+            <p:ph type="title"/>
+          </p:nvPr>
+        </p:nvSpPr>
+        <p:spPr>
+          <a:xfrm>
+            <a:off x="504000" y="226080"/>
+            <a:ext cx="9071280" cy="946080"/>
+          </a:xfrm>
+          <a:prstGeom prst="rect">
+            <a:avLst/>
+          </a:prstGeom>
+        </p:spPr>
+        <p:txBody>
+          <a:bodyPr lIns="0" rIns="0" tIns="0" bIns="0" anchor="ctr">
+            <a:noAutofit/>
+          </a:bodyPr>
+          <a:p>
+            <a:pPr algn="ctr"/>
+            <a:endParaRPr b="0" lang="en-IN" sz="4400" spc="-1" strike="noStrike">
+              <a:latin typeface="Arial"/>
+            </a:endParaRPr>
+          </a:p>
+        </p:txBody>
+      </p:sp>
+      <p:sp>
+        <p:nvSpPr>
+          <p:cNvPr id="65" name="PlaceHolder 2"/>
+          <p:cNvSpPr>
+            <a:spLocks noGrp="1"/>
+          </p:cNvSpPr>
+          <p:nvPr>
+            <p:ph type="body"/>
+          </p:nvPr>
+        </p:nvSpPr>
+        <p:spPr>
+          <a:xfrm>
+            <a:off x="504000" y="1326600"/>
+            <a:ext cx="4426920" cy="1568520"/>
+          </a:xfrm>
+          <a:prstGeom prst="rect">
+            <a:avLst/>
+          </a:prstGeom>
+        </p:spPr>
+        <p:txBody>
+          <a:bodyPr lIns="0" rIns="0" tIns="0" bIns="0">
+            <a:normAutofit/>
+          </a:bodyPr>
+          <a:p>
+            <a:endParaRPr b="0" lang="en-IN" sz="3200" spc="-1" strike="noStrike">
+              <a:latin typeface="Arial"/>
+            </a:endParaRPr>
+          </a:p>
+        </p:txBody>
+      </p:sp>
+      <p:sp>
+        <p:nvSpPr>
+          <p:cNvPr id="66" name="PlaceHolder 3"/>
+          <p:cNvSpPr>
+            <a:spLocks noGrp="1"/>
+          </p:cNvSpPr>
+          <p:nvPr>
+            <p:ph type="body"/>
+          </p:nvPr>
+        </p:nvSpPr>
+        <p:spPr>
+          <a:xfrm>
+            <a:off x="5152680" y="1326600"/>
+            <a:ext cx="4426920" cy="1568520"/>
+          </a:xfrm>
+          <a:prstGeom prst="rect">
+            <a:avLst/>
+          </a:prstGeom>
+        </p:spPr>
+        <p:txBody>
+          <a:bodyPr lIns="0" rIns="0" tIns="0" bIns="0">
+            <a:normAutofit/>
+          </a:bodyPr>
+          <a:p>
+            <a:endParaRPr b="0" lang="en-IN" sz="3200" spc="-1" strike="noStrike">
+              <a:latin typeface="Arial"/>
+            </a:endParaRPr>
+          </a:p>
+        </p:txBody>
+      </p:sp>
+      <p:sp>
+        <p:nvSpPr>
+          <p:cNvPr id="67" name="PlaceHolder 4"/>
+          <p:cNvSpPr>
+            <a:spLocks noGrp="1"/>
+          </p:cNvSpPr>
+          <p:nvPr>
+            <p:ph type="body"/>
+          </p:nvPr>
+        </p:nvSpPr>
+        <p:spPr>
+          <a:xfrm>
+            <a:off x="504000" y="3044520"/>
+            <a:ext cx="4426920" cy="1568520"/>
+          </a:xfrm>
+          <a:prstGeom prst="rect">
+            <a:avLst/>
+          </a:prstGeom>
+        </p:spPr>
+        <p:txBody>
+          <a:bodyPr lIns="0" rIns="0" tIns="0" bIns="0">
+            <a:normAutofit/>
+          </a:bodyPr>
+          <a:p>
+            <a:endParaRPr b="0" lang="en-IN" sz="3200" spc="-1" strike="noStrike">
+              <a:latin typeface="Arial"/>
+            </a:endParaRPr>
+          </a:p>
+        </p:txBody>
+      </p:sp>
+      <p:sp>
+        <p:nvSpPr>
+          <p:cNvPr id="68" name="PlaceHolder 5"/>
+          <p:cNvSpPr>
+            <a:spLocks noGrp="1"/>
+          </p:cNvSpPr>
+          <p:nvPr>
+            <p:ph type="body"/>
+          </p:nvPr>
+        </p:nvSpPr>
+        <p:spPr>
+          <a:xfrm>
+            <a:off x="5152680" y="3044520"/>
+            <a:ext cx="4426920" cy="1568520"/>
+          </a:xfrm>
+          <a:prstGeom prst="rect">
+            <a:avLst/>
+          </a:prstGeom>
+        </p:spPr>
+        <p:txBody>
+          <a:bodyPr lIns="0" rIns="0" tIns="0" bIns="0">
+            <a:normAutofit/>
+          </a:bodyPr>
+          <a:p>
+            <a:endParaRPr b="0" lang="en-IN" sz="3200" spc="-1" strike="noStrike">
+              <a:latin typeface="Arial"/>
+            </a:endParaRPr>
+          </a:p>
+        </p:txBody>
+      </p:sp>
+    </p:spTree>
+  </p:cSld>
+</p:sldLayout>
+</file>
+
+<file path=ppt/slideLayouts/slideLayout24.xml><?xml version="1.0" encoding="utf-8"?>
+<p:sldLayout xmlns:a="http://schemas.openxmlformats.org/drawingml/2006/main" xmlns:p="http://schemas.openxmlformats.org/presentationml/2006/main" xmlns:r="http://schemas.openxmlformats.org/officeDocument/2006/relationships" xmlns:p14="http://schemas.microsoft.com/office/powerpoint/2010/main" xmlns:p15="http://schemas.microsoft.com/office/powerpoint/2012/main" xmlns:mc="http://schemas.openxmlformats.org/markup-compatibility/2006" type="blank" preserve="1">
+  <p:cSld name="Title, 6 Content">
+    <p:spTree>
+      <p:nvGrpSpPr>
+        <p:cNvPr id="1" name=""/>
+        <p:cNvGrpSpPr/>
+        <p:nvPr/>
+      </p:nvGrpSpPr>
+      <p:grpSpPr>
+        <a:xfrm>
+          <a:off x="0" y="0"/>
+          <a:ext cx="0" cy="0"/>
+          <a:chOff x="0" y="0"/>
+          <a:chExt cx="0" cy="0"/>
+        </a:xfrm>
+      </p:grpSpPr>
+      <p:sp>
+        <p:nvSpPr>
+          <p:cNvPr id="69" name="PlaceHolder 1"/>
+          <p:cNvSpPr>
+            <a:spLocks noGrp="1"/>
+          </p:cNvSpPr>
+          <p:nvPr>
+            <p:ph type="title"/>
+          </p:nvPr>
+        </p:nvSpPr>
+        <p:spPr>
+          <a:xfrm>
+            <a:off x="504000" y="226080"/>
+            <a:ext cx="9071280" cy="946080"/>
+          </a:xfrm>
+          <a:prstGeom prst="rect">
+            <a:avLst/>
+          </a:prstGeom>
+        </p:spPr>
+        <p:txBody>
+          <a:bodyPr lIns="0" rIns="0" tIns="0" bIns="0" anchor="ctr">
+            <a:noAutofit/>
+          </a:bodyPr>
+          <a:p>
+            <a:pPr algn="ctr"/>
+            <a:endParaRPr b="0" lang="en-IN" sz="4400" spc="-1" strike="noStrike">
+              <a:latin typeface="Arial"/>
+            </a:endParaRPr>
+          </a:p>
+        </p:txBody>
+      </p:sp>
+      <p:sp>
+        <p:nvSpPr>
+          <p:cNvPr id="70" name="PlaceHolder 2"/>
+          <p:cNvSpPr>
+            <a:spLocks noGrp="1"/>
+          </p:cNvSpPr>
+          <p:nvPr>
+            <p:ph type="body"/>
+          </p:nvPr>
+        </p:nvSpPr>
+        <p:spPr>
+          <a:xfrm>
+            <a:off x="504000" y="1326600"/>
+            <a:ext cx="2921040" cy="1568520"/>
+          </a:xfrm>
+          <a:prstGeom prst="rect">
+            <a:avLst/>
+          </a:prstGeom>
+        </p:spPr>
+        <p:txBody>
+          <a:bodyPr lIns="0" rIns="0" tIns="0" bIns="0">
+            <a:normAutofit/>
+          </a:bodyPr>
+          <a:p>
+            <a:endParaRPr b="0" lang="en-IN" sz="3200" spc="-1" strike="noStrike">
+              <a:latin typeface="Arial"/>
+            </a:endParaRPr>
+          </a:p>
+        </p:txBody>
+      </p:sp>
+      <p:sp>
+        <p:nvSpPr>
+          <p:cNvPr id="71" name="PlaceHolder 3"/>
+          <p:cNvSpPr>
+            <a:spLocks noGrp="1"/>
+          </p:cNvSpPr>
+          <p:nvPr>
+            <p:ph type="body"/>
+          </p:nvPr>
+        </p:nvSpPr>
+        <p:spPr>
+          <a:xfrm>
+            <a:off x="3571560" y="1326600"/>
+            <a:ext cx="2921040" cy="1568520"/>
+          </a:xfrm>
+          <a:prstGeom prst="rect">
+            <a:avLst/>
+          </a:prstGeom>
+        </p:spPr>
+        <p:txBody>
+          <a:bodyPr lIns="0" rIns="0" tIns="0" bIns="0">
+            <a:normAutofit/>
+          </a:bodyPr>
+          <a:p>
+            <a:endParaRPr b="0" lang="en-IN" sz="3200" spc="-1" strike="noStrike">
+              <a:latin typeface="Arial"/>
+            </a:endParaRPr>
+          </a:p>
+        </p:txBody>
+      </p:sp>
+      <p:sp>
+        <p:nvSpPr>
+          <p:cNvPr id="72" name="PlaceHolder 4"/>
+          <p:cNvSpPr>
+            <a:spLocks noGrp="1"/>
+          </p:cNvSpPr>
+          <p:nvPr>
+            <p:ph type="body"/>
+          </p:nvPr>
+        </p:nvSpPr>
+        <p:spPr>
+          <a:xfrm>
+            <a:off x="6639120" y="1326600"/>
+            <a:ext cx="2921040" cy="1568520"/>
+          </a:xfrm>
+          <a:prstGeom prst="rect">
+            <a:avLst/>
+          </a:prstGeom>
+        </p:spPr>
+        <p:txBody>
+          <a:bodyPr lIns="0" rIns="0" tIns="0" bIns="0">
+            <a:normAutofit/>
+          </a:bodyPr>
+          <a:p>
+            <a:endParaRPr b="0" lang="en-IN" sz="3200" spc="-1" strike="noStrike">
+              <a:latin typeface="Arial"/>
+            </a:endParaRPr>
+          </a:p>
+        </p:txBody>
+      </p:sp>
+      <p:sp>
+        <p:nvSpPr>
+          <p:cNvPr id="73" name="PlaceHolder 5"/>
+          <p:cNvSpPr>
+            <a:spLocks noGrp="1"/>
+          </p:cNvSpPr>
+          <p:nvPr>
+            <p:ph type="body"/>
+          </p:nvPr>
+        </p:nvSpPr>
+        <p:spPr>
+          <a:xfrm>
+            <a:off x="504000" y="3044520"/>
+            <a:ext cx="2921040" cy="1568520"/>
+          </a:xfrm>
+          <a:prstGeom prst="rect">
+            <a:avLst/>
+          </a:prstGeom>
+        </p:spPr>
+        <p:txBody>
+          <a:bodyPr lIns="0" rIns="0" tIns="0" bIns="0">
+            <a:normAutofit/>
+          </a:bodyPr>
+          <a:p>
+            <a:endParaRPr b="0" lang="en-IN" sz="3200" spc="-1" strike="noStrike">
+              <a:latin typeface="Arial"/>
+            </a:endParaRPr>
+          </a:p>
+        </p:txBody>
+      </p:sp>
+      <p:sp>
+        <p:nvSpPr>
+          <p:cNvPr id="74" name="PlaceHolder 6"/>
+          <p:cNvSpPr>
+            <a:spLocks noGrp="1"/>
+          </p:cNvSpPr>
+          <p:nvPr>
+            <p:ph type="body"/>
+          </p:nvPr>
+        </p:nvSpPr>
+        <p:spPr>
+          <a:xfrm>
+            <a:off x="3571560" y="3044520"/>
+            <a:ext cx="2921040" cy="1568520"/>
+          </a:xfrm>
+          <a:prstGeom prst="rect">
+            <a:avLst/>
+          </a:prstGeom>
+        </p:spPr>
+        <p:txBody>
+          <a:bodyPr lIns="0" rIns="0" tIns="0" bIns="0">
+            <a:normAutofit/>
+          </a:bodyPr>
+          <a:p>
+            <a:endParaRPr b="0" lang="en-IN" sz="3200" spc="-1" strike="noStrike">
+              <a:latin typeface="Arial"/>
+            </a:endParaRPr>
+          </a:p>
+        </p:txBody>
+      </p:sp>
+      <p:sp>
+        <p:nvSpPr>
+          <p:cNvPr id="75" name="PlaceHolder 7"/>
+          <p:cNvSpPr>
+            <a:spLocks noGrp="1"/>
+          </p:cNvSpPr>
+          <p:nvPr>
+            <p:ph type="body"/>
+          </p:nvPr>
+        </p:nvSpPr>
+        <p:spPr>
+          <a:xfrm>
+            <a:off x="6639120" y="3044520"/>
+            <a:ext cx="2921040" cy="1568520"/>
+          </a:xfrm>
+          <a:prstGeom prst="rect">
+            <a:avLst/>
+          </a:prstGeom>
+        </p:spPr>
+        <p:txBody>
+          <a:bodyPr lIns="0" rIns="0" tIns="0" bIns="0">
+            <a:normAutofit/>
+          </a:bodyPr>
+          <a:p>
             <a:endParaRPr b="0" lang="en-IN" sz="3200" spc="-1" strike="noStrike">
               <a:latin typeface="Arial"/>
             </a:endParaRPr>
@@ -649,7 +2025,7 @@
       </p:grpSpPr>
       <p:sp>
         <p:nvSpPr>
-          <p:cNvPr id="7" name="PlaceHolder 1"/>
+          <p:cNvPr id="4" name="PlaceHolder 1"/>
           <p:cNvSpPr>
             <a:spLocks noGrp="1"/>
           </p:cNvSpPr>
@@ -660,14 +2036,16 @@
         <p:spPr>
           <a:xfrm>
             <a:off x="504000" y="226080"/>
-            <a:ext cx="9071640" cy="946440"/>
-          </a:xfrm>
-          <a:prstGeom prst="rect">
-            <a:avLst/>
-          </a:prstGeom>
-        </p:spPr>
-        <p:txBody>
-          <a:bodyPr lIns="0" rIns="0" tIns="0" bIns="0" anchor="ctr"/>
+            <a:ext cx="9071280" cy="946080"/>
+          </a:xfrm>
+          <a:prstGeom prst="rect">
+            <a:avLst/>
+          </a:prstGeom>
+        </p:spPr>
+        <p:txBody>
+          <a:bodyPr lIns="0" rIns="0" tIns="0" bIns="0" anchor="ctr">
+            <a:noAutofit/>
+          </a:bodyPr>
           <a:p>
             <a:pPr algn="ctr"/>
             <a:endParaRPr b="0" lang="en-IN" sz="4400" spc="-1" strike="noStrike">
@@ -678,7 +2056,7 @@
       </p:sp>
       <p:sp>
         <p:nvSpPr>
-          <p:cNvPr id="8" name="PlaceHolder 2"/>
+          <p:cNvPr id="5" name="PlaceHolder 2"/>
           <p:cNvSpPr>
             <a:spLocks noGrp="1"/>
           </p:cNvSpPr>
@@ -689,7 +2067,7 @@
         <p:spPr>
           <a:xfrm>
             <a:off x="504000" y="1326600"/>
-            <a:ext cx="9071640" cy="3288240"/>
+            <a:ext cx="9072000" cy="3288600"/>
           </a:xfrm>
           <a:prstGeom prst="rect">
             <a:avLst/>
@@ -730,7 +2108,7 @@
       </p:grpSpPr>
       <p:sp>
         <p:nvSpPr>
-          <p:cNvPr id="9" name="PlaceHolder 1"/>
+          <p:cNvPr id="6" name="PlaceHolder 1"/>
           <p:cNvSpPr>
             <a:spLocks noGrp="1"/>
           </p:cNvSpPr>
@@ -741,14 +2119,16 @@
         <p:spPr>
           <a:xfrm>
             <a:off x="504000" y="226080"/>
-            <a:ext cx="9071640" cy="946440"/>
-          </a:xfrm>
-          <a:prstGeom prst="rect">
-            <a:avLst/>
-          </a:prstGeom>
-        </p:spPr>
-        <p:txBody>
-          <a:bodyPr lIns="0" rIns="0" tIns="0" bIns="0" anchor="ctr"/>
+            <a:ext cx="9071280" cy="946080"/>
+          </a:xfrm>
+          <a:prstGeom prst="rect">
+            <a:avLst/>
+          </a:prstGeom>
+        </p:spPr>
+        <p:txBody>
+          <a:bodyPr lIns="0" rIns="0" tIns="0" bIns="0" anchor="ctr">
+            <a:noAutofit/>
+          </a:bodyPr>
           <a:p>
             <a:pPr algn="ctr"/>
             <a:endParaRPr b="0" lang="en-IN" sz="4400" spc="-1" strike="noStrike">
@@ -759,7 +2139,7 @@
       </p:sp>
       <p:sp>
         <p:nvSpPr>
-          <p:cNvPr id="10" name="PlaceHolder 2"/>
+          <p:cNvPr id="7" name="PlaceHolder 2"/>
           <p:cNvSpPr>
             <a:spLocks noGrp="1"/>
           </p:cNvSpPr>
@@ -770,7 +2150,7 @@
         <p:spPr>
           <a:xfrm>
             <a:off x="504000" y="1326600"/>
-            <a:ext cx="4426920" cy="3288240"/>
+            <a:ext cx="4426920" cy="3288600"/>
           </a:xfrm>
           <a:prstGeom prst="rect">
             <a:avLst/>
@@ -789,7 +2169,7 @@
       </p:sp>
       <p:sp>
         <p:nvSpPr>
-          <p:cNvPr id="11" name="PlaceHolder 3"/>
+          <p:cNvPr id="8" name="PlaceHolder 3"/>
           <p:cNvSpPr>
             <a:spLocks noGrp="1"/>
           </p:cNvSpPr>
@@ -800,7 +2180,7 @@
         <p:spPr>
           <a:xfrm>
             <a:off x="5152680" y="1326600"/>
-            <a:ext cx="4426920" cy="3288240"/>
+            <a:ext cx="4426920" cy="3288600"/>
           </a:xfrm>
           <a:prstGeom prst="rect">
             <a:avLst/>
@@ -841,7 +2221,7 @@
       </p:grpSpPr>
       <p:sp>
         <p:nvSpPr>
-          <p:cNvPr id="12" name="PlaceHolder 1"/>
+          <p:cNvPr id="9" name="PlaceHolder 1"/>
           <p:cNvSpPr>
             <a:spLocks noGrp="1"/>
           </p:cNvSpPr>
@@ -852,14 +2232,16 @@
         <p:spPr>
           <a:xfrm>
             <a:off x="504000" y="226080"/>
-            <a:ext cx="9071640" cy="946440"/>
-          </a:xfrm>
-          <a:prstGeom prst="rect">
-            <a:avLst/>
-          </a:prstGeom>
-        </p:spPr>
-        <p:txBody>
-          <a:bodyPr lIns="0" rIns="0" tIns="0" bIns="0" anchor="ctr"/>
+            <a:ext cx="9071280" cy="946080"/>
+          </a:xfrm>
+          <a:prstGeom prst="rect">
+            <a:avLst/>
+          </a:prstGeom>
+        </p:spPr>
+        <p:txBody>
+          <a:bodyPr lIns="0" rIns="0" tIns="0" bIns="0" anchor="ctr">
+            <a:noAutofit/>
+          </a:bodyPr>
           <a:p>
             <a:pPr algn="ctr"/>
             <a:endParaRPr b="0" lang="en-IN" sz="4400" spc="-1" strike="noStrike">
@@ -892,7 +2274,7 @@
       </p:grpSpPr>
       <p:sp>
         <p:nvSpPr>
-          <p:cNvPr id="13" name="PlaceHolder 1"/>
+          <p:cNvPr id="10" name="PlaceHolder 1"/>
           <p:cNvSpPr>
             <a:spLocks noGrp="1"/>
           </p:cNvSpPr>
@@ -903,14 +2285,16 @@
         <p:spPr>
           <a:xfrm>
             <a:off x="504000" y="226080"/>
-            <a:ext cx="9071640" cy="4388400"/>
-          </a:xfrm>
-          <a:prstGeom prst="rect">
-            <a:avLst/>
-          </a:prstGeom>
-        </p:spPr>
-        <p:txBody>
-          <a:bodyPr lIns="0" rIns="0" tIns="0" bIns="0" anchor="ctr"/>
+            <a:ext cx="9071280" cy="4386600"/>
+          </a:xfrm>
+          <a:prstGeom prst="rect">
+            <a:avLst/>
+          </a:prstGeom>
+        </p:spPr>
+        <p:txBody>
+          <a:bodyPr lIns="0" rIns="0" tIns="0" bIns="0" anchor="ctr">
+            <a:noAutofit/>
+          </a:bodyPr>
           <a:p>
             <a:pPr algn="ctr"/>
             <a:endParaRPr b="0" lang="en-IN" sz="3200" spc="-1" strike="noStrike">
@@ -943,7 +2327,7 @@
       </p:grpSpPr>
       <p:sp>
         <p:nvSpPr>
-          <p:cNvPr id="14" name="PlaceHolder 1"/>
+          <p:cNvPr id="11" name="PlaceHolder 1"/>
           <p:cNvSpPr>
             <a:spLocks noGrp="1"/>
           </p:cNvSpPr>
@@ -954,14 +2338,16 @@
         <p:spPr>
           <a:xfrm>
             <a:off x="504000" y="226080"/>
-            <a:ext cx="9071640" cy="946440"/>
-          </a:xfrm>
-          <a:prstGeom prst="rect">
-            <a:avLst/>
-          </a:prstGeom>
-        </p:spPr>
-        <p:txBody>
-          <a:bodyPr lIns="0" rIns="0" tIns="0" bIns="0" anchor="ctr"/>
+            <a:ext cx="9071280" cy="946080"/>
+          </a:xfrm>
+          <a:prstGeom prst="rect">
+            <a:avLst/>
+          </a:prstGeom>
+        </p:spPr>
+        <p:txBody>
+          <a:bodyPr lIns="0" rIns="0" tIns="0" bIns="0" anchor="ctr">
+            <a:noAutofit/>
+          </a:bodyPr>
           <a:p>
             <a:pPr algn="ctr"/>
             <a:endParaRPr b="0" lang="en-IN" sz="4400" spc="-1" strike="noStrike">
@@ -972,7 +2358,7 @@
       </p:sp>
       <p:sp>
         <p:nvSpPr>
-          <p:cNvPr id="15" name="PlaceHolder 2"/>
+          <p:cNvPr id="12" name="PlaceHolder 2"/>
           <p:cNvSpPr>
             <a:spLocks noGrp="1"/>
           </p:cNvSpPr>
@@ -983,7 +2369,7 @@
         <p:spPr>
           <a:xfrm>
             <a:off x="504000" y="1326600"/>
-            <a:ext cx="4426920" cy="1568160"/>
+            <a:ext cx="4426920" cy="1568520"/>
           </a:xfrm>
           <a:prstGeom prst="rect">
             <a:avLst/>
@@ -1002,7 +2388,7 @@
       </p:sp>
       <p:sp>
         <p:nvSpPr>
-          <p:cNvPr id="16" name="PlaceHolder 3"/>
+          <p:cNvPr id="13" name="PlaceHolder 3"/>
           <p:cNvSpPr>
             <a:spLocks noGrp="1"/>
           </p:cNvSpPr>
@@ -1013,7 +2399,7 @@
         <p:spPr>
           <a:xfrm>
             <a:off x="5152680" y="1326600"/>
-            <a:ext cx="4426920" cy="3288240"/>
+            <a:ext cx="4426920" cy="3288600"/>
           </a:xfrm>
           <a:prstGeom prst="rect">
             <a:avLst/>
@@ -1032,7 +2418,7 @@
       </p:sp>
       <p:sp>
         <p:nvSpPr>
-          <p:cNvPr id="17" name="PlaceHolder 4"/>
+          <p:cNvPr id="14" name="PlaceHolder 4"/>
           <p:cNvSpPr>
             <a:spLocks noGrp="1"/>
           </p:cNvSpPr>
@@ -1042,8 +2428,8 @@
         </p:nvSpPr>
         <p:spPr>
           <a:xfrm>
-            <a:off x="504000" y="3044160"/>
-            <a:ext cx="4426920" cy="1568160"/>
+            <a:off x="504000" y="3044520"/>
+            <a:ext cx="4426920" cy="1568520"/>
           </a:xfrm>
           <a:prstGeom prst="rect">
             <a:avLst/>
@@ -1084,7 +2470,7 @@
       </p:grpSpPr>
       <p:sp>
         <p:nvSpPr>
-          <p:cNvPr id="18" name="PlaceHolder 1"/>
+          <p:cNvPr id="15" name="PlaceHolder 1"/>
           <p:cNvSpPr>
             <a:spLocks noGrp="1"/>
           </p:cNvSpPr>
@@ -1095,14 +2481,16 @@
         <p:spPr>
           <a:xfrm>
             <a:off x="504000" y="226080"/>
-            <a:ext cx="9071640" cy="946440"/>
-          </a:xfrm>
-          <a:prstGeom prst="rect">
-            <a:avLst/>
-          </a:prstGeom>
-        </p:spPr>
-        <p:txBody>
-          <a:bodyPr lIns="0" rIns="0" tIns="0" bIns="0" anchor="ctr"/>
+            <a:ext cx="9071280" cy="946080"/>
+          </a:xfrm>
+          <a:prstGeom prst="rect">
+            <a:avLst/>
+          </a:prstGeom>
+        </p:spPr>
+        <p:txBody>
+          <a:bodyPr lIns="0" rIns="0" tIns="0" bIns="0" anchor="ctr">
+            <a:noAutofit/>
+          </a:bodyPr>
           <a:p>
             <a:pPr algn="ctr"/>
             <a:endParaRPr b="0" lang="en-IN" sz="4400" spc="-1" strike="noStrike">
@@ -1113,7 +2501,7 @@
       </p:sp>
       <p:sp>
         <p:nvSpPr>
-          <p:cNvPr id="19" name="PlaceHolder 2"/>
+          <p:cNvPr id="16" name="PlaceHolder 2"/>
           <p:cNvSpPr>
             <a:spLocks noGrp="1"/>
           </p:cNvSpPr>
@@ -1124,7 +2512,7 @@
         <p:spPr>
           <a:xfrm>
             <a:off x="504000" y="1326600"/>
-            <a:ext cx="4426920" cy="3288240"/>
+            <a:ext cx="4426920" cy="3288600"/>
           </a:xfrm>
           <a:prstGeom prst="rect">
             <a:avLst/>
@@ -1143,7 +2531,7 @@
       </p:sp>
       <p:sp>
         <p:nvSpPr>
-          <p:cNvPr id="20" name="PlaceHolder 3"/>
+          <p:cNvPr id="17" name="PlaceHolder 3"/>
           <p:cNvSpPr>
             <a:spLocks noGrp="1"/>
           </p:cNvSpPr>
@@ -1154,7 +2542,7 @@
         <p:spPr>
           <a:xfrm>
             <a:off x="5152680" y="1326600"/>
-            <a:ext cx="4426920" cy="1568160"/>
+            <a:ext cx="4426920" cy="1568520"/>
           </a:xfrm>
           <a:prstGeom prst="rect">
             <a:avLst/>
@@ -1173,7 +2561,7 @@
       </p:sp>
       <p:sp>
         <p:nvSpPr>
-          <p:cNvPr id="21" name="PlaceHolder 4"/>
+          <p:cNvPr id="18" name="PlaceHolder 4"/>
           <p:cNvSpPr>
             <a:spLocks noGrp="1"/>
           </p:cNvSpPr>
@@ -1183,8 +2571,8 @@
         </p:nvSpPr>
         <p:spPr>
           <a:xfrm>
-            <a:off x="5152680" y="3044160"/>
-            <a:ext cx="4426920" cy="1568160"/>
+            <a:off x="5152680" y="3044520"/>
+            <a:ext cx="4426920" cy="1568520"/>
           </a:xfrm>
           <a:prstGeom prst="rect">
             <a:avLst/>
@@ -1225,7 +2613,7 @@
       </p:grpSpPr>
       <p:sp>
         <p:nvSpPr>
-          <p:cNvPr id="22" name="PlaceHolder 1"/>
+          <p:cNvPr id="19" name="PlaceHolder 1"/>
           <p:cNvSpPr>
             <a:spLocks noGrp="1"/>
           </p:cNvSpPr>
@@ -1236,14 +2624,16 @@
         <p:spPr>
           <a:xfrm>
             <a:off x="504000" y="226080"/>
-            <a:ext cx="9071640" cy="946440"/>
-          </a:xfrm>
-          <a:prstGeom prst="rect">
-            <a:avLst/>
-          </a:prstGeom>
-        </p:spPr>
-        <p:txBody>
-          <a:bodyPr lIns="0" rIns="0" tIns="0" bIns="0" anchor="ctr"/>
+            <a:ext cx="9071280" cy="946080"/>
+          </a:xfrm>
+          <a:prstGeom prst="rect">
+            <a:avLst/>
+          </a:prstGeom>
+        </p:spPr>
+        <p:txBody>
+          <a:bodyPr lIns="0" rIns="0" tIns="0" bIns="0" anchor="ctr">
+            <a:noAutofit/>
+          </a:bodyPr>
           <a:p>
             <a:pPr algn="ctr"/>
             <a:endParaRPr b="0" lang="en-IN" sz="4400" spc="-1" strike="noStrike">
@@ -1254,7 +2644,7 @@
       </p:sp>
       <p:sp>
         <p:nvSpPr>
-          <p:cNvPr id="23" name="PlaceHolder 2"/>
+          <p:cNvPr id="20" name="PlaceHolder 2"/>
           <p:cNvSpPr>
             <a:spLocks noGrp="1"/>
           </p:cNvSpPr>
@@ -1265,7 +2655,7 @@
         <p:spPr>
           <a:xfrm>
             <a:off x="504000" y="1326600"/>
-            <a:ext cx="4426920" cy="1568160"/>
+            <a:ext cx="4426920" cy="1568520"/>
           </a:xfrm>
           <a:prstGeom prst="rect">
             <a:avLst/>
@@ -1284,7 +2674,7 @@
       </p:sp>
       <p:sp>
         <p:nvSpPr>
-          <p:cNvPr id="24" name="PlaceHolder 3"/>
+          <p:cNvPr id="21" name="PlaceHolder 3"/>
           <p:cNvSpPr>
             <a:spLocks noGrp="1"/>
           </p:cNvSpPr>
@@ -1295,7 +2685,7 @@
         <p:spPr>
           <a:xfrm>
             <a:off x="5152680" y="1326600"/>
-            <a:ext cx="4426920" cy="1568160"/>
+            <a:ext cx="4426920" cy="1568520"/>
           </a:xfrm>
           <a:prstGeom prst="rect">
             <a:avLst/>
@@ -1314,7 +2704,7 @@
       </p:sp>
       <p:sp>
         <p:nvSpPr>
-          <p:cNvPr id="25" name="PlaceHolder 4"/>
+          <p:cNvPr id="22" name="PlaceHolder 4"/>
           <p:cNvSpPr>
             <a:spLocks noGrp="1"/>
           </p:cNvSpPr>
@@ -1324,8 +2714,8 @@
         </p:nvSpPr>
         <p:spPr>
           <a:xfrm>
-            <a:off x="504000" y="3044160"/>
-            <a:ext cx="9071640" cy="1568160"/>
+            <a:off x="504000" y="3044520"/>
+            <a:ext cx="9072000" cy="1568520"/>
           </a:xfrm>
           <a:prstGeom prst="rect">
             <a:avLst/>
@@ -1377,23 +2767,25 @@
         <p:spPr>
           <a:xfrm>
             <a:off x="504000" y="226080"/>
-            <a:ext cx="9071640" cy="946440"/>
-          </a:xfrm>
-          <a:prstGeom prst="rect">
-            <a:avLst/>
-          </a:prstGeom>
-        </p:spPr>
-        <p:txBody>
-          <a:bodyPr lIns="0" rIns="0" tIns="0" bIns="0" anchor="ctr"/>
+            <a:ext cx="9071280" cy="946080"/>
+          </a:xfrm>
+          <a:prstGeom prst="rect">
+            <a:avLst/>
+          </a:prstGeom>
+        </p:spPr>
+        <p:txBody>
+          <a:bodyPr lIns="0" rIns="0" tIns="0" bIns="0" anchor="ctr">
+            <a:noAutofit/>
+          </a:bodyPr>
           <a:p>
             <a:pPr algn="ctr"/>
             <a:r>
-              <a:rPr b="0" lang="en-IN" sz="4400" spc="-1" strike="noStrike">
+              <a:rPr b="0" lang="en-IN" sz="1800" spc="-1" strike="noStrike">
                 <a:latin typeface="Arial"/>
               </a:rPr>
               <a:t>Click to edit the title text format</a:t>
             </a:r>
-            <a:endParaRPr b="0" lang="en-IN" sz="4400" spc="-1" strike="noStrike">
+            <a:endParaRPr b="0" lang="en-IN" sz="1800" spc="-1" strike="noStrike">
               <a:latin typeface="Arial"/>
             </a:endParaRPr>
           </a:p>
@@ -1412,7 +2804,7 @@
         <p:spPr>
           <a:xfrm>
             <a:off x="504000" y="1326600"/>
-            <a:ext cx="9071640" cy="3288240"/>
+            <a:ext cx="9072000" cy="3288600"/>
           </a:xfrm>
           <a:prstGeom prst="rect">
             <a:avLst/>
@@ -1574,110 +2966,6 @@
             </a:r>
             <a:endParaRPr b="0" lang="en-IN" sz="2000" spc="-1" strike="noStrike">
               <a:latin typeface="Arial"/>
-            </a:endParaRPr>
-          </a:p>
-        </p:txBody>
-      </p:sp>
-      <p:sp>
-        <p:nvSpPr>
-          <p:cNvPr id="2" name="PlaceHolder 3"/>
-          <p:cNvSpPr>
-            <a:spLocks noGrp="1"/>
-          </p:cNvSpPr>
-          <p:nvPr>
-            <p:ph type="dt"/>
-          </p:nvPr>
-        </p:nvSpPr>
-        <p:spPr>
-          <a:xfrm>
-            <a:off x="504000" y="5165280"/>
-            <a:ext cx="2348280" cy="390600"/>
-          </a:xfrm>
-          <a:prstGeom prst="rect">
-            <a:avLst/>
-          </a:prstGeom>
-        </p:spPr>
-        <p:txBody>
-          <a:bodyPr lIns="0" rIns="0" tIns="0" bIns="0"/>
-          <a:p>
-            <a:r>
-              <a:rPr b="0" lang="en-IN" sz="1400" spc="-1" strike="noStrike">
-                <a:latin typeface="Times New Roman"/>
-              </a:rPr>
-              <a:t>&lt;date/time&gt;</a:t>
-            </a:r>
-            <a:endParaRPr b="0" lang="en-IN" sz="1400" spc="-1" strike="noStrike">
-              <a:latin typeface="Times New Roman"/>
-            </a:endParaRPr>
-          </a:p>
-        </p:txBody>
-      </p:sp>
-      <p:sp>
-        <p:nvSpPr>
-          <p:cNvPr id="3" name="PlaceHolder 4"/>
-          <p:cNvSpPr>
-            <a:spLocks noGrp="1"/>
-          </p:cNvSpPr>
-          <p:nvPr>
-            <p:ph type="ftr"/>
-          </p:nvPr>
-        </p:nvSpPr>
-        <p:spPr>
-          <a:xfrm>
-            <a:off x="3447360" y="5165280"/>
-            <a:ext cx="3195000" cy="390600"/>
-          </a:xfrm>
-          <a:prstGeom prst="rect">
-            <a:avLst/>
-          </a:prstGeom>
-        </p:spPr>
-        <p:txBody>
-          <a:bodyPr lIns="0" rIns="0" tIns="0" bIns="0"/>
-          <a:p>
-            <a:pPr algn="ctr"/>
-            <a:r>
-              <a:rPr b="0" lang="en-IN" sz="1400" spc="-1" strike="noStrike">
-                <a:latin typeface="Times New Roman"/>
-              </a:rPr>
-              <a:t>&lt;footer&gt;</a:t>
-            </a:r>
-            <a:endParaRPr b="0" lang="en-IN" sz="1400" spc="-1" strike="noStrike">
-              <a:latin typeface="Times New Roman"/>
-            </a:endParaRPr>
-          </a:p>
-        </p:txBody>
-      </p:sp>
-      <p:sp>
-        <p:nvSpPr>
-          <p:cNvPr id="4" name="PlaceHolder 5"/>
-          <p:cNvSpPr>
-            <a:spLocks noGrp="1"/>
-          </p:cNvSpPr>
-          <p:nvPr>
-            <p:ph type="sldNum"/>
-          </p:nvPr>
-        </p:nvSpPr>
-        <p:spPr>
-          <a:xfrm>
-            <a:off x="7227360" y="5165280"/>
-            <a:ext cx="2348280" cy="390600"/>
-          </a:xfrm>
-          <a:prstGeom prst="rect">
-            <a:avLst/>
-          </a:prstGeom>
-        </p:spPr>
-        <p:txBody>
-          <a:bodyPr lIns="0" rIns="0" tIns="0" bIns="0"/>
-          <a:p>
-            <a:pPr algn="r"/>
-            <a:fld id="{EC7F771B-E94B-4ACE-BC70-CDBAF55A4D98}" type="slidenum">
-              <a:rPr b="0" lang="en-IN" sz="1400" spc="-1" strike="noStrike">
-                <a:latin typeface="Times New Roman"/>
-              </a:rPr>
-              <a:t>&lt;number&gt;</a:t>
-            </a:fld>
-            <a:endParaRPr b="0" lang="en-IN" sz="1400" spc="-1" strike="noStrike">
-              <a:latin typeface="Times New Roman"/>
             </a:endParaRPr>
           </a:p>
         </p:txBody>
@@ -1698,6 +2986,277 @@
     <p:sldLayoutId id="2147483658" r:id="rId11"/>
     <p:sldLayoutId id="2147483659" r:id="rId12"/>
     <p:sldLayoutId id="2147483660" r:id="rId13"/>
+  </p:sldLayoutIdLst>
+</p:sldMaster>
+</file>
+
+<file path=ppt/slideMasters/slideMaster2.xml><?xml version="1.0" encoding="utf-8"?>
+<p:sldMaster xmlns:a="http://schemas.openxmlformats.org/drawingml/2006/main" xmlns:p="http://schemas.openxmlformats.org/presentationml/2006/main" xmlns:r="http://schemas.openxmlformats.org/officeDocument/2006/relationships" xmlns:p14="http://schemas.microsoft.com/office/powerpoint/2010/main" xmlns:p15="http://schemas.microsoft.com/office/powerpoint/2012/main" xmlns:mc="http://schemas.openxmlformats.org/markup-compatibility/2006">
+  <p:cSld>
+    <p:spTree>
+      <p:nvGrpSpPr>
+        <p:cNvPr id="1" name=""/>
+        <p:cNvGrpSpPr/>
+        <p:nvPr/>
+      </p:nvGrpSpPr>
+      <p:grpSpPr>
+        <a:xfrm>
+          <a:off x="0" y="0"/>
+          <a:ext cx="0" cy="0"/>
+          <a:chOff x="0" y="0"/>
+          <a:chExt cx="0" cy="0"/>
+        </a:xfrm>
+      </p:grpSpPr>
+      <p:sp>
+        <p:nvSpPr>
+          <p:cNvPr id="38" name="PlaceHolder 1"/>
+          <p:cNvSpPr>
+            <a:spLocks noGrp="1"/>
+          </p:cNvSpPr>
+          <p:nvPr>
+            <p:ph type="title"/>
+          </p:nvPr>
+        </p:nvSpPr>
+        <p:spPr>
+          <a:xfrm>
+            <a:off x="504000" y="226080"/>
+            <a:ext cx="9071280" cy="946080"/>
+          </a:xfrm>
+          <a:prstGeom prst="rect">
+            <a:avLst/>
+          </a:prstGeom>
+        </p:spPr>
+        <p:txBody>
+          <a:bodyPr lIns="0" rIns="0" tIns="0" bIns="0" anchor="ctr">
+            <a:noAutofit/>
+          </a:bodyPr>
+          <a:p>
+            <a:pPr algn="ctr"/>
+            <a:r>
+              <a:rPr b="0" lang="en-IN" sz="1800" spc="-1" strike="noStrike">
+                <a:latin typeface="Arial"/>
+              </a:rPr>
+              <a:t>Click to </a:t>
+            </a:r>
+            <a:r>
+              <a:rPr b="0" lang="en-IN" sz="1800" spc="-1" strike="noStrike">
+                <a:latin typeface="Arial"/>
+              </a:rPr>
+              <a:t>edit the </a:t>
+            </a:r>
+            <a:r>
+              <a:rPr b="0" lang="en-IN" sz="1800" spc="-1" strike="noStrike">
+                <a:latin typeface="Arial"/>
+              </a:rPr>
+              <a:t>title text </a:t>
+            </a:r>
+            <a:r>
+              <a:rPr b="0" lang="en-IN" sz="1800" spc="-1" strike="noStrike">
+                <a:latin typeface="Arial"/>
+              </a:rPr>
+              <a:t>format</a:t>
+            </a:r>
+            <a:endParaRPr b="0" lang="en-IN" sz="1800" spc="-1" strike="noStrike">
+              <a:latin typeface="Arial"/>
+            </a:endParaRPr>
+          </a:p>
+        </p:txBody>
+      </p:sp>
+      <p:sp>
+        <p:nvSpPr>
+          <p:cNvPr id="39" name="PlaceHolder 2"/>
+          <p:cNvSpPr>
+            <a:spLocks noGrp="1"/>
+          </p:cNvSpPr>
+          <p:nvPr>
+            <p:ph type="body"/>
+          </p:nvPr>
+        </p:nvSpPr>
+        <p:spPr>
+          <a:xfrm>
+            <a:off x="504000" y="1326600"/>
+            <a:ext cx="9071280" cy="3287880"/>
+          </a:xfrm>
+          <a:prstGeom prst="rect">
+            <a:avLst/>
+          </a:prstGeom>
+        </p:spPr>
+        <p:txBody>
+          <a:bodyPr lIns="0" rIns="0" tIns="0" bIns="0">
+            <a:normAutofit/>
+          </a:bodyPr>
+          <a:p>
+            <a:pPr marL="432000" indent="-324000" algn="ctr">
+              <a:spcBef>
+                <a:spcPts val="1417"/>
+              </a:spcBef>
+              <a:buClr>
+                <a:srgbClr val="000000"/>
+              </a:buClr>
+              <a:buSzPct val="45000"/>
+              <a:buFont typeface="Wingdings" charset="2"/>
+              <a:buChar char=""/>
+            </a:pPr>
+            <a:r>
+              <a:rPr b="0" lang="en-IN" sz="1800" spc="-1" strike="noStrike">
+                <a:latin typeface="Arial"/>
+              </a:rPr>
+              <a:t>Click to edit the outline text format</a:t>
+            </a:r>
+            <a:endParaRPr b="0" lang="en-IN" sz="1800" spc="-1" strike="noStrike">
+              <a:latin typeface="Arial"/>
+            </a:endParaRPr>
+          </a:p>
+          <a:p>
+            <a:pPr lvl="1" marL="864000" indent="-324000" algn="ctr">
+              <a:spcBef>
+                <a:spcPts val="1134"/>
+              </a:spcBef>
+              <a:buClr>
+                <a:srgbClr val="000000"/>
+              </a:buClr>
+              <a:buSzPct val="75000"/>
+              <a:buFont typeface="Symbol" charset="2"/>
+              <a:buChar char=""/>
+            </a:pPr>
+            <a:r>
+              <a:rPr b="0" lang="en-IN" sz="1800" spc="-1" strike="noStrike">
+                <a:latin typeface="Arial"/>
+              </a:rPr>
+              <a:t>Second Outline Level</a:t>
+            </a:r>
+            <a:endParaRPr b="0" lang="en-IN" sz="1800" spc="-1" strike="noStrike">
+              <a:latin typeface="Arial"/>
+            </a:endParaRPr>
+          </a:p>
+          <a:p>
+            <a:pPr lvl="2" marL="1296000" indent="-288000" algn="ctr">
+              <a:spcBef>
+                <a:spcPts val="850"/>
+              </a:spcBef>
+              <a:buClr>
+                <a:srgbClr val="000000"/>
+              </a:buClr>
+              <a:buSzPct val="45000"/>
+              <a:buFont typeface="Wingdings" charset="2"/>
+              <a:buChar char=""/>
+            </a:pPr>
+            <a:r>
+              <a:rPr b="0" lang="en-IN" sz="1800" spc="-1" strike="noStrike">
+                <a:latin typeface="Arial"/>
+              </a:rPr>
+              <a:t>Third Outline Level</a:t>
+            </a:r>
+            <a:endParaRPr b="0" lang="en-IN" sz="1800" spc="-1" strike="noStrike">
+              <a:latin typeface="Arial"/>
+            </a:endParaRPr>
+          </a:p>
+          <a:p>
+            <a:pPr lvl="3" marL="1728000" indent="-216000" algn="ctr">
+              <a:spcBef>
+                <a:spcPts val="567"/>
+              </a:spcBef>
+              <a:buClr>
+                <a:srgbClr val="000000"/>
+              </a:buClr>
+              <a:buSzPct val="75000"/>
+              <a:buFont typeface="Symbol" charset="2"/>
+              <a:buChar char=""/>
+            </a:pPr>
+            <a:r>
+              <a:rPr b="0" lang="en-IN" sz="1800" spc="-1" strike="noStrike">
+                <a:latin typeface="Arial"/>
+              </a:rPr>
+              <a:t>Fourth Outline Level</a:t>
+            </a:r>
+            <a:endParaRPr b="0" lang="en-IN" sz="1800" spc="-1" strike="noStrike">
+              <a:latin typeface="Arial"/>
+            </a:endParaRPr>
+          </a:p>
+          <a:p>
+            <a:pPr lvl="4" marL="2160000" indent="-216000" algn="ctr">
+              <a:spcBef>
+                <a:spcPts val="283"/>
+              </a:spcBef>
+              <a:buClr>
+                <a:srgbClr val="000000"/>
+              </a:buClr>
+              <a:buSzPct val="45000"/>
+              <a:buFont typeface="Wingdings" charset="2"/>
+              <a:buChar char=""/>
+            </a:pPr>
+            <a:r>
+              <a:rPr b="0" lang="en-IN" sz="1800" spc="-1" strike="noStrike">
+                <a:latin typeface="Arial"/>
+              </a:rPr>
+              <a:t>Fifth Outline Level</a:t>
+            </a:r>
+            <a:endParaRPr b="0" lang="en-IN" sz="1800" spc="-1" strike="noStrike">
+              <a:latin typeface="Arial"/>
+            </a:endParaRPr>
+          </a:p>
+          <a:p>
+            <a:pPr lvl="5" marL="2592000" indent="-216000" algn="ctr">
+              <a:spcBef>
+                <a:spcPts val="283"/>
+              </a:spcBef>
+              <a:buClr>
+                <a:srgbClr val="000000"/>
+              </a:buClr>
+              <a:buSzPct val="45000"/>
+              <a:buFont typeface="Wingdings" charset="2"/>
+              <a:buChar char=""/>
+            </a:pPr>
+            <a:r>
+              <a:rPr b="0" lang="en-IN" sz="1800" spc="-1" strike="noStrike">
+                <a:latin typeface="Arial"/>
+              </a:rPr>
+              <a:t>Sixth Outline Level</a:t>
+            </a:r>
+            <a:endParaRPr b="0" lang="en-IN" sz="1800" spc="-1" strike="noStrike">
+              <a:latin typeface="Arial"/>
+            </a:endParaRPr>
+          </a:p>
+          <a:p>
+            <a:pPr lvl="6" marL="3024000" indent="-216000" algn="ctr">
+              <a:spcBef>
+                <a:spcPts val="283"/>
+              </a:spcBef>
+              <a:buClr>
+                <a:srgbClr val="000000"/>
+              </a:buClr>
+              <a:buSzPct val="45000"/>
+              <a:buFont typeface="Wingdings" charset="2"/>
+              <a:buChar char=""/>
+            </a:pPr>
+            <a:r>
+              <a:rPr b="0" lang="en-IN" sz="1800" spc="-1" strike="noStrike">
+                <a:latin typeface="Arial"/>
+              </a:rPr>
+              <a:t>Seventh Outline Level</a:t>
+            </a:r>
+            <a:endParaRPr b="0" lang="en-IN" sz="1800" spc="-1" strike="noStrike">
+              <a:latin typeface="Arial"/>
+            </a:endParaRPr>
+          </a:p>
+        </p:txBody>
+      </p:sp>
+    </p:spTree>
+  </p:cSld>
+  <p:clrMap bg1="lt1" bg2="lt2" tx1="dk1" tx2="dk2" accent1="accent1" accent2="accent2" accent3="accent3" accent4="accent4" accent5="accent5" accent6="accent6" hlink="hlink" folHlink="folHlink"/>
+  <p:sldLayoutIdLst>
+    <p:sldLayoutId id="2147483662" r:id="rId2"/>
+    <p:sldLayoutId id="2147483663" r:id="rId3"/>
+    <p:sldLayoutId id="2147483664" r:id="rId4"/>
+    <p:sldLayoutId id="2147483665" r:id="rId5"/>
+    <p:sldLayoutId id="2147483666" r:id="rId6"/>
+    <p:sldLayoutId id="2147483667" r:id="rId7"/>
+    <p:sldLayoutId id="2147483668" r:id="rId8"/>
+    <p:sldLayoutId id="2147483669" r:id="rId9"/>
+    <p:sldLayoutId id="2147483670" r:id="rId10"/>
+    <p:sldLayoutId id="2147483671" r:id="rId11"/>
+    <p:sldLayoutId id="2147483672" r:id="rId12"/>
+    <p:sldLayoutId id="2147483673" r:id="rId13"/>
   </p:sldLayoutIdLst>
 </p:sldMaster>
 </file>
@@ -1721,14 +3280,14 @@
       </p:grpSpPr>
       <p:sp>
         <p:nvSpPr>
-          <p:cNvPr id="41" name="TextShape 1"/>
-          <p:cNvSpPr txBox="1"/>
+          <p:cNvPr id="76" name="CustomShape 1"/>
+          <p:cNvSpPr/>
           <p:nvPr/>
         </p:nvSpPr>
         <p:spPr>
           <a:xfrm>
             <a:off x="504000" y="226080"/>
-            <a:ext cx="9071640" cy="946440"/>
+            <a:ext cx="9071280" cy="946080"/>
           </a:xfrm>
           <a:prstGeom prst="rect">
             <a:avLst/>
@@ -1738,26 +3297,23 @@
             <a:noFill/>
           </a:ln>
         </p:spPr>
-        <p:txBody>
-          <a:bodyPr lIns="0" rIns="0" tIns="0" bIns="0" anchor="ctr"/>
-          <a:p>
-            <a:pPr algn="ctr"/>
-            <a:endParaRPr b="0" lang="en-IN" sz="4400" spc="-1" strike="noStrike">
-              <a:latin typeface="Arial"/>
-            </a:endParaRPr>
-          </a:p>
-        </p:txBody>
-      </p:sp>
-      <p:sp>
-        <p:nvSpPr>
-          <p:cNvPr id="42" name="TextShape 2"/>
-          <p:cNvSpPr txBox="1"/>
+        <p:style>
+          <a:lnRef idx="0"/>
+          <a:fillRef idx="0"/>
+          <a:effectRef idx="0"/>
+          <a:fontRef idx="minor"/>
+        </p:style>
+      </p:sp>
+      <p:sp>
+        <p:nvSpPr>
+          <p:cNvPr id="77" name="CustomShape 2"/>
+          <p:cNvSpPr/>
           <p:nvPr/>
         </p:nvSpPr>
         <p:spPr>
           <a:xfrm>
             <a:off x="504000" y="1326600"/>
-            <a:ext cx="9071640" cy="3288240"/>
+            <a:ext cx="9071280" cy="3287880"/>
           </a:xfrm>
           <a:prstGeom prst="rect">
             <a:avLst/>
@@ -1767,11 +3323,52 @@
             <a:noFill/>
           </a:ln>
         </p:spPr>
-        <p:txBody>
-          <a:bodyPr lIns="0" rIns="0" tIns="0" bIns="0" anchor="ctr"/>
-          <a:p>
-            <a:pPr algn="ctr"/>
-            <a:endParaRPr b="0" lang="en-IN" sz="3200" spc="-1" strike="noStrike">
+        <p:style>
+          <a:lnRef idx="0"/>
+          <a:fillRef idx="0"/>
+          <a:effectRef idx="0"/>
+          <a:fontRef idx="minor"/>
+        </p:style>
+      </p:sp>
+      <p:sp>
+        <p:nvSpPr>
+          <p:cNvPr id="78" name="TextShape 3"/>
+          <p:cNvSpPr txBox="1"/>
+          <p:nvPr/>
+        </p:nvSpPr>
+        <p:spPr>
+          <a:xfrm>
+            <a:off x="720000" y="2215440"/>
+            <a:ext cx="8784000" cy="880560"/>
+          </a:xfrm>
+          <a:prstGeom prst="rect">
+            <a:avLst/>
+          </a:prstGeom>
+          <a:noFill/>
+          <a:ln>
+            <a:noFill/>
+          </a:ln>
+        </p:spPr>
+        <p:txBody>
+          <a:bodyPr lIns="90000" rIns="90000" tIns="45000" bIns="45000">
+            <a:noAutofit/>
+          </a:bodyPr>
+          <a:p>
+            <a:pPr algn="ctr">
+              <a:spcBef>
+                <a:spcPts val="1191"/>
+              </a:spcBef>
+              <a:spcAft>
+                <a:spcPts val="992"/>
+              </a:spcAft>
+            </a:pPr>
+            <a:r>
+              <a:rPr b="1" lang="en-IN" sz="3600" spc="-1" strike="noStrike">
+                <a:latin typeface="Arial"/>
+              </a:rPr>
+              <a:t>Muon tracks analysis updates</a:t>
+            </a:r>
+            <a:endParaRPr b="1" lang="en-IN" sz="3600" spc="-1" strike="noStrike">
               <a:latin typeface="Arial"/>
             </a:endParaRPr>
           </a:p>
@@ -1779,6 +3376,1087 @@
       </p:sp>
     </p:spTree>
   </p:cSld>
+  <mc:AlternateContent>
+    <mc:Choice Requires="p14">
+      <p:transition spd="slow" p14:dur="2000"/>
+    </mc:Choice>
+    <mc:Fallback>
+      <p:transition spd="slow"/>
+    </mc:Fallback>
+  </mc:AlternateContent>
+</p:sld>
+</file>
+
+<file path=ppt/slides/slide10.xml><?xml version="1.0" encoding="utf-8"?>
+<p:sld xmlns:a="http://schemas.openxmlformats.org/drawingml/2006/main" xmlns:p="http://schemas.openxmlformats.org/presentationml/2006/main" xmlns:r="http://schemas.openxmlformats.org/officeDocument/2006/relationships" xmlns:p14="http://schemas.microsoft.com/office/powerpoint/2010/main" xmlns:p15="http://schemas.microsoft.com/office/powerpoint/2012/main" xmlns:mc="http://schemas.openxmlformats.org/markup-compatibility/2006">
+  <p:cSld>
+    <p:spTree>
+      <p:nvGrpSpPr>
+        <p:cNvPr id="1" name=""/>
+        <p:cNvGrpSpPr/>
+        <p:nvPr/>
+      </p:nvGrpSpPr>
+      <p:grpSpPr>
+        <a:xfrm>
+          <a:off x="0" y="0"/>
+          <a:ext cx="0" cy="0"/>
+          <a:chOff x="0" y="0"/>
+          <a:chExt cx="0" cy="0"/>
+        </a:xfrm>
+      </p:grpSpPr>
+      <p:sp>
+        <p:nvSpPr>
+          <p:cNvPr id="176" name="CustomShape 1"/>
+          <p:cNvSpPr/>
+          <p:nvPr/>
+        </p:nvSpPr>
+        <p:spPr>
+          <a:xfrm>
+            <a:off x="504000" y="226080"/>
+            <a:ext cx="9071280" cy="946080"/>
+          </a:xfrm>
+          <a:prstGeom prst="rect">
+            <a:avLst/>
+          </a:prstGeom>
+          <a:noFill/>
+          <a:ln>
+            <a:noFill/>
+          </a:ln>
+        </p:spPr>
+        <p:style>
+          <a:lnRef idx="0"/>
+          <a:fillRef idx="0"/>
+          <a:effectRef idx="0"/>
+          <a:fontRef idx="minor"/>
+        </p:style>
+      </p:sp>
+      <p:sp>
+        <p:nvSpPr>
+          <p:cNvPr id="177" name="CustomShape 2"/>
+          <p:cNvSpPr/>
+          <p:nvPr/>
+        </p:nvSpPr>
+        <p:spPr>
+          <a:xfrm>
+            <a:off x="504000" y="-61920"/>
+            <a:ext cx="9071280" cy="946080"/>
+          </a:xfrm>
+          <a:prstGeom prst="rect">
+            <a:avLst/>
+          </a:prstGeom>
+          <a:noFill/>
+          <a:ln>
+            <a:noFill/>
+          </a:ln>
+        </p:spPr>
+        <p:style>
+          <a:lnRef idx="0"/>
+          <a:fillRef idx="0"/>
+          <a:effectRef idx="0"/>
+          <a:fontRef idx="minor"/>
+        </p:style>
+        <p:txBody>
+          <a:bodyPr lIns="0" rIns="0" tIns="0" bIns="0" anchor="ctr">
+            <a:noAutofit/>
+          </a:bodyPr>
+          <a:p>
+            <a:pPr algn="ctr">
+              <a:lnSpc>
+                <a:spcPct val="100000"/>
+              </a:lnSpc>
+            </a:pPr>
+            <a:r>
+              <a:rPr b="0" lang="en-IN" sz="4400" spc="-1" strike="noStrike">
+                <a:latin typeface="Arial"/>
+              </a:rPr>
+              <a:t>Layer 1</a:t>
+            </a:r>
+            <a:endParaRPr b="0" lang="en-IN" sz="4400" spc="-1" strike="noStrike">
+              <a:latin typeface="Arial"/>
+            </a:endParaRPr>
+          </a:p>
+        </p:txBody>
+      </p:sp>
+      <p:sp>
+        <p:nvSpPr>
+          <p:cNvPr id="178" name="TextShape 3"/>
+          <p:cNvSpPr txBox="1"/>
+          <p:nvPr/>
+        </p:nvSpPr>
+        <p:spPr>
+          <a:xfrm>
+            <a:off x="3384000" y="4968000"/>
+            <a:ext cx="3456000" cy="346320"/>
+          </a:xfrm>
+          <a:prstGeom prst="rect">
+            <a:avLst/>
+          </a:prstGeom>
+          <a:noFill/>
+          <a:ln>
+            <a:noFill/>
+          </a:ln>
+        </p:spPr>
+        <p:txBody>
+          <a:bodyPr lIns="90000" rIns="90000" tIns="45000" bIns="45000">
+            <a:noAutofit/>
+          </a:bodyPr>
+          <a:p>
+            <a:r>
+              <a:rPr b="0" lang="en-IN" sz="1800" spc="-1" strike="noStrike">
+                <a:latin typeface="Arial"/>
+              </a:rPr>
+              <a:t>Hit Pattern in Cross Layer</a:t>
+            </a:r>
+            <a:endParaRPr b="0" lang="en-IN" sz="1800" spc="-1" strike="noStrike">
+              <a:latin typeface="Arial"/>
+            </a:endParaRPr>
+          </a:p>
+        </p:txBody>
+      </p:sp>
+      <p:sp>
+        <p:nvSpPr>
+          <p:cNvPr id="179" name="TextShape 4"/>
+          <p:cNvSpPr txBox="1"/>
+          <p:nvPr/>
+        </p:nvSpPr>
+        <p:spPr>
+          <a:xfrm>
+            <a:off x="864000" y="828000"/>
+            <a:ext cx="8352000" cy="373680"/>
+          </a:xfrm>
+          <a:prstGeom prst="rect">
+            <a:avLst/>
+          </a:prstGeom>
+          <a:noFill/>
+          <a:ln>
+            <a:noFill/>
+          </a:ln>
+        </p:spPr>
+        <p:txBody>
+          <a:bodyPr lIns="90000" rIns="90000" tIns="45000" bIns="45000">
+            <a:noAutofit/>
+          </a:bodyPr>
+          <a:p>
+            <a:r>
+              <a:rPr b="0" lang="en-IN" sz="2000" spc="-1" strike="noStrike">
+                <a:latin typeface="Arial"/>
+                <a:ea typeface="Noto Sans CJK SC"/>
+              </a:rPr>
+              <a:t>                    </a:t>
+            </a:r>
+            <a:r>
+              <a:rPr b="0" lang="en-IN" sz="2000" spc="-1" strike="noStrike">
+                <a:latin typeface="Arial"/>
+                <a:ea typeface="Noto Sans CJK SC"/>
+              </a:rPr>
+              <a:t>Reconstructed Hit Points using </a:t>
+            </a:r>
+            <a:r>
+              <a:rPr b="0" lang="en-IN" sz="2000" spc="-1" strike="noStrike">
+                <a:latin typeface="Arial"/>
+              </a:rPr>
+              <a:t>experimental</a:t>
+            </a:r>
+            <a:r>
+              <a:rPr b="0" lang="en-IN" sz="2000" spc="-1" strike="noStrike">
+                <a:latin typeface="Arial"/>
+              </a:rPr>
+              <a:t> data</a:t>
+            </a:r>
+            <a:endParaRPr b="0" lang="en-IN" sz="2000" spc="-1" strike="noStrike">
+              <a:latin typeface="Arial"/>
+            </a:endParaRPr>
+          </a:p>
+        </p:txBody>
+      </p:sp>
+      <p:pic>
+        <p:nvPicPr>
+          <p:cNvPr id="180" name="" descr=""/>
+          <p:cNvPicPr/>
+          <p:nvPr/>
+        </p:nvPicPr>
+        <p:blipFill>
+          <a:blip r:embed="rId1"/>
+          <a:stretch/>
+        </p:blipFill>
+        <p:spPr>
+          <a:xfrm>
+            <a:off x="1874520" y="1411920"/>
+            <a:ext cx="5109480" cy="3484080"/>
+          </a:xfrm>
+          <a:prstGeom prst="rect">
+            <a:avLst/>
+          </a:prstGeom>
+          <a:ln>
+            <a:noFill/>
+          </a:ln>
+        </p:spPr>
+      </p:pic>
+    </p:spTree>
+  </p:cSld>
+  <mc:AlternateContent>
+    <mc:Choice Requires="p14">
+      <p:transition spd="slow" p14:dur="2000"/>
+    </mc:Choice>
+    <mc:Fallback>
+      <p:transition spd="slow"/>
+    </mc:Fallback>
+  </mc:AlternateContent>
+</p:sld>
+</file>
+
+<file path=ppt/slides/slide11.xml><?xml version="1.0" encoding="utf-8"?>
+<p:sld xmlns:a="http://schemas.openxmlformats.org/drawingml/2006/main" xmlns:p="http://schemas.openxmlformats.org/presentationml/2006/main" xmlns:r="http://schemas.openxmlformats.org/officeDocument/2006/relationships" xmlns:p14="http://schemas.microsoft.com/office/powerpoint/2010/main" xmlns:p15="http://schemas.microsoft.com/office/powerpoint/2012/main" xmlns:mc="http://schemas.openxmlformats.org/markup-compatibility/2006">
+  <p:cSld>
+    <p:spTree>
+      <p:nvGrpSpPr>
+        <p:cNvPr id="1" name=""/>
+        <p:cNvGrpSpPr/>
+        <p:nvPr/>
+      </p:nvGrpSpPr>
+      <p:grpSpPr>
+        <a:xfrm>
+          <a:off x="0" y="0"/>
+          <a:ext cx="0" cy="0"/>
+          <a:chOff x="0" y="0"/>
+          <a:chExt cx="0" cy="0"/>
+        </a:xfrm>
+      </p:grpSpPr>
+      <p:sp>
+        <p:nvSpPr>
+          <p:cNvPr id="181" name="CustomShape 1"/>
+          <p:cNvSpPr/>
+          <p:nvPr/>
+        </p:nvSpPr>
+        <p:spPr>
+          <a:xfrm>
+            <a:off x="504000" y="226080"/>
+            <a:ext cx="9071280" cy="946080"/>
+          </a:xfrm>
+          <a:prstGeom prst="rect">
+            <a:avLst/>
+          </a:prstGeom>
+          <a:noFill/>
+          <a:ln>
+            <a:noFill/>
+          </a:ln>
+        </p:spPr>
+        <p:style>
+          <a:lnRef idx="0"/>
+          <a:fillRef idx="0"/>
+          <a:effectRef idx="0"/>
+          <a:fontRef idx="minor"/>
+        </p:style>
+      </p:sp>
+      <p:sp>
+        <p:nvSpPr>
+          <p:cNvPr id="182" name="CustomShape 2"/>
+          <p:cNvSpPr/>
+          <p:nvPr/>
+        </p:nvSpPr>
+        <p:spPr>
+          <a:xfrm>
+            <a:off x="504000" y="-61920"/>
+            <a:ext cx="9071280" cy="946080"/>
+          </a:xfrm>
+          <a:prstGeom prst="rect">
+            <a:avLst/>
+          </a:prstGeom>
+          <a:noFill/>
+          <a:ln>
+            <a:noFill/>
+          </a:ln>
+        </p:spPr>
+        <p:style>
+          <a:lnRef idx="0"/>
+          <a:fillRef idx="0"/>
+          <a:effectRef idx="0"/>
+          <a:fontRef idx="minor"/>
+        </p:style>
+        <p:txBody>
+          <a:bodyPr lIns="0" rIns="0" tIns="0" bIns="0" anchor="ctr">
+            <a:noAutofit/>
+          </a:bodyPr>
+          <a:p>
+            <a:pPr algn="ctr">
+              <a:lnSpc>
+                <a:spcPct val="100000"/>
+              </a:lnSpc>
+            </a:pPr>
+            <a:r>
+              <a:rPr b="0" lang="en-IN" sz="4400" spc="-1" strike="noStrike">
+                <a:latin typeface="Arial"/>
+              </a:rPr>
+              <a:t>Layer 2</a:t>
+            </a:r>
+            <a:endParaRPr b="0" lang="en-IN" sz="4400" spc="-1" strike="noStrike">
+              <a:latin typeface="Arial"/>
+            </a:endParaRPr>
+          </a:p>
+        </p:txBody>
+      </p:sp>
+      <p:sp>
+        <p:nvSpPr>
+          <p:cNvPr id="183" name="TextShape 3"/>
+          <p:cNvSpPr txBox="1"/>
+          <p:nvPr/>
+        </p:nvSpPr>
+        <p:spPr>
+          <a:xfrm>
+            <a:off x="3456000" y="5017680"/>
+            <a:ext cx="3456000" cy="346320"/>
+          </a:xfrm>
+          <a:prstGeom prst="rect">
+            <a:avLst/>
+          </a:prstGeom>
+          <a:noFill/>
+          <a:ln>
+            <a:noFill/>
+          </a:ln>
+        </p:spPr>
+        <p:txBody>
+          <a:bodyPr lIns="90000" rIns="90000" tIns="45000" bIns="45000">
+            <a:noAutofit/>
+          </a:bodyPr>
+          <a:p>
+            <a:r>
+              <a:rPr b="0" lang="en-IN" sz="1800" spc="-1" strike="noStrike">
+                <a:latin typeface="Arial"/>
+              </a:rPr>
+              <a:t>Hit Pattern in Oblong Layer</a:t>
+            </a:r>
+            <a:endParaRPr b="0" lang="en-IN" sz="1800" spc="-1" strike="noStrike">
+              <a:latin typeface="Arial"/>
+            </a:endParaRPr>
+          </a:p>
+        </p:txBody>
+      </p:sp>
+      <p:sp>
+        <p:nvSpPr>
+          <p:cNvPr id="184" name="TextShape 4"/>
+          <p:cNvSpPr txBox="1"/>
+          <p:nvPr/>
+        </p:nvSpPr>
+        <p:spPr>
+          <a:xfrm>
+            <a:off x="864000" y="828000"/>
+            <a:ext cx="8352000" cy="373680"/>
+          </a:xfrm>
+          <a:prstGeom prst="rect">
+            <a:avLst/>
+          </a:prstGeom>
+          <a:noFill/>
+          <a:ln>
+            <a:noFill/>
+          </a:ln>
+        </p:spPr>
+        <p:txBody>
+          <a:bodyPr lIns="90000" rIns="90000" tIns="45000" bIns="45000">
+            <a:noAutofit/>
+          </a:bodyPr>
+          <a:p>
+            <a:r>
+              <a:rPr b="0" lang="en-IN" sz="2000" spc="-1" strike="noStrike">
+                <a:latin typeface="Arial"/>
+              </a:rPr>
+              <a:t>                    </a:t>
+            </a:r>
+            <a:r>
+              <a:rPr b="0" lang="en-IN" sz="2000" spc="-1" strike="noStrike">
+                <a:latin typeface="Arial"/>
+              </a:rPr>
+              <a:t>Reconstructed Hit Points using experimental data</a:t>
+            </a:r>
+            <a:endParaRPr b="0" lang="en-IN" sz="2000" spc="-1" strike="noStrike">
+              <a:latin typeface="Arial"/>
+            </a:endParaRPr>
+          </a:p>
+        </p:txBody>
+      </p:sp>
+      <p:pic>
+        <p:nvPicPr>
+          <p:cNvPr id="185" name="" descr=""/>
+          <p:cNvPicPr/>
+          <p:nvPr/>
+        </p:nvPicPr>
+        <p:blipFill>
+          <a:blip r:embed="rId1"/>
+          <a:stretch/>
+        </p:blipFill>
+        <p:spPr>
+          <a:xfrm>
+            <a:off x="2160000" y="1296000"/>
+            <a:ext cx="5384880" cy="3672000"/>
+          </a:xfrm>
+          <a:prstGeom prst="rect">
+            <a:avLst/>
+          </a:prstGeom>
+          <a:ln>
+            <a:noFill/>
+          </a:ln>
+        </p:spPr>
+      </p:pic>
+    </p:spTree>
+  </p:cSld>
+  <mc:AlternateContent>
+    <mc:Choice Requires="p14">
+      <p:transition spd="slow" p14:dur="2000"/>
+    </mc:Choice>
+    <mc:Fallback>
+      <p:transition spd="slow"/>
+    </mc:Fallback>
+  </mc:AlternateContent>
+</p:sld>
+</file>
+
+<file path=ppt/slides/slide12.xml><?xml version="1.0" encoding="utf-8"?>
+<p:sld xmlns:a="http://schemas.openxmlformats.org/drawingml/2006/main" xmlns:p="http://schemas.openxmlformats.org/presentationml/2006/main" xmlns:r="http://schemas.openxmlformats.org/officeDocument/2006/relationships" xmlns:p14="http://schemas.microsoft.com/office/powerpoint/2010/main" xmlns:p15="http://schemas.microsoft.com/office/powerpoint/2012/main" xmlns:mc="http://schemas.openxmlformats.org/markup-compatibility/2006">
+  <p:cSld>
+    <p:spTree>
+      <p:nvGrpSpPr>
+        <p:cNvPr id="1" name=""/>
+        <p:cNvGrpSpPr/>
+        <p:nvPr/>
+      </p:nvGrpSpPr>
+      <p:grpSpPr>
+        <a:xfrm>
+          <a:off x="0" y="0"/>
+          <a:ext cx="0" cy="0"/>
+          <a:chOff x="0" y="0"/>
+          <a:chExt cx="0" cy="0"/>
+        </a:xfrm>
+      </p:grpSpPr>
+      <p:sp>
+        <p:nvSpPr>
+          <p:cNvPr id="186" name="CustomShape 1"/>
+          <p:cNvSpPr/>
+          <p:nvPr/>
+        </p:nvSpPr>
+        <p:spPr>
+          <a:xfrm>
+            <a:off x="504000" y="226080"/>
+            <a:ext cx="9071280" cy="946080"/>
+          </a:xfrm>
+          <a:prstGeom prst="rect">
+            <a:avLst/>
+          </a:prstGeom>
+          <a:noFill/>
+          <a:ln>
+            <a:noFill/>
+          </a:ln>
+        </p:spPr>
+        <p:style>
+          <a:lnRef idx="0"/>
+          <a:fillRef idx="0"/>
+          <a:effectRef idx="0"/>
+          <a:fontRef idx="minor"/>
+        </p:style>
+      </p:sp>
+      <p:sp>
+        <p:nvSpPr>
+          <p:cNvPr id="187" name="CustomShape 2"/>
+          <p:cNvSpPr/>
+          <p:nvPr/>
+        </p:nvSpPr>
+        <p:spPr>
+          <a:xfrm>
+            <a:off x="504000" y="-61920"/>
+            <a:ext cx="9071280" cy="946080"/>
+          </a:xfrm>
+          <a:prstGeom prst="rect">
+            <a:avLst/>
+          </a:prstGeom>
+          <a:noFill/>
+          <a:ln>
+            <a:noFill/>
+          </a:ln>
+        </p:spPr>
+        <p:style>
+          <a:lnRef idx="0"/>
+          <a:fillRef idx="0"/>
+          <a:effectRef idx="0"/>
+          <a:fontRef idx="minor"/>
+        </p:style>
+        <p:txBody>
+          <a:bodyPr lIns="0" rIns="0" tIns="0" bIns="0" anchor="ctr">
+            <a:noAutofit/>
+          </a:bodyPr>
+          <a:p>
+            <a:pPr algn="ctr">
+              <a:lnSpc>
+                <a:spcPct val="100000"/>
+              </a:lnSpc>
+            </a:pPr>
+            <a:r>
+              <a:rPr b="0" lang="en-IN" sz="4400" spc="-1" strike="noStrike">
+                <a:latin typeface="Arial"/>
+              </a:rPr>
+              <a:t>Layer 3</a:t>
+            </a:r>
+            <a:endParaRPr b="0" lang="en-IN" sz="4400" spc="-1" strike="noStrike">
+              <a:latin typeface="Arial"/>
+            </a:endParaRPr>
+          </a:p>
+        </p:txBody>
+      </p:sp>
+      <p:sp>
+        <p:nvSpPr>
+          <p:cNvPr id="188" name="TextShape 3"/>
+          <p:cNvSpPr txBox="1"/>
+          <p:nvPr/>
+        </p:nvSpPr>
+        <p:spPr>
+          <a:xfrm>
+            <a:off x="3384000" y="4968000"/>
+            <a:ext cx="3456000" cy="346320"/>
+          </a:xfrm>
+          <a:prstGeom prst="rect">
+            <a:avLst/>
+          </a:prstGeom>
+          <a:noFill/>
+          <a:ln>
+            <a:noFill/>
+          </a:ln>
+        </p:spPr>
+        <p:txBody>
+          <a:bodyPr lIns="90000" rIns="90000" tIns="45000" bIns="45000">
+            <a:noAutofit/>
+          </a:bodyPr>
+          <a:p>
+            <a:r>
+              <a:rPr b="0" lang="en-IN" sz="1800" spc="-1" strike="noStrike">
+                <a:latin typeface="Arial"/>
+              </a:rPr>
+              <a:t>Hit Pattern in Cross Layer</a:t>
+            </a:r>
+            <a:endParaRPr b="0" lang="en-IN" sz="1800" spc="-1" strike="noStrike">
+              <a:latin typeface="Arial"/>
+            </a:endParaRPr>
+          </a:p>
+        </p:txBody>
+      </p:sp>
+      <p:sp>
+        <p:nvSpPr>
+          <p:cNvPr id="189" name="TextShape 4"/>
+          <p:cNvSpPr txBox="1"/>
+          <p:nvPr/>
+        </p:nvSpPr>
+        <p:spPr>
+          <a:xfrm>
+            <a:off x="864000" y="828000"/>
+            <a:ext cx="8352000" cy="373680"/>
+          </a:xfrm>
+          <a:prstGeom prst="rect">
+            <a:avLst/>
+          </a:prstGeom>
+          <a:noFill/>
+          <a:ln>
+            <a:noFill/>
+          </a:ln>
+        </p:spPr>
+        <p:txBody>
+          <a:bodyPr lIns="90000" rIns="90000" tIns="45000" bIns="45000">
+            <a:noAutofit/>
+          </a:bodyPr>
+          <a:p>
+            <a:r>
+              <a:rPr b="0" lang="en-IN" sz="2000" spc="-1" strike="noStrike">
+                <a:latin typeface="Arial"/>
+                <a:ea typeface="Noto Sans CJK SC"/>
+              </a:rPr>
+              <a:t>                    </a:t>
+            </a:r>
+            <a:r>
+              <a:rPr b="0" lang="en-IN" sz="2000" spc="-1" strike="noStrike">
+                <a:latin typeface="Arial"/>
+                <a:ea typeface="Noto Sans CJK SC"/>
+              </a:rPr>
+              <a:t>Reconstructed Hit Points using </a:t>
+            </a:r>
+            <a:r>
+              <a:rPr b="0" lang="en-IN" sz="2000" spc="-1" strike="noStrike">
+                <a:latin typeface="Arial"/>
+              </a:rPr>
+              <a:t>experimental</a:t>
+            </a:r>
+            <a:r>
+              <a:rPr b="0" lang="en-IN" sz="2000" spc="-1" strike="noStrike">
+                <a:latin typeface="Arial"/>
+              </a:rPr>
+              <a:t> data</a:t>
+            </a:r>
+            <a:endParaRPr b="0" lang="en-IN" sz="2000" spc="-1" strike="noStrike">
+              <a:latin typeface="Arial"/>
+            </a:endParaRPr>
+          </a:p>
+        </p:txBody>
+      </p:sp>
+      <p:pic>
+        <p:nvPicPr>
+          <p:cNvPr id="190" name="" descr=""/>
+          <p:cNvPicPr/>
+          <p:nvPr/>
+        </p:nvPicPr>
+        <p:blipFill>
+          <a:blip r:embed="rId1"/>
+          <a:stretch/>
+        </p:blipFill>
+        <p:spPr>
+          <a:xfrm>
+            <a:off x="2160000" y="1296000"/>
+            <a:ext cx="5181480" cy="3533400"/>
+          </a:xfrm>
+          <a:prstGeom prst="rect">
+            <a:avLst/>
+          </a:prstGeom>
+          <a:ln>
+            <a:noFill/>
+          </a:ln>
+        </p:spPr>
+      </p:pic>
+    </p:spTree>
+  </p:cSld>
+  <mc:AlternateContent>
+    <mc:Choice Requires="p14">
+      <p:transition spd="slow" p14:dur="2000"/>
+    </mc:Choice>
+    <mc:Fallback>
+      <p:transition spd="slow"/>
+    </mc:Fallback>
+  </mc:AlternateContent>
+</p:sld>
+</file>
+
+<file path=ppt/slides/slide13.xml><?xml version="1.0" encoding="utf-8"?>
+<p:sld xmlns:a="http://schemas.openxmlformats.org/drawingml/2006/main" xmlns:p="http://schemas.openxmlformats.org/presentationml/2006/main" xmlns:r="http://schemas.openxmlformats.org/officeDocument/2006/relationships" xmlns:p14="http://schemas.microsoft.com/office/powerpoint/2010/main" xmlns:p15="http://schemas.microsoft.com/office/powerpoint/2012/main" xmlns:mc="http://schemas.openxmlformats.org/markup-compatibility/2006">
+  <p:cSld>
+    <p:spTree>
+      <p:nvGrpSpPr>
+        <p:cNvPr id="1" name=""/>
+        <p:cNvGrpSpPr/>
+        <p:nvPr/>
+      </p:nvGrpSpPr>
+      <p:grpSpPr>
+        <a:xfrm>
+          <a:off x="0" y="0"/>
+          <a:ext cx="0" cy="0"/>
+          <a:chOff x="0" y="0"/>
+          <a:chExt cx="0" cy="0"/>
+        </a:xfrm>
+      </p:grpSpPr>
+      <p:sp>
+        <p:nvSpPr>
+          <p:cNvPr id="191" name="CustomShape 1"/>
+          <p:cNvSpPr/>
+          <p:nvPr/>
+        </p:nvSpPr>
+        <p:spPr>
+          <a:xfrm>
+            <a:off x="504000" y="226080"/>
+            <a:ext cx="9071280" cy="946080"/>
+          </a:xfrm>
+          <a:prstGeom prst="rect">
+            <a:avLst/>
+          </a:prstGeom>
+          <a:noFill/>
+          <a:ln>
+            <a:noFill/>
+          </a:ln>
+        </p:spPr>
+        <p:style>
+          <a:lnRef idx="0"/>
+          <a:fillRef idx="0"/>
+          <a:effectRef idx="0"/>
+          <a:fontRef idx="minor"/>
+        </p:style>
+      </p:sp>
+      <p:sp>
+        <p:nvSpPr>
+          <p:cNvPr id="192" name="CustomShape 2"/>
+          <p:cNvSpPr/>
+          <p:nvPr/>
+        </p:nvSpPr>
+        <p:spPr>
+          <a:xfrm>
+            <a:off x="504000" y="1326600"/>
+            <a:ext cx="9071280" cy="3287880"/>
+          </a:xfrm>
+          <a:prstGeom prst="rect">
+            <a:avLst/>
+          </a:prstGeom>
+          <a:noFill/>
+          <a:ln>
+            <a:noFill/>
+          </a:ln>
+        </p:spPr>
+        <p:style>
+          <a:lnRef idx="0"/>
+          <a:fillRef idx="0"/>
+          <a:effectRef idx="0"/>
+          <a:fontRef idx="minor"/>
+        </p:style>
+      </p:sp>
+      <p:sp>
+        <p:nvSpPr>
+          <p:cNvPr id="193" name="TextShape 3"/>
+          <p:cNvSpPr txBox="1"/>
+          <p:nvPr/>
+        </p:nvSpPr>
+        <p:spPr>
+          <a:xfrm>
+            <a:off x="216000" y="1110240"/>
+            <a:ext cx="8460000" cy="4318560"/>
+          </a:xfrm>
+          <a:prstGeom prst="rect">
+            <a:avLst/>
+          </a:prstGeom>
+          <a:noFill/>
+          <a:ln>
+            <a:noFill/>
+          </a:ln>
+        </p:spPr>
+        <p:txBody>
+          <a:bodyPr lIns="90000" rIns="90000" tIns="45000" bIns="45000">
+            <a:noAutofit/>
+          </a:bodyPr>
+          <a:p>
+            <a:endParaRPr b="0" lang="en-IN" sz="1800" spc="-1" strike="noStrike">
+              <a:latin typeface="Arial"/>
+            </a:endParaRPr>
+          </a:p>
+          <a:p>
+            <a:r>
+              <a:rPr b="1" lang="en-IN" sz="2000" spc="-1" strike="noStrike">
+                <a:solidFill>
+                  <a:srgbClr val="0000ff"/>
+                </a:solidFill>
+                <a:latin typeface="Arial"/>
+              </a:rPr>
+              <a:t>Using Machine Learning</a:t>
+            </a:r>
+            <a:endParaRPr b="0" lang="en-IN" sz="2000" spc="-1" strike="noStrike">
+              <a:latin typeface="Arial"/>
+            </a:endParaRPr>
+          </a:p>
+          <a:p>
+            <a:pPr>
+              <a:lnSpc>
+                <a:spcPct val="100000"/>
+              </a:lnSpc>
+            </a:pPr>
+            <a:endParaRPr b="0" lang="en-IN" sz="2000" spc="-1" strike="noStrike">
+              <a:latin typeface="Arial"/>
+            </a:endParaRPr>
+          </a:p>
+          <a:p>
+            <a:pPr>
+              <a:lnSpc>
+                <a:spcPct val="100000"/>
+              </a:lnSpc>
+            </a:pPr>
+            <a:r>
+              <a:rPr b="0" lang="en-IN" sz="1700" spc="-1" strike="noStrike">
+                <a:latin typeface="Arial"/>
+              </a:rPr>
+              <a:t>Using simulation, build separate model for each scintillator.</a:t>
+            </a:r>
+            <a:endParaRPr b="0" lang="en-IN" sz="1700" spc="-1" strike="noStrike">
+              <a:latin typeface="Arial"/>
+            </a:endParaRPr>
+          </a:p>
+          <a:p>
+            <a:pPr>
+              <a:lnSpc>
+                <a:spcPct val="100000"/>
+              </a:lnSpc>
+            </a:pPr>
+            <a:endParaRPr b="0" lang="en-IN" sz="1700" spc="-1" strike="noStrike">
+              <a:latin typeface="Arial"/>
+            </a:endParaRPr>
+          </a:p>
+          <a:p>
+            <a:pPr>
+              <a:lnSpc>
+                <a:spcPct val="100000"/>
+              </a:lnSpc>
+            </a:pPr>
+            <a:r>
+              <a:rPr b="0" lang="en-IN" sz="1700" spc="-1" strike="noStrike">
+                <a:latin typeface="Arial"/>
+              </a:rPr>
+              <a:t>Learning features : </a:t>
+            </a:r>
+            <a:endParaRPr b="0" lang="en-IN" sz="1700" spc="-1" strike="noStrike">
+              <a:latin typeface="Arial"/>
+            </a:endParaRPr>
+          </a:p>
+          <a:p>
+            <a:pPr>
+              <a:lnSpc>
+                <a:spcPct val="100000"/>
+              </a:lnSpc>
+            </a:pPr>
+            <a:r>
+              <a:rPr b="0" lang="en-IN" sz="1700" spc="-1" strike="noStrike">
+                <a:latin typeface="Arial"/>
+              </a:rPr>
+              <a:t>                            </a:t>
+            </a:r>
+            <a:r>
+              <a:rPr b="0" lang="en-IN" sz="1700" spc="-1" strike="noStrike">
+                <a:latin typeface="Arial"/>
+              </a:rPr>
+              <a:t>DeltaT </a:t>
+            </a:r>
+            <a:endParaRPr b="0" lang="en-IN" sz="1700" spc="-1" strike="noStrike">
+              <a:latin typeface="Arial"/>
+            </a:endParaRPr>
+          </a:p>
+          <a:p>
+            <a:pPr>
+              <a:lnSpc>
+                <a:spcPct val="100000"/>
+              </a:lnSpc>
+            </a:pPr>
+            <a:r>
+              <a:rPr b="0" lang="en-IN" sz="1700" spc="-1" strike="noStrike">
+                <a:latin typeface="Arial"/>
+              </a:rPr>
+              <a:t>                            </a:t>
+            </a:r>
+            <a:r>
+              <a:rPr b="0" lang="en-IN" sz="1700" spc="-1" strike="noStrike">
+                <a:latin typeface="Arial"/>
+              </a:rPr>
+              <a:t>Energy depostion</a:t>
+            </a:r>
+            <a:endParaRPr b="0" lang="en-IN" sz="1700" spc="-1" strike="noStrike">
+              <a:latin typeface="Arial"/>
+            </a:endParaRPr>
+          </a:p>
+          <a:p>
+            <a:pPr>
+              <a:lnSpc>
+                <a:spcPct val="100000"/>
+              </a:lnSpc>
+            </a:pPr>
+            <a:r>
+              <a:rPr b="0" lang="en-IN" sz="1700" spc="-1" strike="noStrike">
+                <a:latin typeface="Arial"/>
+              </a:rPr>
+              <a:t>	</a:t>
+            </a:r>
+            <a:r>
+              <a:rPr b="0" lang="en-IN" sz="1700" spc="-1" strike="noStrike">
+                <a:latin typeface="Arial"/>
+              </a:rPr>
+              <a:t>	</a:t>
+            </a:r>
+            <a:r>
+              <a:rPr b="0" lang="en-IN" sz="1700" spc="-1" strike="noStrike">
+                <a:latin typeface="Arial"/>
+              </a:rPr>
+              <a:t>	</a:t>
+            </a:r>
+            <a:r>
+              <a:rPr b="0" lang="en-IN" sz="1700" spc="-1" strike="noStrike">
+                <a:latin typeface="Arial"/>
+              </a:rPr>
+              <a:t>     </a:t>
+            </a:r>
+            <a:r>
+              <a:rPr b="0" lang="en-IN" sz="1700" spc="-1" strike="noStrike">
+                <a:latin typeface="Arial"/>
+              </a:rPr>
+              <a:t>Hit coordinate along axis from simulation</a:t>
+            </a:r>
+            <a:endParaRPr b="0" lang="en-IN" sz="1700" spc="-1" strike="noStrike">
+              <a:latin typeface="Arial"/>
+            </a:endParaRPr>
+          </a:p>
+          <a:p>
+            <a:pPr>
+              <a:lnSpc>
+                <a:spcPct val="100000"/>
+              </a:lnSpc>
+            </a:pPr>
+            <a:r>
+              <a:rPr b="0" lang="en-IN" sz="1700" spc="-1" strike="noStrike">
+                <a:latin typeface="Arial"/>
+              </a:rPr>
+              <a:t>Prediction :</a:t>
+            </a:r>
+            <a:endParaRPr b="0" lang="en-IN" sz="1700" spc="-1" strike="noStrike">
+              <a:latin typeface="Arial"/>
+            </a:endParaRPr>
+          </a:p>
+          <a:p>
+            <a:pPr>
+              <a:lnSpc>
+                <a:spcPct val="100000"/>
+              </a:lnSpc>
+            </a:pPr>
+            <a:r>
+              <a:rPr b="0" lang="en-IN" sz="1700" spc="-1" strike="noStrike">
+                <a:latin typeface="Arial"/>
+                <a:ea typeface="Noto Sans CJK SC"/>
+              </a:rPr>
+              <a:t>	</a:t>
+            </a:r>
+            <a:r>
+              <a:rPr b="0" lang="en-IN" sz="1700" spc="-1" strike="noStrike">
+                <a:latin typeface="Arial"/>
+                <a:ea typeface="Noto Sans CJK SC"/>
+              </a:rPr>
+              <a:t>	</a:t>
+            </a:r>
+            <a:r>
+              <a:rPr b="0" lang="en-IN" sz="1700" spc="-1" strike="noStrike">
+                <a:latin typeface="Arial"/>
+                <a:ea typeface="Noto Sans CJK SC"/>
+              </a:rPr>
+              <a:t>	</a:t>
+            </a:r>
+            <a:r>
+              <a:rPr b="0" lang="en-IN" sz="1700" spc="-1" strike="noStrike">
+                <a:latin typeface="Arial"/>
+                <a:ea typeface="Noto Sans CJK SC"/>
+              </a:rPr>
+              <a:t>    </a:t>
+            </a:r>
+            <a:r>
+              <a:rPr b="0" lang="en-IN" sz="1700" spc="-1" strike="noStrike">
+                <a:latin typeface="Arial"/>
+              </a:rPr>
+              <a:t>Hit coordinate along axis, using DeltaT and energy deposition.</a:t>
+            </a:r>
+            <a:endParaRPr b="0" lang="en-IN" sz="1700" spc="-1" strike="noStrike">
+              <a:latin typeface="Arial"/>
+            </a:endParaRPr>
+          </a:p>
+          <a:p>
+            <a:pPr>
+              <a:lnSpc>
+                <a:spcPct val="100000"/>
+              </a:lnSpc>
+            </a:pPr>
+            <a:endParaRPr b="0" lang="en-IN" sz="1700" spc="-1" strike="noStrike">
+              <a:latin typeface="Arial"/>
+            </a:endParaRPr>
+          </a:p>
+          <a:p>
+            <a:pPr>
+              <a:lnSpc>
+                <a:spcPct val="100000"/>
+              </a:lnSpc>
+            </a:pPr>
+            <a:r>
+              <a:rPr b="0" lang="en-IN" sz="1700" spc="-1" strike="noStrike">
+                <a:latin typeface="Arial"/>
+              </a:rPr>
+              <a:t>For this to be done, we need to inject the detector behaviour in the simulations.</a:t>
+            </a:r>
+            <a:endParaRPr b="0" lang="en-IN" sz="1700" spc="-1" strike="noStrike">
+              <a:latin typeface="Arial"/>
+            </a:endParaRPr>
+          </a:p>
+          <a:p>
+            <a:pPr>
+              <a:lnSpc>
+                <a:spcPct val="100000"/>
+              </a:lnSpc>
+            </a:pPr>
+            <a:r>
+              <a:rPr b="0" lang="en-IN" sz="1700" spc="-1" strike="noStrike">
+                <a:latin typeface="Arial"/>
+              </a:rPr>
+              <a:t>(Suggestions ??)</a:t>
+            </a:r>
+            <a:endParaRPr b="0" lang="en-IN" sz="1700" spc="-1" strike="noStrike">
+              <a:latin typeface="Arial"/>
+            </a:endParaRPr>
+          </a:p>
+          <a:p>
+            <a:pPr>
+              <a:lnSpc>
+                <a:spcPct val="100000"/>
+              </a:lnSpc>
+            </a:pPr>
+            <a:endParaRPr b="0" lang="en-IN" sz="1700" spc="-1" strike="noStrike">
+              <a:latin typeface="Arial"/>
+            </a:endParaRPr>
+          </a:p>
+        </p:txBody>
+      </p:sp>
+      <p:sp>
+        <p:nvSpPr>
+          <p:cNvPr id="194" name="CustomShape 4"/>
+          <p:cNvSpPr/>
+          <p:nvPr/>
+        </p:nvSpPr>
+        <p:spPr>
+          <a:xfrm>
+            <a:off x="144000" y="442080"/>
+            <a:ext cx="9792000" cy="565920"/>
+          </a:xfrm>
+          <a:prstGeom prst="rect">
+            <a:avLst/>
+          </a:prstGeom>
+          <a:solidFill>
+            <a:srgbClr val="ffff00">
+              <a:alpha val="10000"/>
+            </a:srgbClr>
+          </a:solidFill>
+          <a:ln>
+            <a:solidFill>
+              <a:srgbClr val="3465a4"/>
+            </a:solidFill>
+          </a:ln>
+        </p:spPr>
+        <p:style>
+          <a:lnRef idx="0"/>
+          <a:fillRef idx="0"/>
+          <a:effectRef idx="0"/>
+          <a:fontRef idx="minor"/>
+        </p:style>
+        <p:txBody>
+          <a:bodyPr wrap="none" lIns="90000" rIns="90000" tIns="45000" bIns="45000" anchor="ctr">
+            <a:noAutofit/>
+          </a:bodyPr>
+          <a:p>
+            <a:pPr algn="ctr">
+              <a:lnSpc>
+                <a:spcPct val="100000"/>
+              </a:lnSpc>
+            </a:pPr>
+            <a:r>
+              <a:rPr b="1" lang="en-IN" sz="2100" spc="-1" strike="noStrike">
+                <a:latin typeface="Arial"/>
+              </a:rPr>
+              <a:t>Idea : Can we even improve the hit coordinate along the axis itself </a:t>
+            </a:r>
+            <a:r>
+              <a:rPr b="1" lang="en-IN" sz="2100" spc="-1" strike="noStrike">
+                <a:latin typeface="Arial"/>
+              </a:rPr>
+              <a:t>using ML</a:t>
+            </a:r>
+            <a:endParaRPr b="0" lang="en-IN" sz="2100" spc="-1" strike="noStrike">
+              <a:latin typeface="Arial"/>
+            </a:endParaRPr>
+          </a:p>
+        </p:txBody>
+      </p:sp>
+    </p:spTree>
+  </p:cSld>
+  <mc:AlternateContent>
+    <mc:Choice Requires="p14">
+      <p:transition spd="slow" p14:dur="2000"/>
+    </mc:Choice>
+    <mc:Fallback>
+      <p:transition spd="slow"/>
+    </mc:Fallback>
+  </mc:AlternateContent>
 </p:sld>
 </file>
 
@@ -1801,14 +4479,14 @@
       </p:grpSpPr>
       <p:sp>
         <p:nvSpPr>
-          <p:cNvPr id="43" name="TextShape 1"/>
-          <p:cNvSpPr txBox="1"/>
+          <p:cNvPr id="79" name="CustomShape 1"/>
+          <p:cNvSpPr/>
           <p:nvPr/>
         </p:nvSpPr>
         <p:spPr>
           <a:xfrm>
             <a:off x="504000" y="226080"/>
-            <a:ext cx="9071640" cy="946440"/>
+            <a:ext cx="9071280" cy="946080"/>
           </a:xfrm>
           <a:prstGeom prst="rect">
             <a:avLst/>
@@ -1818,64 +4496,1820 @@
             <a:noFill/>
           </a:ln>
         </p:spPr>
-        <p:txBody>
-          <a:bodyPr lIns="0" rIns="0" tIns="0" bIns="0" anchor="ctr"/>
-          <a:p>
-            <a:pPr algn="ctr"/>
-            <a:endParaRPr b="0" lang="en-IN" sz="4400" spc="-1" strike="noStrike">
-              <a:latin typeface="Arial"/>
-            </a:endParaRPr>
-          </a:p>
-        </p:txBody>
-      </p:sp>
-      <p:pic>
-        <p:nvPicPr>
-          <p:cNvPr id="44" name="" descr=""/>
-          <p:cNvPicPr/>
+        <p:style>
+          <a:lnRef idx="0"/>
+          <a:fillRef idx="0"/>
+          <a:effectRef idx="0"/>
+          <a:fontRef idx="minor"/>
+        </p:style>
+      </p:sp>
+      <p:sp>
+        <p:nvSpPr>
+          <p:cNvPr id="80" name="CustomShape 2"/>
+          <p:cNvSpPr/>
           <p:nvPr/>
-        </p:nvPicPr>
-        <p:blipFill>
-          <a:blip r:embed="rId1"/>
-          <a:stretch/>
-        </p:blipFill>
-        <p:spPr>
-          <a:xfrm>
-            <a:off x="576000" y="1656000"/>
-            <a:ext cx="4200840" cy="2952000"/>
-          </a:xfrm>
-          <a:prstGeom prst="rect">
-            <a:avLst/>
-          </a:prstGeom>
+        </p:nvSpPr>
+        <p:spPr>
+          <a:xfrm>
+            <a:off x="504000" y="1326600"/>
+            <a:ext cx="9071280" cy="3287880"/>
+          </a:xfrm>
+          <a:prstGeom prst="rect">
+            <a:avLst/>
+          </a:prstGeom>
+          <a:noFill/>
           <a:ln>
             <a:noFill/>
           </a:ln>
         </p:spPr>
-      </p:pic>
-      <p:pic>
-        <p:nvPicPr>
-          <p:cNvPr id="45" name="" descr=""/>
-          <p:cNvPicPr/>
+        <p:style>
+          <a:lnRef idx="0"/>
+          <a:fillRef idx="0"/>
+          <a:effectRef idx="0"/>
+          <a:fontRef idx="minor"/>
+        </p:style>
+      </p:sp>
+      <p:grpSp>
+        <p:nvGrpSpPr>
+          <p:cNvPr id="81" name="Group 3"/>
+          <p:cNvGrpSpPr/>
           <p:nvPr/>
-        </p:nvPicPr>
-        <p:blipFill>
-          <a:blip r:embed="rId2"/>
-          <a:stretch/>
-        </p:blipFill>
-        <p:spPr>
-          <a:xfrm>
-            <a:off x="5472000" y="1584000"/>
-            <a:ext cx="4128120" cy="3096000"/>
-          </a:xfrm>
-          <a:prstGeom prst="rect">
-            <a:avLst/>
-          </a:prstGeom>
+        </p:nvGrpSpPr>
+        <p:grpSpPr>
+          <a:xfrm>
+            <a:off x="3096000" y="1146600"/>
+            <a:ext cx="3240000" cy="3965400"/>
+            <a:chOff x="3096000" y="1146600"/>
+            <a:chExt cx="3240000" cy="3965400"/>
+          </a:xfrm>
+        </p:grpSpPr>
+        <p:sp>
+          <p:nvSpPr>
+            <p:cNvPr id="82" name="CustomShape 4"/>
+            <p:cNvSpPr/>
+            <p:nvPr/>
+          </p:nvSpPr>
+          <p:spPr>
+            <a:xfrm>
+              <a:off x="3096000" y="1146600"/>
+              <a:ext cx="3240000" cy="360000"/>
+            </a:xfrm>
+            <a:prstGeom prst="rect">
+              <a:avLst/>
+            </a:prstGeom>
+            <a:solidFill>
+              <a:srgbClr val="729fcf"/>
+            </a:solidFill>
+            <a:ln>
+              <a:solidFill>
+                <a:srgbClr val="3465a4"/>
+              </a:solidFill>
+            </a:ln>
+          </p:spPr>
+          <p:style>
+            <a:lnRef idx="0"/>
+            <a:fillRef idx="0"/>
+            <a:effectRef idx="0"/>
+            <a:fontRef idx="minor"/>
+          </p:style>
+        </p:sp>
+        <p:grpSp>
+          <p:nvGrpSpPr>
+            <p:cNvPr id="83" name="Group 5"/>
+            <p:cNvGrpSpPr/>
+            <p:nvPr/>
+          </p:nvGrpSpPr>
+          <p:grpSpPr>
+            <a:xfrm>
+              <a:off x="3096000" y="1512000"/>
+              <a:ext cx="3240000" cy="360000"/>
+              <a:chOff x="3096000" y="1512000"/>
+              <a:chExt cx="3240000" cy="360000"/>
+            </a:xfrm>
+          </p:grpSpPr>
+          <p:sp>
+            <p:nvSpPr>
+              <p:cNvPr id="84" name="CustomShape 6"/>
+              <p:cNvSpPr/>
+              <p:nvPr/>
+            </p:nvSpPr>
+            <p:spPr>
+              <a:xfrm>
+                <a:off x="3096000" y="1512000"/>
+                <a:ext cx="360000" cy="360000"/>
+              </a:xfrm>
+              <a:prstGeom prst="rect">
+                <a:avLst/>
+              </a:prstGeom>
+              <a:solidFill>
+                <a:srgbClr val="ffff00">
+                  <a:alpha val="80000"/>
+                </a:srgbClr>
+              </a:solidFill>
+              <a:ln>
+                <a:solidFill>
+                  <a:srgbClr val="3465a4"/>
+                </a:solidFill>
+              </a:ln>
+            </p:spPr>
+            <p:style>
+              <a:lnRef idx="0"/>
+              <a:fillRef idx="0"/>
+              <a:effectRef idx="0"/>
+              <a:fontRef idx="minor"/>
+            </p:style>
+          </p:sp>
+          <p:sp>
+            <p:nvSpPr>
+              <p:cNvPr id="85" name="CustomShape 7"/>
+              <p:cNvSpPr/>
+              <p:nvPr/>
+            </p:nvSpPr>
+            <p:spPr>
+              <a:xfrm>
+                <a:off x="3456000" y="1512000"/>
+                <a:ext cx="360000" cy="360000"/>
+              </a:xfrm>
+              <a:prstGeom prst="rect">
+                <a:avLst/>
+              </a:prstGeom>
+              <a:solidFill>
+                <a:srgbClr val="ffff00">
+                  <a:alpha val="80000"/>
+                </a:srgbClr>
+              </a:solidFill>
+              <a:ln>
+                <a:solidFill>
+                  <a:srgbClr val="3465a4"/>
+                </a:solidFill>
+              </a:ln>
+            </p:spPr>
+            <p:style>
+              <a:lnRef idx="0"/>
+              <a:fillRef idx="0"/>
+              <a:effectRef idx="0"/>
+              <a:fontRef idx="minor"/>
+            </p:style>
+          </p:sp>
+          <p:sp>
+            <p:nvSpPr>
+              <p:cNvPr id="86" name="CustomShape 8"/>
+              <p:cNvSpPr/>
+              <p:nvPr/>
+            </p:nvSpPr>
+            <p:spPr>
+              <a:xfrm>
+                <a:off x="3816000" y="1512000"/>
+                <a:ext cx="360000" cy="360000"/>
+              </a:xfrm>
+              <a:prstGeom prst="rect">
+                <a:avLst/>
+              </a:prstGeom>
+              <a:solidFill>
+                <a:srgbClr val="ffff00">
+                  <a:alpha val="80000"/>
+                </a:srgbClr>
+              </a:solidFill>
+              <a:ln>
+                <a:solidFill>
+                  <a:srgbClr val="3465a4"/>
+                </a:solidFill>
+              </a:ln>
+            </p:spPr>
+            <p:style>
+              <a:lnRef idx="0"/>
+              <a:fillRef idx="0"/>
+              <a:effectRef idx="0"/>
+              <a:fontRef idx="minor"/>
+            </p:style>
+          </p:sp>
+          <p:sp>
+            <p:nvSpPr>
+              <p:cNvPr id="87" name="CustomShape 9"/>
+              <p:cNvSpPr/>
+              <p:nvPr/>
+            </p:nvSpPr>
+            <p:spPr>
+              <a:xfrm>
+                <a:off x="4176000" y="1512000"/>
+                <a:ext cx="360000" cy="360000"/>
+              </a:xfrm>
+              <a:prstGeom prst="rect">
+                <a:avLst/>
+              </a:prstGeom>
+              <a:solidFill>
+                <a:srgbClr val="ffff00">
+                  <a:alpha val="80000"/>
+                </a:srgbClr>
+              </a:solidFill>
+              <a:ln>
+                <a:solidFill>
+                  <a:srgbClr val="3465a4"/>
+                </a:solidFill>
+              </a:ln>
+            </p:spPr>
+            <p:style>
+              <a:lnRef idx="0"/>
+              <a:fillRef idx="0"/>
+              <a:effectRef idx="0"/>
+              <a:fontRef idx="minor"/>
+            </p:style>
+          </p:sp>
+          <p:sp>
+            <p:nvSpPr>
+              <p:cNvPr id="88" name="CustomShape 10"/>
+              <p:cNvSpPr/>
+              <p:nvPr/>
+            </p:nvSpPr>
+            <p:spPr>
+              <a:xfrm>
+                <a:off x="4536000" y="1512000"/>
+                <a:ext cx="360000" cy="360000"/>
+              </a:xfrm>
+              <a:prstGeom prst="rect">
+                <a:avLst/>
+              </a:prstGeom>
+              <a:solidFill>
+                <a:srgbClr val="ffff00">
+                  <a:alpha val="80000"/>
+                </a:srgbClr>
+              </a:solidFill>
+              <a:ln>
+                <a:solidFill>
+                  <a:srgbClr val="3465a4"/>
+                </a:solidFill>
+              </a:ln>
+            </p:spPr>
+            <p:style>
+              <a:lnRef idx="0"/>
+              <a:fillRef idx="0"/>
+              <a:effectRef idx="0"/>
+              <a:fontRef idx="minor"/>
+            </p:style>
+          </p:sp>
+          <p:sp>
+            <p:nvSpPr>
+              <p:cNvPr id="89" name="CustomShape 11"/>
+              <p:cNvSpPr/>
+              <p:nvPr/>
+            </p:nvSpPr>
+            <p:spPr>
+              <a:xfrm>
+                <a:off x="4896000" y="1512000"/>
+                <a:ext cx="360000" cy="360000"/>
+              </a:xfrm>
+              <a:prstGeom prst="rect">
+                <a:avLst/>
+              </a:prstGeom>
+              <a:solidFill>
+                <a:srgbClr val="ffff00">
+                  <a:alpha val="80000"/>
+                </a:srgbClr>
+              </a:solidFill>
+              <a:ln>
+                <a:solidFill>
+                  <a:srgbClr val="3465a4"/>
+                </a:solidFill>
+              </a:ln>
+            </p:spPr>
+            <p:style>
+              <a:lnRef idx="0"/>
+              <a:fillRef idx="0"/>
+              <a:effectRef idx="0"/>
+              <a:fontRef idx="minor"/>
+            </p:style>
+          </p:sp>
+          <p:sp>
+            <p:nvSpPr>
+              <p:cNvPr id="90" name="CustomShape 12"/>
+              <p:cNvSpPr/>
+              <p:nvPr/>
+            </p:nvSpPr>
+            <p:spPr>
+              <a:xfrm>
+                <a:off x="5256000" y="1512000"/>
+                <a:ext cx="360000" cy="360000"/>
+              </a:xfrm>
+              <a:prstGeom prst="rect">
+                <a:avLst/>
+              </a:prstGeom>
+              <a:solidFill>
+                <a:srgbClr val="ffff00">
+                  <a:alpha val="80000"/>
+                </a:srgbClr>
+              </a:solidFill>
+              <a:ln>
+                <a:solidFill>
+                  <a:srgbClr val="3465a4"/>
+                </a:solidFill>
+              </a:ln>
+            </p:spPr>
+            <p:style>
+              <a:lnRef idx="0"/>
+              <a:fillRef idx="0"/>
+              <a:effectRef idx="0"/>
+              <a:fontRef idx="minor"/>
+            </p:style>
+          </p:sp>
+          <p:sp>
+            <p:nvSpPr>
+              <p:cNvPr id="91" name="CustomShape 13"/>
+              <p:cNvSpPr/>
+              <p:nvPr/>
+            </p:nvSpPr>
+            <p:spPr>
+              <a:xfrm>
+                <a:off x="5616000" y="1512000"/>
+                <a:ext cx="360000" cy="360000"/>
+              </a:xfrm>
+              <a:prstGeom prst="rect">
+                <a:avLst/>
+              </a:prstGeom>
+              <a:solidFill>
+                <a:srgbClr val="ffff00">
+                  <a:alpha val="80000"/>
+                </a:srgbClr>
+              </a:solidFill>
+              <a:ln>
+                <a:solidFill>
+                  <a:srgbClr val="3465a4"/>
+                </a:solidFill>
+              </a:ln>
+            </p:spPr>
+            <p:style>
+              <a:lnRef idx="0"/>
+              <a:fillRef idx="0"/>
+              <a:effectRef idx="0"/>
+              <a:fontRef idx="minor"/>
+            </p:style>
+          </p:sp>
+          <p:sp>
+            <p:nvSpPr>
+              <p:cNvPr id="92" name="CustomShape 14"/>
+              <p:cNvSpPr/>
+              <p:nvPr/>
+            </p:nvSpPr>
+            <p:spPr>
+              <a:xfrm>
+                <a:off x="5976000" y="1512000"/>
+                <a:ext cx="360000" cy="360000"/>
+              </a:xfrm>
+              <a:prstGeom prst="rect">
+                <a:avLst/>
+              </a:prstGeom>
+              <a:solidFill>
+                <a:srgbClr val="ffff00">
+                  <a:alpha val="80000"/>
+                </a:srgbClr>
+              </a:solidFill>
+              <a:ln>
+                <a:solidFill>
+                  <a:srgbClr val="3465a4"/>
+                </a:solidFill>
+              </a:ln>
+            </p:spPr>
+            <p:style>
+              <a:lnRef idx="0"/>
+              <a:fillRef idx="0"/>
+              <a:effectRef idx="0"/>
+              <a:fontRef idx="minor"/>
+            </p:style>
+          </p:sp>
+        </p:grpSp>
+        <p:sp>
+          <p:nvSpPr>
+            <p:cNvPr id="93" name="CustomShape 15"/>
+            <p:cNvSpPr/>
+            <p:nvPr/>
+          </p:nvSpPr>
+          <p:spPr>
+            <a:xfrm>
+              <a:off x="3096000" y="1872000"/>
+              <a:ext cx="3240000" cy="360000"/>
+            </a:xfrm>
+            <a:prstGeom prst="rect">
+              <a:avLst/>
+            </a:prstGeom>
+            <a:solidFill>
+              <a:srgbClr val="729fcf"/>
+            </a:solidFill>
+            <a:ln>
+              <a:solidFill>
+                <a:srgbClr val="3465a4"/>
+              </a:solidFill>
+            </a:ln>
+          </p:spPr>
+          <p:style>
+            <a:lnRef idx="0"/>
+            <a:fillRef idx="0"/>
+            <a:effectRef idx="0"/>
+            <a:fontRef idx="minor"/>
+          </p:style>
+        </p:sp>
+        <p:sp>
+          <p:nvSpPr>
+            <p:cNvPr id="94" name="CustomShape 16"/>
+            <p:cNvSpPr/>
+            <p:nvPr/>
+          </p:nvSpPr>
+          <p:spPr>
+            <a:xfrm>
+              <a:off x="3096000" y="3312000"/>
+              <a:ext cx="3240000" cy="360000"/>
+            </a:xfrm>
+            <a:prstGeom prst="rect">
+              <a:avLst/>
+            </a:prstGeom>
+            <a:solidFill>
+              <a:srgbClr val="729fcf"/>
+            </a:solidFill>
+            <a:ln>
+              <a:solidFill>
+                <a:srgbClr val="3465a4"/>
+              </a:solidFill>
+            </a:ln>
+          </p:spPr>
+          <p:style>
+            <a:lnRef idx="0"/>
+            <a:fillRef idx="0"/>
+            <a:effectRef idx="0"/>
+            <a:fontRef idx="minor"/>
+          </p:style>
+        </p:sp>
+        <p:sp>
+          <p:nvSpPr>
+            <p:cNvPr id="95" name="CustomShape 17"/>
+            <p:cNvSpPr/>
+            <p:nvPr/>
+          </p:nvSpPr>
+          <p:spPr>
+            <a:xfrm>
+              <a:off x="3096000" y="4032000"/>
+              <a:ext cx="3240000" cy="360000"/>
+            </a:xfrm>
+            <a:prstGeom prst="rect">
+              <a:avLst/>
+            </a:prstGeom>
+            <a:solidFill>
+              <a:srgbClr val="729fcf"/>
+            </a:solidFill>
+            <a:ln>
+              <a:solidFill>
+                <a:srgbClr val="3465a4"/>
+              </a:solidFill>
+            </a:ln>
+          </p:spPr>
+          <p:style>
+            <a:lnRef idx="0"/>
+            <a:fillRef idx="0"/>
+            <a:effectRef idx="0"/>
+            <a:fontRef idx="minor"/>
+          </p:style>
+        </p:sp>
+        <p:sp>
+          <p:nvSpPr>
+            <p:cNvPr id="96" name="CustomShape 18"/>
+            <p:cNvSpPr/>
+            <p:nvPr/>
+          </p:nvSpPr>
+          <p:spPr>
+            <a:xfrm>
+              <a:off x="3096000" y="4752000"/>
+              <a:ext cx="3240000" cy="360000"/>
+            </a:xfrm>
+            <a:prstGeom prst="rect">
+              <a:avLst/>
+            </a:prstGeom>
+            <a:solidFill>
+              <a:srgbClr val="729fcf"/>
+            </a:solidFill>
+            <a:ln>
+              <a:solidFill>
+                <a:srgbClr val="3465a4"/>
+              </a:solidFill>
+            </a:ln>
+          </p:spPr>
+          <p:style>
+            <a:lnRef idx="0"/>
+            <a:fillRef idx="0"/>
+            <a:effectRef idx="0"/>
+            <a:fontRef idx="minor"/>
+          </p:style>
+        </p:sp>
+        <p:grpSp>
+          <p:nvGrpSpPr>
+            <p:cNvPr id="97" name="Group 19"/>
+            <p:cNvGrpSpPr/>
+            <p:nvPr/>
+          </p:nvGrpSpPr>
+          <p:grpSpPr>
+            <a:xfrm>
+              <a:off x="3096000" y="3672000"/>
+              <a:ext cx="3240000" cy="360000"/>
+              <a:chOff x="3096000" y="3672000"/>
+              <a:chExt cx="3240000" cy="360000"/>
+            </a:xfrm>
+          </p:grpSpPr>
+          <p:sp>
+            <p:nvSpPr>
+              <p:cNvPr id="98" name="CustomShape 20"/>
+              <p:cNvSpPr/>
+              <p:nvPr/>
+            </p:nvSpPr>
+            <p:spPr>
+              <a:xfrm>
+                <a:off x="3096000" y="3672000"/>
+                <a:ext cx="360000" cy="360000"/>
+              </a:xfrm>
+              <a:prstGeom prst="rect">
+                <a:avLst/>
+              </a:prstGeom>
+              <a:solidFill>
+                <a:srgbClr val="ffff00">
+                  <a:alpha val="80000"/>
+                </a:srgbClr>
+              </a:solidFill>
+              <a:ln>
+                <a:solidFill>
+                  <a:srgbClr val="3465a4"/>
+                </a:solidFill>
+              </a:ln>
+            </p:spPr>
+            <p:style>
+              <a:lnRef idx="0"/>
+              <a:fillRef idx="0"/>
+              <a:effectRef idx="0"/>
+              <a:fontRef idx="minor"/>
+            </p:style>
+          </p:sp>
+          <p:sp>
+            <p:nvSpPr>
+              <p:cNvPr id="99" name="CustomShape 21"/>
+              <p:cNvSpPr/>
+              <p:nvPr/>
+            </p:nvSpPr>
+            <p:spPr>
+              <a:xfrm>
+                <a:off x="3456000" y="3672000"/>
+                <a:ext cx="360000" cy="360000"/>
+              </a:xfrm>
+              <a:prstGeom prst="rect">
+                <a:avLst/>
+              </a:prstGeom>
+              <a:solidFill>
+                <a:srgbClr val="ffff00">
+                  <a:alpha val="80000"/>
+                </a:srgbClr>
+              </a:solidFill>
+              <a:ln>
+                <a:solidFill>
+                  <a:srgbClr val="3465a4"/>
+                </a:solidFill>
+              </a:ln>
+            </p:spPr>
+            <p:style>
+              <a:lnRef idx="0"/>
+              <a:fillRef idx="0"/>
+              <a:effectRef idx="0"/>
+              <a:fontRef idx="minor"/>
+            </p:style>
+          </p:sp>
+          <p:sp>
+            <p:nvSpPr>
+              <p:cNvPr id="100" name="CustomShape 22"/>
+              <p:cNvSpPr/>
+              <p:nvPr/>
+            </p:nvSpPr>
+            <p:spPr>
+              <a:xfrm>
+                <a:off x="3816000" y="3672000"/>
+                <a:ext cx="360000" cy="360000"/>
+              </a:xfrm>
+              <a:prstGeom prst="rect">
+                <a:avLst/>
+              </a:prstGeom>
+              <a:solidFill>
+                <a:srgbClr val="ffff00">
+                  <a:alpha val="80000"/>
+                </a:srgbClr>
+              </a:solidFill>
+              <a:ln>
+                <a:solidFill>
+                  <a:srgbClr val="3465a4"/>
+                </a:solidFill>
+              </a:ln>
+            </p:spPr>
+            <p:style>
+              <a:lnRef idx="0"/>
+              <a:fillRef idx="0"/>
+              <a:effectRef idx="0"/>
+              <a:fontRef idx="minor"/>
+            </p:style>
+          </p:sp>
+          <p:sp>
+            <p:nvSpPr>
+              <p:cNvPr id="101" name="CustomShape 23"/>
+              <p:cNvSpPr/>
+              <p:nvPr/>
+            </p:nvSpPr>
+            <p:spPr>
+              <a:xfrm>
+                <a:off x="4176000" y="3672000"/>
+                <a:ext cx="360000" cy="360000"/>
+              </a:xfrm>
+              <a:prstGeom prst="rect">
+                <a:avLst/>
+              </a:prstGeom>
+              <a:solidFill>
+                <a:srgbClr val="ffff00">
+                  <a:alpha val="80000"/>
+                </a:srgbClr>
+              </a:solidFill>
+              <a:ln>
+                <a:solidFill>
+                  <a:srgbClr val="3465a4"/>
+                </a:solidFill>
+              </a:ln>
+            </p:spPr>
+            <p:style>
+              <a:lnRef idx="0"/>
+              <a:fillRef idx="0"/>
+              <a:effectRef idx="0"/>
+              <a:fontRef idx="minor"/>
+            </p:style>
+          </p:sp>
+          <p:sp>
+            <p:nvSpPr>
+              <p:cNvPr id="102" name="CustomShape 24"/>
+              <p:cNvSpPr/>
+              <p:nvPr/>
+            </p:nvSpPr>
+            <p:spPr>
+              <a:xfrm>
+                <a:off x="4536000" y="3672000"/>
+                <a:ext cx="360000" cy="360000"/>
+              </a:xfrm>
+              <a:prstGeom prst="rect">
+                <a:avLst/>
+              </a:prstGeom>
+              <a:solidFill>
+                <a:srgbClr val="ffff00">
+                  <a:alpha val="80000"/>
+                </a:srgbClr>
+              </a:solidFill>
+              <a:ln>
+                <a:solidFill>
+                  <a:srgbClr val="3465a4"/>
+                </a:solidFill>
+              </a:ln>
+            </p:spPr>
+            <p:style>
+              <a:lnRef idx="0"/>
+              <a:fillRef idx="0"/>
+              <a:effectRef idx="0"/>
+              <a:fontRef idx="minor"/>
+            </p:style>
+          </p:sp>
+          <p:sp>
+            <p:nvSpPr>
+              <p:cNvPr id="103" name="CustomShape 25"/>
+              <p:cNvSpPr/>
+              <p:nvPr/>
+            </p:nvSpPr>
+            <p:spPr>
+              <a:xfrm>
+                <a:off x="4896000" y="3672000"/>
+                <a:ext cx="360000" cy="360000"/>
+              </a:xfrm>
+              <a:prstGeom prst="rect">
+                <a:avLst/>
+              </a:prstGeom>
+              <a:solidFill>
+                <a:srgbClr val="ffff00">
+                  <a:alpha val="80000"/>
+                </a:srgbClr>
+              </a:solidFill>
+              <a:ln>
+                <a:solidFill>
+                  <a:srgbClr val="3465a4"/>
+                </a:solidFill>
+              </a:ln>
+            </p:spPr>
+            <p:style>
+              <a:lnRef idx="0"/>
+              <a:fillRef idx="0"/>
+              <a:effectRef idx="0"/>
+              <a:fontRef idx="minor"/>
+            </p:style>
+          </p:sp>
+          <p:sp>
+            <p:nvSpPr>
+              <p:cNvPr id="104" name="CustomShape 26"/>
+              <p:cNvSpPr/>
+              <p:nvPr/>
+            </p:nvSpPr>
+            <p:spPr>
+              <a:xfrm>
+                <a:off x="5256000" y="3672000"/>
+                <a:ext cx="360000" cy="360000"/>
+              </a:xfrm>
+              <a:prstGeom prst="rect">
+                <a:avLst/>
+              </a:prstGeom>
+              <a:solidFill>
+                <a:srgbClr val="ffff00">
+                  <a:alpha val="80000"/>
+                </a:srgbClr>
+              </a:solidFill>
+              <a:ln>
+                <a:solidFill>
+                  <a:srgbClr val="3465a4"/>
+                </a:solidFill>
+              </a:ln>
+            </p:spPr>
+            <p:style>
+              <a:lnRef idx="0"/>
+              <a:fillRef idx="0"/>
+              <a:effectRef idx="0"/>
+              <a:fontRef idx="minor"/>
+            </p:style>
+          </p:sp>
+          <p:sp>
+            <p:nvSpPr>
+              <p:cNvPr id="105" name="CustomShape 27"/>
+              <p:cNvSpPr/>
+              <p:nvPr/>
+            </p:nvSpPr>
+            <p:spPr>
+              <a:xfrm>
+                <a:off x="5616000" y="3672000"/>
+                <a:ext cx="360000" cy="360000"/>
+              </a:xfrm>
+              <a:prstGeom prst="rect">
+                <a:avLst/>
+              </a:prstGeom>
+              <a:solidFill>
+                <a:srgbClr val="ffff00">
+                  <a:alpha val="80000"/>
+                </a:srgbClr>
+              </a:solidFill>
+              <a:ln>
+                <a:solidFill>
+                  <a:srgbClr val="3465a4"/>
+                </a:solidFill>
+              </a:ln>
+            </p:spPr>
+            <p:style>
+              <a:lnRef idx="0"/>
+              <a:fillRef idx="0"/>
+              <a:effectRef idx="0"/>
+              <a:fontRef idx="minor"/>
+            </p:style>
+          </p:sp>
+          <p:sp>
+            <p:nvSpPr>
+              <p:cNvPr id="106" name="CustomShape 28"/>
+              <p:cNvSpPr/>
+              <p:nvPr/>
+            </p:nvSpPr>
+            <p:spPr>
+              <a:xfrm>
+                <a:off x="5976000" y="3672000"/>
+                <a:ext cx="360000" cy="360000"/>
+              </a:xfrm>
+              <a:prstGeom prst="rect">
+                <a:avLst/>
+              </a:prstGeom>
+              <a:solidFill>
+                <a:srgbClr val="ffff00">
+                  <a:alpha val="80000"/>
+                </a:srgbClr>
+              </a:solidFill>
+              <a:ln>
+                <a:solidFill>
+                  <a:srgbClr val="3465a4"/>
+                </a:solidFill>
+              </a:ln>
+            </p:spPr>
+            <p:style>
+              <a:lnRef idx="0"/>
+              <a:fillRef idx="0"/>
+              <a:effectRef idx="0"/>
+              <a:fontRef idx="minor"/>
+            </p:style>
+          </p:sp>
+        </p:grpSp>
+        <p:grpSp>
+          <p:nvGrpSpPr>
+            <p:cNvPr id="107" name="Group 29"/>
+            <p:cNvGrpSpPr/>
+            <p:nvPr/>
+          </p:nvGrpSpPr>
+          <p:grpSpPr>
+            <a:xfrm>
+              <a:off x="3096000" y="4392000"/>
+              <a:ext cx="3240000" cy="360000"/>
+              <a:chOff x="3096000" y="4392000"/>
+              <a:chExt cx="3240000" cy="360000"/>
+            </a:xfrm>
+          </p:grpSpPr>
+          <p:sp>
+            <p:nvSpPr>
+              <p:cNvPr id="108" name="CustomShape 30"/>
+              <p:cNvSpPr/>
+              <p:nvPr/>
+            </p:nvSpPr>
+            <p:spPr>
+              <a:xfrm>
+                <a:off x="3096000" y="4392000"/>
+                <a:ext cx="360000" cy="360000"/>
+              </a:xfrm>
+              <a:prstGeom prst="rect">
+                <a:avLst/>
+              </a:prstGeom>
+              <a:solidFill>
+                <a:srgbClr val="ffff00">
+                  <a:alpha val="80000"/>
+                </a:srgbClr>
+              </a:solidFill>
+              <a:ln>
+                <a:solidFill>
+                  <a:srgbClr val="3465a4"/>
+                </a:solidFill>
+              </a:ln>
+            </p:spPr>
+            <p:style>
+              <a:lnRef idx="0"/>
+              <a:fillRef idx="0"/>
+              <a:effectRef idx="0"/>
+              <a:fontRef idx="minor"/>
+            </p:style>
+          </p:sp>
+          <p:sp>
+            <p:nvSpPr>
+              <p:cNvPr id="109" name="CustomShape 31"/>
+              <p:cNvSpPr/>
+              <p:nvPr/>
+            </p:nvSpPr>
+            <p:spPr>
+              <a:xfrm>
+                <a:off x="3456000" y="4392000"/>
+                <a:ext cx="360000" cy="360000"/>
+              </a:xfrm>
+              <a:prstGeom prst="rect">
+                <a:avLst/>
+              </a:prstGeom>
+              <a:solidFill>
+                <a:srgbClr val="ffff00">
+                  <a:alpha val="80000"/>
+                </a:srgbClr>
+              </a:solidFill>
+              <a:ln>
+                <a:solidFill>
+                  <a:srgbClr val="3465a4"/>
+                </a:solidFill>
+              </a:ln>
+            </p:spPr>
+            <p:style>
+              <a:lnRef idx="0"/>
+              <a:fillRef idx="0"/>
+              <a:effectRef idx="0"/>
+              <a:fontRef idx="minor"/>
+            </p:style>
+          </p:sp>
+          <p:sp>
+            <p:nvSpPr>
+              <p:cNvPr id="110" name="CustomShape 32"/>
+              <p:cNvSpPr/>
+              <p:nvPr/>
+            </p:nvSpPr>
+            <p:spPr>
+              <a:xfrm>
+                <a:off x="3816000" y="4392000"/>
+                <a:ext cx="360000" cy="360000"/>
+              </a:xfrm>
+              <a:prstGeom prst="rect">
+                <a:avLst/>
+              </a:prstGeom>
+              <a:solidFill>
+                <a:srgbClr val="ffff00">
+                  <a:alpha val="80000"/>
+                </a:srgbClr>
+              </a:solidFill>
+              <a:ln>
+                <a:solidFill>
+                  <a:srgbClr val="3465a4"/>
+                </a:solidFill>
+              </a:ln>
+            </p:spPr>
+            <p:style>
+              <a:lnRef idx="0"/>
+              <a:fillRef idx="0"/>
+              <a:effectRef idx="0"/>
+              <a:fontRef idx="minor"/>
+            </p:style>
+          </p:sp>
+          <p:sp>
+            <p:nvSpPr>
+              <p:cNvPr id="111" name="CustomShape 33"/>
+              <p:cNvSpPr/>
+              <p:nvPr/>
+            </p:nvSpPr>
+            <p:spPr>
+              <a:xfrm>
+                <a:off x="4176000" y="4392000"/>
+                <a:ext cx="360000" cy="360000"/>
+              </a:xfrm>
+              <a:prstGeom prst="rect">
+                <a:avLst/>
+              </a:prstGeom>
+              <a:solidFill>
+                <a:srgbClr val="ffff00">
+                  <a:alpha val="80000"/>
+                </a:srgbClr>
+              </a:solidFill>
+              <a:ln>
+                <a:solidFill>
+                  <a:srgbClr val="3465a4"/>
+                </a:solidFill>
+              </a:ln>
+            </p:spPr>
+            <p:style>
+              <a:lnRef idx="0"/>
+              <a:fillRef idx="0"/>
+              <a:effectRef idx="0"/>
+              <a:fontRef idx="minor"/>
+            </p:style>
+          </p:sp>
+          <p:sp>
+            <p:nvSpPr>
+              <p:cNvPr id="112" name="CustomShape 34"/>
+              <p:cNvSpPr/>
+              <p:nvPr/>
+            </p:nvSpPr>
+            <p:spPr>
+              <a:xfrm>
+                <a:off x="4536000" y="4392000"/>
+                <a:ext cx="360000" cy="360000"/>
+              </a:xfrm>
+              <a:prstGeom prst="rect">
+                <a:avLst/>
+              </a:prstGeom>
+              <a:solidFill>
+                <a:srgbClr val="ffff00">
+                  <a:alpha val="80000"/>
+                </a:srgbClr>
+              </a:solidFill>
+              <a:ln>
+                <a:solidFill>
+                  <a:srgbClr val="3465a4"/>
+                </a:solidFill>
+              </a:ln>
+            </p:spPr>
+            <p:style>
+              <a:lnRef idx="0"/>
+              <a:fillRef idx="0"/>
+              <a:effectRef idx="0"/>
+              <a:fontRef idx="minor"/>
+            </p:style>
+          </p:sp>
+          <p:sp>
+            <p:nvSpPr>
+              <p:cNvPr id="113" name="CustomShape 35"/>
+              <p:cNvSpPr/>
+              <p:nvPr/>
+            </p:nvSpPr>
+            <p:spPr>
+              <a:xfrm>
+                <a:off x="4896000" y="4392000"/>
+                <a:ext cx="360000" cy="360000"/>
+              </a:xfrm>
+              <a:prstGeom prst="rect">
+                <a:avLst/>
+              </a:prstGeom>
+              <a:solidFill>
+                <a:srgbClr val="ffff00">
+                  <a:alpha val="80000"/>
+                </a:srgbClr>
+              </a:solidFill>
+              <a:ln>
+                <a:solidFill>
+                  <a:srgbClr val="3465a4"/>
+                </a:solidFill>
+              </a:ln>
+            </p:spPr>
+            <p:style>
+              <a:lnRef idx="0"/>
+              <a:fillRef idx="0"/>
+              <a:effectRef idx="0"/>
+              <a:fontRef idx="minor"/>
+            </p:style>
+          </p:sp>
+          <p:sp>
+            <p:nvSpPr>
+              <p:cNvPr id="114" name="CustomShape 36"/>
+              <p:cNvSpPr/>
+              <p:nvPr/>
+            </p:nvSpPr>
+            <p:spPr>
+              <a:xfrm>
+                <a:off x="5256000" y="4392000"/>
+                <a:ext cx="360000" cy="360000"/>
+              </a:xfrm>
+              <a:prstGeom prst="rect">
+                <a:avLst/>
+              </a:prstGeom>
+              <a:solidFill>
+                <a:srgbClr val="ffff00">
+                  <a:alpha val="80000"/>
+                </a:srgbClr>
+              </a:solidFill>
+              <a:ln>
+                <a:solidFill>
+                  <a:srgbClr val="3465a4"/>
+                </a:solidFill>
+              </a:ln>
+            </p:spPr>
+            <p:style>
+              <a:lnRef idx="0"/>
+              <a:fillRef idx="0"/>
+              <a:effectRef idx="0"/>
+              <a:fontRef idx="minor"/>
+            </p:style>
+          </p:sp>
+          <p:sp>
+            <p:nvSpPr>
+              <p:cNvPr id="115" name="CustomShape 37"/>
+              <p:cNvSpPr/>
+              <p:nvPr/>
+            </p:nvSpPr>
+            <p:spPr>
+              <a:xfrm>
+                <a:off x="5616000" y="4392000"/>
+                <a:ext cx="360000" cy="360000"/>
+              </a:xfrm>
+              <a:prstGeom prst="rect">
+                <a:avLst/>
+              </a:prstGeom>
+              <a:solidFill>
+                <a:srgbClr val="ffff00">
+                  <a:alpha val="80000"/>
+                </a:srgbClr>
+              </a:solidFill>
+              <a:ln>
+                <a:solidFill>
+                  <a:srgbClr val="3465a4"/>
+                </a:solidFill>
+              </a:ln>
+            </p:spPr>
+            <p:style>
+              <a:lnRef idx="0"/>
+              <a:fillRef idx="0"/>
+              <a:effectRef idx="0"/>
+              <a:fontRef idx="minor"/>
+            </p:style>
+          </p:sp>
+          <p:sp>
+            <p:nvSpPr>
+              <p:cNvPr id="116" name="CustomShape 38"/>
+              <p:cNvSpPr/>
+              <p:nvPr/>
+            </p:nvSpPr>
+            <p:spPr>
+              <a:xfrm>
+                <a:off x="5976000" y="4392000"/>
+                <a:ext cx="360000" cy="360000"/>
+              </a:xfrm>
+              <a:prstGeom prst="rect">
+                <a:avLst/>
+              </a:prstGeom>
+              <a:solidFill>
+                <a:srgbClr val="ffff00">
+                  <a:alpha val="80000"/>
+                </a:srgbClr>
+              </a:solidFill>
+              <a:ln>
+                <a:solidFill>
+                  <a:srgbClr val="3465a4"/>
+                </a:solidFill>
+              </a:ln>
+            </p:spPr>
+            <p:style>
+              <a:lnRef idx="0"/>
+              <a:fillRef idx="0"/>
+              <a:effectRef idx="0"/>
+              <a:fontRef idx="minor"/>
+            </p:style>
+          </p:sp>
+        </p:grpSp>
+      </p:grpSp>
+      <p:grpSp>
+        <p:nvGrpSpPr>
+          <p:cNvPr id="117" name="Group 39"/>
+          <p:cNvGrpSpPr/>
+          <p:nvPr/>
+        </p:nvGrpSpPr>
+        <p:grpSpPr>
+          <a:xfrm>
+            <a:off x="576000" y="1080000"/>
+            <a:ext cx="2448000" cy="4176000"/>
+            <a:chOff x="576000" y="1080000"/>
+            <a:chExt cx="2448000" cy="4176000"/>
+          </a:xfrm>
+        </p:grpSpPr>
+        <p:sp>
+          <p:nvSpPr>
+            <p:cNvPr id="118" name="CustomShape 40"/>
+            <p:cNvSpPr/>
+            <p:nvPr/>
+          </p:nvSpPr>
+          <p:spPr>
+            <a:xfrm>
+              <a:off x="576000" y="2232000"/>
+              <a:ext cx="1008000" cy="360000"/>
+            </a:xfrm>
+            <a:prstGeom prst="rect">
+              <a:avLst/>
+            </a:prstGeom>
+            <a:solidFill>
+              <a:srgbClr val="729fcf"/>
+            </a:solidFill>
+            <a:ln>
+              <a:solidFill>
+                <a:srgbClr val="3465a4"/>
+              </a:solidFill>
+            </a:ln>
+          </p:spPr>
+          <p:style>
+            <a:lnRef idx="0"/>
+            <a:fillRef idx="0"/>
+            <a:effectRef idx="0"/>
+            <a:fontRef idx="minor"/>
+          </p:style>
+          <p:txBody>
+            <a:bodyPr wrap="none" lIns="90000" rIns="90000" tIns="45000" bIns="45000" anchor="ctr">
+              <a:noAutofit/>
+            </a:bodyPr>
+            <a:p>
+              <a:pPr algn="ctr"/>
+              <a:r>
+                <a:rPr b="0" lang="en-IN" sz="1800" spc="-1" strike="noStrike">
+                  <a:latin typeface="Arial"/>
+                </a:rPr>
+                <a:t>Oblong</a:t>
+              </a:r>
+              <a:endParaRPr b="0" lang="en-IN" sz="1800" spc="-1" strike="noStrike">
+                <a:latin typeface="Arial"/>
+              </a:endParaRPr>
+            </a:p>
+          </p:txBody>
+        </p:sp>
+        <p:sp>
+          <p:nvSpPr>
+            <p:cNvPr id="119" name="CustomShape 41"/>
+            <p:cNvSpPr/>
+            <p:nvPr/>
+          </p:nvSpPr>
+          <p:spPr>
+            <a:xfrm>
+              <a:off x="576000" y="2592000"/>
+              <a:ext cx="1008000" cy="360000"/>
+            </a:xfrm>
+            <a:prstGeom prst="rect">
+              <a:avLst/>
+            </a:prstGeom>
+            <a:solidFill>
+              <a:srgbClr val="ffff00">
+                <a:alpha val="80000"/>
+              </a:srgbClr>
+            </a:solidFill>
+            <a:ln>
+              <a:solidFill>
+                <a:srgbClr val="3465a4"/>
+              </a:solidFill>
+            </a:ln>
+          </p:spPr>
+          <p:style>
+            <a:lnRef idx="0"/>
+            <a:fillRef idx="0"/>
+            <a:effectRef idx="0"/>
+            <a:fontRef idx="minor"/>
+          </p:style>
+          <p:txBody>
+            <a:bodyPr wrap="none" lIns="90000" rIns="90000" tIns="45000" bIns="45000" anchor="ctr">
+              <a:noAutofit/>
+            </a:bodyPr>
+            <a:p>
+              <a:pPr algn="ctr"/>
+              <a:r>
+                <a:rPr b="0" lang="en-IN" sz="1800" spc="-1" strike="noStrike">
+                  <a:latin typeface="Arial"/>
+                </a:rPr>
+                <a:t>Cross</a:t>
+              </a:r>
+              <a:endParaRPr b="0" lang="en-IN" sz="1800" spc="-1" strike="noStrike">
+                <a:latin typeface="Arial"/>
+              </a:endParaRPr>
+            </a:p>
+          </p:txBody>
+        </p:sp>
+        <p:sp>
+          <p:nvSpPr>
+            <p:cNvPr id="120" name="CustomShape 42"/>
+            <p:cNvSpPr/>
+            <p:nvPr/>
+          </p:nvSpPr>
+          <p:spPr>
+            <a:xfrm>
+              <a:off x="2520000" y="4752000"/>
+              <a:ext cx="432000" cy="360000"/>
+            </a:xfrm>
+            <a:prstGeom prst="rect">
+              <a:avLst/>
+            </a:prstGeom>
+            <a:solidFill>
+              <a:srgbClr val="729fcf"/>
+            </a:solidFill>
+            <a:ln>
+              <a:solidFill>
+                <a:srgbClr val="3465a4"/>
+              </a:solidFill>
+            </a:ln>
+          </p:spPr>
+          <p:style>
+            <a:lnRef idx="0"/>
+            <a:fillRef idx="0"/>
+            <a:effectRef idx="0"/>
+            <a:fontRef idx="minor"/>
+          </p:style>
+          <p:txBody>
+            <a:bodyPr wrap="none" lIns="90000" rIns="90000" tIns="45000" bIns="45000" anchor="ctr">
+              <a:noAutofit/>
+            </a:bodyPr>
+            <a:p>
+              <a:pPr algn="ctr"/>
+              <a:r>
+                <a:rPr b="0" lang="en-IN" sz="1800" spc="-1" strike="noStrike">
+                  <a:latin typeface="Arial"/>
+                </a:rPr>
+                <a:t>0</a:t>
+              </a:r>
+              <a:endParaRPr b="0" lang="en-IN" sz="1800" spc="-1" strike="noStrike">
+                <a:latin typeface="Arial"/>
+              </a:endParaRPr>
+            </a:p>
+          </p:txBody>
+        </p:sp>
+        <p:sp>
+          <p:nvSpPr>
+            <p:cNvPr id="121" name="CustomShape 43"/>
+            <p:cNvSpPr/>
+            <p:nvPr/>
+          </p:nvSpPr>
+          <p:spPr>
+            <a:xfrm>
+              <a:off x="2520000" y="4392000"/>
+              <a:ext cx="432000" cy="360000"/>
+            </a:xfrm>
+            <a:prstGeom prst="rect">
+              <a:avLst/>
+            </a:prstGeom>
+            <a:solidFill>
+              <a:srgbClr val="ffff00">
+                <a:alpha val="80000"/>
+              </a:srgbClr>
+            </a:solidFill>
+            <a:ln>
+              <a:solidFill>
+                <a:srgbClr val="3465a4"/>
+              </a:solidFill>
+            </a:ln>
+          </p:spPr>
+          <p:style>
+            <a:lnRef idx="0"/>
+            <a:fillRef idx="0"/>
+            <a:effectRef idx="0"/>
+            <a:fontRef idx="minor"/>
+          </p:style>
+          <p:txBody>
+            <a:bodyPr wrap="none" lIns="90000" rIns="90000" tIns="45000" bIns="45000" anchor="ctr">
+              <a:noAutofit/>
+            </a:bodyPr>
+            <a:p>
+              <a:pPr algn="ctr"/>
+              <a:r>
+                <a:rPr b="0" lang="en-IN" sz="1800" spc="-1" strike="noStrike">
+                  <a:latin typeface="Arial"/>
+                </a:rPr>
+                <a:t>1</a:t>
+              </a:r>
+              <a:endParaRPr b="0" lang="en-IN" sz="1800" spc="-1" strike="noStrike">
+                <a:latin typeface="Arial"/>
+              </a:endParaRPr>
+            </a:p>
+          </p:txBody>
+        </p:sp>
+        <p:sp>
+          <p:nvSpPr>
+            <p:cNvPr id="122" name="CustomShape 44"/>
+            <p:cNvSpPr/>
+            <p:nvPr/>
+          </p:nvSpPr>
+          <p:spPr>
+            <a:xfrm>
+              <a:off x="2520000" y="4032000"/>
+              <a:ext cx="432000" cy="360000"/>
+            </a:xfrm>
+            <a:prstGeom prst="rect">
+              <a:avLst/>
+            </a:prstGeom>
+            <a:solidFill>
+              <a:srgbClr val="729fcf"/>
+            </a:solidFill>
+            <a:ln>
+              <a:solidFill>
+                <a:srgbClr val="3465a4"/>
+              </a:solidFill>
+            </a:ln>
+          </p:spPr>
+          <p:style>
+            <a:lnRef idx="0"/>
+            <a:fillRef idx="0"/>
+            <a:effectRef idx="0"/>
+            <a:fontRef idx="minor"/>
+          </p:style>
+          <p:txBody>
+            <a:bodyPr wrap="none" lIns="90000" rIns="90000" tIns="45000" bIns="45000" anchor="ctr">
+              <a:noAutofit/>
+            </a:bodyPr>
+            <a:p>
+              <a:pPr algn="ctr"/>
+              <a:r>
+                <a:rPr b="0" lang="en-IN" sz="1800" spc="-1" strike="noStrike">
+                  <a:latin typeface="Arial"/>
+                </a:rPr>
+                <a:t>2</a:t>
+              </a:r>
+              <a:endParaRPr b="0" lang="en-IN" sz="1800" spc="-1" strike="noStrike">
+                <a:latin typeface="Arial"/>
+              </a:endParaRPr>
+            </a:p>
+          </p:txBody>
+        </p:sp>
+        <p:sp>
+          <p:nvSpPr>
+            <p:cNvPr id="123" name="CustomShape 45"/>
+            <p:cNvSpPr/>
+            <p:nvPr/>
+          </p:nvSpPr>
+          <p:spPr>
+            <a:xfrm>
+              <a:off x="2520000" y="3312000"/>
+              <a:ext cx="432000" cy="360000"/>
+            </a:xfrm>
+            <a:prstGeom prst="rect">
+              <a:avLst/>
+            </a:prstGeom>
+            <a:solidFill>
+              <a:srgbClr val="729fcf"/>
+            </a:solidFill>
+            <a:ln>
+              <a:solidFill>
+                <a:srgbClr val="3465a4"/>
+              </a:solidFill>
+            </a:ln>
+          </p:spPr>
+          <p:style>
+            <a:lnRef idx="0"/>
+            <a:fillRef idx="0"/>
+            <a:effectRef idx="0"/>
+            <a:fontRef idx="minor"/>
+          </p:style>
+          <p:txBody>
+            <a:bodyPr wrap="none" lIns="90000" rIns="90000" tIns="45000" bIns="45000" anchor="ctr">
+              <a:noAutofit/>
+            </a:bodyPr>
+            <a:p>
+              <a:pPr algn="ctr"/>
+              <a:r>
+                <a:rPr b="0" lang="en-IN" sz="1800" spc="-1" strike="noStrike">
+                  <a:latin typeface="Arial"/>
+                </a:rPr>
+                <a:t>4</a:t>
+              </a:r>
+              <a:endParaRPr b="0" lang="en-IN" sz="1800" spc="-1" strike="noStrike">
+                <a:latin typeface="Arial"/>
+              </a:endParaRPr>
+            </a:p>
+          </p:txBody>
+        </p:sp>
+        <p:sp>
+          <p:nvSpPr>
+            <p:cNvPr id="124" name="CustomShape 46"/>
+            <p:cNvSpPr/>
+            <p:nvPr/>
+          </p:nvSpPr>
+          <p:spPr>
+            <a:xfrm>
+              <a:off x="2520000" y="1872000"/>
+              <a:ext cx="432000" cy="360000"/>
+            </a:xfrm>
+            <a:prstGeom prst="rect">
+              <a:avLst/>
+            </a:prstGeom>
+            <a:solidFill>
+              <a:srgbClr val="729fcf"/>
+            </a:solidFill>
+            <a:ln>
+              <a:solidFill>
+                <a:srgbClr val="3465a4"/>
+              </a:solidFill>
+            </a:ln>
+          </p:spPr>
+          <p:style>
+            <a:lnRef idx="0"/>
+            <a:fillRef idx="0"/>
+            <a:effectRef idx="0"/>
+            <a:fontRef idx="minor"/>
+          </p:style>
+          <p:txBody>
+            <a:bodyPr wrap="none" lIns="90000" rIns="90000" tIns="45000" bIns="45000" anchor="ctr">
+              <a:noAutofit/>
+            </a:bodyPr>
+            <a:p>
+              <a:pPr algn="ctr"/>
+              <a:r>
+                <a:rPr b="0" lang="en-IN" sz="1800" spc="-1" strike="noStrike">
+                  <a:latin typeface="Arial"/>
+                </a:rPr>
+                <a:t>7</a:t>
+              </a:r>
+              <a:endParaRPr b="0" lang="en-IN" sz="1800" spc="-1" strike="noStrike">
+                <a:latin typeface="Arial"/>
+              </a:endParaRPr>
+            </a:p>
+          </p:txBody>
+        </p:sp>
+        <p:sp>
+          <p:nvSpPr>
+            <p:cNvPr id="125" name="CustomShape 47"/>
+            <p:cNvSpPr/>
+            <p:nvPr/>
+          </p:nvSpPr>
+          <p:spPr>
+            <a:xfrm>
+              <a:off x="2520000" y="1152000"/>
+              <a:ext cx="432000" cy="360000"/>
+            </a:xfrm>
+            <a:prstGeom prst="rect">
+              <a:avLst/>
+            </a:prstGeom>
+            <a:solidFill>
+              <a:srgbClr val="729fcf"/>
+            </a:solidFill>
+            <a:ln>
+              <a:solidFill>
+                <a:srgbClr val="3465a4"/>
+              </a:solidFill>
+            </a:ln>
+          </p:spPr>
+          <p:style>
+            <a:lnRef idx="0"/>
+            <a:fillRef idx="0"/>
+            <a:effectRef idx="0"/>
+            <a:fontRef idx="minor"/>
+          </p:style>
+          <p:txBody>
+            <a:bodyPr wrap="none" lIns="90000" rIns="90000" tIns="45000" bIns="45000" anchor="ctr">
+              <a:noAutofit/>
+            </a:bodyPr>
+            <a:p>
+              <a:pPr algn="ctr"/>
+              <a:r>
+                <a:rPr b="0" lang="en-IN" sz="1800" spc="-1" strike="noStrike">
+                  <a:latin typeface="Arial"/>
+                </a:rPr>
+                <a:t>9</a:t>
+              </a:r>
+              <a:endParaRPr b="0" lang="en-IN" sz="1800" spc="-1" strike="noStrike">
+                <a:latin typeface="Arial"/>
+              </a:endParaRPr>
+            </a:p>
+          </p:txBody>
+        </p:sp>
+        <p:sp>
+          <p:nvSpPr>
+            <p:cNvPr id="126" name="CustomShape 48"/>
+            <p:cNvSpPr/>
+            <p:nvPr/>
+          </p:nvSpPr>
+          <p:spPr>
+            <a:xfrm>
+              <a:off x="2520000" y="3672000"/>
+              <a:ext cx="432000" cy="360000"/>
+            </a:xfrm>
+            <a:prstGeom prst="rect">
+              <a:avLst/>
+            </a:prstGeom>
+            <a:solidFill>
+              <a:srgbClr val="ffff00">
+                <a:alpha val="80000"/>
+              </a:srgbClr>
+            </a:solidFill>
+            <a:ln>
+              <a:solidFill>
+                <a:srgbClr val="3465a4"/>
+              </a:solidFill>
+            </a:ln>
+          </p:spPr>
+          <p:style>
+            <a:lnRef idx="0"/>
+            <a:fillRef idx="0"/>
+            <a:effectRef idx="0"/>
+            <a:fontRef idx="minor"/>
+          </p:style>
+          <p:txBody>
+            <a:bodyPr wrap="none" lIns="90000" rIns="90000" tIns="45000" bIns="45000" anchor="ctr">
+              <a:noAutofit/>
+            </a:bodyPr>
+            <a:p>
+              <a:pPr algn="ctr"/>
+              <a:r>
+                <a:rPr b="0" lang="en-IN" sz="1800" spc="-1" strike="noStrike">
+                  <a:latin typeface="Arial"/>
+                </a:rPr>
+                <a:t>3</a:t>
+              </a:r>
+              <a:endParaRPr b="0" lang="en-IN" sz="1800" spc="-1" strike="noStrike">
+                <a:latin typeface="Arial"/>
+              </a:endParaRPr>
+            </a:p>
+          </p:txBody>
+        </p:sp>
+        <p:sp>
+          <p:nvSpPr>
+            <p:cNvPr id="127" name="CustomShape 49"/>
+            <p:cNvSpPr/>
+            <p:nvPr/>
+          </p:nvSpPr>
+          <p:spPr>
+            <a:xfrm>
+              <a:off x="2520000" y="1512000"/>
+              <a:ext cx="432000" cy="360000"/>
+            </a:xfrm>
+            <a:prstGeom prst="rect">
+              <a:avLst/>
+            </a:prstGeom>
+            <a:solidFill>
+              <a:srgbClr val="ffff00">
+                <a:alpha val="80000"/>
+              </a:srgbClr>
+            </a:solidFill>
+            <a:ln>
+              <a:solidFill>
+                <a:srgbClr val="3465a4"/>
+              </a:solidFill>
+            </a:ln>
+          </p:spPr>
+          <p:style>
+            <a:lnRef idx="0"/>
+            <a:fillRef idx="0"/>
+            <a:effectRef idx="0"/>
+            <a:fontRef idx="minor"/>
+          </p:style>
+          <p:txBody>
+            <a:bodyPr wrap="none" lIns="90000" rIns="90000" tIns="45000" bIns="45000" anchor="ctr">
+              <a:noAutofit/>
+            </a:bodyPr>
+            <a:p>
+              <a:pPr algn="ctr"/>
+              <a:r>
+                <a:rPr b="0" lang="en-IN" sz="1800" spc="-1" strike="noStrike">
+                  <a:latin typeface="Arial"/>
+                </a:rPr>
+                <a:t>8</a:t>
+              </a:r>
+              <a:endParaRPr b="0" lang="en-IN" sz="1800" spc="-1" strike="noStrike">
+                <a:latin typeface="Arial"/>
+              </a:endParaRPr>
+            </a:p>
+          </p:txBody>
+        </p:sp>
+        <p:sp>
+          <p:nvSpPr>
+            <p:cNvPr id="128" name="CustomShape 50"/>
+            <p:cNvSpPr/>
+            <p:nvPr/>
+          </p:nvSpPr>
+          <p:spPr>
+            <a:xfrm>
+              <a:off x="2448000" y="1080000"/>
+              <a:ext cx="576000" cy="4176000"/>
+            </a:xfrm>
+            <a:prstGeom prst="rect">
+              <a:avLst/>
+            </a:prstGeom>
+            <a:solidFill>
+              <a:srgbClr val="ff7b59">
+                <a:alpha val="10000"/>
+              </a:srgbClr>
+            </a:solidFill>
+            <a:ln>
+              <a:solidFill>
+                <a:srgbClr val="3465a4"/>
+              </a:solidFill>
+            </a:ln>
+          </p:spPr>
+          <p:style>
+            <a:lnRef idx="0"/>
+            <a:fillRef idx="0"/>
+            <a:effectRef idx="0"/>
+            <a:fontRef idx="minor"/>
+          </p:style>
+        </p:sp>
+      </p:grpSp>
+      <p:sp>
+        <p:nvSpPr>
+          <p:cNvPr id="129" name="Line 51"/>
+          <p:cNvSpPr/>
+          <p:nvPr/>
+        </p:nvSpPr>
+        <p:spPr>
+          <a:xfrm>
+            <a:off x="3096000" y="2880000"/>
+            <a:ext cx="3240000" cy="0"/>
+          </a:xfrm>
+          <a:prstGeom prst="line">
+            <a:avLst/>
+          </a:prstGeom>
+          <a:ln w="72000">
+            <a:solidFill>
+              <a:srgbClr val="813709"/>
+            </a:solidFill>
+            <a:round/>
+          </a:ln>
+        </p:spPr>
+        <p:style>
+          <a:lnRef idx="0"/>
+          <a:fillRef idx="0"/>
+          <a:effectRef idx="0"/>
+          <a:fontRef idx="minor"/>
+        </p:style>
+      </p:sp>
+      <p:sp>
+        <p:nvSpPr>
+          <p:cNvPr id="130" name="TextShape 52"/>
+          <p:cNvSpPr txBox="1"/>
+          <p:nvPr/>
+        </p:nvSpPr>
+        <p:spPr>
+          <a:xfrm>
+            <a:off x="6552000" y="2736000"/>
+            <a:ext cx="2088000" cy="346320"/>
+          </a:xfrm>
+          <a:prstGeom prst="rect">
+            <a:avLst/>
+          </a:prstGeom>
+          <a:noFill/>
           <a:ln>
             <a:noFill/>
           </a:ln>
         </p:spPr>
-      </p:pic>
+        <p:txBody>
+          <a:bodyPr lIns="90000" rIns="90000" tIns="45000" bIns="45000">
+            <a:noAutofit/>
+          </a:bodyPr>
+          <a:p>
+            <a:r>
+              <a:rPr b="0" lang="en-IN" sz="1800" spc="-1" strike="noStrike">
+                <a:latin typeface="Arial"/>
+              </a:rPr>
+              <a:t>Slab for scatterer</a:t>
+            </a:r>
+            <a:endParaRPr b="0" lang="en-IN" sz="1800" spc="-1" strike="noStrike">
+              <a:latin typeface="Arial"/>
+            </a:endParaRPr>
+          </a:p>
+        </p:txBody>
+      </p:sp>
+      <p:sp>
+        <p:nvSpPr>
+          <p:cNvPr id="131" name="TextShape 53"/>
+          <p:cNvSpPr txBox="1"/>
+          <p:nvPr/>
+        </p:nvSpPr>
+        <p:spPr>
+          <a:xfrm>
+            <a:off x="6624000" y="1512000"/>
+            <a:ext cx="2088000" cy="346320"/>
+          </a:xfrm>
+          <a:prstGeom prst="rect">
+            <a:avLst/>
+          </a:prstGeom>
+          <a:noFill/>
+          <a:ln>
+            <a:noFill/>
+          </a:ln>
+        </p:spPr>
+        <p:txBody>
+          <a:bodyPr lIns="90000" rIns="90000" tIns="45000" bIns="45000">
+            <a:noAutofit/>
+          </a:bodyPr>
+          <a:p>
+            <a:r>
+              <a:rPr b="0" lang="en-IN" sz="1800" spc="-1" strike="noStrike">
+                <a:latin typeface="Arial"/>
+              </a:rPr>
+              <a:t>Top Layers</a:t>
+            </a:r>
+            <a:endParaRPr b="0" lang="en-IN" sz="1800" spc="-1" strike="noStrike">
+              <a:latin typeface="Arial"/>
+            </a:endParaRPr>
+          </a:p>
+        </p:txBody>
+      </p:sp>
+      <p:sp>
+        <p:nvSpPr>
+          <p:cNvPr id="132" name="TextShape 54"/>
+          <p:cNvSpPr txBox="1"/>
+          <p:nvPr/>
+        </p:nvSpPr>
+        <p:spPr>
+          <a:xfrm>
+            <a:off x="6624000" y="3973680"/>
+            <a:ext cx="2088000" cy="346320"/>
+          </a:xfrm>
+          <a:prstGeom prst="rect">
+            <a:avLst/>
+          </a:prstGeom>
+          <a:noFill/>
+          <a:ln>
+            <a:noFill/>
+          </a:ln>
+        </p:spPr>
+        <p:txBody>
+          <a:bodyPr lIns="90000" rIns="90000" tIns="45000" bIns="45000">
+            <a:noAutofit/>
+          </a:bodyPr>
+          <a:p>
+            <a:r>
+              <a:rPr b="0" lang="en-IN" sz="1800" spc="-1" strike="noStrike">
+                <a:latin typeface="Arial"/>
+              </a:rPr>
+              <a:t>Bottom Layers</a:t>
+            </a:r>
+            <a:endParaRPr b="0" lang="en-IN" sz="1800" spc="-1" strike="noStrike">
+              <a:latin typeface="Arial"/>
+            </a:endParaRPr>
+          </a:p>
+        </p:txBody>
+      </p:sp>
+      <p:sp>
+        <p:nvSpPr>
+          <p:cNvPr id="133" name="TextShape 55"/>
+          <p:cNvSpPr txBox="1"/>
+          <p:nvPr/>
+        </p:nvSpPr>
+        <p:spPr>
+          <a:xfrm>
+            <a:off x="3384000" y="309960"/>
+            <a:ext cx="3312000" cy="770040"/>
+          </a:xfrm>
+          <a:prstGeom prst="rect">
+            <a:avLst/>
+          </a:prstGeom>
+          <a:noFill/>
+          <a:ln>
+            <a:noFill/>
+          </a:ln>
+        </p:spPr>
+        <p:txBody>
+          <a:bodyPr lIns="90000" rIns="90000" tIns="45000" bIns="45000">
+            <a:noAutofit/>
+          </a:bodyPr>
+          <a:p>
+            <a:r>
+              <a:rPr b="0" lang="en-IN" sz="2400" spc="-1" strike="noStrike">
+                <a:latin typeface="Arial"/>
+              </a:rPr>
+              <a:t>Simple Schematic</a:t>
+            </a:r>
+            <a:endParaRPr b="0" lang="en-IN" sz="2400" spc="-1" strike="noStrike">
+              <a:latin typeface="Arial"/>
+            </a:endParaRPr>
+          </a:p>
+        </p:txBody>
+      </p:sp>
     </p:spTree>
   </p:cSld>
+  <mc:AlternateContent>
+    <mc:Choice Requires="p14">
+      <p:transition spd="slow" p14:dur="2000"/>
+    </mc:Choice>
+    <mc:Fallback>
+      <p:transition spd="slow"/>
+    </mc:Fallback>
+  </mc:AlternateContent>
 </p:sld>
 </file>
 
@@ -1898,14 +6332,14 @@
       </p:grpSpPr>
       <p:sp>
         <p:nvSpPr>
-          <p:cNvPr id="46" name="TextShape 1"/>
-          <p:cNvSpPr txBox="1"/>
+          <p:cNvPr id="134" name="CustomShape 1"/>
+          <p:cNvSpPr/>
           <p:nvPr/>
         </p:nvSpPr>
         <p:spPr>
           <a:xfrm>
             <a:off x="504000" y="226080"/>
-            <a:ext cx="9071640" cy="946440"/>
+            <a:ext cx="9071280" cy="946080"/>
           </a:xfrm>
           <a:prstGeom prst="rect">
             <a:avLst/>
@@ -1915,11 +6349,274 @@
             <a:noFill/>
           </a:ln>
         </p:spPr>
-        <p:txBody>
-          <a:bodyPr lIns="0" rIns="0" tIns="0" bIns="0" anchor="ctr"/>
-          <a:p>
-            <a:pPr algn="ctr"/>
-            <a:endParaRPr b="0" lang="en-IN" sz="4400" spc="-1" strike="noStrike">
+        <p:style>
+          <a:lnRef idx="0"/>
+          <a:fillRef idx="0"/>
+          <a:effectRef idx="0"/>
+          <a:fontRef idx="minor"/>
+        </p:style>
+      </p:sp>
+      <p:sp>
+        <p:nvSpPr>
+          <p:cNvPr id="135" name="CustomShape 2"/>
+          <p:cNvSpPr/>
+          <p:nvPr/>
+        </p:nvSpPr>
+        <p:spPr>
+          <a:xfrm>
+            <a:off x="504000" y="1326600"/>
+            <a:ext cx="9071280" cy="3287880"/>
+          </a:xfrm>
+          <a:prstGeom prst="rect">
+            <a:avLst/>
+          </a:prstGeom>
+          <a:noFill/>
+          <a:ln>
+            <a:noFill/>
+          </a:ln>
+        </p:spPr>
+        <p:style>
+          <a:lnRef idx="0"/>
+          <a:fillRef idx="0"/>
+          <a:effectRef idx="0"/>
+          <a:fontRef idx="minor"/>
+        </p:style>
+      </p:sp>
+      <p:sp>
+        <p:nvSpPr>
+          <p:cNvPr id="136" name="TextShape 3"/>
+          <p:cNvSpPr txBox="1"/>
+          <p:nvPr/>
+        </p:nvSpPr>
+        <p:spPr>
+          <a:xfrm>
+            <a:off x="108000" y="1002240"/>
+            <a:ext cx="7128000" cy="4560840"/>
+          </a:xfrm>
+          <a:prstGeom prst="rect">
+            <a:avLst/>
+          </a:prstGeom>
+          <a:noFill/>
+          <a:ln>
+            <a:noFill/>
+          </a:ln>
+        </p:spPr>
+        <p:txBody>
+          <a:bodyPr lIns="90000" rIns="90000" tIns="45000" bIns="45000">
+            <a:noAutofit/>
+          </a:bodyPr>
+          <a:p>
+            <a:endParaRPr b="0" lang="en-IN" sz="1800" spc="-1" strike="noStrike">
+              <a:latin typeface="Arial"/>
+            </a:endParaRPr>
+          </a:p>
+          <a:p>
+            <a:r>
+              <a:rPr b="1" lang="en-IN" sz="2000" spc="-1" strike="noStrike">
+                <a:solidFill>
+                  <a:srgbClr val="8d281e"/>
+                </a:solidFill>
+                <a:latin typeface="Arial"/>
+              </a:rPr>
+              <a:t>Previous attempt : </a:t>
+            </a:r>
+            <a:endParaRPr b="0" lang="en-IN" sz="2000" spc="-1" strike="noStrike">
+              <a:latin typeface="Arial"/>
+            </a:endParaRPr>
+          </a:p>
+          <a:p>
+            <a:r>
+              <a:rPr b="0" lang="en-IN" sz="1700" spc="-1" strike="noStrike">
+                <a:latin typeface="Arial"/>
+              </a:rPr>
+              <a:t>Get the hit coordinate along the axis of scintillator using parameterization.</a:t>
+            </a:r>
+            <a:endParaRPr b="0" lang="en-IN" sz="1700" spc="-1" strike="noStrike">
+              <a:latin typeface="Arial"/>
+            </a:endParaRPr>
+          </a:p>
+          <a:p>
+            <a:r>
+              <a:rPr b="0" lang="en-IN" sz="1700" spc="-1" strike="noStrike">
+                <a:latin typeface="Arial"/>
+              </a:rPr>
+              <a:t>Hit coordinate in the orthogonal direction was obtained using the layer above and below the inspected layer.</a:t>
+            </a:r>
+            <a:endParaRPr b="0" lang="en-IN" sz="1700" spc="-1" strike="noStrike">
+              <a:latin typeface="Arial"/>
+            </a:endParaRPr>
+          </a:p>
+          <a:p>
+            <a:r>
+              <a:rPr b="0" lang="en-IN" sz="1700" spc="-1" strike="noStrike">
+                <a:latin typeface="Arial"/>
+              </a:rPr>
+              <a:t>We were able to obtained the nice hit patter along the scintillators in layer 8.</a:t>
+            </a:r>
+            <a:endParaRPr b="0" lang="en-IN" sz="1700" spc="-1" strike="noStrike">
+              <a:latin typeface="Arial"/>
+            </a:endParaRPr>
+          </a:p>
+          <a:p>
+            <a:r>
+              <a:rPr b="0" lang="en-IN" sz="1700" spc="-1" strike="noStrike">
+                <a:latin typeface="Arial"/>
+              </a:rPr>
+              <a:t>Were not able to get the similar pattern in layer 7 and 9.</a:t>
+            </a:r>
+            <a:endParaRPr b="0" lang="en-IN" sz="1700" spc="-1" strike="noStrike">
+              <a:latin typeface="Arial"/>
+            </a:endParaRPr>
+          </a:p>
+          <a:p>
+            <a:endParaRPr b="0" lang="en-IN" sz="1700" spc="-1" strike="noStrike">
+              <a:latin typeface="Arial"/>
+            </a:endParaRPr>
+          </a:p>
+          <a:p>
+            <a:r>
+              <a:rPr b="1" lang="en-IN" sz="2000" spc="-1" strike="noStrike">
+                <a:solidFill>
+                  <a:srgbClr val="0000ff"/>
+                </a:solidFill>
+                <a:latin typeface="Arial"/>
+              </a:rPr>
+              <a:t>Using Machine Learning</a:t>
+            </a:r>
+            <a:endParaRPr b="0" lang="en-IN" sz="2000" spc="-1" strike="noStrike">
+              <a:latin typeface="Arial"/>
+            </a:endParaRPr>
+          </a:p>
+          <a:p>
+            <a:pPr>
+              <a:lnSpc>
+                <a:spcPct val="100000"/>
+              </a:lnSpc>
+            </a:pPr>
+            <a:r>
+              <a:rPr b="0" lang="en-IN" sz="1700" spc="-1" strike="noStrike">
+                <a:latin typeface="Arial"/>
+              </a:rPr>
+              <a:t>Get the hit coordinate along the axis of scintillator using parameterization.</a:t>
+            </a:r>
+            <a:endParaRPr b="0" lang="en-IN" sz="1700" spc="-1" strike="noStrike">
+              <a:latin typeface="Arial"/>
+            </a:endParaRPr>
+          </a:p>
+          <a:p>
+            <a:pPr>
+              <a:lnSpc>
+                <a:spcPct val="100000"/>
+              </a:lnSpc>
+            </a:pPr>
+            <a:r>
+              <a:rPr b="0" lang="en-IN" sz="1700" spc="-1" strike="noStrike">
+                <a:latin typeface="Arial"/>
+              </a:rPr>
+              <a:t>Hit coordinate in the orthogonal direction is obtained by using a machine learning model, built using the simulated data.</a:t>
+            </a:r>
+            <a:endParaRPr b="0" lang="en-IN" sz="1700" spc="-1" strike="noStrike">
+              <a:latin typeface="Arial"/>
+            </a:endParaRPr>
+          </a:p>
+          <a:p>
+            <a:pPr>
+              <a:lnSpc>
+                <a:spcPct val="100000"/>
+              </a:lnSpc>
+            </a:pPr>
+            <a:r>
+              <a:rPr b="0" lang="en-IN" sz="1700" spc="-1" strike="noStrike">
+                <a:latin typeface="Arial"/>
+              </a:rPr>
+              <a:t>Separated Model for each layer.</a:t>
+            </a:r>
+            <a:endParaRPr b="0" lang="en-IN" sz="1700" spc="-1" strike="noStrike">
+              <a:latin typeface="Arial"/>
+            </a:endParaRPr>
+          </a:p>
+          <a:p>
+            <a:pPr>
+              <a:lnSpc>
+                <a:spcPct val="100000"/>
+              </a:lnSpc>
+            </a:pPr>
+            <a:r>
+              <a:rPr b="0" lang="en-IN" sz="1700" spc="-1" strike="noStrike">
+                <a:latin typeface="Arial"/>
+              </a:rPr>
+              <a:t>On simulated data the prediction were pretty good.</a:t>
+            </a:r>
+            <a:endParaRPr b="0" lang="en-IN" sz="1700" spc="-1" strike="noStrike">
+              <a:latin typeface="Arial"/>
+            </a:endParaRPr>
+          </a:p>
+          <a:p>
+            <a:pPr>
+              <a:lnSpc>
+                <a:spcPct val="100000"/>
+              </a:lnSpc>
+            </a:pPr>
+            <a:r>
+              <a:rPr b="0" lang="en-IN" sz="1700" spc="-1" strike="noStrike">
+                <a:latin typeface="Arial"/>
+              </a:rPr>
+              <a:t>We are now able to see similar pattern in layer 7 &amp; 9</a:t>
+            </a:r>
+            <a:endParaRPr b="0" lang="en-IN" sz="1700" spc="-1" strike="noStrike">
+              <a:latin typeface="Arial"/>
+            </a:endParaRPr>
+          </a:p>
+        </p:txBody>
+      </p:sp>
+      <p:sp>
+        <p:nvSpPr>
+          <p:cNvPr id="137" name="CustomShape 4"/>
+          <p:cNvSpPr/>
+          <p:nvPr/>
+        </p:nvSpPr>
+        <p:spPr>
+          <a:xfrm>
+            <a:off x="576000" y="442080"/>
+            <a:ext cx="8640000" cy="565920"/>
+          </a:xfrm>
+          <a:prstGeom prst="rect">
+            <a:avLst/>
+          </a:prstGeom>
+          <a:solidFill>
+            <a:srgbClr val="ffff00">
+              <a:alpha val="10000"/>
+            </a:srgbClr>
+          </a:solidFill>
+          <a:ln>
+            <a:solidFill>
+              <a:srgbClr val="3465a4"/>
+            </a:solidFill>
+          </a:ln>
+        </p:spPr>
+        <p:style>
+          <a:lnRef idx="0"/>
+          <a:fillRef idx="0"/>
+          <a:effectRef idx="0"/>
+          <a:fontRef idx="minor"/>
+        </p:style>
+        <p:txBody>
+          <a:bodyPr wrap="none" lIns="90000" rIns="90000" tIns="45000" bIns="45000" anchor="ctr">
+            <a:noAutofit/>
+          </a:bodyPr>
+          <a:p>
+            <a:pPr algn="ctr">
+              <a:lnSpc>
+                <a:spcPct val="100000"/>
+              </a:lnSpc>
+            </a:pPr>
+            <a:r>
+              <a:rPr b="1" lang="en-IN" sz="2200" spc="-1" strike="noStrike">
+                <a:latin typeface="Arial"/>
+              </a:rPr>
+              <a:t>Idea : To improve the Hit point estimation in different layers</a:t>
+            </a:r>
+            <a:endParaRPr b="0" lang="en-IN" sz="2200" spc="-1" strike="noStrike">
               <a:latin typeface="Arial"/>
             </a:endParaRPr>
           </a:p>
@@ -1927,7 +6624,7 @@
       </p:sp>
       <p:pic>
         <p:nvPicPr>
-          <p:cNvPr id="47" name="" descr=""/>
+          <p:cNvPr id="138" name="" descr=""/>
           <p:cNvPicPr/>
           <p:nvPr/>
         </p:nvPicPr>
@@ -1937,8 +6634,8 @@
         </p:blipFill>
         <p:spPr>
           <a:xfrm>
-            <a:off x="275400" y="1440000"/>
-            <a:ext cx="4548600" cy="3445200"/>
+            <a:off x="7416000" y="1440000"/>
+            <a:ext cx="2578320" cy="3497760"/>
           </a:xfrm>
           <a:prstGeom prst="rect">
             <a:avLst/>
@@ -1948,31 +6645,16 @@
           </a:ln>
         </p:spPr>
       </p:pic>
-      <p:pic>
-        <p:nvPicPr>
-          <p:cNvPr id="48" name="" descr=""/>
-          <p:cNvPicPr/>
-          <p:nvPr/>
-        </p:nvPicPr>
-        <p:blipFill>
-          <a:blip r:embed="rId2"/>
-          <a:stretch/>
-        </p:blipFill>
-        <p:spPr>
-          <a:xfrm>
-            <a:off x="5184000" y="1371240"/>
-            <a:ext cx="4507920" cy="3380760"/>
-          </a:xfrm>
-          <a:prstGeom prst="rect">
-            <a:avLst/>
-          </a:prstGeom>
-          <a:ln>
-            <a:noFill/>
-          </a:ln>
-        </p:spPr>
-      </p:pic>
     </p:spTree>
   </p:cSld>
+  <mc:AlternateContent>
+    <mc:Choice Requires="p14">
+      <p:transition spd="slow" p14:dur="2000"/>
+    </mc:Choice>
+    <mc:Fallback>
+      <p:transition spd="slow"/>
+    </mc:Fallback>
+  </mc:AlternateContent>
 </p:sld>
 </file>
 
@@ -1995,14 +6677,14 @@
       </p:grpSpPr>
       <p:sp>
         <p:nvSpPr>
-          <p:cNvPr id="49" name="TextShape 1"/>
-          <p:cNvSpPr txBox="1"/>
+          <p:cNvPr id="139" name="CustomShape 1"/>
+          <p:cNvSpPr/>
           <p:nvPr/>
         </p:nvSpPr>
         <p:spPr>
           <a:xfrm>
             <a:off x="504000" y="226080"/>
-            <a:ext cx="9071640" cy="946440"/>
+            <a:ext cx="9071280" cy="946080"/>
           </a:xfrm>
           <a:prstGeom prst="rect">
             <a:avLst/>
@@ -2012,25 +6694,16 @@
             <a:noFill/>
           </a:ln>
         </p:spPr>
-        <p:txBody>
-          <a:bodyPr lIns="0" rIns="0" tIns="0" bIns="0" anchor="ctr"/>
-          <a:p>
-            <a:pPr algn="ctr"/>
-            <a:r>
-              <a:rPr b="0" lang="en-IN" sz="4400" spc="-1" strike="noStrike">
-                <a:latin typeface="Arial"/>
-              </a:rPr>
-              <a:t>Layer 9</a:t>
-            </a:r>
-            <a:endParaRPr b="0" lang="en-IN" sz="4400" spc="-1" strike="noStrike">
-              <a:latin typeface="Arial"/>
-            </a:endParaRPr>
-          </a:p>
-        </p:txBody>
+        <p:style>
+          <a:lnRef idx="0"/>
+          <a:fillRef idx="0"/>
+          <a:effectRef idx="0"/>
+          <a:fontRef idx="minor"/>
+        </p:style>
       </p:sp>
       <p:pic>
         <p:nvPicPr>
-          <p:cNvPr id="50" name="" descr=""/>
+          <p:cNvPr id="140" name="" descr=""/>
           <p:cNvPicPr/>
           <p:nvPr/>
         </p:nvPicPr>
@@ -2040,8 +6713,8 @@
         </p:blipFill>
         <p:spPr>
           <a:xfrm>
-            <a:off x="360000" y="1584000"/>
-            <a:ext cx="4608000" cy="3247200"/>
+            <a:off x="62280" y="1296000"/>
+            <a:ext cx="4833360" cy="3660840"/>
           </a:xfrm>
           <a:prstGeom prst="rect">
             <a:avLst/>
@@ -2053,7 +6726,7 @@
       </p:pic>
       <p:pic>
         <p:nvPicPr>
-          <p:cNvPr id="51" name="" descr=""/>
+          <p:cNvPr id="141" name="" descr=""/>
           <p:cNvPicPr/>
           <p:nvPr/>
         </p:nvPicPr>
@@ -2063,8 +6736,8 @@
         </p:blipFill>
         <p:spPr>
           <a:xfrm>
-            <a:off x="5256000" y="1481400"/>
-            <a:ext cx="4456800" cy="3342600"/>
+            <a:off x="5040000" y="1209240"/>
+            <a:ext cx="4824000" cy="3617640"/>
           </a:xfrm>
           <a:prstGeom prst="rect">
             <a:avLst/>
@@ -2074,35 +6747,2178 @@
           </a:ln>
         </p:spPr>
       </p:pic>
+      <p:sp>
+        <p:nvSpPr>
+          <p:cNvPr id="142" name="CustomShape 2"/>
+          <p:cNvSpPr/>
+          <p:nvPr/>
+        </p:nvSpPr>
+        <p:spPr>
+          <a:xfrm>
+            <a:off x="504000" y="-61920"/>
+            <a:ext cx="9071280" cy="946080"/>
+          </a:xfrm>
+          <a:prstGeom prst="rect">
+            <a:avLst/>
+          </a:prstGeom>
+          <a:noFill/>
+          <a:ln>
+            <a:noFill/>
+          </a:ln>
+        </p:spPr>
+        <p:style>
+          <a:lnRef idx="0"/>
+          <a:fillRef idx="0"/>
+          <a:effectRef idx="0"/>
+          <a:fontRef idx="minor"/>
+        </p:style>
+        <p:txBody>
+          <a:bodyPr lIns="0" rIns="0" tIns="0" bIns="0" anchor="ctr">
+            <a:noAutofit/>
+          </a:bodyPr>
+          <a:p>
+            <a:pPr algn="ctr">
+              <a:lnSpc>
+                <a:spcPct val="100000"/>
+              </a:lnSpc>
+            </a:pPr>
+            <a:r>
+              <a:rPr b="0" lang="en-IN" sz="4400" spc="-1" strike="noStrike">
+                <a:latin typeface="Arial"/>
+              </a:rPr>
+              <a:t>Layer 8</a:t>
+            </a:r>
+            <a:endParaRPr b="0" lang="en-IN" sz="4400" spc="-1" strike="noStrike">
+              <a:latin typeface="Arial"/>
+            </a:endParaRPr>
+          </a:p>
+        </p:txBody>
+      </p:sp>
+      <p:sp>
+        <p:nvSpPr>
+          <p:cNvPr id="143" name="TextShape 3"/>
+          <p:cNvSpPr txBox="1"/>
+          <p:nvPr/>
+        </p:nvSpPr>
+        <p:spPr>
+          <a:xfrm>
+            <a:off x="1152000" y="4830840"/>
+            <a:ext cx="3456000" cy="346320"/>
+          </a:xfrm>
+          <a:prstGeom prst="rect">
+            <a:avLst/>
+          </a:prstGeom>
+          <a:noFill/>
+          <a:ln>
+            <a:noFill/>
+          </a:ln>
+        </p:spPr>
+        <p:txBody>
+          <a:bodyPr lIns="90000" rIns="90000" tIns="45000" bIns="45000">
+            <a:noAutofit/>
+          </a:bodyPr>
+          <a:p>
+            <a:r>
+              <a:rPr b="0" lang="en-IN" sz="1800" spc="-1" strike="noStrike">
+                <a:latin typeface="Arial"/>
+              </a:rPr>
+              <a:t>Hi</a:t>
+            </a:r>
+            <a:r>
+              <a:rPr b="0" lang="en-IN" sz="1800" spc="-1" strike="noStrike">
+                <a:latin typeface="Arial"/>
+              </a:rPr>
+              <a:t>t </a:t>
+            </a:r>
+            <a:r>
+              <a:rPr b="0" lang="en-IN" sz="1800" spc="-1" strike="noStrike">
+                <a:latin typeface="Arial"/>
+              </a:rPr>
+              <a:t>P</a:t>
+            </a:r>
+            <a:r>
+              <a:rPr b="0" lang="en-IN" sz="1800" spc="-1" strike="noStrike">
+                <a:latin typeface="Arial"/>
+              </a:rPr>
+              <a:t>at</a:t>
+            </a:r>
+            <a:r>
+              <a:rPr b="0" lang="en-IN" sz="1800" spc="-1" strike="noStrike">
+                <a:latin typeface="Arial"/>
+              </a:rPr>
+              <a:t>te</a:t>
+            </a:r>
+            <a:r>
+              <a:rPr b="0" lang="en-IN" sz="1800" spc="-1" strike="noStrike">
+                <a:latin typeface="Arial"/>
+              </a:rPr>
+              <a:t>rn </a:t>
+            </a:r>
+            <a:r>
+              <a:rPr b="0" lang="en-IN" sz="1800" spc="-1" strike="noStrike">
+                <a:latin typeface="Arial"/>
+              </a:rPr>
+              <a:t>in </a:t>
+            </a:r>
+            <a:r>
+              <a:rPr b="0" lang="en-IN" sz="1800" spc="-1" strike="noStrike">
+                <a:latin typeface="Arial"/>
+              </a:rPr>
+              <a:t>Cr</a:t>
+            </a:r>
+            <a:r>
+              <a:rPr b="0" lang="en-IN" sz="1800" spc="-1" strike="noStrike">
+                <a:latin typeface="Arial"/>
+              </a:rPr>
+              <a:t>os</a:t>
+            </a:r>
+            <a:r>
+              <a:rPr b="0" lang="en-IN" sz="1800" spc="-1" strike="noStrike">
+                <a:latin typeface="Arial"/>
+              </a:rPr>
+              <a:t>s </a:t>
+            </a:r>
+            <a:r>
+              <a:rPr b="0" lang="en-IN" sz="1800" spc="-1" strike="noStrike">
+                <a:latin typeface="Arial"/>
+              </a:rPr>
+              <a:t>La</a:t>
+            </a:r>
+            <a:r>
+              <a:rPr b="0" lang="en-IN" sz="1800" spc="-1" strike="noStrike">
+                <a:latin typeface="Arial"/>
+              </a:rPr>
+              <a:t>ye</a:t>
+            </a:r>
+            <a:r>
+              <a:rPr b="0" lang="en-IN" sz="1800" spc="-1" strike="noStrike">
+                <a:latin typeface="Arial"/>
+              </a:rPr>
+              <a:t>r</a:t>
+            </a:r>
+            <a:endParaRPr b="0" lang="en-IN" sz="1800" spc="-1" strike="noStrike">
+              <a:latin typeface="Arial"/>
+            </a:endParaRPr>
+          </a:p>
+        </p:txBody>
+      </p:sp>
+      <p:sp>
+        <p:nvSpPr>
+          <p:cNvPr id="144" name="TextShape 4"/>
+          <p:cNvSpPr txBox="1"/>
+          <p:nvPr/>
+        </p:nvSpPr>
+        <p:spPr>
+          <a:xfrm>
+            <a:off x="6372000" y="4823640"/>
+            <a:ext cx="3456000" cy="346320"/>
+          </a:xfrm>
+          <a:prstGeom prst="rect">
+            <a:avLst/>
+          </a:prstGeom>
+          <a:noFill/>
+          <a:ln>
+            <a:noFill/>
+          </a:ln>
+        </p:spPr>
+        <p:txBody>
+          <a:bodyPr lIns="90000" rIns="90000" tIns="45000" bIns="45000">
+            <a:noAutofit/>
+          </a:bodyPr>
+          <a:p>
+            <a:r>
+              <a:rPr b="0" lang="en-IN" sz="1800" spc="-1" strike="noStrike">
+                <a:latin typeface="Arial"/>
+              </a:rPr>
+              <a:t>Hi</a:t>
+            </a:r>
+            <a:r>
+              <a:rPr b="0" lang="en-IN" sz="1800" spc="-1" strike="noStrike">
+                <a:latin typeface="Arial"/>
+              </a:rPr>
+              <a:t>st</a:t>
+            </a:r>
+            <a:r>
+              <a:rPr b="0" lang="en-IN" sz="1800" spc="-1" strike="noStrike">
+                <a:latin typeface="Arial"/>
+              </a:rPr>
+              <a:t>og</a:t>
+            </a:r>
+            <a:r>
+              <a:rPr b="0" lang="en-IN" sz="1800" spc="-1" strike="noStrike">
+                <a:latin typeface="Arial"/>
+              </a:rPr>
+              <a:t>ra</a:t>
+            </a:r>
+            <a:r>
+              <a:rPr b="0" lang="en-IN" sz="1800" spc="-1" strike="noStrike">
+                <a:latin typeface="Arial"/>
+              </a:rPr>
+              <a:t>m </a:t>
+            </a:r>
+            <a:r>
+              <a:rPr b="0" lang="en-IN" sz="1800" spc="-1" strike="noStrike">
+                <a:latin typeface="Arial"/>
+              </a:rPr>
+              <a:t>of </a:t>
+            </a:r>
+            <a:r>
+              <a:rPr b="0" lang="en-IN" sz="1800" spc="-1" strike="noStrike">
+                <a:latin typeface="Arial"/>
+              </a:rPr>
+              <a:t>R</a:t>
+            </a:r>
+            <a:r>
+              <a:rPr b="0" lang="en-IN" sz="1800" spc="-1" strike="noStrike">
+                <a:latin typeface="Arial"/>
+              </a:rPr>
+              <a:t>es</a:t>
+            </a:r>
+            <a:r>
+              <a:rPr b="0" lang="en-IN" sz="1800" spc="-1" strike="noStrike">
+                <a:latin typeface="Arial"/>
+              </a:rPr>
+              <a:t>id</a:t>
+            </a:r>
+            <a:r>
+              <a:rPr b="0" lang="en-IN" sz="1800" spc="-1" strike="noStrike">
+                <a:latin typeface="Arial"/>
+              </a:rPr>
+              <a:t>ua</a:t>
+            </a:r>
+            <a:r>
+              <a:rPr b="0" lang="en-IN" sz="1800" spc="-1" strike="noStrike">
+                <a:latin typeface="Arial"/>
+              </a:rPr>
+              <a:t>ls</a:t>
+            </a:r>
+            <a:endParaRPr b="0" lang="en-IN" sz="1800" spc="-1" strike="noStrike">
+              <a:latin typeface="Arial"/>
+            </a:endParaRPr>
+          </a:p>
+        </p:txBody>
+      </p:sp>
+      <p:sp>
+        <p:nvSpPr>
+          <p:cNvPr id="145" name="TextShape 5"/>
+          <p:cNvSpPr txBox="1"/>
+          <p:nvPr/>
+        </p:nvSpPr>
+        <p:spPr>
+          <a:xfrm>
+            <a:off x="864000" y="828000"/>
+            <a:ext cx="8352000" cy="373680"/>
+          </a:xfrm>
+          <a:prstGeom prst="rect">
+            <a:avLst/>
+          </a:prstGeom>
+          <a:noFill/>
+          <a:ln>
+            <a:noFill/>
+          </a:ln>
+        </p:spPr>
+        <p:txBody>
+          <a:bodyPr lIns="90000" rIns="90000" tIns="45000" bIns="45000">
+            <a:noAutofit/>
+          </a:bodyPr>
+          <a:p>
+            <a:r>
+              <a:rPr b="0" lang="en-IN" sz="2000" spc="-1" strike="noStrike">
+                <a:latin typeface="Arial"/>
+              </a:rPr>
+              <a:t>          </a:t>
+            </a:r>
+            <a:r>
+              <a:rPr b="0" lang="en-IN" sz="2000" spc="-1" strike="noStrike">
+                <a:latin typeface="Arial"/>
+              </a:rPr>
+              <a:t>Reconstructed Hit Points and Residual Plot using simulated </a:t>
+            </a:r>
+            <a:r>
+              <a:rPr b="0" lang="en-IN" sz="2000" spc="-1" strike="noStrike">
+                <a:latin typeface="Arial"/>
+              </a:rPr>
+              <a:t>data</a:t>
+            </a:r>
+            <a:endParaRPr b="0" lang="en-IN" sz="2000" spc="-1" strike="noStrike">
+              <a:latin typeface="Arial"/>
+            </a:endParaRPr>
+          </a:p>
+        </p:txBody>
+      </p:sp>
     </p:spTree>
   </p:cSld>
-  <p:timing>
-    <p:tnLst>
-      <p:par>
-        <p:cTn id="1" dur="indefinite" restart="never" nodeType="tmRoot">
-          <p:childTnLst>
-            <p:seq>
-              <p:cTn id="2" dur="indefinite" nodeType="mainSeq"/>
-              <p:prevCondLst>
-                <p:cond delay="0" evt="onPrev">
-                  <p:tgtEl>
-                    <p:sldTgt/>
-                  </p:tgtEl>
-                </p:cond>
-              </p:prevCondLst>
-              <p:nextCondLst>
-                <p:cond delay="0" evt="onNext">
-                  <p:tgtEl>
-                    <p:sldTgt/>
-                  </p:tgtEl>
-                </p:cond>
-              </p:nextCondLst>
-            </p:seq>
-          </p:childTnLst>
-        </p:cTn>
-      </p:par>
-    </p:tnLst>
-  </p:timing>
+  <mc:AlternateContent>
+    <mc:Choice Requires="p14">
+      <p:transition spd="slow" p14:dur="2000"/>
+    </mc:Choice>
+    <mc:Fallback>
+      <p:transition spd="slow"/>
+    </mc:Fallback>
+  </mc:AlternateContent>
+</p:sld>
+</file>
+
+<file path=ppt/slides/slide5.xml><?xml version="1.0" encoding="utf-8"?>
+<p:sld xmlns:a="http://schemas.openxmlformats.org/drawingml/2006/main" xmlns:p="http://schemas.openxmlformats.org/presentationml/2006/main" xmlns:r="http://schemas.openxmlformats.org/officeDocument/2006/relationships" xmlns:p14="http://schemas.microsoft.com/office/powerpoint/2010/main" xmlns:p15="http://schemas.microsoft.com/office/powerpoint/2012/main" xmlns:mc="http://schemas.openxmlformats.org/markup-compatibility/2006">
+  <p:cSld>
+    <p:spTree>
+      <p:nvGrpSpPr>
+        <p:cNvPr id="1" name=""/>
+        <p:cNvGrpSpPr/>
+        <p:nvPr/>
+      </p:nvGrpSpPr>
+      <p:grpSpPr>
+        <a:xfrm>
+          <a:off x="0" y="0"/>
+          <a:ext cx="0" cy="0"/>
+          <a:chOff x="0" y="0"/>
+          <a:chExt cx="0" cy="0"/>
+        </a:xfrm>
+      </p:grpSpPr>
+      <p:sp>
+        <p:nvSpPr>
+          <p:cNvPr id="146" name="CustomShape 1"/>
+          <p:cNvSpPr/>
+          <p:nvPr/>
+        </p:nvSpPr>
+        <p:spPr>
+          <a:xfrm>
+            <a:off x="504000" y="-61920"/>
+            <a:ext cx="9071280" cy="946080"/>
+          </a:xfrm>
+          <a:prstGeom prst="rect">
+            <a:avLst/>
+          </a:prstGeom>
+          <a:noFill/>
+          <a:ln>
+            <a:noFill/>
+          </a:ln>
+        </p:spPr>
+        <p:style>
+          <a:lnRef idx="0"/>
+          <a:fillRef idx="0"/>
+          <a:effectRef idx="0"/>
+          <a:fontRef idx="minor"/>
+        </p:style>
+        <p:txBody>
+          <a:bodyPr lIns="0" rIns="0" tIns="0" bIns="0" anchor="ctr">
+            <a:noAutofit/>
+          </a:bodyPr>
+          <a:p>
+            <a:pPr algn="ctr">
+              <a:lnSpc>
+                <a:spcPct val="100000"/>
+              </a:lnSpc>
+            </a:pPr>
+            <a:r>
+              <a:rPr b="0" lang="en-IN" sz="4400" spc="-1" strike="noStrike">
+                <a:latin typeface="Arial"/>
+              </a:rPr>
+              <a:t>Layer 9</a:t>
+            </a:r>
+            <a:endParaRPr b="0" lang="en-IN" sz="4400" spc="-1" strike="noStrike">
+              <a:latin typeface="Arial"/>
+            </a:endParaRPr>
+          </a:p>
+        </p:txBody>
+      </p:sp>
+      <p:pic>
+        <p:nvPicPr>
+          <p:cNvPr id="147" name="" descr=""/>
+          <p:cNvPicPr/>
+          <p:nvPr/>
+        </p:nvPicPr>
+        <p:blipFill>
+          <a:blip r:embed="rId1"/>
+          <a:stretch/>
+        </p:blipFill>
+        <p:spPr>
+          <a:xfrm>
+            <a:off x="36000" y="1296000"/>
+            <a:ext cx="5016240" cy="3534840"/>
+          </a:xfrm>
+          <a:prstGeom prst="rect">
+            <a:avLst/>
+          </a:prstGeom>
+          <a:ln>
+            <a:noFill/>
+          </a:ln>
+        </p:spPr>
+      </p:pic>
+      <p:pic>
+        <p:nvPicPr>
+          <p:cNvPr id="148" name="" descr=""/>
+          <p:cNvPicPr/>
+          <p:nvPr/>
+        </p:nvPicPr>
+        <p:blipFill>
+          <a:blip r:embed="rId2"/>
+          <a:stretch/>
+        </p:blipFill>
+        <p:spPr>
+          <a:xfrm>
+            <a:off x="5184000" y="1224000"/>
+            <a:ext cx="4799520" cy="3599640"/>
+          </a:xfrm>
+          <a:prstGeom prst="rect">
+            <a:avLst/>
+          </a:prstGeom>
+          <a:ln>
+            <a:noFill/>
+          </a:ln>
+        </p:spPr>
+      </p:pic>
+      <p:sp>
+        <p:nvSpPr>
+          <p:cNvPr id="149" name="TextShape 2"/>
+          <p:cNvSpPr txBox="1"/>
+          <p:nvPr/>
+        </p:nvSpPr>
+        <p:spPr>
+          <a:xfrm>
+            <a:off x="1152000" y="4830840"/>
+            <a:ext cx="3456000" cy="346320"/>
+          </a:xfrm>
+          <a:prstGeom prst="rect">
+            <a:avLst/>
+          </a:prstGeom>
+          <a:noFill/>
+          <a:ln>
+            <a:noFill/>
+          </a:ln>
+        </p:spPr>
+        <p:txBody>
+          <a:bodyPr lIns="90000" rIns="90000" tIns="45000" bIns="45000">
+            <a:noAutofit/>
+          </a:bodyPr>
+          <a:p>
+            <a:r>
+              <a:rPr b="0" lang="en-IN" sz="1800" spc="-1" strike="noStrike">
+                <a:latin typeface="Arial"/>
+              </a:rPr>
+              <a:t>Hit Pattern in Oblong Layer</a:t>
+            </a:r>
+            <a:endParaRPr b="0" lang="en-IN" sz="1800" spc="-1" strike="noStrike">
+              <a:latin typeface="Arial"/>
+            </a:endParaRPr>
+          </a:p>
+        </p:txBody>
+      </p:sp>
+      <p:sp>
+        <p:nvSpPr>
+          <p:cNvPr id="150" name="TextShape 3"/>
+          <p:cNvSpPr txBox="1"/>
+          <p:nvPr/>
+        </p:nvSpPr>
+        <p:spPr>
+          <a:xfrm>
+            <a:off x="6372000" y="4823640"/>
+            <a:ext cx="3456000" cy="346320"/>
+          </a:xfrm>
+          <a:prstGeom prst="rect">
+            <a:avLst/>
+          </a:prstGeom>
+          <a:noFill/>
+          <a:ln>
+            <a:noFill/>
+          </a:ln>
+        </p:spPr>
+        <p:txBody>
+          <a:bodyPr lIns="90000" rIns="90000" tIns="45000" bIns="45000">
+            <a:noAutofit/>
+          </a:bodyPr>
+          <a:p>
+            <a:r>
+              <a:rPr b="0" lang="en-IN" sz="1800" spc="-1" strike="noStrike">
+                <a:latin typeface="Arial"/>
+              </a:rPr>
+              <a:t>Hi</a:t>
+            </a:r>
+            <a:r>
+              <a:rPr b="0" lang="en-IN" sz="1800" spc="-1" strike="noStrike">
+                <a:latin typeface="Arial"/>
+              </a:rPr>
+              <a:t>st</a:t>
+            </a:r>
+            <a:r>
+              <a:rPr b="0" lang="en-IN" sz="1800" spc="-1" strike="noStrike">
+                <a:latin typeface="Arial"/>
+              </a:rPr>
+              <a:t>og</a:t>
+            </a:r>
+            <a:r>
+              <a:rPr b="0" lang="en-IN" sz="1800" spc="-1" strike="noStrike">
+                <a:latin typeface="Arial"/>
+              </a:rPr>
+              <a:t>ra</a:t>
+            </a:r>
+            <a:r>
+              <a:rPr b="0" lang="en-IN" sz="1800" spc="-1" strike="noStrike">
+                <a:latin typeface="Arial"/>
+              </a:rPr>
+              <a:t>m </a:t>
+            </a:r>
+            <a:r>
+              <a:rPr b="0" lang="en-IN" sz="1800" spc="-1" strike="noStrike">
+                <a:latin typeface="Arial"/>
+              </a:rPr>
+              <a:t>of </a:t>
+            </a:r>
+            <a:r>
+              <a:rPr b="0" lang="en-IN" sz="1800" spc="-1" strike="noStrike">
+                <a:latin typeface="Arial"/>
+              </a:rPr>
+              <a:t>R</a:t>
+            </a:r>
+            <a:r>
+              <a:rPr b="0" lang="en-IN" sz="1800" spc="-1" strike="noStrike">
+                <a:latin typeface="Arial"/>
+              </a:rPr>
+              <a:t>es</a:t>
+            </a:r>
+            <a:r>
+              <a:rPr b="0" lang="en-IN" sz="1800" spc="-1" strike="noStrike">
+                <a:latin typeface="Arial"/>
+              </a:rPr>
+              <a:t>id</a:t>
+            </a:r>
+            <a:r>
+              <a:rPr b="0" lang="en-IN" sz="1800" spc="-1" strike="noStrike">
+                <a:latin typeface="Arial"/>
+              </a:rPr>
+              <a:t>ua</a:t>
+            </a:r>
+            <a:r>
+              <a:rPr b="0" lang="en-IN" sz="1800" spc="-1" strike="noStrike">
+                <a:latin typeface="Arial"/>
+              </a:rPr>
+              <a:t>ls</a:t>
+            </a:r>
+            <a:endParaRPr b="0" lang="en-IN" sz="1800" spc="-1" strike="noStrike">
+              <a:latin typeface="Arial"/>
+            </a:endParaRPr>
+          </a:p>
+        </p:txBody>
+      </p:sp>
+      <p:sp>
+        <p:nvSpPr>
+          <p:cNvPr id="151" name="TextShape 4"/>
+          <p:cNvSpPr txBox="1"/>
+          <p:nvPr/>
+        </p:nvSpPr>
+        <p:spPr>
+          <a:xfrm>
+            <a:off x="864000" y="828000"/>
+            <a:ext cx="8352000" cy="373680"/>
+          </a:xfrm>
+          <a:prstGeom prst="rect">
+            <a:avLst/>
+          </a:prstGeom>
+          <a:noFill/>
+          <a:ln>
+            <a:noFill/>
+          </a:ln>
+        </p:spPr>
+        <p:txBody>
+          <a:bodyPr lIns="90000" rIns="90000" tIns="45000" bIns="45000">
+            <a:noAutofit/>
+          </a:bodyPr>
+          <a:p>
+            <a:r>
+              <a:rPr b="0" lang="en-IN" sz="2000" spc="-1" strike="noStrike">
+                <a:latin typeface="Arial"/>
+              </a:rPr>
+              <a:t>    </a:t>
+            </a:r>
+            <a:r>
+              <a:rPr b="0" lang="en-IN" sz="2000" spc="-1" strike="noStrike">
+                <a:latin typeface="Arial"/>
+              </a:rPr>
+              <a:t>    </a:t>
+            </a:r>
+            <a:r>
+              <a:rPr b="0" lang="en-IN" sz="2000" spc="-1" strike="noStrike">
+                <a:latin typeface="Arial"/>
+              </a:rPr>
+              <a:t>  </a:t>
+            </a:r>
+            <a:r>
+              <a:rPr b="0" lang="en-IN" sz="2000" spc="-1" strike="noStrike">
+                <a:latin typeface="Arial"/>
+              </a:rPr>
+              <a:t>R</a:t>
+            </a:r>
+            <a:r>
+              <a:rPr b="0" lang="en-IN" sz="2000" spc="-1" strike="noStrike">
+                <a:latin typeface="Arial"/>
+              </a:rPr>
+              <a:t>e</a:t>
+            </a:r>
+            <a:r>
+              <a:rPr b="0" lang="en-IN" sz="2000" spc="-1" strike="noStrike">
+                <a:latin typeface="Arial"/>
+              </a:rPr>
+              <a:t>c</a:t>
+            </a:r>
+            <a:r>
+              <a:rPr b="0" lang="en-IN" sz="2000" spc="-1" strike="noStrike">
+                <a:latin typeface="Arial"/>
+              </a:rPr>
+              <a:t>o</a:t>
+            </a:r>
+            <a:r>
+              <a:rPr b="0" lang="en-IN" sz="2000" spc="-1" strike="noStrike">
+                <a:latin typeface="Arial"/>
+              </a:rPr>
+              <a:t>n</a:t>
+            </a:r>
+            <a:r>
+              <a:rPr b="0" lang="en-IN" sz="2000" spc="-1" strike="noStrike">
+                <a:latin typeface="Arial"/>
+              </a:rPr>
+              <a:t>st</a:t>
+            </a:r>
+            <a:r>
+              <a:rPr b="0" lang="en-IN" sz="2000" spc="-1" strike="noStrike">
+                <a:latin typeface="Arial"/>
+              </a:rPr>
+              <a:t>ru</a:t>
+            </a:r>
+            <a:r>
+              <a:rPr b="0" lang="en-IN" sz="2000" spc="-1" strike="noStrike">
+                <a:latin typeface="Arial"/>
+              </a:rPr>
+              <a:t>ct</a:t>
+            </a:r>
+            <a:r>
+              <a:rPr b="0" lang="en-IN" sz="2000" spc="-1" strike="noStrike">
+                <a:latin typeface="Arial"/>
+              </a:rPr>
+              <a:t>e</a:t>
+            </a:r>
+            <a:r>
+              <a:rPr b="0" lang="en-IN" sz="2000" spc="-1" strike="noStrike">
+                <a:latin typeface="Arial"/>
+              </a:rPr>
+              <a:t>d </a:t>
+            </a:r>
+            <a:r>
+              <a:rPr b="0" lang="en-IN" sz="2000" spc="-1" strike="noStrike">
+                <a:latin typeface="Arial"/>
+              </a:rPr>
+              <a:t>Hi</a:t>
+            </a:r>
+            <a:r>
+              <a:rPr b="0" lang="en-IN" sz="2000" spc="-1" strike="noStrike">
+                <a:latin typeface="Arial"/>
+              </a:rPr>
+              <a:t>t </a:t>
+            </a:r>
+            <a:r>
+              <a:rPr b="0" lang="en-IN" sz="2000" spc="-1" strike="noStrike">
+                <a:latin typeface="Arial"/>
+              </a:rPr>
+              <a:t>P</a:t>
+            </a:r>
+            <a:r>
+              <a:rPr b="0" lang="en-IN" sz="2000" spc="-1" strike="noStrike">
+                <a:latin typeface="Arial"/>
+              </a:rPr>
+              <a:t>oi</a:t>
+            </a:r>
+            <a:r>
+              <a:rPr b="0" lang="en-IN" sz="2000" spc="-1" strike="noStrike">
+                <a:latin typeface="Arial"/>
+              </a:rPr>
+              <a:t>nt</a:t>
+            </a:r>
+            <a:r>
+              <a:rPr b="0" lang="en-IN" sz="2000" spc="-1" strike="noStrike">
+                <a:latin typeface="Arial"/>
+              </a:rPr>
+              <a:t>s </a:t>
+            </a:r>
+            <a:r>
+              <a:rPr b="0" lang="en-IN" sz="2000" spc="-1" strike="noStrike">
+                <a:latin typeface="Arial"/>
+              </a:rPr>
+              <a:t>a</a:t>
+            </a:r>
+            <a:r>
+              <a:rPr b="0" lang="en-IN" sz="2000" spc="-1" strike="noStrike">
+                <a:latin typeface="Arial"/>
+              </a:rPr>
+              <a:t>n</a:t>
+            </a:r>
+            <a:r>
+              <a:rPr b="0" lang="en-IN" sz="2000" spc="-1" strike="noStrike">
+                <a:latin typeface="Arial"/>
+              </a:rPr>
+              <a:t>d </a:t>
+            </a:r>
+            <a:r>
+              <a:rPr b="0" lang="en-IN" sz="2000" spc="-1" strike="noStrike">
+                <a:latin typeface="Arial"/>
+              </a:rPr>
+              <a:t>R</a:t>
+            </a:r>
+            <a:r>
+              <a:rPr b="0" lang="en-IN" sz="2000" spc="-1" strike="noStrike">
+                <a:latin typeface="Arial"/>
+              </a:rPr>
+              <a:t>e</a:t>
+            </a:r>
+            <a:r>
+              <a:rPr b="0" lang="en-IN" sz="2000" spc="-1" strike="noStrike">
+                <a:latin typeface="Arial"/>
+              </a:rPr>
+              <a:t>si</a:t>
+            </a:r>
+            <a:r>
+              <a:rPr b="0" lang="en-IN" sz="2000" spc="-1" strike="noStrike">
+                <a:latin typeface="Arial"/>
+              </a:rPr>
+              <a:t>d</a:t>
+            </a:r>
+            <a:r>
+              <a:rPr b="0" lang="en-IN" sz="2000" spc="-1" strike="noStrike">
+                <a:latin typeface="Arial"/>
+              </a:rPr>
+              <a:t>u</a:t>
+            </a:r>
+            <a:r>
+              <a:rPr b="0" lang="en-IN" sz="2000" spc="-1" strike="noStrike">
+                <a:latin typeface="Arial"/>
+              </a:rPr>
+              <a:t>al </a:t>
+            </a:r>
+            <a:r>
+              <a:rPr b="0" lang="en-IN" sz="2000" spc="-1" strike="noStrike">
+                <a:latin typeface="Arial"/>
+              </a:rPr>
+              <a:t>Pl</a:t>
+            </a:r>
+            <a:r>
+              <a:rPr b="0" lang="en-IN" sz="2000" spc="-1" strike="noStrike">
+                <a:latin typeface="Arial"/>
+              </a:rPr>
+              <a:t>ot </a:t>
+            </a:r>
+            <a:r>
+              <a:rPr b="0" lang="en-IN" sz="2000" spc="-1" strike="noStrike">
+                <a:latin typeface="Arial"/>
+              </a:rPr>
+              <a:t>u</a:t>
+            </a:r>
+            <a:r>
+              <a:rPr b="0" lang="en-IN" sz="2000" spc="-1" strike="noStrike">
+                <a:latin typeface="Arial"/>
+              </a:rPr>
+              <a:t>si</a:t>
+            </a:r>
+            <a:r>
+              <a:rPr b="0" lang="en-IN" sz="2000" spc="-1" strike="noStrike">
+                <a:latin typeface="Arial"/>
+              </a:rPr>
+              <a:t>n</a:t>
+            </a:r>
+            <a:r>
+              <a:rPr b="0" lang="en-IN" sz="2000" spc="-1" strike="noStrike">
+                <a:latin typeface="Arial"/>
+              </a:rPr>
+              <a:t>g </a:t>
+            </a:r>
+            <a:r>
+              <a:rPr b="0" lang="en-IN" sz="2000" spc="-1" strike="noStrike">
+                <a:latin typeface="Arial"/>
+              </a:rPr>
+              <a:t>si</a:t>
+            </a:r>
+            <a:r>
+              <a:rPr b="0" lang="en-IN" sz="2000" spc="-1" strike="noStrike">
+                <a:latin typeface="Arial"/>
+              </a:rPr>
+              <a:t>m</a:t>
+            </a:r>
+            <a:r>
+              <a:rPr b="0" lang="en-IN" sz="2000" spc="-1" strike="noStrike">
+                <a:latin typeface="Arial"/>
+              </a:rPr>
+              <a:t>ul</a:t>
+            </a:r>
+            <a:r>
+              <a:rPr b="0" lang="en-IN" sz="2000" spc="-1" strike="noStrike">
+                <a:latin typeface="Arial"/>
+              </a:rPr>
+              <a:t>at</a:t>
+            </a:r>
+            <a:r>
+              <a:rPr b="0" lang="en-IN" sz="2000" spc="-1" strike="noStrike">
+                <a:latin typeface="Arial"/>
+              </a:rPr>
+              <a:t>e</a:t>
+            </a:r>
+            <a:r>
+              <a:rPr b="0" lang="en-IN" sz="2000" spc="-1" strike="noStrike">
+                <a:latin typeface="Arial"/>
+              </a:rPr>
+              <a:t>d </a:t>
+            </a:r>
+            <a:r>
+              <a:rPr b="0" lang="en-IN" sz="2000" spc="-1" strike="noStrike">
+                <a:latin typeface="Arial"/>
+              </a:rPr>
+              <a:t>d</a:t>
+            </a:r>
+            <a:r>
+              <a:rPr b="0" lang="en-IN" sz="2000" spc="-1" strike="noStrike">
+                <a:latin typeface="Arial"/>
+              </a:rPr>
+              <a:t>at</a:t>
+            </a:r>
+            <a:r>
+              <a:rPr b="0" lang="en-IN" sz="2000" spc="-1" strike="noStrike">
+                <a:latin typeface="Arial"/>
+              </a:rPr>
+              <a:t>a</a:t>
+            </a:r>
+            <a:endParaRPr b="0" lang="en-IN" sz="2000" spc="-1" strike="noStrike">
+              <a:latin typeface="Arial"/>
+            </a:endParaRPr>
+          </a:p>
+        </p:txBody>
+      </p:sp>
+    </p:spTree>
+  </p:cSld>
+  <mc:AlternateContent>
+    <mc:Choice Requires="p14">
+      <p:transition spd="slow" p14:dur="2000"/>
+    </mc:Choice>
+    <mc:Fallback>
+      <p:transition spd="slow"/>
+    </mc:Fallback>
+  </mc:AlternateContent>
+</p:sld>
+</file>
+
+<file path=ppt/slides/slide6.xml><?xml version="1.0" encoding="utf-8"?>
+<p:sld xmlns:a="http://schemas.openxmlformats.org/drawingml/2006/main" xmlns:p="http://schemas.openxmlformats.org/presentationml/2006/main" xmlns:r="http://schemas.openxmlformats.org/officeDocument/2006/relationships" xmlns:p14="http://schemas.microsoft.com/office/powerpoint/2010/main" xmlns:p15="http://schemas.microsoft.com/office/powerpoint/2012/main" xmlns:mc="http://schemas.openxmlformats.org/markup-compatibility/2006">
+  <p:cSld>
+    <p:spTree>
+      <p:nvGrpSpPr>
+        <p:cNvPr id="1" name=""/>
+        <p:cNvGrpSpPr/>
+        <p:nvPr/>
+      </p:nvGrpSpPr>
+      <p:grpSpPr>
+        <a:xfrm>
+          <a:off x="0" y="0"/>
+          <a:ext cx="0" cy="0"/>
+          <a:chOff x="0" y="0"/>
+          <a:chExt cx="0" cy="0"/>
+        </a:xfrm>
+      </p:grpSpPr>
+      <p:sp>
+        <p:nvSpPr>
+          <p:cNvPr id="152" name="CustomShape 1"/>
+          <p:cNvSpPr/>
+          <p:nvPr/>
+        </p:nvSpPr>
+        <p:spPr>
+          <a:xfrm>
+            <a:off x="504000" y="226080"/>
+            <a:ext cx="9071280" cy="946080"/>
+          </a:xfrm>
+          <a:prstGeom prst="rect">
+            <a:avLst/>
+          </a:prstGeom>
+          <a:noFill/>
+          <a:ln>
+            <a:noFill/>
+          </a:ln>
+        </p:spPr>
+        <p:style>
+          <a:lnRef idx="0"/>
+          <a:fillRef idx="0"/>
+          <a:effectRef idx="0"/>
+          <a:fontRef idx="minor"/>
+        </p:style>
+      </p:sp>
+      <p:pic>
+        <p:nvPicPr>
+          <p:cNvPr id="153" name="" descr=""/>
+          <p:cNvPicPr/>
+          <p:nvPr/>
+        </p:nvPicPr>
+        <p:blipFill>
+          <a:blip r:embed="rId1"/>
+          <a:stretch/>
+        </p:blipFill>
+        <p:spPr>
+          <a:xfrm>
+            <a:off x="0" y="936000"/>
+            <a:ext cx="3392280" cy="2937600"/>
+          </a:xfrm>
+          <a:prstGeom prst="rect">
+            <a:avLst/>
+          </a:prstGeom>
+          <a:ln>
+            <a:noFill/>
+          </a:ln>
+        </p:spPr>
+      </p:pic>
+      <p:pic>
+        <p:nvPicPr>
+          <p:cNvPr id="154" name="" descr=""/>
+          <p:cNvPicPr/>
+          <p:nvPr/>
+        </p:nvPicPr>
+        <p:blipFill>
+          <a:blip r:embed="rId2"/>
+          <a:stretch/>
+        </p:blipFill>
+        <p:spPr>
+          <a:xfrm>
+            <a:off x="6649560" y="1008000"/>
+            <a:ext cx="3358440" cy="2692440"/>
+          </a:xfrm>
+          <a:prstGeom prst="rect">
+            <a:avLst/>
+          </a:prstGeom>
+          <a:ln>
+            <a:noFill/>
+          </a:ln>
+        </p:spPr>
+      </p:pic>
+      <p:sp>
+        <p:nvSpPr>
+          <p:cNvPr id="155" name="CustomShape 2"/>
+          <p:cNvSpPr/>
+          <p:nvPr/>
+        </p:nvSpPr>
+        <p:spPr>
+          <a:xfrm>
+            <a:off x="432000" y="-97920"/>
+            <a:ext cx="9071280" cy="946080"/>
+          </a:xfrm>
+          <a:prstGeom prst="rect">
+            <a:avLst/>
+          </a:prstGeom>
+          <a:noFill/>
+          <a:ln>
+            <a:noFill/>
+          </a:ln>
+        </p:spPr>
+        <p:style>
+          <a:lnRef idx="0"/>
+          <a:fillRef idx="0"/>
+          <a:effectRef idx="0"/>
+          <a:fontRef idx="minor"/>
+        </p:style>
+        <p:txBody>
+          <a:bodyPr lIns="0" rIns="0" tIns="0" bIns="0" anchor="ctr">
+            <a:noAutofit/>
+          </a:bodyPr>
+          <a:p>
+            <a:pPr algn="ctr">
+              <a:lnSpc>
+                <a:spcPct val="100000"/>
+              </a:lnSpc>
+            </a:pPr>
+            <a:r>
+              <a:rPr b="0" lang="en-IN" sz="4400" spc="-1" strike="noStrike">
+                <a:latin typeface="Arial"/>
+              </a:rPr>
+              <a:t>Layer 7</a:t>
+            </a:r>
+            <a:endParaRPr b="0" lang="en-IN" sz="4400" spc="-1" strike="noStrike">
+              <a:latin typeface="Arial"/>
+            </a:endParaRPr>
+          </a:p>
+        </p:txBody>
+      </p:sp>
+      <p:sp>
+        <p:nvSpPr>
+          <p:cNvPr id="156" name="TextShape 3"/>
+          <p:cNvSpPr txBox="1"/>
+          <p:nvPr/>
+        </p:nvSpPr>
+        <p:spPr>
+          <a:xfrm>
+            <a:off x="7056000" y="3600000"/>
+            <a:ext cx="3456000" cy="487080"/>
+          </a:xfrm>
+          <a:prstGeom prst="rect">
+            <a:avLst/>
+          </a:prstGeom>
+          <a:noFill/>
+          <a:ln>
+            <a:noFill/>
+          </a:ln>
+        </p:spPr>
+        <p:txBody>
+          <a:bodyPr lIns="90000" rIns="90000" tIns="45000" bIns="45000">
+            <a:noAutofit/>
+          </a:bodyPr>
+          <a:p>
+            <a:r>
+              <a:rPr b="0" lang="en-IN" sz="1400" spc="-1" strike="noStrike">
+                <a:latin typeface="Arial"/>
+              </a:rPr>
+              <a:t>Histogram of Residuals using layer</a:t>
+            </a:r>
+            <a:endParaRPr b="0" lang="en-IN" sz="1400" spc="-1" strike="noStrike">
+              <a:latin typeface="Arial"/>
+            </a:endParaRPr>
+          </a:p>
+          <a:p>
+            <a:r>
+              <a:rPr b="0" lang="en-IN" sz="1400" spc="-1" strike="noStrike">
+                <a:latin typeface="Arial"/>
+              </a:rPr>
+              <a:t>                   </a:t>
+            </a:r>
+            <a:r>
+              <a:rPr b="0" lang="en-IN" sz="1400" spc="-1" strike="noStrike">
+                <a:latin typeface="Arial"/>
+              </a:rPr>
+              <a:t>9 &amp; 8</a:t>
+            </a:r>
+            <a:endParaRPr b="0" lang="en-IN" sz="1400" spc="-1" strike="noStrike">
+              <a:latin typeface="Arial"/>
+            </a:endParaRPr>
+          </a:p>
+        </p:txBody>
+      </p:sp>
+      <p:sp>
+        <p:nvSpPr>
+          <p:cNvPr id="157" name="TextShape 4"/>
+          <p:cNvSpPr txBox="1"/>
+          <p:nvPr/>
+        </p:nvSpPr>
+        <p:spPr>
+          <a:xfrm>
+            <a:off x="360000" y="4032000"/>
+            <a:ext cx="3456000" cy="346320"/>
+          </a:xfrm>
+          <a:prstGeom prst="rect">
+            <a:avLst/>
+          </a:prstGeom>
+          <a:noFill/>
+          <a:ln>
+            <a:noFill/>
+          </a:ln>
+        </p:spPr>
+        <p:txBody>
+          <a:bodyPr lIns="90000" rIns="90000" tIns="45000" bIns="45000">
+            <a:noAutofit/>
+          </a:bodyPr>
+          <a:p>
+            <a:r>
+              <a:rPr b="0" lang="en-IN" sz="1800" spc="-1" strike="noStrike">
+                <a:latin typeface="Arial"/>
+              </a:rPr>
+              <a:t>Hit Pattern in Oblong Layer</a:t>
+            </a:r>
+            <a:endParaRPr b="0" lang="en-IN" sz="1800" spc="-1" strike="noStrike">
+              <a:latin typeface="Arial"/>
+            </a:endParaRPr>
+          </a:p>
+        </p:txBody>
+      </p:sp>
+      <p:sp>
+        <p:nvSpPr>
+          <p:cNvPr id="158" name="TextShape 5"/>
+          <p:cNvSpPr txBox="1"/>
+          <p:nvPr/>
+        </p:nvSpPr>
+        <p:spPr>
+          <a:xfrm>
+            <a:off x="864000" y="654480"/>
+            <a:ext cx="8352000" cy="373680"/>
+          </a:xfrm>
+          <a:prstGeom prst="rect">
+            <a:avLst/>
+          </a:prstGeom>
+          <a:noFill/>
+          <a:ln>
+            <a:noFill/>
+          </a:ln>
+        </p:spPr>
+        <p:txBody>
+          <a:bodyPr lIns="90000" rIns="90000" tIns="45000" bIns="45000">
+            <a:noAutofit/>
+          </a:bodyPr>
+          <a:p>
+            <a:r>
+              <a:rPr b="0" lang="en-IN" sz="2000" spc="-1" strike="noStrike">
+                <a:latin typeface="Arial"/>
+              </a:rPr>
+              <a:t>    </a:t>
+            </a:r>
+            <a:r>
+              <a:rPr b="0" lang="en-IN" sz="2000" spc="-1" strike="noStrike">
+                <a:latin typeface="Arial"/>
+              </a:rPr>
+              <a:t>    </a:t>
+            </a:r>
+            <a:r>
+              <a:rPr b="0" lang="en-IN" sz="2000" spc="-1" strike="noStrike">
+                <a:latin typeface="Arial"/>
+              </a:rPr>
+              <a:t> </a:t>
+            </a:r>
+            <a:r>
+              <a:rPr b="0" lang="en-IN" sz="2000" spc="-1" strike="noStrike">
+                <a:latin typeface="Arial"/>
+              </a:rPr>
+              <a:t>R</a:t>
+            </a:r>
+            <a:r>
+              <a:rPr b="0" lang="en-IN" sz="2000" spc="-1" strike="noStrike">
+                <a:latin typeface="Arial"/>
+              </a:rPr>
+              <a:t>e</a:t>
+            </a:r>
+            <a:r>
+              <a:rPr b="0" lang="en-IN" sz="2000" spc="-1" strike="noStrike">
+                <a:latin typeface="Arial"/>
+              </a:rPr>
+              <a:t>c</a:t>
+            </a:r>
+            <a:r>
+              <a:rPr b="0" lang="en-IN" sz="2000" spc="-1" strike="noStrike">
+                <a:latin typeface="Arial"/>
+              </a:rPr>
+              <a:t>o</a:t>
+            </a:r>
+            <a:r>
+              <a:rPr b="0" lang="en-IN" sz="2000" spc="-1" strike="noStrike">
+                <a:latin typeface="Arial"/>
+              </a:rPr>
+              <a:t>n</a:t>
+            </a:r>
+            <a:r>
+              <a:rPr b="0" lang="en-IN" sz="2000" spc="-1" strike="noStrike">
+                <a:latin typeface="Arial"/>
+              </a:rPr>
+              <a:t>st</a:t>
+            </a:r>
+            <a:r>
+              <a:rPr b="0" lang="en-IN" sz="2000" spc="-1" strike="noStrike">
+                <a:latin typeface="Arial"/>
+              </a:rPr>
+              <a:t>ru</a:t>
+            </a:r>
+            <a:r>
+              <a:rPr b="0" lang="en-IN" sz="2000" spc="-1" strike="noStrike">
+                <a:latin typeface="Arial"/>
+              </a:rPr>
+              <a:t>ct</a:t>
+            </a:r>
+            <a:r>
+              <a:rPr b="0" lang="en-IN" sz="2000" spc="-1" strike="noStrike">
+                <a:latin typeface="Arial"/>
+              </a:rPr>
+              <a:t>e</a:t>
+            </a:r>
+            <a:r>
+              <a:rPr b="0" lang="en-IN" sz="2000" spc="-1" strike="noStrike">
+                <a:latin typeface="Arial"/>
+              </a:rPr>
+              <a:t>d </a:t>
+            </a:r>
+            <a:r>
+              <a:rPr b="0" lang="en-IN" sz="2000" spc="-1" strike="noStrike">
+                <a:latin typeface="Arial"/>
+              </a:rPr>
+              <a:t>Hi</a:t>
+            </a:r>
+            <a:r>
+              <a:rPr b="0" lang="en-IN" sz="2000" spc="-1" strike="noStrike">
+                <a:latin typeface="Arial"/>
+              </a:rPr>
+              <a:t>t </a:t>
+            </a:r>
+            <a:r>
+              <a:rPr b="0" lang="en-IN" sz="2000" spc="-1" strike="noStrike">
+                <a:latin typeface="Arial"/>
+              </a:rPr>
+              <a:t>P</a:t>
+            </a:r>
+            <a:r>
+              <a:rPr b="0" lang="en-IN" sz="2000" spc="-1" strike="noStrike">
+                <a:latin typeface="Arial"/>
+              </a:rPr>
+              <a:t>oi</a:t>
+            </a:r>
+            <a:r>
+              <a:rPr b="0" lang="en-IN" sz="2000" spc="-1" strike="noStrike">
+                <a:latin typeface="Arial"/>
+              </a:rPr>
+              <a:t>nt</a:t>
+            </a:r>
+            <a:r>
+              <a:rPr b="0" lang="en-IN" sz="2000" spc="-1" strike="noStrike">
+                <a:latin typeface="Arial"/>
+              </a:rPr>
+              <a:t>s </a:t>
+            </a:r>
+            <a:r>
+              <a:rPr b="0" lang="en-IN" sz="2000" spc="-1" strike="noStrike">
+                <a:latin typeface="Arial"/>
+              </a:rPr>
+              <a:t>a</a:t>
+            </a:r>
+            <a:r>
+              <a:rPr b="0" lang="en-IN" sz="2000" spc="-1" strike="noStrike">
+                <a:latin typeface="Arial"/>
+              </a:rPr>
+              <a:t>n</a:t>
+            </a:r>
+            <a:r>
+              <a:rPr b="0" lang="en-IN" sz="2000" spc="-1" strike="noStrike">
+                <a:latin typeface="Arial"/>
+              </a:rPr>
+              <a:t>d </a:t>
+            </a:r>
+            <a:r>
+              <a:rPr b="0" lang="en-IN" sz="2000" spc="-1" strike="noStrike">
+                <a:latin typeface="Arial"/>
+              </a:rPr>
+              <a:t>R</a:t>
+            </a:r>
+            <a:r>
+              <a:rPr b="0" lang="en-IN" sz="2000" spc="-1" strike="noStrike">
+                <a:latin typeface="Arial"/>
+              </a:rPr>
+              <a:t>e</a:t>
+            </a:r>
+            <a:r>
+              <a:rPr b="0" lang="en-IN" sz="2000" spc="-1" strike="noStrike">
+                <a:latin typeface="Arial"/>
+              </a:rPr>
+              <a:t>si</a:t>
+            </a:r>
+            <a:r>
+              <a:rPr b="0" lang="en-IN" sz="2000" spc="-1" strike="noStrike">
+                <a:latin typeface="Arial"/>
+              </a:rPr>
+              <a:t>d</a:t>
+            </a:r>
+            <a:r>
+              <a:rPr b="0" lang="en-IN" sz="2000" spc="-1" strike="noStrike">
+                <a:latin typeface="Arial"/>
+              </a:rPr>
+              <a:t>u</a:t>
+            </a:r>
+            <a:r>
+              <a:rPr b="0" lang="en-IN" sz="2000" spc="-1" strike="noStrike">
+                <a:latin typeface="Arial"/>
+              </a:rPr>
+              <a:t>al </a:t>
+            </a:r>
+            <a:r>
+              <a:rPr b="0" lang="en-IN" sz="2000" spc="-1" strike="noStrike">
+                <a:latin typeface="Arial"/>
+              </a:rPr>
+              <a:t>Pl</a:t>
+            </a:r>
+            <a:r>
+              <a:rPr b="0" lang="en-IN" sz="2000" spc="-1" strike="noStrike">
+                <a:latin typeface="Arial"/>
+              </a:rPr>
+              <a:t>ot </a:t>
+            </a:r>
+            <a:r>
+              <a:rPr b="0" lang="en-IN" sz="2000" spc="-1" strike="noStrike">
+                <a:latin typeface="Arial"/>
+              </a:rPr>
+              <a:t>u</a:t>
+            </a:r>
+            <a:r>
+              <a:rPr b="0" lang="en-IN" sz="2000" spc="-1" strike="noStrike">
+                <a:latin typeface="Arial"/>
+              </a:rPr>
+              <a:t>si</a:t>
+            </a:r>
+            <a:r>
+              <a:rPr b="0" lang="en-IN" sz="2000" spc="-1" strike="noStrike">
+                <a:latin typeface="Arial"/>
+              </a:rPr>
+              <a:t>n</a:t>
+            </a:r>
+            <a:r>
+              <a:rPr b="0" lang="en-IN" sz="2000" spc="-1" strike="noStrike">
+                <a:latin typeface="Arial"/>
+              </a:rPr>
+              <a:t>g </a:t>
+            </a:r>
+            <a:r>
+              <a:rPr b="0" lang="en-IN" sz="2000" spc="-1" strike="noStrike">
+                <a:latin typeface="Arial"/>
+              </a:rPr>
+              <a:t>si</a:t>
+            </a:r>
+            <a:r>
+              <a:rPr b="0" lang="en-IN" sz="2000" spc="-1" strike="noStrike">
+                <a:latin typeface="Arial"/>
+              </a:rPr>
+              <a:t>m</a:t>
+            </a:r>
+            <a:r>
+              <a:rPr b="0" lang="en-IN" sz="2000" spc="-1" strike="noStrike">
+                <a:latin typeface="Arial"/>
+              </a:rPr>
+              <a:t>ul</a:t>
+            </a:r>
+            <a:r>
+              <a:rPr b="0" lang="en-IN" sz="2000" spc="-1" strike="noStrike">
+                <a:latin typeface="Arial"/>
+              </a:rPr>
+              <a:t>at</a:t>
+            </a:r>
+            <a:r>
+              <a:rPr b="0" lang="en-IN" sz="2000" spc="-1" strike="noStrike">
+                <a:latin typeface="Arial"/>
+              </a:rPr>
+              <a:t>e</a:t>
+            </a:r>
+            <a:r>
+              <a:rPr b="0" lang="en-IN" sz="2000" spc="-1" strike="noStrike">
+                <a:latin typeface="Arial"/>
+              </a:rPr>
+              <a:t>d </a:t>
+            </a:r>
+            <a:r>
+              <a:rPr b="0" lang="en-IN" sz="2000" spc="-1" strike="noStrike">
+                <a:latin typeface="Arial"/>
+              </a:rPr>
+              <a:t>d</a:t>
+            </a:r>
+            <a:r>
+              <a:rPr b="0" lang="en-IN" sz="2000" spc="-1" strike="noStrike">
+                <a:latin typeface="Arial"/>
+              </a:rPr>
+              <a:t>at</a:t>
+            </a:r>
+            <a:r>
+              <a:rPr b="0" lang="en-IN" sz="2000" spc="-1" strike="noStrike">
+                <a:latin typeface="Arial"/>
+              </a:rPr>
+              <a:t>a</a:t>
+            </a:r>
+            <a:endParaRPr b="0" lang="en-IN" sz="2000" spc="-1" strike="noStrike">
+              <a:latin typeface="Arial"/>
+            </a:endParaRPr>
+          </a:p>
+        </p:txBody>
+      </p:sp>
+      <p:pic>
+        <p:nvPicPr>
+          <p:cNvPr id="159" name="" descr=""/>
+          <p:cNvPicPr/>
+          <p:nvPr/>
+        </p:nvPicPr>
+        <p:blipFill>
+          <a:blip r:embed="rId3"/>
+          <a:stretch/>
+        </p:blipFill>
+        <p:spPr>
+          <a:xfrm>
+            <a:off x="3312000" y="2880000"/>
+            <a:ext cx="3641040" cy="2730600"/>
+          </a:xfrm>
+          <a:prstGeom prst="rect">
+            <a:avLst/>
+          </a:prstGeom>
+          <a:ln>
+            <a:noFill/>
+          </a:ln>
+        </p:spPr>
+      </p:pic>
+      <p:sp>
+        <p:nvSpPr>
+          <p:cNvPr id="160" name="TextShape 6"/>
+          <p:cNvSpPr txBox="1"/>
+          <p:nvPr/>
+        </p:nvSpPr>
+        <p:spPr>
+          <a:xfrm>
+            <a:off x="3600000" y="2664000"/>
+            <a:ext cx="3456000" cy="487080"/>
+          </a:xfrm>
+          <a:prstGeom prst="rect">
+            <a:avLst/>
+          </a:prstGeom>
+          <a:noFill/>
+          <a:ln>
+            <a:noFill/>
+          </a:ln>
+        </p:spPr>
+        <p:txBody>
+          <a:bodyPr lIns="90000" rIns="90000" tIns="45000" bIns="45000">
+            <a:noAutofit/>
+          </a:bodyPr>
+          <a:p>
+            <a:r>
+              <a:rPr b="0" lang="en-IN" sz="1400" spc="-1" strike="noStrike">
+                <a:latin typeface="Arial"/>
+              </a:rPr>
+              <a:t>Histogram of Residuals using layer</a:t>
+            </a:r>
+            <a:endParaRPr b="0" lang="en-IN" sz="1400" spc="-1" strike="noStrike">
+              <a:latin typeface="Arial"/>
+            </a:endParaRPr>
+          </a:p>
+          <a:p>
+            <a:r>
+              <a:rPr b="0" lang="en-IN" sz="1400" spc="-1" strike="noStrike">
+                <a:latin typeface="Arial"/>
+              </a:rPr>
+              <a:t>                      </a:t>
+            </a:r>
+            <a:r>
+              <a:rPr b="0" lang="en-IN" sz="1400" spc="-1" strike="noStrike">
+                <a:latin typeface="Arial"/>
+              </a:rPr>
+              <a:t>8 &amp; 3</a:t>
+            </a:r>
+            <a:endParaRPr b="0" lang="en-IN" sz="1400" spc="-1" strike="noStrike">
+              <a:latin typeface="Arial"/>
+            </a:endParaRPr>
+          </a:p>
+        </p:txBody>
+      </p:sp>
+    </p:spTree>
+  </p:cSld>
+  <mc:AlternateContent>
+    <mc:Choice Requires="p14">
+      <p:transition spd="slow" p14:dur="2000"/>
+    </mc:Choice>
+    <mc:Fallback>
+      <p:transition spd="slow"/>
+    </mc:Fallback>
+  </mc:AlternateContent>
+</p:sld>
+</file>
+
+<file path=ppt/slides/slide7.xml><?xml version="1.0" encoding="utf-8"?>
+<p:sld xmlns:a="http://schemas.openxmlformats.org/drawingml/2006/main" xmlns:p="http://schemas.openxmlformats.org/presentationml/2006/main" xmlns:r="http://schemas.openxmlformats.org/officeDocument/2006/relationships" xmlns:p14="http://schemas.microsoft.com/office/powerpoint/2010/main" xmlns:p15="http://schemas.microsoft.com/office/powerpoint/2012/main" xmlns:mc="http://schemas.openxmlformats.org/markup-compatibility/2006">
+  <p:cSld>
+    <p:spTree>
+      <p:nvGrpSpPr>
+        <p:cNvPr id="1" name=""/>
+        <p:cNvGrpSpPr/>
+        <p:nvPr/>
+      </p:nvGrpSpPr>
+      <p:grpSpPr>
+        <a:xfrm>
+          <a:off x="0" y="0"/>
+          <a:ext cx="0" cy="0"/>
+          <a:chOff x="0" y="0"/>
+          <a:chExt cx="0" cy="0"/>
+        </a:xfrm>
+      </p:grpSpPr>
+      <p:sp>
+        <p:nvSpPr>
+          <p:cNvPr id="161" name="CustomShape 1"/>
+          <p:cNvSpPr/>
+          <p:nvPr/>
+        </p:nvSpPr>
+        <p:spPr>
+          <a:xfrm>
+            <a:off x="504000" y="226080"/>
+            <a:ext cx="9071280" cy="946080"/>
+          </a:xfrm>
+          <a:prstGeom prst="rect">
+            <a:avLst/>
+          </a:prstGeom>
+          <a:noFill/>
+          <a:ln>
+            <a:noFill/>
+          </a:ln>
+        </p:spPr>
+        <p:style>
+          <a:lnRef idx="0"/>
+          <a:fillRef idx="0"/>
+          <a:effectRef idx="0"/>
+          <a:fontRef idx="minor"/>
+        </p:style>
+      </p:sp>
+      <p:sp>
+        <p:nvSpPr>
+          <p:cNvPr id="162" name="CustomShape 2"/>
+          <p:cNvSpPr/>
+          <p:nvPr/>
+        </p:nvSpPr>
+        <p:spPr>
+          <a:xfrm>
+            <a:off x="504000" y="-61920"/>
+            <a:ext cx="9071280" cy="946080"/>
+          </a:xfrm>
+          <a:prstGeom prst="rect">
+            <a:avLst/>
+          </a:prstGeom>
+          <a:noFill/>
+          <a:ln>
+            <a:noFill/>
+          </a:ln>
+        </p:spPr>
+        <p:style>
+          <a:lnRef idx="0"/>
+          <a:fillRef idx="0"/>
+          <a:effectRef idx="0"/>
+          <a:fontRef idx="minor"/>
+        </p:style>
+        <p:txBody>
+          <a:bodyPr lIns="0" rIns="0" tIns="0" bIns="0" anchor="ctr">
+            <a:noAutofit/>
+          </a:bodyPr>
+          <a:p>
+            <a:pPr algn="ctr">
+              <a:lnSpc>
+                <a:spcPct val="100000"/>
+              </a:lnSpc>
+            </a:pPr>
+            <a:r>
+              <a:rPr b="0" lang="en-IN" sz="4400" spc="-1" strike="noStrike">
+                <a:latin typeface="Arial"/>
+              </a:rPr>
+              <a:t>Layer 9</a:t>
+            </a:r>
+            <a:endParaRPr b="0" lang="en-IN" sz="4400" spc="-1" strike="noStrike">
+              <a:latin typeface="Arial"/>
+            </a:endParaRPr>
+          </a:p>
+        </p:txBody>
+      </p:sp>
+      <p:sp>
+        <p:nvSpPr>
+          <p:cNvPr id="163" name="TextShape 3"/>
+          <p:cNvSpPr txBox="1"/>
+          <p:nvPr/>
+        </p:nvSpPr>
+        <p:spPr>
+          <a:xfrm>
+            <a:off x="3456000" y="5017680"/>
+            <a:ext cx="3456000" cy="346320"/>
+          </a:xfrm>
+          <a:prstGeom prst="rect">
+            <a:avLst/>
+          </a:prstGeom>
+          <a:noFill/>
+          <a:ln>
+            <a:noFill/>
+          </a:ln>
+        </p:spPr>
+        <p:txBody>
+          <a:bodyPr lIns="90000" rIns="90000" tIns="45000" bIns="45000">
+            <a:noAutofit/>
+          </a:bodyPr>
+          <a:p>
+            <a:r>
+              <a:rPr b="0" lang="en-IN" sz="1800" spc="-1" strike="noStrike">
+                <a:latin typeface="Arial"/>
+              </a:rPr>
+              <a:t>Hi</a:t>
+            </a:r>
+            <a:r>
+              <a:rPr b="0" lang="en-IN" sz="1800" spc="-1" strike="noStrike">
+                <a:latin typeface="Arial"/>
+              </a:rPr>
+              <a:t>t </a:t>
+            </a:r>
+            <a:r>
+              <a:rPr b="0" lang="en-IN" sz="1800" spc="-1" strike="noStrike">
+                <a:latin typeface="Arial"/>
+              </a:rPr>
+              <a:t>P</a:t>
+            </a:r>
+            <a:r>
+              <a:rPr b="0" lang="en-IN" sz="1800" spc="-1" strike="noStrike">
+                <a:latin typeface="Arial"/>
+              </a:rPr>
+              <a:t>at</a:t>
+            </a:r>
+            <a:r>
+              <a:rPr b="0" lang="en-IN" sz="1800" spc="-1" strike="noStrike">
+                <a:latin typeface="Arial"/>
+              </a:rPr>
+              <a:t>te</a:t>
+            </a:r>
+            <a:r>
+              <a:rPr b="0" lang="en-IN" sz="1800" spc="-1" strike="noStrike">
+                <a:latin typeface="Arial"/>
+              </a:rPr>
+              <a:t>rn </a:t>
+            </a:r>
+            <a:r>
+              <a:rPr b="0" lang="en-IN" sz="1800" spc="-1" strike="noStrike">
+                <a:latin typeface="Arial"/>
+              </a:rPr>
+              <a:t>in </a:t>
+            </a:r>
+            <a:r>
+              <a:rPr b="0" lang="en-IN" sz="1800" spc="-1" strike="noStrike">
+                <a:latin typeface="Arial"/>
+              </a:rPr>
+              <a:t>O</a:t>
+            </a:r>
+            <a:r>
+              <a:rPr b="0" lang="en-IN" sz="1800" spc="-1" strike="noStrike">
+                <a:latin typeface="Arial"/>
+              </a:rPr>
+              <a:t>bl</a:t>
+            </a:r>
+            <a:r>
+              <a:rPr b="0" lang="en-IN" sz="1800" spc="-1" strike="noStrike">
+                <a:latin typeface="Arial"/>
+              </a:rPr>
+              <a:t>on</a:t>
+            </a:r>
+            <a:r>
+              <a:rPr b="0" lang="en-IN" sz="1800" spc="-1" strike="noStrike">
+                <a:latin typeface="Arial"/>
+              </a:rPr>
+              <a:t>g </a:t>
+            </a:r>
+            <a:r>
+              <a:rPr b="0" lang="en-IN" sz="1800" spc="-1" strike="noStrike">
+                <a:latin typeface="Arial"/>
+              </a:rPr>
+              <a:t>La</a:t>
+            </a:r>
+            <a:r>
+              <a:rPr b="0" lang="en-IN" sz="1800" spc="-1" strike="noStrike">
+                <a:latin typeface="Arial"/>
+              </a:rPr>
+              <a:t>ye</a:t>
+            </a:r>
+            <a:r>
+              <a:rPr b="0" lang="en-IN" sz="1800" spc="-1" strike="noStrike">
+                <a:latin typeface="Arial"/>
+              </a:rPr>
+              <a:t>r</a:t>
+            </a:r>
+            <a:endParaRPr b="0" lang="en-IN" sz="1800" spc="-1" strike="noStrike">
+              <a:latin typeface="Arial"/>
+            </a:endParaRPr>
+          </a:p>
+        </p:txBody>
+      </p:sp>
+      <p:sp>
+        <p:nvSpPr>
+          <p:cNvPr id="164" name="TextShape 4"/>
+          <p:cNvSpPr txBox="1"/>
+          <p:nvPr/>
+        </p:nvSpPr>
+        <p:spPr>
+          <a:xfrm>
+            <a:off x="864000" y="828000"/>
+            <a:ext cx="8352000" cy="373680"/>
+          </a:xfrm>
+          <a:prstGeom prst="rect">
+            <a:avLst/>
+          </a:prstGeom>
+          <a:noFill/>
+          <a:ln>
+            <a:noFill/>
+          </a:ln>
+        </p:spPr>
+        <p:txBody>
+          <a:bodyPr lIns="90000" rIns="90000" tIns="45000" bIns="45000">
+            <a:noAutofit/>
+          </a:bodyPr>
+          <a:p>
+            <a:r>
+              <a:rPr b="0" lang="en-IN" sz="2000" spc="-1" strike="noStrike">
+                <a:latin typeface="Arial"/>
+              </a:rPr>
+              <a:t>                    </a:t>
+            </a:r>
+            <a:r>
+              <a:rPr b="0" lang="en-IN" sz="2000" spc="-1" strike="noStrike">
+                <a:latin typeface="Arial"/>
+              </a:rPr>
+              <a:t>Reconstructed Hit Points using experimental data</a:t>
+            </a:r>
+            <a:endParaRPr b="0" lang="en-IN" sz="2000" spc="-1" strike="noStrike">
+              <a:latin typeface="Arial"/>
+            </a:endParaRPr>
+          </a:p>
+        </p:txBody>
+      </p:sp>
+      <p:pic>
+        <p:nvPicPr>
+          <p:cNvPr id="165" name="" descr=""/>
+          <p:cNvPicPr/>
+          <p:nvPr/>
+        </p:nvPicPr>
+        <p:blipFill>
+          <a:blip r:embed="rId1"/>
+          <a:stretch/>
+        </p:blipFill>
+        <p:spPr>
+          <a:xfrm>
+            <a:off x="2016000" y="1244880"/>
+            <a:ext cx="5181480" cy="3651120"/>
+          </a:xfrm>
+          <a:prstGeom prst="rect">
+            <a:avLst/>
+          </a:prstGeom>
+          <a:ln>
+            <a:noFill/>
+          </a:ln>
+        </p:spPr>
+      </p:pic>
+    </p:spTree>
+  </p:cSld>
+  <mc:AlternateContent>
+    <mc:Choice Requires="p14">
+      <p:transition spd="slow" p14:dur="2000"/>
+    </mc:Choice>
+    <mc:Fallback>
+      <p:transition spd="slow"/>
+    </mc:Fallback>
+  </mc:AlternateContent>
+</p:sld>
+</file>
+
+<file path=ppt/slides/slide8.xml><?xml version="1.0" encoding="utf-8"?>
+<p:sld xmlns:a="http://schemas.openxmlformats.org/drawingml/2006/main" xmlns:p="http://schemas.openxmlformats.org/presentationml/2006/main" xmlns:r="http://schemas.openxmlformats.org/officeDocument/2006/relationships" xmlns:p14="http://schemas.microsoft.com/office/powerpoint/2010/main" xmlns:p15="http://schemas.microsoft.com/office/powerpoint/2012/main" xmlns:mc="http://schemas.openxmlformats.org/markup-compatibility/2006">
+  <p:cSld>
+    <p:spTree>
+      <p:nvGrpSpPr>
+        <p:cNvPr id="1" name=""/>
+        <p:cNvGrpSpPr/>
+        <p:nvPr/>
+      </p:nvGrpSpPr>
+      <p:grpSpPr>
+        <a:xfrm>
+          <a:off x="0" y="0"/>
+          <a:ext cx="0" cy="0"/>
+          <a:chOff x="0" y="0"/>
+          <a:chExt cx="0" cy="0"/>
+        </a:xfrm>
+      </p:grpSpPr>
+      <p:sp>
+        <p:nvSpPr>
+          <p:cNvPr id="166" name="CustomShape 1"/>
+          <p:cNvSpPr/>
+          <p:nvPr/>
+        </p:nvSpPr>
+        <p:spPr>
+          <a:xfrm>
+            <a:off x="504000" y="226080"/>
+            <a:ext cx="9071280" cy="946080"/>
+          </a:xfrm>
+          <a:prstGeom prst="rect">
+            <a:avLst/>
+          </a:prstGeom>
+          <a:noFill/>
+          <a:ln>
+            <a:noFill/>
+          </a:ln>
+        </p:spPr>
+        <p:style>
+          <a:lnRef idx="0"/>
+          <a:fillRef idx="0"/>
+          <a:effectRef idx="0"/>
+          <a:fontRef idx="minor"/>
+        </p:style>
+      </p:sp>
+      <p:sp>
+        <p:nvSpPr>
+          <p:cNvPr id="167" name="CustomShape 2"/>
+          <p:cNvSpPr/>
+          <p:nvPr/>
+        </p:nvSpPr>
+        <p:spPr>
+          <a:xfrm>
+            <a:off x="504000" y="-61920"/>
+            <a:ext cx="9071280" cy="946080"/>
+          </a:xfrm>
+          <a:prstGeom prst="rect">
+            <a:avLst/>
+          </a:prstGeom>
+          <a:noFill/>
+          <a:ln>
+            <a:noFill/>
+          </a:ln>
+        </p:spPr>
+        <p:style>
+          <a:lnRef idx="0"/>
+          <a:fillRef idx="0"/>
+          <a:effectRef idx="0"/>
+          <a:fontRef idx="minor"/>
+        </p:style>
+        <p:txBody>
+          <a:bodyPr lIns="0" rIns="0" tIns="0" bIns="0" anchor="ctr">
+            <a:noAutofit/>
+          </a:bodyPr>
+          <a:p>
+            <a:pPr algn="ctr">
+              <a:lnSpc>
+                <a:spcPct val="100000"/>
+              </a:lnSpc>
+            </a:pPr>
+            <a:r>
+              <a:rPr b="0" lang="en-IN" sz="4400" spc="-1" strike="noStrike">
+                <a:latin typeface="Arial"/>
+              </a:rPr>
+              <a:t>Layer 8</a:t>
+            </a:r>
+            <a:endParaRPr b="0" lang="en-IN" sz="4400" spc="-1" strike="noStrike">
+              <a:latin typeface="Arial"/>
+            </a:endParaRPr>
+          </a:p>
+        </p:txBody>
+      </p:sp>
+      <p:sp>
+        <p:nvSpPr>
+          <p:cNvPr id="168" name="TextShape 3"/>
+          <p:cNvSpPr txBox="1"/>
+          <p:nvPr/>
+        </p:nvSpPr>
+        <p:spPr>
+          <a:xfrm>
+            <a:off x="3384000" y="4968000"/>
+            <a:ext cx="3456000" cy="346320"/>
+          </a:xfrm>
+          <a:prstGeom prst="rect">
+            <a:avLst/>
+          </a:prstGeom>
+          <a:noFill/>
+          <a:ln>
+            <a:noFill/>
+          </a:ln>
+        </p:spPr>
+        <p:txBody>
+          <a:bodyPr lIns="90000" rIns="90000" tIns="45000" bIns="45000">
+            <a:noAutofit/>
+          </a:bodyPr>
+          <a:p>
+            <a:r>
+              <a:rPr b="0" lang="en-IN" sz="1800" spc="-1" strike="noStrike">
+                <a:latin typeface="Arial"/>
+              </a:rPr>
+              <a:t>Hit Pattern in Cross Layer</a:t>
+            </a:r>
+            <a:endParaRPr b="0" lang="en-IN" sz="1800" spc="-1" strike="noStrike">
+              <a:latin typeface="Arial"/>
+            </a:endParaRPr>
+          </a:p>
+        </p:txBody>
+      </p:sp>
+      <p:sp>
+        <p:nvSpPr>
+          <p:cNvPr id="169" name="TextShape 4"/>
+          <p:cNvSpPr txBox="1"/>
+          <p:nvPr/>
+        </p:nvSpPr>
+        <p:spPr>
+          <a:xfrm>
+            <a:off x="864000" y="828000"/>
+            <a:ext cx="8352000" cy="373680"/>
+          </a:xfrm>
+          <a:prstGeom prst="rect">
+            <a:avLst/>
+          </a:prstGeom>
+          <a:noFill/>
+          <a:ln>
+            <a:noFill/>
+          </a:ln>
+        </p:spPr>
+        <p:txBody>
+          <a:bodyPr lIns="90000" rIns="90000" tIns="45000" bIns="45000">
+            <a:noAutofit/>
+          </a:bodyPr>
+          <a:p>
+            <a:r>
+              <a:rPr b="0" lang="en-IN" sz="2000" spc="-1" strike="noStrike">
+                <a:latin typeface="Arial"/>
+                <a:ea typeface="Noto Sans CJK SC"/>
+              </a:rPr>
+              <a:t>                    </a:t>
+            </a:r>
+            <a:r>
+              <a:rPr b="0" lang="en-IN" sz="2000" spc="-1" strike="noStrike">
+                <a:latin typeface="Arial"/>
+                <a:ea typeface="Noto Sans CJK SC"/>
+              </a:rPr>
+              <a:t>Reconstructed Hit Points using </a:t>
+            </a:r>
+            <a:r>
+              <a:rPr b="0" lang="en-IN" sz="2000" spc="-1" strike="noStrike">
+                <a:latin typeface="Arial"/>
+              </a:rPr>
+              <a:t>experimental</a:t>
+            </a:r>
+            <a:r>
+              <a:rPr b="0" lang="en-IN" sz="2000" spc="-1" strike="noStrike">
+                <a:latin typeface="Arial"/>
+              </a:rPr>
+              <a:t> data</a:t>
+            </a:r>
+            <a:endParaRPr b="0" lang="en-IN" sz="2000" spc="-1" strike="noStrike">
+              <a:latin typeface="Arial"/>
+            </a:endParaRPr>
+          </a:p>
+        </p:txBody>
+      </p:sp>
+      <p:pic>
+        <p:nvPicPr>
+          <p:cNvPr id="170" name="" descr=""/>
+          <p:cNvPicPr/>
+          <p:nvPr/>
+        </p:nvPicPr>
+        <p:blipFill>
+          <a:blip r:embed="rId1"/>
+          <a:stretch/>
+        </p:blipFill>
+        <p:spPr>
+          <a:xfrm>
+            <a:off x="1944000" y="1311840"/>
+            <a:ext cx="5472000" cy="3728160"/>
+          </a:xfrm>
+          <a:prstGeom prst="rect">
+            <a:avLst/>
+          </a:prstGeom>
+          <a:ln>
+            <a:noFill/>
+          </a:ln>
+        </p:spPr>
+      </p:pic>
+    </p:spTree>
+  </p:cSld>
+  <mc:AlternateContent>
+    <mc:Choice Requires="p14">
+      <p:transition spd="slow" p14:dur="2000"/>
+    </mc:Choice>
+    <mc:Fallback>
+      <p:transition spd="slow"/>
+    </mc:Fallback>
+  </mc:AlternateContent>
+</p:sld>
+</file>
+
+<file path=ppt/slides/slide9.xml><?xml version="1.0" encoding="utf-8"?>
+<p:sld xmlns:a="http://schemas.openxmlformats.org/drawingml/2006/main" xmlns:p="http://schemas.openxmlformats.org/presentationml/2006/main" xmlns:r="http://schemas.openxmlformats.org/officeDocument/2006/relationships" xmlns:p14="http://schemas.microsoft.com/office/powerpoint/2010/main" xmlns:p15="http://schemas.microsoft.com/office/powerpoint/2012/main" xmlns:mc="http://schemas.openxmlformats.org/markup-compatibility/2006">
+  <p:cSld>
+    <p:spTree>
+      <p:nvGrpSpPr>
+        <p:cNvPr id="1" name=""/>
+        <p:cNvGrpSpPr/>
+        <p:nvPr/>
+      </p:nvGrpSpPr>
+      <p:grpSpPr>
+        <a:xfrm>
+          <a:off x="0" y="0"/>
+          <a:ext cx="0" cy="0"/>
+          <a:chOff x="0" y="0"/>
+          <a:chExt cx="0" cy="0"/>
+        </a:xfrm>
+      </p:grpSpPr>
+      <p:sp>
+        <p:nvSpPr>
+          <p:cNvPr id="171" name="CustomShape 1"/>
+          <p:cNvSpPr/>
+          <p:nvPr/>
+        </p:nvSpPr>
+        <p:spPr>
+          <a:xfrm>
+            <a:off x="504000" y="226080"/>
+            <a:ext cx="9071280" cy="946080"/>
+          </a:xfrm>
+          <a:prstGeom prst="rect">
+            <a:avLst/>
+          </a:prstGeom>
+          <a:noFill/>
+          <a:ln>
+            <a:noFill/>
+          </a:ln>
+        </p:spPr>
+        <p:style>
+          <a:lnRef idx="0"/>
+          <a:fillRef idx="0"/>
+          <a:effectRef idx="0"/>
+          <a:fontRef idx="minor"/>
+        </p:style>
+      </p:sp>
+      <p:sp>
+        <p:nvSpPr>
+          <p:cNvPr id="172" name="CustomShape 2"/>
+          <p:cNvSpPr/>
+          <p:nvPr/>
+        </p:nvSpPr>
+        <p:spPr>
+          <a:xfrm>
+            <a:off x="504000" y="-61920"/>
+            <a:ext cx="9071280" cy="946080"/>
+          </a:xfrm>
+          <a:prstGeom prst="rect">
+            <a:avLst/>
+          </a:prstGeom>
+          <a:noFill/>
+          <a:ln>
+            <a:noFill/>
+          </a:ln>
+        </p:spPr>
+        <p:style>
+          <a:lnRef idx="0"/>
+          <a:fillRef idx="0"/>
+          <a:effectRef idx="0"/>
+          <a:fontRef idx="minor"/>
+        </p:style>
+        <p:txBody>
+          <a:bodyPr lIns="0" rIns="0" tIns="0" bIns="0" anchor="ctr">
+            <a:noAutofit/>
+          </a:bodyPr>
+          <a:p>
+            <a:pPr algn="ctr">
+              <a:lnSpc>
+                <a:spcPct val="100000"/>
+              </a:lnSpc>
+            </a:pPr>
+            <a:r>
+              <a:rPr b="0" lang="en-IN" sz="4400" spc="-1" strike="noStrike">
+                <a:latin typeface="Arial"/>
+              </a:rPr>
+              <a:t>Layer 7</a:t>
+            </a:r>
+            <a:endParaRPr b="0" lang="en-IN" sz="4400" spc="-1" strike="noStrike">
+              <a:latin typeface="Arial"/>
+            </a:endParaRPr>
+          </a:p>
+        </p:txBody>
+      </p:sp>
+      <p:sp>
+        <p:nvSpPr>
+          <p:cNvPr id="173" name="TextShape 3"/>
+          <p:cNvSpPr txBox="1"/>
+          <p:nvPr/>
+        </p:nvSpPr>
+        <p:spPr>
+          <a:xfrm>
+            <a:off x="3456000" y="5017680"/>
+            <a:ext cx="3456000" cy="346320"/>
+          </a:xfrm>
+          <a:prstGeom prst="rect">
+            <a:avLst/>
+          </a:prstGeom>
+          <a:noFill/>
+          <a:ln>
+            <a:noFill/>
+          </a:ln>
+        </p:spPr>
+        <p:txBody>
+          <a:bodyPr lIns="90000" rIns="90000" tIns="45000" bIns="45000">
+            <a:noAutofit/>
+          </a:bodyPr>
+          <a:p>
+            <a:r>
+              <a:rPr b="0" lang="en-IN" sz="1800" spc="-1" strike="noStrike">
+                <a:latin typeface="Arial"/>
+              </a:rPr>
+              <a:t>Hit Pattern in Oblong Layer</a:t>
+            </a:r>
+            <a:endParaRPr b="0" lang="en-IN" sz="1800" spc="-1" strike="noStrike">
+              <a:latin typeface="Arial"/>
+            </a:endParaRPr>
+          </a:p>
+        </p:txBody>
+      </p:sp>
+      <p:sp>
+        <p:nvSpPr>
+          <p:cNvPr id="174" name="TextShape 4"/>
+          <p:cNvSpPr txBox="1"/>
+          <p:nvPr/>
+        </p:nvSpPr>
+        <p:spPr>
+          <a:xfrm>
+            <a:off x="864000" y="828000"/>
+            <a:ext cx="8352000" cy="373680"/>
+          </a:xfrm>
+          <a:prstGeom prst="rect">
+            <a:avLst/>
+          </a:prstGeom>
+          <a:noFill/>
+          <a:ln>
+            <a:noFill/>
+          </a:ln>
+        </p:spPr>
+        <p:txBody>
+          <a:bodyPr lIns="90000" rIns="90000" tIns="45000" bIns="45000">
+            <a:noAutofit/>
+          </a:bodyPr>
+          <a:p>
+            <a:r>
+              <a:rPr b="0" lang="en-IN" sz="2000" spc="-1" strike="noStrike">
+                <a:latin typeface="Arial"/>
+                <a:ea typeface="Noto Sans CJK SC"/>
+              </a:rPr>
+              <a:t>                    </a:t>
+            </a:r>
+            <a:r>
+              <a:rPr b="0" lang="en-IN" sz="2000" spc="-1" strike="noStrike">
+                <a:latin typeface="Arial"/>
+                <a:ea typeface="Noto Sans CJK SC"/>
+              </a:rPr>
+              <a:t>Reconstructed Hit Points using </a:t>
+            </a:r>
+            <a:r>
+              <a:rPr b="0" lang="en-IN" sz="2000" spc="-1" strike="noStrike">
+                <a:latin typeface="Arial"/>
+              </a:rPr>
+              <a:t>experimental</a:t>
+            </a:r>
+            <a:r>
+              <a:rPr b="0" lang="en-IN" sz="2000" spc="-1" strike="noStrike">
+                <a:latin typeface="Arial"/>
+              </a:rPr>
+              <a:t> data</a:t>
+            </a:r>
+            <a:endParaRPr b="0" lang="en-IN" sz="2000" spc="-1" strike="noStrike">
+              <a:latin typeface="Arial"/>
+            </a:endParaRPr>
+          </a:p>
+        </p:txBody>
+      </p:sp>
+      <p:pic>
+        <p:nvPicPr>
+          <p:cNvPr id="175" name="" descr=""/>
+          <p:cNvPicPr/>
+          <p:nvPr/>
+        </p:nvPicPr>
+        <p:blipFill>
+          <a:blip r:embed="rId1"/>
+          <a:stretch/>
+        </p:blipFill>
+        <p:spPr>
+          <a:xfrm>
+            <a:off x="2232000" y="1266840"/>
+            <a:ext cx="4893480" cy="3750840"/>
+          </a:xfrm>
+          <a:prstGeom prst="rect">
+            <a:avLst/>
+          </a:prstGeom>
+          <a:ln>
+            <a:noFill/>
+          </a:ln>
+        </p:spPr>
+      </p:pic>
+    </p:spTree>
+  </p:cSld>
+  <mc:AlternateContent>
+    <mc:Choice Requires="p14">
+      <p:transition spd="slow" p14:dur="2000"/>
+    </mc:Choice>
+    <mc:Fallback>
+      <p:transition spd="slow"/>
+    </mc:Fallback>
+  </mc:AlternateContent>
 </p:sld>
 </file>
 
@@ -2220,18 +9036,247 @@
             </a:schemeClr>
           </a:solidFill>
           <a:prstDash val="solid"/>
+          <a:miter/>
         </a:ln>
         <a:ln w="25400" cap="flat" cmpd="sng" algn="ctr">
           <a:solidFill>
             <a:schemeClr val="phClr"/>
           </a:solidFill>
           <a:prstDash val="solid"/>
+          <a:miter/>
         </a:ln>
         <a:ln w="38100" cap="flat" cmpd="sng" algn="ctr">
           <a:solidFill>
             <a:schemeClr val="phClr"/>
           </a:solidFill>
           <a:prstDash val="solid"/>
+          <a:miter/>
+        </a:ln>
+      </a:lnStyleLst>
+      <a:effectStyleLst>
+        <a:effectStyle>
+          <a:effectLst>
+            <a:outerShdw blurRad="40000" dist="20000" dir="5400000" rotWithShape="0">
+              <a:srgbClr val="000000">
+                <a:alpha val="38000"/>
+              </a:srgbClr>
+            </a:outerShdw>
+          </a:effectLst>
+        </a:effectStyle>
+        <a:effectStyle>
+          <a:effectLst>
+            <a:outerShdw blurRad="40000" dist="23000" dir="5400000" rotWithShape="0">
+              <a:srgbClr val="000000">
+                <a:alpha val="35000"/>
+              </a:srgbClr>
+            </a:outerShdw>
+          </a:effectLst>
+        </a:effectStyle>
+        <a:effectStyle>
+          <a:effectLst>
+            <a:outerShdw blurRad="40000" dist="23000" dir="5400000" rotWithShape="0">
+              <a:srgbClr val="000000">
+                <a:alpha val="35000"/>
+              </a:srgbClr>
+            </a:outerShdw>
+          </a:effectLst>
+          <a:scene3d>
+            <a:camera prst="orthographicFront">
+              <a:rot lat="0" lon="0" rev="0"/>
+            </a:camera>
+            <a:lightRig rig="threePt" dir="t">
+              <a:rot lat="0" lon="0" rev="1200000"/>
+            </a:lightRig>
+          </a:scene3d>
+          <a:sp3d>
+            <a:bevelT w="63500" h="25400"/>
+          </a:sp3d>
+        </a:effectStyle>
+      </a:effectStyleLst>
+      <a:bgFillStyleLst>
+        <a:solidFill>
+          <a:schemeClr val="phClr"/>
+        </a:solidFill>
+        <a:gradFill rotWithShape="1">
+          <a:gsLst>
+            <a:gs pos="0">
+              <a:schemeClr val="phClr">
+                <a:tint val="40000"/>
+                <a:satMod val="350000"/>
+              </a:schemeClr>
+            </a:gs>
+            <a:gs pos="40000">
+              <a:schemeClr val="phClr">
+                <a:tint val="45000"/>
+                <a:shade val="99000"/>
+                <a:satMod val="350000"/>
+              </a:schemeClr>
+            </a:gs>
+            <a:gs pos="100000">
+              <a:schemeClr val="phClr">
+                <a:shade val="20000"/>
+                <a:satMod val="255000"/>
+              </a:schemeClr>
+            </a:gs>
+          </a:gsLst>
+          <a:path path="circle">
+            <a:fillToRect l="50000" t="-80000" r="50000" b="180000"/>
+          </a:path>
+        </a:gradFill>
+        <a:gradFill rotWithShape="1">
+          <a:gsLst>
+            <a:gs pos="0">
+              <a:schemeClr val="phClr">
+                <a:tint val="80000"/>
+                <a:satMod val="300000"/>
+              </a:schemeClr>
+            </a:gs>
+            <a:gs pos="100000">
+              <a:schemeClr val="phClr">
+                <a:shade val="30000"/>
+                <a:satMod val="200000"/>
+              </a:schemeClr>
+            </a:gs>
+          </a:gsLst>
+          <a:path path="circle">
+            <a:fillToRect l="50000" t="50000" r="50000" b="50000"/>
+          </a:path>
+        </a:gradFill>
+      </a:bgFillStyleLst>
+    </a:fmtScheme>
+  </a:themeElements>
+</a:theme>
+</file>
+
+<file path=ppt/theme/theme2.xml><?xml version="1.0" encoding="utf-8"?>
+<a:theme xmlns:a="http://schemas.openxmlformats.org/drawingml/2006/main" name="Office Theme">
+  <a:themeElements>
+    <a:clrScheme name="Office">
+      <a:dk1>
+        <a:sysClr val="windowText" lastClr="000000"/>
+      </a:dk1>
+      <a:lt1>
+        <a:sysClr val="window" lastClr="FFFFFF"/>
+      </a:lt1>
+      <a:dk2>
+        <a:srgbClr val="1f497d"/>
+      </a:dk2>
+      <a:lt2>
+        <a:srgbClr val="eeece1"/>
+      </a:lt2>
+      <a:accent1>
+        <a:srgbClr val="4f81bd"/>
+      </a:accent1>
+      <a:accent2>
+        <a:srgbClr val="c0504d"/>
+      </a:accent2>
+      <a:accent3>
+        <a:srgbClr val="9bbb59"/>
+      </a:accent3>
+      <a:accent4>
+        <a:srgbClr val="8064a2"/>
+      </a:accent4>
+      <a:accent5>
+        <a:srgbClr val="4bacc6"/>
+      </a:accent5>
+      <a:accent6>
+        <a:srgbClr val="f79646"/>
+      </a:accent6>
+      <a:hlink>
+        <a:srgbClr val="0000ff"/>
+      </a:hlink>
+      <a:folHlink>
+        <a:srgbClr val="800080"/>
+      </a:folHlink>
+    </a:clrScheme>
+    <a:fontScheme name="Office">
+      <a:majorFont>
+        <a:latin typeface="Arial"/>
+        <a:ea typeface="DejaVu Sans"/>
+        <a:cs typeface="DejaVu Sans"/>
+      </a:majorFont>
+      <a:minorFont>
+        <a:latin typeface="Arial"/>
+        <a:ea typeface="DejaVu Sans"/>
+        <a:cs typeface="DejaVu Sans"/>
+      </a:minorFont>
+    </a:fontScheme>
+    <a:fmtScheme name="Office">
+      <a:fillStyleLst>
+        <a:solidFill>
+          <a:schemeClr val="phClr"/>
+        </a:solidFill>
+        <a:gradFill rotWithShape="1">
+          <a:gsLst>
+            <a:gs pos="0">
+              <a:schemeClr val="phClr">
+                <a:tint val="50000"/>
+                <a:satMod val="300000"/>
+              </a:schemeClr>
+            </a:gs>
+            <a:gs pos="35000">
+              <a:schemeClr val="phClr">
+                <a:tint val="37000"/>
+                <a:satMod val="300000"/>
+              </a:schemeClr>
+            </a:gs>
+            <a:gs pos="100000">
+              <a:schemeClr val="phClr">
+                <a:tint val="15000"/>
+                <a:satMod val="350000"/>
+              </a:schemeClr>
+            </a:gs>
+          </a:gsLst>
+          <a:lin ang="16200000" scaled="1"/>
+        </a:gradFill>
+        <a:gradFill rotWithShape="1">
+          <a:gsLst>
+            <a:gs pos="0">
+              <a:schemeClr val="phClr">
+                <a:shade val="51000"/>
+                <a:satMod val="130000"/>
+              </a:schemeClr>
+            </a:gs>
+            <a:gs pos="80000">
+              <a:schemeClr val="phClr">
+                <a:shade val="93000"/>
+                <a:satMod val="130000"/>
+              </a:schemeClr>
+            </a:gs>
+            <a:gs pos="100000">
+              <a:schemeClr val="phClr">
+                <a:shade val="94000"/>
+                <a:satMod val="135000"/>
+              </a:schemeClr>
+            </a:gs>
+          </a:gsLst>
+          <a:lin ang="16200000" scaled="0"/>
+        </a:gradFill>
+      </a:fillStyleLst>
+      <a:lnStyleLst>
+        <a:ln w="9525" cap="flat" cmpd="sng" algn="ctr">
+          <a:solidFill>
+            <a:schemeClr val="phClr">
+              <a:shade val="95000"/>
+              <a:satMod val="105000"/>
+            </a:schemeClr>
+          </a:solidFill>
+          <a:prstDash val="solid"/>
+          <a:miter/>
+        </a:ln>
+        <a:ln w="25400" cap="flat" cmpd="sng" algn="ctr">
+          <a:solidFill>
+            <a:schemeClr val="phClr"/>
+          </a:solidFill>
+          <a:prstDash val="solid"/>
+          <a:miter/>
+        </a:ln>
+        <a:ln w="38100" cap="flat" cmpd="sng" algn="ctr">
+          <a:solidFill>
+            <a:schemeClr val="phClr"/>
+          </a:solidFill>
+          <a:prstDash val="solid"/>
+          <a:miter/>
         </a:ln>
       </a:lnStyleLst>
       <a:effectStyleLst>

--- a/DiscussionSlides-17-June.pptx
+++ b/DiscussionSlides-17-June.pptx
@@ -19,6 +19,8 @@
     <p:sldId id="266" r:id="rId14"/>
     <p:sldId id="267" r:id="rId15"/>
     <p:sldId id="268" r:id="rId16"/>
+    <p:sldId id="269" r:id="rId17"/>
+    <p:sldId id="270" r:id="rId18"/>
   </p:sldIdLst>
   <p:sldSz cx="10080625" cy="5670550"/>
   <p:notesSz cx="7559675" cy="10691812"/>
@@ -3036,25 +3038,49 @@
               <a:rPr b="0" lang="en-IN" sz="1800" spc="-1" strike="noStrike">
                 <a:latin typeface="Arial"/>
               </a:rPr>
-              <a:t>Click to </a:t>
+              <a:t>Click </a:t>
             </a:r>
             <a:r>
               <a:rPr b="0" lang="en-IN" sz="1800" spc="-1" strike="noStrike">
                 <a:latin typeface="Arial"/>
               </a:rPr>
-              <a:t>edit the </a:t>
+              <a:t>to </a:t>
             </a:r>
             <a:r>
               <a:rPr b="0" lang="en-IN" sz="1800" spc="-1" strike="noStrike">
                 <a:latin typeface="Arial"/>
               </a:rPr>
-              <a:t>title text </a:t>
+              <a:t>edit </a:t>
             </a:r>
             <a:r>
               <a:rPr b="0" lang="en-IN" sz="1800" spc="-1" strike="noStrike">
                 <a:latin typeface="Arial"/>
               </a:rPr>
-              <a:t>format</a:t>
+              <a:t>the </a:t>
+            </a:r>
+            <a:r>
+              <a:rPr b="0" lang="en-IN" sz="1800" spc="-1" strike="noStrike">
+                <a:latin typeface="Arial"/>
+              </a:rPr>
+              <a:t>title </a:t>
+            </a:r>
+            <a:r>
+              <a:rPr b="0" lang="en-IN" sz="1800" spc="-1" strike="noStrike">
+                <a:latin typeface="Arial"/>
+              </a:rPr>
+              <a:t>text </a:t>
+            </a:r>
+            <a:r>
+              <a:rPr b="0" lang="en-IN" sz="1800" spc="-1" strike="noStrike">
+                <a:latin typeface="Arial"/>
+              </a:rPr>
+              <a:t>form</a:t>
+            </a:r>
+            <a:r>
+              <a:rPr b="0" lang="en-IN" sz="1800" spc="-1" strike="noStrike">
+                <a:latin typeface="Arial"/>
+              </a:rPr>
+              <a:t>at</a:t>
             </a:r>
             <a:endParaRPr b="0" lang="en-IN" sz="1800" spc="-1" strike="noStrike">
               <a:latin typeface="Arial"/>
@@ -3406,7 +3432,7 @@
       </p:grpSpPr>
       <p:sp>
         <p:nvSpPr>
-          <p:cNvPr id="176" name="CustomShape 1"/>
+          <p:cNvPr id="181" name="CustomShape 1"/>
           <p:cNvSpPr/>
           <p:nvPr/>
         </p:nvSpPr>
@@ -3432,7 +3458,7 @@
       </p:sp>
       <p:sp>
         <p:nvSpPr>
-          <p:cNvPr id="177" name="CustomShape 2"/>
+          <p:cNvPr id="182" name="CustomShape 2"/>
           <p:cNvSpPr/>
           <p:nvPr/>
         </p:nvSpPr>
@@ -3469,7 +3495,7 @@
               <a:rPr b="0" lang="en-IN" sz="4400" spc="-1" strike="noStrike">
                 <a:latin typeface="Arial"/>
               </a:rPr>
-              <a:t>Layer 1</a:t>
+              <a:t>Layer 7</a:t>
             </a:r>
             <a:endParaRPr b="0" lang="en-IN" sz="4400" spc="-1" strike="noStrike">
               <a:latin typeface="Arial"/>
@@ -3479,13 +3505,13 @@
       </p:sp>
       <p:sp>
         <p:nvSpPr>
-          <p:cNvPr id="178" name="TextShape 3"/>
+          <p:cNvPr id="183" name="TextShape 3"/>
           <p:cNvSpPr txBox="1"/>
           <p:nvPr/>
         </p:nvSpPr>
         <p:spPr>
           <a:xfrm>
-            <a:off x="3384000" y="4968000"/>
+            <a:off x="3456000" y="5017680"/>
             <a:ext cx="3456000" cy="346320"/>
           </a:xfrm>
           <a:prstGeom prst="rect">
@@ -3505,7 +3531,7 @@
               <a:rPr b="0" lang="en-IN" sz="1800" spc="-1" strike="noStrike">
                 <a:latin typeface="Arial"/>
               </a:rPr>
-              <a:t>Hit Pattern in Cross Layer</a:t>
+              <a:t>Hit Pattern in Oblong Layer</a:t>
             </a:r>
             <a:endParaRPr b="0" lang="en-IN" sz="1800" spc="-1" strike="noStrike">
               <a:latin typeface="Arial"/>
@@ -3515,7 +3541,7 @@
       </p:sp>
       <p:sp>
         <p:nvSpPr>
-          <p:cNvPr id="179" name="TextShape 4"/>
+          <p:cNvPr id="184" name="TextShape 4"/>
           <p:cNvSpPr txBox="1"/>
           <p:nvPr/>
         </p:nvSpPr>
@@ -3571,7 +3597,7 @@
       </p:sp>
       <p:pic>
         <p:nvPicPr>
-          <p:cNvPr id="180" name="" descr=""/>
+          <p:cNvPr id="185" name="" descr=""/>
           <p:cNvPicPr/>
           <p:nvPr/>
         </p:nvPicPr>
@@ -3581,8 +3607,8 @@
         </p:blipFill>
         <p:spPr>
           <a:xfrm>
-            <a:off x="1874520" y="1411920"/>
-            <a:ext cx="5109480" cy="3484080"/>
+            <a:off x="2232000" y="1266840"/>
+            <a:ext cx="4893480" cy="3750840"/>
           </a:xfrm>
           <a:prstGeom prst="rect">
             <a:avLst/>
@@ -3622,160 +3648,9 @@
           <a:chExt cx="0" cy="0"/>
         </a:xfrm>
       </p:grpSpPr>
-      <p:sp>
-        <p:nvSpPr>
-          <p:cNvPr id="181" name="CustomShape 1"/>
-          <p:cNvSpPr/>
-          <p:nvPr/>
-        </p:nvSpPr>
-        <p:spPr>
-          <a:xfrm>
-            <a:off x="504000" y="226080"/>
-            <a:ext cx="9071280" cy="946080"/>
-          </a:xfrm>
-          <a:prstGeom prst="rect">
-            <a:avLst/>
-          </a:prstGeom>
-          <a:noFill/>
-          <a:ln>
-            <a:noFill/>
-          </a:ln>
-        </p:spPr>
-        <p:style>
-          <a:lnRef idx="0"/>
-          <a:fillRef idx="0"/>
-          <a:effectRef idx="0"/>
-          <a:fontRef idx="minor"/>
-        </p:style>
-      </p:sp>
-      <p:sp>
-        <p:nvSpPr>
-          <p:cNvPr id="182" name="CustomShape 2"/>
-          <p:cNvSpPr/>
-          <p:nvPr/>
-        </p:nvSpPr>
-        <p:spPr>
-          <a:xfrm>
-            <a:off x="504000" y="-61920"/>
-            <a:ext cx="9071280" cy="946080"/>
-          </a:xfrm>
-          <a:prstGeom prst="rect">
-            <a:avLst/>
-          </a:prstGeom>
-          <a:noFill/>
-          <a:ln>
-            <a:noFill/>
-          </a:ln>
-        </p:spPr>
-        <p:style>
-          <a:lnRef idx="0"/>
-          <a:fillRef idx="0"/>
-          <a:effectRef idx="0"/>
-          <a:fontRef idx="minor"/>
-        </p:style>
-        <p:txBody>
-          <a:bodyPr lIns="0" rIns="0" tIns="0" bIns="0" anchor="ctr">
-            <a:noAutofit/>
-          </a:bodyPr>
-          <a:p>
-            <a:pPr algn="ctr">
-              <a:lnSpc>
-                <a:spcPct val="100000"/>
-              </a:lnSpc>
-            </a:pPr>
-            <a:r>
-              <a:rPr b="0" lang="en-IN" sz="4400" spc="-1" strike="noStrike">
-                <a:latin typeface="Arial"/>
-              </a:rPr>
-              <a:t>Layer 2</a:t>
-            </a:r>
-            <a:endParaRPr b="0" lang="en-IN" sz="4400" spc="-1" strike="noStrike">
-              <a:latin typeface="Arial"/>
-            </a:endParaRPr>
-          </a:p>
-        </p:txBody>
-      </p:sp>
-      <p:sp>
-        <p:nvSpPr>
-          <p:cNvPr id="183" name="TextShape 3"/>
-          <p:cNvSpPr txBox="1"/>
-          <p:nvPr/>
-        </p:nvSpPr>
-        <p:spPr>
-          <a:xfrm>
-            <a:off x="3456000" y="5017680"/>
-            <a:ext cx="3456000" cy="346320"/>
-          </a:xfrm>
-          <a:prstGeom prst="rect">
-            <a:avLst/>
-          </a:prstGeom>
-          <a:noFill/>
-          <a:ln>
-            <a:noFill/>
-          </a:ln>
-        </p:spPr>
-        <p:txBody>
-          <a:bodyPr lIns="90000" rIns="90000" tIns="45000" bIns="45000">
-            <a:noAutofit/>
-          </a:bodyPr>
-          <a:p>
-            <a:r>
-              <a:rPr b="0" lang="en-IN" sz="1800" spc="-1" strike="noStrike">
-                <a:latin typeface="Arial"/>
-              </a:rPr>
-              <a:t>Hit Pattern in Oblong Layer</a:t>
-            </a:r>
-            <a:endParaRPr b="0" lang="en-IN" sz="1800" spc="-1" strike="noStrike">
-              <a:latin typeface="Arial"/>
-            </a:endParaRPr>
-          </a:p>
-        </p:txBody>
-      </p:sp>
-      <p:sp>
-        <p:nvSpPr>
-          <p:cNvPr id="184" name="TextShape 4"/>
-          <p:cNvSpPr txBox="1"/>
-          <p:nvPr/>
-        </p:nvSpPr>
-        <p:spPr>
-          <a:xfrm>
-            <a:off x="864000" y="828000"/>
-            <a:ext cx="8352000" cy="373680"/>
-          </a:xfrm>
-          <a:prstGeom prst="rect">
-            <a:avLst/>
-          </a:prstGeom>
-          <a:noFill/>
-          <a:ln>
-            <a:noFill/>
-          </a:ln>
-        </p:spPr>
-        <p:txBody>
-          <a:bodyPr lIns="90000" rIns="90000" tIns="45000" bIns="45000">
-            <a:noAutofit/>
-          </a:bodyPr>
-          <a:p>
-            <a:r>
-              <a:rPr b="0" lang="en-IN" sz="2000" spc="-1" strike="noStrike">
-                <a:latin typeface="Arial"/>
-              </a:rPr>
-              <a:t>                    </a:t>
-            </a:r>
-            <a:r>
-              <a:rPr b="0" lang="en-IN" sz="2000" spc="-1" strike="noStrike">
-                <a:latin typeface="Arial"/>
-              </a:rPr>
-              <a:t>Reconstructed Hit Points using experimental data</a:t>
-            </a:r>
-            <a:endParaRPr b="0" lang="en-IN" sz="2000" spc="-1" strike="noStrike">
-              <a:latin typeface="Arial"/>
-            </a:endParaRPr>
-          </a:p>
-        </p:txBody>
-      </p:sp>
       <p:pic>
         <p:nvPicPr>
-          <p:cNvPr id="185" name="" descr=""/>
+          <p:cNvPr id="186" name="" descr=""/>
           <p:cNvPicPr/>
           <p:nvPr/>
         </p:nvPicPr>
@@ -3785,8 +3660,271 @@
         </p:blipFill>
         <p:spPr>
           <a:xfrm>
-            <a:off x="2160000" y="1296000"/>
-            <a:ext cx="5384880" cy="3672000"/>
+            <a:off x="288000" y="144000"/>
+            <a:ext cx="2283840" cy="1656000"/>
+          </a:xfrm>
+          <a:prstGeom prst="rect">
+            <a:avLst/>
+          </a:prstGeom>
+          <a:ln>
+            <a:noFill/>
+          </a:ln>
+        </p:spPr>
+      </p:pic>
+      <p:pic>
+        <p:nvPicPr>
+          <p:cNvPr id="187" name="" descr=""/>
+          <p:cNvPicPr/>
+          <p:nvPr/>
+        </p:nvPicPr>
+        <p:blipFill>
+          <a:blip r:embed="rId2"/>
+          <a:stretch/>
+        </p:blipFill>
+        <p:spPr>
+          <a:xfrm>
+            <a:off x="2952000" y="23760"/>
+            <a:ext cx="2423160" cy="1776240"/>
+          </a:xfrm>
+          <a:prstGeom prst="rect">
+            <a:avLst/>
+          </a:prstGeom>
+          <a:ln>
+            <a:noFill/>
+          </a:ln>
+        </p:spPr>
+      </p:pic>
+      <p:pic>
+        <p:nvPicPr>
+          <p:cNvPr id="188" name="" descr=""/>
+          <p:cNvPicPr/>
+          <p:nvPr/>
+        </p:nvPicPr>
+        <p:blipFill>
+          <a:blip r:embed="rId3"/>
+          <a:stretch/>
+        </p:blipFill>
+        <p:spPr>
+          <a:xfrm>
+            <a:off x="5616000" y="0"/>
+            <a:ext cx="2357280" cy="1728000"/>
+          </a:xfrm>
+          <a:prstGeom prst="rect">
+            <a:avLst/>
+          </a:prstGeom>
+          <a:ln>
+            <a:noFill/>
+          </a:ln>
+        </p:spPr>
+      </p:pic>
+      <p:pic>
+        <p:nvPicPr>
+          <p:cNvPr id="189" name="" descr=""/>
+          <p:cNvPicPr/>
+          <p:nvPr/>
+        </p:nvPicPr>
+        <p:blipFill>
+          <a:blip r:embed="rId4"/>
+          <a:stretch/>
+        </p:blipFill>
+        <p:spPr>
+          <a:xfrm>
+            <a:off x="230040" y="1800000"/>
+            <a:ext cx="2433960" cy="1764720"/>
+          </a:xfrm>
+          <a:prstGeom prst="rect">
+            <a:avLst/>
+          </a:prstGeom>
+          <a:ln>
+            <a:noFill/>
+          </a:ln>
+        </p:spPr>
+      </p:pic>
+      <p:pic>
+        <p:nvPicPr>
+          <p:cNvPr id="190" name="" descr=""/>
+          <p:cNvPicPr/>
+          <p:nvPr/>
+        </p:nvPicPr>
+        <p:blipFill>
+          <a:blip r:embed="rId5"/>
+          <a:stretch/>
+        </p:blipFill>
+        <p:spPr>
+          <a:xfrm>
+            <a:off x="2985120" y="1790640"/>
+            <a:ext cx="2390040" cy="1737360"/>
+          </a:xfrm>
+          <a:prstGeom prst="rect">
+            <a:avLst/>
+          </a:prstGeom>
+          <a:ln>
+            <a:noFill/>
+          </a:ln>
+        </p:spPr>
+      </p:pic>
+      <p:pic>
+        <p:nvPicPr>
+          <p:cNvPr id="191" name="" descr=""/>
+          <p:cNvPicPr/>
+          <p:nvPr/>
+        </p:nvPicPr>
+        <p:blipFill>
+          <a:blip r:embed="rId6"/>
+          <a:stretch/>
+        </p:blipFill>
+        <p:spPr>
+          <a:xfrm>
+            <a:off x="5659920" y="1728000"/>
+            <a:ext cx="2332080" cy="1795320"/>
+          </a:xfrm>
+          <a:prstGeom prst="rect">
+            <a:avLst/>
+          </a:prstGeom>
+          <a:ln>
+            <a:noFill/>
+          </a:ln>
+        </p:spPr>
+      </p:pic>
+      <p:pic>
+        <p:nvPicPr>
+          <p:cNvPr id="192" name="" descr=""/>
+          <p:cNvPicPr/>
+          <p:nvPr/>
+        </p:nvPicPr>
+        <p:blipFill>
+          <a:blip r:embed="rId7"/>
+          <a:stretch/>
+        </p:blipFill>
+        <p:spPr>
+          <a:xfrm>
+            <a:off x="216000" y="3687120"/>
+            <a:ext cx="2534760" cy="1784880"/>
+          </a:xfrm>
+          <a:prstGeom prst="rect">
+            <a:avLst/>
+          </a:prstGeom>
+          <a:ln>
+            <a:noFill/>
+          </a:ln>
+        </p:spPr>
+      </p:pic>
+      <p:pic>
+        <p:nvPicPr>
+          <p:cNvPr id="193" name="" descr=""/>
+          <p:cNvPicPr/>
+          <p:nvPr/>
+        </p:nvPicPr>
+        <p:blipFill>
+          <a:blip r:embed="rId8"/>
+          <a:stretch/>
+        </p:blipFill>
+        <p:spPr>
+          <a:xfrm>
+            <a:off x="2940840" y="3610440"/>
+            <a:ext cx="2603160" cy="1861560"/>
+          </a:xfrm>
+          <a:prstGeom prst="rect">
+            <a:avLst/>
+          </a:prstGeom>
+          <a:ln>
+            <a:noFill/>
+          </a:ln>
+        </p:spPr>
+      </p:pic>
+      <p:pic>
+        <p:nvPicPr>
+          <p:cNvPr id="194" name="" descr=""/>
+          <p:cNvPicPr/>
+          <p:nvPr/>
+        </p:nvPicPr>
+        <p:blipFill>
+          <a:blip r:embed="rId9"/>
+          <a:stretch/>
+        </p:blipFill>
+        <p:spPr>
+          <a:xfrm>
+            <a:off x="5760000" y="3600000"/>
+            <a:ext cx="2423880" cy="1773000"/>
+          </a:xfrm>
+          <a:prstGeom prst="rect">
+            <a:avLst/>
+          </a:prstGeom>
+          <a:ln>
+            <a:noFill/>
+          </a:ln>
+        </p:spPr>
+      </p:pic>
+      <p:sp>
+        <p:nvSpPr>
+          <p:cNvPr id="195" name="Line 1"/>
+          <p:cNvSpPr/>
+          <p:nvPr/>
+        </p:nvSpPr>
+        <p:spPr>
+          <a:xfrm>
+            <a:off x="4464000" y="4572000"/>
+            <a:ext cx="0" cy="792000"/>
+          </a:xfrm>
+          <a:prstGeom prst="line">
+            <a:avLst/>
+          </a:prstGeom>
+          <a:ln w="18000">
+            <a:solidFill>
+              <a:srgbClr val="f10d0c"/>
+            </a:solidFill>
+            <a:round/>
+          </a:ln>
+        </p:spPr>
+        <p:style>
+          <a:lnRef idx="0"/>
+          <a:fillRef idx="0"/>
+          <a:effectRef idx="0"/>
+          <a:fontRef idx="minor"/>
+        </p:style>
+      </p:sp>
+      <p:sp>
+        <p:nvSpPr>
+          <p:cNvPr id="196" name="Line 2"/>
+          <p:cNvSpPr/>
+          <p:nvPr/>
+        </p:nvSpPr>
+        <p:spPr>
+          <a:xfrm>
+            <a:off x="6912000" y="4428000"/>
+            <a:ext cx="0" cy="864000"/>
+          </a:xfrm>
+          <a:prstGeom prst="line">
+            <a:avLst/>
+          </a:prstGeom>
+          <a:ln w="18000">
+            <a:solidFill>
+              <a:srgbClr val="f10d0c"/>
+            </a:solidFill>
+            <a:round/>
+          </a:ln>
+        </p:spPr>
+        <p:style>
+          <a:lnRef idx="0"/>
+          <a:fillRef idx="0"/>
+          <a:effectRef idx="0"/>
+          <a:fontRef idx="minor"/>
+        </p:style>
+      </p:sp>
+      <p:pic>
+        <p:nvPicPr>
+          <p:cNvPr id="197" name="" descr=""/>
+          <p:cNvPicPr/>
+          <p:nvPr/>
+        </p:nvPicPr>
+        <p:blipFill>
+          <a:blip r:embed="rId10"/>
+          <a:stretch/>
+        </p:blipFill>
+        <p:spPr>
+          <a:xfrm>
+            <a:off x="7921080" y="1800000"/>
+            <a:ext cx="2159640" cy="1655280"/>
           </a:xfrm>
           <a:prstGeom prst="rect">
             <a:avLst/>
@@ -3828,7 +3966,7 @@
       </p:grpSpPr>
       <p:sp>
         <p:nvSpPr>
-          <p:cNvPr id="186" name="CustomShape 1"/>
+          <p:cNvPr id="198" name="CustomShape 1"/>
           <p:cNvSpPr/>
           <p:nvPr/>
         </p:nvSpPr>
@@ -3854,7 +3992,7 @@
       </p:sp>
       <p:sp>
         <p:nvSpPr>
-          <p:cNvPr id="187" name="CustomShape 2"/>
+          <p:cNvPr id="199" name="CustomShape 2"/>
           <p:cNvSpPr/>
           <p:nvPr/>
         </p:nvSpPr>
@@ -3891,7 +4029,7 @@
               <a:rPr b="0" lang="en-IN" sz="4400" spc="-1" strike="noStrike">
                 <a:latin typeface="Arial"/>
               </a:rPr>
-              <a:t>Layer 3</a:t>
+              <a:t>Layer 1</a:t>
             </a:r>
             <a:endParaRPr b="0" lang="en-IN" sz="4400" spc="-1" strike="noStrike">
               <a:latin typeface="Arial"/>
@@ -3901,7 +4039,7 @@
       </p:sp>
       <p:sp>
         <p:nvSpPr>
-          <p:cNvPr id="188" name="TextShape 3"/>
+          <p:cNvPr id="200" name="TextShape 3"/>
           <p:cNvSpPr txBox="1"/>
           <p:nvPr/>
         </p:nvSpPr>
@@ -3937,7 +4075,7 @@
       </p:sp>
       <p:sp>
         <p:nvSpPr>
-          <p:cNvPr id="189" name="TextShape 4"/>
+          <p:cNvPr id="201" name="TextShape 4"/>
           <p:cNvSpPr txBox="1"/>
           <p:nvPr/>
         </p:nvSpPr>
@@ -3993,7 +4131,7 @@
       </p:sp>
       <p:pic>
         <p:nvPicPr>
-          <p:cNvPr id="190" name="" descr=""/>
+          <p:cNvPr id="202" name="" descr=""/>
           <p:cNvPicPr/>
           <p:nvPr/>
         </p:nvPicPr>
@@ -4003,8 +4141,8 @@
         </p:blipFill>
         <p:spPr>
           <a:xfrm>
-            <a:off x="2160000" y="1296000"/>
-            <a:ext cx="5181480" cy="3533400"/>
+            <a:off x="1874520" y="1411920"/>
+            <a:ext cx="5109480" cy="3484080"/>
           </a:xfrm>
           <a:prstGeom prst="rect">
             <a:avLst/>
@@ -4046,7 +4184,7 @@
       </p:grpSpPr>
       <p:sp>
         <p:nvSpPr>
-          <p:cNvPr id="191" name="CustomShape 1"/>
+          <p:cNvPr id="203" name="CustomShape 1"/>
           <p:cNvSpPr/>
           <p:nvPr/>
         </p:nvSpPr>
@@ -4072,14 +4210,14 @@
       </p:sp>
       <p:sp>
         <p:nvSpPr>
-          <p:cNvPr id="192" name="CustomShape 2"/>
+          <p:cNvPr id="204" name="CustomShape 2"/>
           <p:cNvSpPr/>
           <p:nvPr/>
         </p:nvSpPr>
         <p:spPr>
           <a:xfrm>
-            <a:off x="504000" y="1326600"/>
-            <a:ext cx="9071280" cy="3287880"/>
+            <a:off x="504000" y="-61920"/>
+            <a:ext cx="9071280" cy="946080"/>
           </a:xfrm>
           <a:prstGeom prst="rect">
             <a:avLst/>
@@ -4095,10 +4233,432 @@
           <a:effectRef idx="0"/>
           <a:fontRef idx="minor"/>
         </p:style>
-      </p:sp>
-      <p:sp>
-        <p:nvSpPr>
-          <p:cNvPr id="193" name="TextShape 3"/>
+        <p:txBody>
+          <a:bodyPr lIns="0" rIns="0" tIns="0" bIns="0" anchor="ctr">
+            <a:noAutofit/>
+          </a:bodyPr>
+          <a:p>
+            <a:pPr algn="ctr">
+              <a:lnSpc>
+                <a:spcPct val="100000"/>
+              </a:lnSpc>
+            </a:pPr>
+            <a:r>
+              <a:rPr b="0" lang="en-IN" sz="4400" spc="-1" strike="noStrike">
+                <a:latin typeface="Arial"/>
+              </a:rPr>
+              <a:t>Layer 2</a:t>
+            </a:r>
+            <a:endParaRPr b="0" lang="en-IN" sz="4400" spc="-1" strike="noStrike">
+              <a:latin typeface="Arial"/>
+            </a:endParaRPr>
+          </a:p>
+        </p:txBody>
+      </p:sp>
+      <p:sp>
+        <p:nvSpPr>
+          <p:cNvPr id="205" name="TextShape 3"/>
+          <p:cNvSpPr txBox="1"/>
+          <p:nvPr/>
+        </p:nvSpPr>
+        <p:spPr>
+          <a:xfrm>
+            <a:off x="3456000" y="5017680"/>
+            <a:ext cx="3456000" cy="346320"/>
+          </a:xfrm>
+          <a:prstGeom prst="rect">
+            <a:avLst/>
+          </a:prstGeom>
+          <a:noFill/>
+          <a:ln>
+            <a:noFill/>
+          </a:ln>
+        </p:spPr>
+        <p:txBody>
+          <a:bodyPr lIns="90000" rIns="90000" tIns="45000" bIns="45000">
+            <a:noAutofit/>
+          </a:bodyPr>
+          <a:p>
+            <a:r>
+              <a:rPr b="0" lang="en-IN" sz="1800" spc="-1" strike="noStrike">
+                <a:latin typeface="Arial"/>
+              </a:rPr>
+              <a:t>Hit Pattern in Oblong Layer</a:t>
+            </a:r>
+            <a:endParaRPr b="0" lang="en-IN" sz="1800" spc="-1" strike="noStrike">
+              <a:latin typeface="Arial"/>
+            </a:endParaRPr>
+          </a:p>
+        </p:txBody>
+      </p:sp>
+      <p:sp>
+        <p:nvSpPr>
+          <p:cNvPr id="206" name="TextShape 4"/>
+          <p:cNvSpPr txBox="1"/>
+          <p:nvPr/>
+        </p:nvSpPr>
+        <p:spPr>
+          <a:xfrm>
+            <a:off x="864000" y="828000"/>
+            <a:ext cx="8352000" cy="373680"/>
+          </a:xfrm>
+          <a:prstGeom prst="rect">
+            <a:avLst/>
+          </a:prstGeom>
+          <a:noFill/>
+          <a:ln>
+            <a:noFill/>
+          </a:ln>
+        </p:spPr>
+        <p:txBody>
+          <a:bodyPr lIns="90000" rIns="90000" tIns="45000" bIns="45000">
+            <a:noAutofit/>
+          </a:bodyPr>
+          <a:p>
+            <a:r>
+              <a:rPr b="0" lang="en-IN" sz="2000" spc="-1" strike="noStrike">
+                <a:latin typeface="Arial"/>
+              </a:rPr>
+              <a:t>                    </a:t>
+            </a:r>
+            <a:r>
+              <a:rPr b="0" lang="en-IN" sz="2000" spc="-1" strike="noStrike">
+                <a:latin typeface="Arial"/>
+              </a:rPr>
+              <a:t>Reconstructed Hit Points using experimental data</a:t>
+            </a:r>
+            <a:endParaRPr b="0" lang="en-IN" sz="2000" spc="-1" strike="noStrike">
+              <a:latin typeface="Arial"/>
+            </a:endParaRPr>
+          </a:p>
+        </p:txBody>
+      </p:sp>
+      <p:pic>
+        <p:nvPicPr>
+          <p:cNvPr id="207" name="" descr=""/>
+          <p:cNvPicPr/>
+          <p:nvPr/>
+        </p:nvPicPr>
+        <p:blipFill>
+          <a:blip r:embed="rId1"/>
+          <a:stretch/>
+        </p:blipFill>
+        <p:spPr>
+          <a:xfrm>
+            <a:off x="2160000" y="1296000"/>
+            <a:ext cx="5384880" cy="3672000"/>
+          </a:xfrm>
+          <a:prstGeom prst="rect">
+            <a:avLst/>
+          </a:prstGeom>
+          <a:ln>
+            <a:noFill/>
+          </a:ln>
+        </p:spPr>
+      </p:pic>
+    </p:spTree>
+  </p:cSld>
+  <mc:AlternateContent>
+    <mc:Choice Requires="p14">
+      <p:transition spd="slow" p14:dur="2000"/>
+    </mc:Choice>
+    <mc:Fallback>
+      <p:transition spd="slow"/>
+    </mc:Fallback>
+  </mc:AlternateContent>
+</p:sld>
+</file>
+
+<file path=ppt/slides/slide14.xml><?xml version="1.0" encoding="utf-8"?>
+<p:sld xmlns:a="http://schemas.openxmlformats.org/drawingml/2006/main" xmlns:p="http://schemas.openxmlformats.org/presentationml/2006/main" xmlns:r="http://schemas.openxmlformats.org/officeDocument/2006/relationships" xmlns:p14="http://schemas.microsoft.com/office/powerpoint/2010/main" xmlns:p15="http://schemas.microsoft.com/office/powerpoint/2012/main" xmlns:mc="http://schemas.openxmlformats.org/markup-compatibility/2006">
+  <p:cSld>
+    <p:spTree>
+      <p:nvGrpSpPr>
+        <p:cNvPr id="1" name=""/>
+        <p:cNvGrpSpPr/>
+        <p:nvPr/>
+      </p:nvGrpSpPr>
+      <p:grpSpPr>
+        <a:xfrm>
+          <a:off x="0" y="0"/>
+          <a:ext cx="0" cy="0"/>
+          <a:chOff x="0" y="0"/>
+          <a:chExt cx="0" cy="0"/>
+        </a:xfrm>
+      </p:grpSpPr>
+      <p:sp>
+        <p:nvSpPr>
+          <p:cNvPr id="208" name="CustomShape 1"/>
+          <p:cNvSpPr/>
+          <p:nvPr/>
+        </p:nvSpPr>
+        <p:spPr>
+          <a:xfrm>
+            <a:off x="504000" y="226080"/>
+            <a:ext cx="9071280" cy="946080"/>
+          </a:xfrm>
+          <a:prstGeom prst="rect">
+            <a:avLst/>
+          </a:prstGeom>
+          <a:noFill/>
+          <a:ln>
+            <a:noFill/>
+          </a:ln>
+        </p:spPr>
+        <p:style>
+          <a:lnRef idx="0"/>
+          <a:fillRef idx="0"/>
+          <a:effectRef idx="0"/>
+          <a:fontRef idx="minor"/>
+        </p:style>
+      </p:sp>
+      <p:sp>
+        <p:nvSpPr>
+          <p:cNvPr id="209" name="CustomShape 2"/>
+          <p:cNvSpPr/>
+          <p:nvPr/>
+        </p:nvSpPr>
+        <p:spPr>
+          <a:xfrm>
+            <a:off x="504000" y="-61920"/>
+            <a:ext cx="9071280" cy="946080"/>
+          </a:xfrm>
+          <a:prstGeom prst="rect">
+            <a:avLst/>
+          </a:prstGeom>
+          <a:noFill/>
+          <a:ln>
+            <a:noFill/>
+          </a:ln>
+        </p:spPr>
+        <p:style>
+          <a:lnRef idx="0"/>
+          <a:fillRef idx="0"/>
+          <a:effectRef idx="0"/>
+          <a:fontRef idx="minor"/>
+        </p:style>
+        <p:txBody>
+          <a:bodyPr lIns="0" rIns="0" tIns="0" bIns="0" anchor="ctr">
+            <a:noAutofit/>
+          </a:bodyPr>
+          <a:p>
+            <a:pPr algn="ctr">
+              <a:lnSpc>
+                <a:spcPct val="100000"/>
+              </a:lnSpc>
+            </a:pPr>
+            <a:r>
+              <a:rPr b="0" lang="en-IN" sz="4400" spc="-1" strike="noStrike">
+                <a:latin typeface="Arial"/>
+              </a:rPr>
+              <a:t>Layer 3</a:t>
+            </a:r>
+            <a:endParaRPr b="0" lang="en-IN" sz="4400" spc="-1" strike="noStrike">
+              <a:latin typeface="Arial"/>
+            </a:endParaRPr>
+          </a:p>
+        </p:txBody>
+      </p:sp>
+      <p:sp>
+        <p:nvSpPr>
+          <p:cNvPr id="210" name="TextShape 3"/>
+          <p:cNvSpPr txBox="1"/>
+          <p:nvPr/>
+        </p:nvSpPr>
+        <p:spPr>
+          <a:xfrm>
+            <a:off x="3384000" y="4968000"/>
+            <a:ext cx="3456000" cy="346320"/>
+          </a:xfrm>
+          <a:prstGeom prst="rect">
+            <a:avLst/>
+          </a:prstGeom>
+          <a:noFill/>
+          <a:ln>
+            <a:noFill/>
+          </a:ln>
+        </p:spPr>
+        <p:txBody>
+          <a:bodyPr lIns="90000" rIns="90000" tIns="45000" bIns="45000">
+            <a:noAutofit/>
+          </a:bodyPr>
+          <a:p>
+            <a:r>
+              <a:rPr b="0" lang="en-IN" sz="1800" spc="-1" strike="noStrike">
+                <a:latin typeface="Arial"/>
+              </a:rPr>
+              <a:t>Hit Pattern in Cross Layer</a:t>
+            </a:r>
+            <a:endParaRPr b="0" lang="en-IN" sz="1800" spc="-1" strike="noStrike">
+              <a:latin typeface="Arial"/>
+            </a:endParaRPr>
+          </a:p>
+        </p:txBody>
+      </p:sp>
+      <p:sp>
+        <p:nvSpPr>
+          <p:cNvPr id="211" name="TextShape 4"/>
+          <p:cNvSpPr txBox="1"/>
+          <p:nvPr/>
+        </p:nvSpPr>
+        <p:spPr>
+          <a:xfrm>
+            <a:off x="864000" y="828000"/>
+            <a:ext cx="8352000" cy="373680"/>
+          </a:xfrm>
+          <a:prstGeom prst="rect">
+            <a:avLst/>
+          </a:prstGeom>
+          <a:noFill/>
+          <a:ln>
+            <a:noFill/>
+          </a:ln>
+        </p:spPr>
+        <p:txBody>
+          <a:bodyPr lIns="90000" rIns="90000" tIns="45000" bIns="45000">
+            <a:noAutofit/>
+          </a:bodyPr>
+          <a:p>
+            <a:r>
+              <a:rPr b="0" lang="en-IN" sz="2000" spc="-1" strike="noStrike">
+                <a:latin typeface="Arial"/>
+                <a:ea typeface="Noto Sans CJK SC"/>
+              </a:rPr>
+              <a:t>                    </a:t>
+            </a:r>
+            <a:r>
+              <a:rPr b="0" lang="en-IN" sz="2000" spc="-1" strike="noStrike">
+                <a:latin typeface="Arial"/>
+                <a:ea typeface="Noto Sans CJK SC"/>
+              </a:rPr>
+              <a:t>Reconstructed Hit Points using </a:t>
+            </a:r>
+            <a:r>
+              <a:rPr b="0" lang="en-IN" sz="2000" spc="-1" strike="noStrike">
+                <a:latin typeface="Arial"/>
+              </a:rPr>
+              <a:t>experimental</a:t>
+            </a:r>
+            <a:r>
+              <a:rPr b="0" lang="en-IN" sz="2000" spc="-1" strike="noStrike">
+                <a:latin typeface="Arial"/>
+              </a:rPr>
+              <a:t> data</a:t>
+            </a:r>
+            <a:endParaRPr b="0" lang="en-IN" sz="2000" spc="-1" strike="noStrike">
+              <a:latin typeface="Arial"/>
+            </a:endParaRPr>
+          </a:p>
+        </p:txBody>
+      </p:sp>
+      <p:pic>
+        <p:nvPicPr>
+          <p:cNvPr id="212" name="" descr=""/>
+          <p:cNvPicPr/>
+          <p:nvPr/>
+        </p:nvPicPr>
+        <p:blipFill>
+          <a:blip r:embed="rId1"/>
+          <a:stretch/>
+        </p:blipFill>
+        <p:spPr>
+          <a:xfrm>
+            <a:off x="2160000" y="1296000"/>
+            <a:ext cx="5181480" cy="3533400"/>
+          </a:xfrm>
+          <a:prstGeom prst="rect">
+            <a:avLst/>
+          </a:prstGeom>
+          <a:ln>
+            <a:noFill/>
+          </a:ln>
+        </p:spPr>
+      </p:pic>
+    </p:spTree>
+  </p:cSld>
+  <mc:AlternateContent>
+    <mc:Choice Requires="p14">
+      <p:transition spd="slow" p14:dur="2000"/>
+    </mc:Choice>
+    <mc:Fallback>
+      <p:transition spd="slow"/>
+    </mc:Fallback>
+  </mc:AlternateContent>
+</p:sld>
+</file>
+
+<file path=ppt/slides/slide15.xml><?xml version="1.0" encoding="utf-8"?>
+<p:sld xmlns:a="http://schemas.openxmlformats.org/drawingml/2006/main" xmlns:p="http://schemas.openxmlformats.org/presentationml/2006/main" xmlns:r="http://schemas.openxmlformats.org/officeDocument/2006/relationships" xmlns:p14="http://schemas.microsoft.com/office/powerpoint/2010/main" xmlns:p15="http://schemas.microsoft.com/office/powerpoint/2012/main" xmlns:mc="http://schemas.openxmlformats.org/markup-compatibility/2006">
+  <p:cSld>
+    <p:spTree>
+      <p:nvGrpSpPr>
+        <p:cNvPr id="1" name=""/>
+        <p:cNvGrpSpPr/>
+        <p:nvPr/>
+      </p:nvGrpSpPr>
+      <p:grpSpPr>
+        <a:xfrm>
+          <a:off x="0" y="0"/>
+          <a:ext cx="0" cy="0"/>
+          <a:chOff x="0" y="0"/>
+          <a:chExt cx="0" cy="0"/>
+        </a:xfrm>
+      </p:grpSpPr>
+      <p:sp>
+        <p:nvSpPr>
+          <p:cNvPr id="213" name="CustomShape 1"/>
+          <p:cNvSpPr/>
+          <p:nvPr/>
+        </p:nvSpPr>
+        <p:spPr>
+          <a:xfrm>
+            <a:off x="504000" y="226080"/>
+            <a:ext cx="9071280" cy="946080"/>
+          </a:xfrm>
+          <a:prstGeom prst="rect">
+            <a:avLst/>
+          </a:prstGeom>
+          <a:noFill/>
+          <a:ln>
+            <a:noFill/>
+          </a:ln>
+        </p:spPr>
+        <p:style>
+          <a:lnRef idx="0"/>
+          <a:fillRef idx="0"/>
+          <a:effectRef idx="0"/>
+          <a:fontRef idx="minor"/>
+        </p:style>
+      </p:sp>
+      <p:sp>
+        <p:nvSpPr>
+          <p:cNvPr id="214" name="CustomShape 2"/>
+          <p:cNvSpPr/>
+          <p:nvPr/>
+        </p:nvSpPr>
+        <p:spPr>
+          <a:xfrm>
+            <a:off x="504000" y="1326600"/>
+            <a:ext cx="9071280" cy="3287880"/>
+          </a:xfrm>
+          <a:prstGeom prst="rect">
+            <a:avLst/>
+          </a:prstGeom>
+          <a:noFill/>
+          <a:ln>
+            <a:noFill/>
+          </a:ln>
+        </p:spPr>
+        <p:style>
+          <a:lnRef idx="0"/>
+          <a:fillRef idx="0"/>
+          <a:effectRef idx="0"/>
+          <a:fontRef idx="minor"/>
+        </p:style>
+      </p:sp>
+      <p:sp>
+        <p:nvSpPr>
+          <p:cNvPr id="215" name="TextShape 3"/>
           <p:cNvSpPr txBox="1"/>
           <p:nvPr/>
         </p:nvSpPr>
@@ -4390,7 +4950,7 @@
       </p:sp>
       <p:sp>
         <p:nvSpPr>
-          <p:cNvPr id="194" name="CustomShape 4"/>
+          <p:cNvPr id="216" name="CustomShape 4"/>
           <p:cNvSpPr/>
           <p:nvPr/>
         </p:nvSpPr>
@@ -6256,7 +6816,43 @@
               <a:rPr b="0" lang="en-IN" sz="1800" spc="-1" strike="noStrike">
                 <a:latin typeface="Arial"/>
               </a:rPr>
-              <a:t>Bottom Layers</a:t>
+              <a:t>B</a:t>
+            </a:r>
+            <a:r>
+              <a:rPr b="0" lang="en-IN" sz="1800" spc="-1" strike="noStrike">
+                <a:latin typeface="Arial"/>
+              </a:rPr>
+              <a:t>ot</a:t>
+            </a:r>
+            <a:r>
+              <a:rPr b="0" lang="en-IN" sz="1800" spc="-1" strike="noStrike">
+                <a:latin typeface="Arial"/>
+              </a:rPr>
+              <a:t>to</a:t>
+            </a:r>
+            <a:r>
+              <a:rPr b="0" lang="en-IN" sz="1800" spc="-1" strike="noStrike">
+                <a:latin typeface="Arial"/>
+              </a:rPr>
+              <a:t>m </a:t>
+            </a:r>
+            <a:r>
+              <a:rPr b="0" lang="en-IN" sz="1800" spc="-1" strike="noStrike">
+                <a:latin typeface="Arial"/>
+              </a:rPr>
+              <a:t>La</a:t>
+            </a:r>
+            <a:r>
+              <a:rPr b="0" lang="en-IN" sz="1800" spc="-1" strike="noStrike">
+                <a:latin typeface="Arial"/>
+              </a:rPr>
+              <a:t>ye</a:t>
+            </a:r>
+            <a:r>
+              <a:rPr b="0" lang="en-IN" sz="1800" spc="-1" strike="noStrike">
+                <a:latin typeface="Arial"/>
+              </a:rPr>
+              <a:t>rs</a:t>
             </a:r>
             <a:endParaRPr b="0" lang="en-IN" sz="1800" spc="-1" strike="noStrike">
               <a:latin typeface="Arial"/>
@@ -6822,79 +7418,7 @@
               <a:rPr b="0" lang="en-IN" sz="1800" spc="-1" strike="noStrike">
                 <a:latin typeface="Arial"/>
               </a:rPr>
-              <a:t>Hi</a:t>
-            </a:r>
-            <a:r>
-              <a:rPr b="0" lang="en-IN" sz="1800" spc="-1" strike="noStrike">
-                <a:latin typeface="Arial"/>
-              </a:rPr>
-              <a:t>t </a:t>
-            </a:r>
-            <a:r>
-              <a:rPr b="0" lang="en-IN" sz="1800" spc="-1" strike="noStrike">
-                <a:latin typeface="Arial"/>
-              </a:rPr>
-              <a:t>P</a:t>
-            </a:r>
-            <a:r>
-              <a:rPr b="0" lang="en-IN" sz="1800" spc="-1" strike="noStrike">
-                <a:latin typeface="Arial"/>
-              </a:rPr>
-              <a:t>at</a:t>
-            </a:r>
-            <a:r>
-              <a:rPr b="0" lang="en-IN" sz="1800" spc="-1" strike="noStrike">
-                <a:latin typeface="Arial"/>
-              </a:rPr>
-              <a:t>te</a:t>
-            </a:r>
-            <a:r>
-              <a:rPr b="0" lang="en-IN" sz="1800" spc="-1" strike="noStrike">
-                <a:latin typeface="Arial"/>
-              </a:rPr>
-              <a:t>rn </a:t>
-            </a:r>
-            <a:r>
-              <a:rPr b="0" lang="en-IN" sz="1800" spc="-1" strike="noStrike">
-                <a:latin typeface="Arial"/>
-              </a:rPr>
-              <a:t>in </a:t>
-            </a:r>
-            <a:r>
-              <a:rPr b="0" lang="en-IN" sz="1800" spc="-1" strike="noStrike">
-                <a:latin typeface="Arial"/>
-              </a:rPr>
-              <a:t>Cr</a:t>
-            </a:r>
-            <a:r>
-              <a:rPr b="0" lang="en-IN" sz="1800" spc="-1" strike="noStrike">
-                <a:latin typeface="Arial"/>
-              </a:rPr>
-              <a:t>os</a:t>
-            </a:r>
-            <a:r>
-              <a:rPr b="0" lang="en-IN" sz="1800" spc="-1" strike="noStrike">
-                <a:latin typeface="Arial"/>
-              </a:rPr>
-              <a:t>s </a:t>
-            </a:r>
-            <a:r>
-              <a:rPr b="0" lang="en-IN" sz="1800" spc="-1" strike="noStrike">
-                <a:latin typeface="Arial"/>
-              </a:rPr>
-              <a:t>La</a:t>
-            </a:r>
-            <a:r>
-              <a:rPr b="0" lang="en-IN" sz="1800" spc="-1" strike="noStrike">
-                <a:latin typeface="Arial"/>
-              </a:rPr>
-              <a:t>ye</a:t>
-            </a:r>
-            <a:r>
-              <a:rPr b="0" lang="en-IN" sz="1800" spc="-1" strike="noStrike">
-                <a:latin typeface="Arial"/>
-              </a:rPr>
-              <a:t>r</a:t>
+              <a:t>Hit Pattern in Cross Layer</a:t>
             </a:r>
             <a:endParaRPr b="0" lang="en-IN" sz="1800" spc="-1" strike="noStrike">
               <a:latin typeface="Arial"/>
@@ -6930,67 +7454,7 @@
               <a:rPr b="0" lang="en-IN" sz="1800" spc="-1" strike="noStrike">
                 <a:latin typeface="Arial"/>
               </a:rPr>
-              <a:t>Hi</a:t>
-            </a:r>
-            <a:r>
-              <a:rPr b="0" lang="en-IN" sz="1800" spc="-1" strike="noStrike">
-                <a:latin typeface="Arial"/>
-              </a:rPr>
-              <a:t>st</a:t>
-            </a:r>
-            <a:r>
-              <a:rPr b="0" lang="en-IN" sz="1800" spc="-1" strike="noStrike">
-                <a:latin typeface="Arial"/>
-              </a:rPr>
-              <a:t>og</a:t>
-            </a:r>
-            <a:r>
-              <a:rPr b="0" lang="en-IN" sz="1800" spc="-1" strike="noStrike">
-                <a:latin typeface="Arial"/>
-              </a:rPr>
-              <a:t>ra</a:t>
-            </a:r>
-            <a:r>
-              <a:rPr b="0" lang="en-IN" sz="1800" spc="-1" strike="noStrike">
-                <a:latin typeface="Arial"/>
-              </a:rPr>
-              <a:t>m </a:t>
-            </a:r>
-            <a:r>
-              <a:rPr b="0" lang="en-IN" sz="1800" spc="-1" strike="noStrike">
-                <a:latin typeface="Arial"/>
-              </a:rPr>
-              <a:t>of </a:t>
-            </a:r>
-            <a:r>
-              <a:rPr b="0" lang="en-IN" sz="1800" spc="-1" strike="noStrike">
-                <a:latin typeface="Arial"/>
-              </a:rPr>
-              <a:t>R</a:t>
-            </a:r>
-            <a:r>
-              <a:rPr b="0" lang="en-IN" sz="1800" spc="-1" strike="noStrike">
-                <a:latin typeface="Arial"/>
-              </a:rPr>
-              <a:t>es</a:t>
-            </a:r>
-            <a:r>
-              <a:rPr b="0" lang="en-IN" sz="1800" spc="-1" strike="noStrike">
-                <a:latin typeface="Arial"/>
-              </a:rPr>
-              <a:t>id</a:t>
-            </a:r>
-            <a:r>
-              <a:rPr b="0" lang="en-IN" sz="1800" spc="-1" strike="noStrike">
-                <a:latin typeface="Arial"/>
-              </a:rPr>
-              <a:t>ua</a:t>
-            </a:r>
-            <a:r>
-              <a:rPr b="0" lang="en-IN" sz="1800" spc="-1" strike="noStrike">
-                <a:latin typeface="Arial"/>
-              </a:rPr>
-              <a:t>ls</a:t>
+              <a:t>Histogram of Residuals</a:t>
             </a:r>
             <a:endParaRPr b="0" lang="en-IN" sz="1800" spc="-1" strike="noStrike">
               <a:latin typeface="Arial"/>
@@ -7032,13 +7496,7 @@
               <a:rPr b="0" lang="en-IN" sz="2000" spc="-1" strike="noStrike">
                 <a:latin typeface="Arial"/>
               </a:rPr>
-              <a:t>Reconstructed Hit Points and Residual Plot using simulated </a:t>
-            </a:r>
-            <a:r>
-              <a:rPr b="0" lang="en-IN" sz="2000" spc="-1" strike="noStrike">
-                <a:latin typeface="Arial"/>
-              </a:rPr>
-              <a:t>data</a:t>
+              <a:t>Reconstructed Hit Points and Residual Plot using simulated data</a:t>
             </a:r>
             <a:endParaRPr b="0" lang="en-IN" sz="2000" spc="-1" strike="noStrike">
               <a:latin typeface="Arial"/>
@@ -7197,7 +7655,85 @@
               <a:rPr b="0" lang="en-IN" sz="1800" spc="-1" strike="noStrike">
                 <a:latin typeface="Arial"/>
               </a:rPr>
-              <a:t>Hit Pattern in Oblong Layer</a:t>
+              <a:t>Hi</a:t>
+            </a:r>
+            <a:r>
+              <a:rPr b="0" lang="en-IN" sz="1800" spc="-1" strike="noStrike">
+                <a:latin typeface="Arial"/>
+              </a:rPr>
+              <a:t>t </a:t>
+            </a:r>
+            <a:r>
+              <a:rPr b="0" lang="en-IN" sz="1800" spc="-1" strike="noStrike">
+                <a:latin typeface="Arial"/>
+              </a:rPr>
+              <a:t>P</a:t>
+            </a:r>
+            <a:r>
+              <a:rPr b="0" lang="en-IN" sz="1800" spc="-1" strike="noStrike">
+                <a:latin typeface="Arial"/>
+              </a:rPr>
+              <a:t>at</a:t>
+            </a:r>
+            <a:r>
+              <a:rPr b="0" lang="en-IN" sz="1800" spc="-1" strike="noStrike">
+                <a:latin typeface="Arial"/>
+              </a:rPr>
+              <a:t>te</a:t>
+            </a:r>
+            <a:r>
+              <a:rPr b="0" lang="en-IN" sz="1800" spc="-1" strike="noStrike">
+                <a:latin typeface="Arial"/>
+              </a:rPr>
+              <a:t>rn </a:t>
+            </a:r>
+            <a:r>
+              <a:rPr b="0" lang="en-IN" sz="1800" spc="-1" strike="noStrike">
+                <a:latin typeface="Arial"/>
+              </a:rPr>
+              <a:t>in </a:t>
+            </a:r>
+            <a:r>
+              <a:rPr b="0" lang="en-IN" sz="1800" spc="-1" strike="noStrike">
+                <a:latin typeface="Arial"/>
+              </a:rPr>
+              <a:t>O</a:t>
+            </a:r>
+            <a:r>
+              <a:rPr b="0" lang="en-IN" sz="1800" spc="-1" strike="noStrike">
+                <a:latin typeface="Arial"/>
+              </a:rPr>
+              <a:t>bl</a:t>
+            </a:r>
+            <a:r>
+              <a:rPr b="0" lang="en-IN" sz="1800" spc="-1" strike="noStrike">
+                <a:latin typeface="Arial"/>
+              </a:rPr>
+              <a:t>on</a:t>
+            </a:r>
+            <a:r>
+              <a:rPr b="0" lang="en-IN" sz="1800" spc="-1" strike="noStrike">
+                <a:latin typeface="Arial"/>
+              </a:rPr>
+              <a:t>g </a:t>
+            </a:r>
+            <a:r>
+              <a:rPr b="0" lang="en-IN" sz="1800" spc="-1" strike="noStrike">
+                <a:latin typeface="Arial"/>
+              </a:rPr>
+              <a:t>La</a:t>
+            </a:r>
+            <a:r>
+              <a:rPr b="0" lang="en-IN" sz="1800" spc="-1" strike="noStrike">
+                <a:latin typeface="Arial"/>
+              </a:rPr>
+              <a:t>ye</a:t>
+            </a:r>
+            <a:r>
+              <a:rPr b="0" lang="en-IN" sz="1800" spc="-1" strike="noStrike">
+                <a:latin typeface="Arial"/>
+              </a:rPr>
+              <a:t>r</a:t>
             </a:r>
             <a:endParaRPr b="0" lang="en-IN" sz="1800" spc="-1" strike="noStrike">
               <a:latin typeface="Arial"/>
@@ -7233,67 +7769,7 @@
               <a:rPr b="0" lang="en-IN" sz="1800" spc="-1" strike="noStrike">
                 <a:latin typeface="Arial"/>
               </a:rPr>
-              <a:t>Hi</a:t>
-            </a:r>
-            <a:r>
-              <a:rPr b="0" lang="en-IN" sz="1800" spc="-1" strike="noStrike">
-                <a:latin typeface="Arial"/>
-              </a:rPr>
-              <a:t>st</a:t>
-            </a:r>
-            <a:r>
-              <a:rPr b="0" lang="en-IN" sz="1800" spc="-1" strike="noStrike">
-                <a:latin typeface="Arial"/>
-              </a:rPr>
-              <a:t>og</a:t>
-            </a:r>
-            <a:r>
-              <a:rPr b="0" lang="en-IN" sz="1800" spc="-1" strike="noStrike">
-                <a:latin typeface="Arial"/>
-              </a:rPr>
-              <a:t>ra</a:t>
-            </a:r>
-            <a:r>
-              <a:rPr b="0" lang="en-IN" sz="1800" spc="-1" strike="noStrike">
-                <a:latin typeface="Arial"/>
-              </a:rPr>
-              <a:t>m </a:t>
-            </a:r>
-            <a:r>
-              <a:rPr b="0" lang="en-IN" sz="1800" spc="-1" strike="noStrike">
-                <a:latin typeface="Arial"/>
-              </a:rPr>
-              <a:t>of </a:t>
-            </a:r>
-            <a:r>
-              <a:rPr b="0" lang="en-IN" sz="1800" spc="-1" strike="noStrike">
-                <a:latin typeface="Arial"/>
-              </a:rPr>
-              <a:t>R</a:t>
-            </a:r>
-            <a:r>
-              <a:rPr b="0" lang="en-IN" sz="1800" spc="-1" strike="noStrike">
-                <a:latin typeface="Arial"/>
-              </a:rPr>
-              <a:t>es</a:t>
-            </a:r>
-            <a:r>
-              <a:rPr b="0" lang="en-IN" sz="1800" spc="-1" strike="noStrike">
-                <a:latin typeface="Arial"/>
-              </a:rPr>
-              <a:t>id</a:t>
-            </a:r>
-            <a:r>
-              <a:rPr b="0" lang="en-IN" sz="1800" spc="-1" strike="noStrike">
-                <a:latin typeface="Arial"/>
-              </a:rPr>
-              <a:t>ua</a:t>
-            </a:r>
-            <a:r>
-              <a:rPr b="0" lang="en-IN" sz="1800" spc="-1" strike="noStrike">
-                <a:latin typeface="Arial"/>
-              </a:rPr>
-              <a:t>ls</a:t>
+              <a:t>Histogram of Residuals</a:t>
             </a:r>
             <a:endParaRPr b="0" lang="en-IN" sz="1800" spc="-1" strike="noStrike">
               <a:latin typeface="Arial"/>
@@ -7329,259 +7805,13 @@
               <a:rPr b="0" lang="en-IN" sz="2000" spc="-1" strike="noStrike">
                 <a:latin typeface="Arial"/>
               </a:rPr>
-              <a:t>    </a:t>
+              <a:t>          </a:t>
             </a:r>
             <a:r>
               <a:rPr b="0" lang="en-IN" sz="2000" spc="-1" strike="noStrike">
                 <a:latin typeface="Arial"/>
               </a:rPr>
-              <a:t>    </a:t>
-            </a:r>
-            <a:r>
-              <a:rPr b="0" lang="en-IN" sz="2000" spc="-1" strike="noStrike">
-                <a:latin typeface="Arial"/>
-              </a:rPr>
-              <a:t>  </a:t>
-            </a:r>
-            <a:r>
-              <a:rPr b="0" lang="en-IN" sz="2000" spc="-1" strike="noStrike">
-                <a:latin typeface="Arial"/>
-              </a:rPr>
-              <a:t>R</a:t>
-            </a:r>
-            <a:r>
-              <a:rPr b="0" lang="en-IN" sz="2000" spc="-1" strike="noStrike">
-                <a:latin typeface="Arial"/>
-              </a:rPr>
-              <a:t>e</a:t>
-            </a:r>
-            <a:r>
-              <a:rPr b="0" lang="en-IN" sz="2000" spc="-1" strike="noStrike">
-                <a:latin typeface="Arial"/>
-              </a:rPr>
-              <a:t>c</a:t>
-            </a:r>
-            <a:r>
-              <a:rPr b="0" lang="en-IN" sz="2000" spc="-1" strike="noStrike">
-                <a:latin typeface="Arial"/>
-              </a:rPr>
-              <a:t>o</a:t>
-            </a:r>
-            <a:r>
-              <a:rPr b="0" lang="en-IN" sz="2000" spc="-1" strike="noStrike">
-                <a:latin typeface="Arial"/>
-              </a:rPr>
-              <a:t>n</a:t>
-            </a:r>
-            <a:r>
-              <a:rPr b="0" lang="en-IN" sz="2000" spc="-1" strike="noStrike">
-                <a:latin typeface="Arial"/>
-              </a:rPr>
-              <a:t>st</a:t>
-            </a:r>
-            <a:r>
-              <a:rPr b="0" lang="en-IN" sz="2000" spc="-1" strike="noStrike">
-                <a:latin typeface="Arial"/>
-              </a:rPr>
-              <a:t>ru</a:t>
-            </a:r>
-            <a:r>
-              <a:rPr b="0" lang="en-IN" sz="2000" spc="-1" strike="noStrike">
-                <a:latin typeface="Arial"/>
-              </a:rPr>
-              <a:t>ct</a:t>
-            </a:r>
-            <a:r>
-              <a:rPr b="0" lang="en-IN" sz="2000" spc="-1" strike="noStrike">
-                <a:latin typeface="Arial"/>
-              </a:rPr>
-              <a:t>e</a:t>
-            </a:r>
-            <a:r>
-              <a:rPr b="0" lang="en-IN" sz="2000" spc="-1" strike="noStrike">
-                <a:latin typeface="Arial"/>
-              </a:rPr>
-              <a:t>d </a:t>
-            </a:r>
-            <a:r>
-              <a:rPr b="0" lang="en-IN" sz="2000" spc="-1" strike="noStrike">
-                <a:latin typeface="Arial"/>
-              </a:rPr>
-              <a:t>Hi</a:t>
-            </a:r>
-            <a:r>
-              <a:rPr b="0" lang="en-IN" sz="2000" spc="-1" strike="noStrike">
-                <a:latin typeface="Arial"/>
-              </a:rPr>
-              <a:t>t </a:t>
-            </a:r>
-            <a:r>
-              <a:rPr b="0" lang="en-IN" sz="2000" spc="-1" strike="noStrike">
-                <a:latin typeface="Arial"/>
-              </a:rPr>
-              <a:t>P</a:t>
-            </a:r>
-            <a:r>
-              <a:rPr b="0" lang="en-IN" sz="2000" spc="-1" strike="noStrike">
-                <a:latin typeface="Arial"/>
-              </a:rPr>
-              <a:t>oi</a:t>
-            </a:r>
-            <a:r>
-              <a:rPr b="0" lang="en-IN" sz="2000" spc="-1" strike="noStrike">
-                <a:latin typeface="Arial"/>
-              </a:rPr>
-              <a:t>nt</a:t>
-            </a:r>
-            <a:r>
-              <a:rPr b="0" lang="en-IN" sz="2000" spc="-1" strike="noStrike">
-                <a:latin typeface="Arial"/>
-              </a:rPr>
-              <a:t>s </a:t>
-            </a:r>
-            <a:r>
-              <a:rPr b="0" lang="en-IN" sz="2000" spc="-1" strike="noStrike">
-                <a:latin typeface="Arial"/>
-              </a:rPr>
-              <a:t>a</a:t>
-            </a:r>
-            <a:r>
-              <a:rPr b="0" lang="en-IN" sz="2000" spc="-1" strike="noStrike">
-                <a:latin typeface="Arial"/>
-              </a:rPr>
-              <a:t>n</a:t>
-            </a:r>
-            <a:r>
-              <a:rPr b="0" lang="en-IN" sz="2000" spc="-1" strike="noStrike">
-                <a:latin typeface="Arial"/>
-              </a:rPr>
-              <a:t>d </a:t>
-            </a:r>
-            <a:r>
-              <a:rPr b="0" lang="en-IN" sz="2000" spc="-1" strike="noStrike">
-                <a:latin typeface="Arial"/>
-              </a:rPr>
-              <a:t>R</a:t>
-            </a:r>
-            <a:r>
-              <a:rPr b="0" lang="en-IN" sz="2000" spc="-1" strike="noStrike">
-                <a:latin typeface="Arial"/>
-              </a:rPr>
-              <a:t>e</a:t>
-            </a:r>
-            <a:r>
-              <a:rPr b="0" lang="en-IN" sz="2000" spc="-1" strike="noStrike">
-                <a:latin typeface="Arial"/>
-              </a:rPr>
-              <a:t>si</a:t>
-            </a:r>
-            <a:r>
-              <a:rPr b="0" lang="en-IN" sz="2000" spc="-1" strike="noStrike">
-                <a:latin typeface="Arial"/>
-              </a:rPr>
-              <a:t>d</a:t>
-            </a:r>
-            <a:r>
-              <a:rPr b="0" lang="en-IN" sz="2000" spc="-1" strike="noStrike">
-                <a:latin typeface="Arial"/>
-              </a:rPr>
-              <a:t>u</a:t>
-            </a:r>
-            <a:r>
-              <a:rPr b="0" lang="en-IN" sz="2000" spc="-1" strike="noStrike">
-                <a:latin typeface="Arial"/>
-              </a:rPr>
-              <a:t>al </a:t>
-            </a:r>
-            <a:r>
-              <a:rPr b="0" lang="en-IN" sz="2000" spc="-1" strike="noStrike">
-                <a:latin typeface="Arial"/>
-              </a:rPr>
-              <a:t>Pl</a:t>
-            </a:r>
-            <a:r>
-              <a:rPr b="0" lang="en-IN" sz="2000" spc="-1" strike="noStrike">
-                <a:latin typeface="Arial"/>
-              </a:rPr>
-              <a:t>ot </a:t>
-            </a:r>
-            <a:r>
-              <a:rPr b="0" lang="en-IN" sz="2000" spc="-1" strike="noStrike">
-                <a:latin typeface="Arial"/>
-              </a:rPr>
-              <a:t>u</a:t>
-            </a:r>
-            <a:r>
-              <a:rPr b="0" lang="en-IN" sz="2000" spc="-1" strike="noStrike">
-                <a:latin typeface="Arial"/>
-              </a:rPr>
-              <a:t>si</a:t>
-            </a:r>
-            <a:r>
-              <a:rPr b="0" lang="en-IN" sz="2000" spc="-1" strike="noStrike">
-                <a:latin typeface="Arial"/>
-              </a:rPr>
-              <a:t>n</a:t>
-            </a:r>
-            <a:r>
-              <a:rPr b="0" lang="en-IN" sz="2000" spc="-1" strike="noStrike">
-                <a:latin typeface="Arial"/>
-              </a:rPr>
-              <a:t>g </a:t>
-            </a:r>
-            <a:r>
-              <a:rPr b="0" lang="en-IN" sz="2000" spc="-1" strike="noStrike">
-                <a:latin typeface="Arial"/>
-              </a:rPr>
-              <a:t>si</a:t>
-            </a:r>
-            <a:r>
-              <a:rPr b="0" lang="en-IN" sz="2000" spc="-1" strike="noStrike">
-                <a:latin typeface="Arial"/>
-              </a:rPr>
-              <a:t>m</a:t>
-            </a:r>
-            <a:r>
-              <a:rPr b="0" lang="en-IN" sz="2000" spc="-1" strike="noStrike">
-                <a:latin typeface="Arial"/>
-              </a:rPr>
-              <a:t>ul</a:t>
-            </a:r>
-            <a:r>
-              <a:rPr b="0" lang="en-IN" sz="2000" spc="-1" strike="noStrike">
-                <a:latin typeface="Arial"/>
-              </a:rPr>
-              <a:t>at</a:t>
-            </a:r>
-            <a:r>
-              <a:rPr b="0" lang="en-IN" sz="2000" spc="-1" strike="noStrike">
-                <a:latin typeface="Arial"/>
-              </a:rPr>
-              <a:t>e</a:t>
-            </a:r>
-            <a:r>
-              <a:rPr b="0" lang="en-IN" sz="2000" spc="-1" strike="noStrike">
-                <a:latin typeface="Arial"/>
-              </a:rPr>
-              <a:t>d </a:t>
-            </a:r>
-            <a:r>
-              <a:rPr b="0" lang="en-IN" sz="2000" spc="-1" strike="noStrike">
-                <a:latin typeface="Arial"/>
-              </a:rPr>
-              <a:t>d</a:t>
-            </a:r>
-            <a:r>
-              <a:rPr b="0" lang="en-IN" sz="2000" spc="-1" strike="noStrike">
-                <a:latin typeface="Arial"/>
-              </a:rPr>
-              <a:t>at</a:t>
-            </a:r>
-            <a:r>
-              <a:rPr b="0" lang="en-IN" sz="2000" spc="-1" strike="noStrike">
-                <a:latin typeface="Arial"/>
-              </a:rPr>
-              <a:t>a</a:t>
+              <a:t>Reconstructed Hit Points and Residual Plot using simulated data</a:t>
             </a:r>
             <a:endParaRPr b="0" lang="en-IN" sz="2000" spc="-1" strike="noStrike">
               <a:latin typeface="Arial"/>
@@ -8166,7 +8396,85 @@
               <a:rPr b="0" lang="en-IN" sz="1400" spc="-1" strike="noStrike">
                 <a:latin typeface="Arial"/>
               </a:rPr>
-              <a:t>Histogram of Residuals using layer</a:t>
+              <a:t>Hi</a:t>
+            </a:r>
+            <a:r>
+              <a:rPr b="0" lang="en-IN" sz="1400" spc="-1" strike="noStrike">
+                <a:latin typeface="Arial"/>
+              </a:rPr>
+              <a:t>sto</a:t>
+            </a:r>
+            <a:r>
+              <a:rPr b="0" lang="en-IN" sz="1400" spc="-1" strike="noStrike">
+                <a:latin typeface="Arial"/>
+              </a:rPr>
+              <a:t>gr</a:t>
+            </a:r>
+            <a:r>
+              <a:rPr b="0" lang="en-IN" sz="1400" spc="-1" strike="noStrike">
+                <a:latin typeface="Arial"/>
+              </a:rPr>
+              <a:t>a</a:t>
+            </a:r>
+            <a:r>
+              <a:rPr b="0" lang="en-IN" sz="1400" spc="-1" strike="noStrike">
+                <a:latin typeface="Arial"/>
+              </a:rPr>
+              <a:t>m </a:t>
+            </a:r>
+            <a:r>
+              <a:rPr b="0" lang="en-IN" sz="1400" spc="-1" strike="noStrike">
+                <a:latin typeface="Arial"/>
+              </a:rPr>
+              <a:t>of </a:t>
+            </a:r>
+            <a:r>
+              <a:rPr b="0" lang="en-IN" sz="1400" spc="-1" strike="noStrike">
+                <a:latin typeface="Arial"/>
+              </a:rPr>
+              <a:t>Re</a:t>
+            </a:r>
+            <a:r>
+              <a:rPr b="0" lang="en-IN" sz="1400" spc="-1" strike="noStrike">
+                <a:latin typeface="Arial"/>
+              </a:rPr>
+              <a:t>sid</a:t>
+            </a:r>
+            <a:r>
+              <a:rPr b="0" lang="en-IN" sz="1400" spc="-1" strike="noStrike">
+                <a:latin typeface="Arial"/>
+              </a:rPr>
+              <a:t>ual</a:t>
+            </a:r>
+            <a:r>
+              <a:rPr b="0" lang="en-IN" sz="1400" spc="-1" strike="noStrike">
+                <a:latin typeface="Arial"/>
+              </a:rPr>
+              <a:t>s </a:t>
+            </a:r>
+            <a:r>
+              <a:rPr b="0" lang="en-IN" sz="1400" spc="-1" strike="noStrike">
+                <a:latin typeface="Arial"/>
+              </a:rPr>
+              <a:t>usi</a:t>
+            </a:r>
+            <a:r>
+              <a:rPr b="0" lang="en-IN" sz="1400" spc="-1" strike="noStrike">
+                <a:latin typeface="Arial"/>
+              </a:rPr>
+              <a:t>ng </a:t>
+            </a:r>
+            <a:r>
+              <a:rPr b="0" lang="en-IN" sz="1400" spc="-1" strike="noStrike">
+                <a:latin typeface="Arial"/>
+              </a:rPr>
+              <a:t>lay</a:t>
+            </a:r>
+            <a:r>
+              <a:rPr b="0" lang="en-IN" sz="1400" spc="-1" strike="noStrike">
+                <a:latin typeface="Arial"/>
+              </a:rPr>
+              <a:t>er</a:t>
             </a:r>
             <a:endParaRPr b="0" lang="en-IN" sz="1400" spc="-1" strike="noStrike">
               <a:latin typeface="Arial"/>
@@ -8177,13 +8485,43 @@
               <a:rPr b="0" lang="en-IN" sz="1400" spc="-1" strike="noStrike">
                 <a:latin typeface="Arial"/>
               </a:rPr>
-              <a:t>                      </a:t>
+              <a:t>      </a:t>
             </a:r>
             <a:r>
               <a:rPr b="0" lang="en-IN" sz="1400" spc="-1" strike="noStrike">
                 <a:latin typeface="Arial"/>
               </a:rPr>
-              <a:t>8 &amp; 3</a:t>
+              <a:t>      </a:t>
+            </a:r>
+            <a:r>
+              <a:rPr b="0" lang="en-IN" sz="1400" spc="-1" strike="noStrike">
+                <a:latin typeface="Arial"/>
+              </a:rPr>
+              <a:t>      </a:t>
+            </a:r>
+            <a:r>
+              <a:rPr b="0" lang="en-IN" sz="1400" spc="-1" strike="noStrike">
+                <a:latin typeface="Arial"/>
+              </a:rPr>
+              <a:t>    </a:t>
+            </a:r>
+            <a:r>
+              <a:rPr b="0" lang="en-IN" sz="1400" spc="-1" strike="noStrike">
+                <a:latin typeface="Arial"/>
+              </a:rPr>
+              <a:t>8 </a:t>
+            </a:r>
+            <a:r>
+              <a:rPr b="0" lang="en-IN" sz="1400" spc="-1" strike="noStrike">
+                <a:latin typeface="Arial"/>
+              </a:rPr>
+              <a:t>&amp; </a:t>
+            </a:r>
+            <a:r>
+              <a:rPr b="0" lang="en-IN" sz="1400" spc="-1" strike="noStrike">
+                <a:latin typeface="Arial"/>
+              </a:rPr>
+              <a:t>3</a:t>
             </a:r>
             <a:endParaRPr b="0" lang="en-IN" sz="1400" spc="-1" strike="noStrike">
               <a:latin typeface="Arial"/>
@@ -8322,85 +8660,7 @@
               <a:rPr b="0" lang="en-IN" sz="1800" spc="-1" strike="noStrike">
                 <a:latin typeface="Arial"/>
               </a:rPr>
-              <a:t>Hi</a:t>
-            </a:r>
-            <a:r>
-              <a:rPr b="0" lang="en-IN" sz="1800" spc="-1" strike="noStrike">
-                <a:latin typeface="Arial"/>
-              </a:rPr>
-              <a:t>t </a:t>
-            </a:r>
-            <a:r>
-              <a:rPr b="0" lang="en-IN" sz="1800" spc="-1" strike="noStrike">
-                <a:latin typeface="Arial"/>
-              </a:rPr>
-              <a:t>P</a:t>
-            </a:r>
-            <a:r>
-              <a:rPr b="0" lang="en-IN" sz="1800" spc="-1" strike="noStrike">
-                <a:latin typeface="Arial"/>
-              </a:rPr>
-              <a:t>at</a:t>
-            </a:r>
-            <a:r>
-              <a:rPr b="0" lang="en-IN" sz="1800" spc="-1" strike="noStrike">
-                <a:latin typeface="Arial"/>
-              </a:rPr>
-              <a:t>te</a:t>
-            </a:r>
-            <a:r>
-              <a:rPr b="0" lang="en-IN" sz="1800" spc="-1" strike="noStrike">
-                <a:latin typeface="Arial"/>
-              </a:rPr>
-              <a:t>rn </a:t>
-            </a:r>
-            <a:r>
-              <a:rPr b="0" lang="en-IN" sz="1800" spc="-1" strike="noStrike">
-                <a:latin typeface="Arial"/>
-              </a:rPr>
-              <a:t>in </a:t>
-            </a:r>
-            <a:r>
-              <a:rPr b="0" lang="en-IN" sz="1800" spc="-1" strike="noStrike">
-                <a:latin typeface="Arial"/>
-              </a:rPr>
-              <a:t>O</a:t>
-            </a:r>
-            <a:r>
-              <a:rPr b="0" lang="en-IN" sz="1800" spc="-1" strike="noStrike">
-                <a:latin typeface="Arial"/>
-              </a:rPr>
-              <a:t>bl</a:t>
-            </a:r>
-            <a:r>
-              <a:rPr b="0" lang="en-IN" sz="1800" spc="-1" strike="noStrike">
-                <a:latin typeface="Arial"/>
-              </a:rPr>
-              <a:t>on</a:t>
-            </a:r>
-            <a:r>
-              <a:rPr b="0" lang="en-IN" sz="1800" spc="-1" strike="noStrike">
-                <a:latin typeface="Arial"/>
-              </a:rPr>
-              <a:t>g </a:t>
-            </a:r>
-            <a:r>
-              <a:rPr b="0" lang="en-IN" sz="1800" spc="-1" strike="noStrike">
-                <a:latin typeface="Arial"/>
-              </a:rPr>
-              <a:t>La</a:t>
-            </a:r>
-            <a:r>
-              <a:rPr b="0" lang="en-IN" sz="1800" spc="-1" strike="noStrike">
-                <a:latin typeface="Arial"/>
-              </a:rPr>
-              <a:t>ye</a:t>
-            </a:r>
-            <a:r>
-              <a:rPr b="0" lang="en-IN" sz="1800" spc="-1" strike="noStrike">
-                <a:latin typeface="Arial"/>
-              </a:rPr>
-              <a:t>r</a:t>
+              <a:t>Hit Pattern in Oblong Layer</a:t>
             </a:r>
             <a:endParaRPr b="0" lang="en-IN" sz="1800" spc="-1" strike="noStrike">
               <a:latin typeface="Arial"/>
@@ -8503,171 +8763,98 @@
           <a:chExt cx="0" cy="0"/>
         </a:xfrm>
       </p:grpSpPr>
-      <p:sp>
-        <p:nvSpPr>
-          <p:cNvPr id="166" name="CustomShape 1"/>
-          <p:cNvSpPr/>
+      <p:pic>
+        <p:nvPicPr>
+          <p:cNvPr id="166" name="" descr=""/>
+          <p:cNvPicPr/>
           <p:nvPr/>
-        </p:nvSpPr>
-        <p:spPr>
-          <a:xfrm>
-            <a:off x="504000" y="226080"/>
-            <a:ext cx="9071280" cy="946080"/>
-          </a:xfrm>
-          <a:prstGeom prst="rect">
-            <a:avLst/>
-          </a:prstGeom>
-          <a:noFill/>
+        </p:nvPicPr>
+        <p:blipFill>
+          <a:blip r:embed="rId1"/>
+          <a:stretch/>
+        </p:blipFill>
+        <p:spPr>
+          <a:xfrm>
+            <a:off x="187200" y="156240"/>
+            <a:ext cx="2548800" cy="1823760"/>
+          </a:xfrm>
+          <a:prstGeom prst="rect">
+            <a:avLst/>
+          </a:prstGeom>
           <a:ln>
             <a:noFill/>
           </a:ln>
         </p:spPr>
-        <p:style>
-          <a:lnRef idx="0"/>
-          <a:fillRef idx="0"/>
-          <a:effectRef idx="0"/>
-          <a:fontRef idx="minor"/>
-        </p:style>
-      </p:sp>
-      <p:sp>
-        <p:nvSpPr>
-          <p:cNvPr id="167" name="CustomShape 2"/>
-          <p:cNvSpPr/>
+      </p:pic>
+      <p:pic>
+        <p:nvPicPr>
+          <p:cNvPr id="167" name="" descr=""/>
+          <p:cNvPicPr/>
           <p:nvPr/>
-        </p:nvSpPr>
-        <p:spPr>
-          <a:xfrm>
-            <a:off x="504000" y="-61920"/>
-            <a:ext cx="9071280" cy="946080"/>
-          </a:xfrm>
-          <a:prstGeom prst="rect">
-            <a:avLst/>
-          </a:prstGeom>
-          <a:noFill/>
+        </p:nvPicPr>
+        <p:blipFill>
+          <a:blip r:embed="rId2"/>
+          <a:stretch/>
+        </p:blipFill>
+        <p:spPr>
+          <a:xfrm>
+            <a:off x="2736360" y="75600"/>
+            <a:ext cx="2618640" cy="1904400"/>
+          </a:xfrm>
+          <a:prstGeom prst="rect">
+            <a:avLst/>
+          </a:prstGeom>
           <a:ln>
             <a:noFill/>
           </a:ln>
         </p:spPr>
-        <p:style>
-          <a:lnRef idx="0"/>
-          <a:fillRef idx="0"/>
-          <a:effectRef idx="0"/>
-          <a:fontRef idx="minor"/>
-        </p:style>
-        <p:txBody>
-          <a:bodyPr lIns="0" rIns="0" tIns="0" bIns="0" anchor="ctr">
-            <a:noAutofit/>
-          </a:bodyPr>
-          <a:p>
-            <a:pPr algn="ctr">
-              <a:lnSpc>
-                <a:spcPct val="100000"/>
-              </a:lnSpc>
-            </a:pPr>
-            <a:r>
-              <a:rPr b="0" lang="en-IN" sz="4400" spc="-1" strike="noStrike">
-                <a:latin typeface="Arial"/>
-              </a:rPr>
-              <a:t>Layer 8</a:t>
-            </a:r>
-            <a:endParaRPr b="0" lang="en-IN" sz="4400" spc="-1" strike="noStrike">
-              <a:latin typeface="Arial"/>
-            </a:endParaRPr>
-          </a:p>
-        </p:txBody>
-      </p:sp>
-      <p:sp>
-        <p:nvSpPr>
-          <p:cNvPr id="168" name="TextShape 3"/>
-          <p:cNvSpPr txBox="1"/>
+      </p:pic>
+      <p:pic>
+        <p:nvPicPr>
+          <p:cNvPr id="168" name="" descr=""/>
+          <p:cNvPicPr/>
           <p:nvPr/>
-        </p:nvSpPr>
-        <p:spPr>
-          <a:xfrm>
-            <a:off x="3384000" y="4968000"/>
-            <a:ext cx="3456000" cy="346320"/>
-          </a:xfrm>
-          <a:prstGeom prst="rect">
-            <a:avLst/>
-          </a:prstGeom>
-          <a:noFill/>
+        </p:nvPicPr>
+        <p:blipFill>
+          <a:blip r:embed="rId3"/>
+          <a:stretch/>
+        </p:blipFill>
+        <p:spPr>
+          <a:xfrm>
+            <a:off x="5400000" y="36000"/>
+            <a:ext cx="2664000" cy="1952640"/>
+          </a:xfrm>
+          <a:prstGeom prst="rect">
+            <a:avLst/>
+          </a:prstGeom>
           <a:ln>
             <a:noFill/>
           </a:ln>
         </p:spPr>
-        <p:txBody>
-          <a:bodyPr lIns="90000" rIns="90000" tIns="45000" bIns="45000">
-            <a:noAutofit/>
-          </a:bodyPr>
-          <a:p>
-            <a:r>
-              <a:rPr b="0" lang="en-IN" sz="1800" spc="-1" strike="noStrike">
-                <a:latin typeface="Arial"/>
-              </a:rPr>
-              <a:t>Hit Pattern in Cross Layer</a:t>
-            </a:r>
-            <a:endParaRPr b="0" lang="en-IN" sz="1800" spc="-1" strike="noStrike">
-              <a:latin typeface="Arial"/>
-            </a:endParaRPr>
-          </a:p>
-        </p:txBody>
-      </p:sp>
-      <p:sp>
-        <p:nvSpPr>
-          <p:cNvPr id="169" name="TextShape 4"/>
-          <p:cNvSpPr txBox="1"/>
+      </p:pic>
+      <p:pic>
+        <p:nvPicPr>
+          <p:cNvPr id="169" name="" descr=""/>
+          <p:cNvPicPr/>
           <p:nvPr/>
-        </p:nvSpPr>
-        <p:spPr>
-          <a:xfrm>
-            <a:off x="864000" y="828000"/>
-            <a:ext cx="8352000" cy="373680"/>
-          </a:xfrm>
-          <a:prstGeom prst="rect">
-            <a:avLst/>
-          </a:prstGeom>
-          <a:noFill/>
+        </p:nvPicPr>
+        <p:blipFill>
+          <a:blip r:embed="rId4"/>
+          <a:stretch/>
+        </p:blipFill>
+        <p:spPr>
+          <a:xfrm>
+            <a:off x="259200" y="1996920"/>
+            <a:ext cx="2476800" cy="1819080"/>
+          </a:xfrm>
+          <a:prstGeom prst="rect">
+            <a:avLst/>
+          </a:prstGeom>
           <a:ln>
             <a:noFill/>
           </a:ln>
         </p:spPr>
-        <p:txBody>
-          <a:bodyPr lIns="90000" rIns="90000" tIns="45000" bIns="45000">
-            <a:noAutofit/>
-          </a:bodyPr>
-          <a:p>
-            <a:r>
-              <a:rPr b="0" lang="en-IN" sz="2000" spc="-1" strike="noStrike">
-                <a:latin typeface="Arial"/>
-                <a:ea typeface="Noto Sans CJK SC"/>
-              </a:rPr>
-              <a:t>                    </a:t>
-            </a:r>
-            <a:r>
-              <a:rPr b="0" lang="en-IN" sz="2000" spc="-1" strike="noStrike">
-                <a:latin typeface="Arial"/>
-                <a:ea typeface="Noto Sans CJK SC"/>
-              </a:rPr>
-              <a:t>Reconstructed Hit Points using </a:t>
-            </a:r>
-            <a:r>
-              <a:rPr b="0" lang="en-IN" sz="2000" spc="-1" strike="noStrike">
-                <a:latin typeface="Arial"/>
-              </a:rPr>
-              <a:t>experimental</a:t>
-            </a:r>
-            <a:r>
-              <a:rPr b="0" lang="en-IN" sz="2000" spc="-1" strike="noStrike">
-                <a:latin typeface="Arial"/>
-              </a:rPr>
-              <a:t> data</a:t>
-            </a:r>
-            <a:endParaRPr b="0" lang="en-IN" sz="2000" spc="-1" strike="noStrike">
-              <a:latin typeface="Arial"/>
-            </a:endParaRPr>
-          </a:p>
-        </p:txBody>
-      </p:sp>
+      </p:pic>
       <p:pic>
         <p:nvPicPr>
           <p:cNvPr id="170" name="" descr=""/>
@@ -8675,13 +8862,128 @@
           <p:nvPr/>
         </p:nvPicPr>
         <p:blipFill>
-          <a:blip r:embed="rId1"/>
+          <a:blip r:embed="rId5"/>
           <a:stretch/>
         </p:blipFill>
         <p:spPr>
           <a:xfrm>
-            <a:off x="1944000" y="1311840"/>
-            <a:ext cx="5472000" cy="3728160"/>
+            <a:off x="2761560" y="1916640"/>
+            <a:ext cx="2737800" cy="1983600"/>
+          </a:xfrm>
+          <a:prstGeom prst="rect">
+            <a:avLst/>
+          </a:prstGeom>
+          <a:ln>
+            <a:noFill/>
+          </a:ln>
+        </p:spPr>
+      </p:pic>
+      <p:pic>
+        <p:nvPicPr>
+          <p:cNvPr id="171" name="" descr=""/>
+          <p:cNvPicPr/>
+          <p:nvPr/>
+        </p:nvPicPr>
+        <p:blipFill>
+          <a:blip r:embed="rId6"/>
+          <a:stretch/>
+        </p:blipFill>
+        <p:spPr>
+          <a:xfrm>
+            <a:off x="5393520" y="1955520"/>
+            <a:ext cx="2527560" cy="1932480"/>
+          </a:xfrm>
+          <a:prstGeom prst="rect">
+            <a:avLst/>
+          </a:prstGeom>
+          <a:ln>
+            <a:noFill/>
+          </a:ln>
+        </p:spPr>
+      </p:pic>
+      <p:pic>
+        <p:nvPicPr>
+          <p:cNvPr id="172" name="" descr=""/>
+          <p:cNvPicPr/>
+          <p:nvPr/>
+        </p:nvPicPr>
+        <p:blipFill>
+          <a:blip r:embed="rId7"/>
+          <a:stretch/>
+        </p:blipFill>
+        <p:spPr>
+          <a:xfrm>
+            <a:off x="135360" y="3816000"/>
+            <a:ext cx="2600640" cy="1800000"/>
+          </a:xfrm>
+          <a:prstGeom prst="rect">
+            <a:avLst/>
+          </a:prstGeom>
+          <a:ln>
+            <a:noFill/>
+          </a:ln>
+        </p:spPr>
+      </p:pic>
+      <p:pic>
+        <p:nvPicPr>
+          <p:cNvPr id="173" name="" descr=""/>
+          <p:cNvPicPr/>
+          <p:nvPr/>
+        </p:nvPicPr>
+        <p:blipFill>
+          <a:blip r:embed="rId8"/>
+          <a:stretch/>
+        </p:blipFill>
+        <p:spPr>
+          <a:xfrm>
+            <a:off x="2786760" y="3888000"/>
+            <a:ext cx="2712600" cy="1728000"/>
+          </a:xfrm>
+          <a:prstGeom prst="rect">
+            <a:avLst/>
+          </a:prstGeom>
+          <a:ln>
+            <a:noFill/>
+          </a:ln>
+        </p:spPr>
+      </p:pic>
+      <p:pic>
+        <p:nvPicPr>
+          <p:cNvPr id="174" name="" descr=""/>
+          <p:cNvPicPr/>
+          <p:nvPr/>
+        </p:nvPicPr>
+        <p:blipFill>
+          <a:blip r:embed="rId9"/>
+          <a:stretch/>
+        </p:blipFill>
+        <p:spPr>
+          <a:xfrm>
+            <a:off x="5436000" y="3844080"/>
+            <a:ext cx="2664360" cy="1771920"/>
+          </a:xfrm>
+          <a:prstGeom prst="rect">
+            <a:avLst/>
+          </a:prstGeom>
+          <a:ln>
+            <a:noFill/>
+          </a:ln>
+        </p:spPr>
+      </p:pic>
+      <p:pic>
+        <p:nvPicPr>
+          <p:cNvPr id="175" name="" descr=""/>
+          <p:cNvPicPr/>
+          <p:nvPr/>
+        </p:nvPicPr>
+        <p:blipFill>
+          <a:blip r:embed="rId10"/>
+          <a:stretch/>
+        </p:blipFill>
+        <p:spPr>
+          <a:xfrm>
+            <a:off x="7921080" y="1955520"/>
+            <a:ext cx="2159640" cy="1611360"/>
           </a:xfrm>
           <a:prstGeom prst="rect">
             <a:avLst/>
@@ -8723,7 +9025,7 @@
       </p:grpSpPr>
       <p:sp>
         <p:nvSpPr>
-          <p:cNvPr id="171" name="CustomShape 1"/>
+          <p:cNvPr id="176" name="CustomShape 1"/>
           <p:cNvSpPr/>
           <p:nvPr/>
         </p:nvSpPr>
@@ -8749,7 +9051,7 @@
       </p:sp>
       <p:sp>
         <p:nvSpPr>
-          <p:cNvPr id="172" name="CustomShape 2"/>
+          <p:cNvPr id="177" name="CustomShape 2"/>
           <p:cNvSpPr/>
           <p:nvPr/>
         </p:nvSpPr>
@@ -8786,7 +9088,7 @@
               <a:rPr b="0" lang="en-IN" sz="4400" spc="-1" strike="noStrike">
                 <a:latin typeface="Arial"/>
               </a:rPr>
-              <a:t>Layer 7</a:t>
+              <a:t>Layer 8</a:t>
             </a:r>
             <a:endParaRPr b="0" lang="en-IN" sz="4400" spc="-1" strike="noStrike">
               <a:latin typeface="Arial"/>
@@ -8796,13 +9098,13 @@
       </p:sp>
       <p:sp>
         <p:nvSpPr>
-          <p:cNvPr id="173" name="TextShape 3"/>
+          <p:cNvPr id="178" name="TextShape 3"/>
           <p:cNvSpPr txBox="1"/>
           <p:nvPr/>
         </p:nvSpPr>
         <p:spPr>
           <a:xfrm>
-            <a:off x="3456000" y="5017680"/>
+            <a:off x="3384000" y="4968000"/>
             <a:ext cx="3456000" cy="346320"/>
           </a:xfrm>
           <a:prstGeom prst="rect">
@@ -8822,7 +9124,7 @@
               <a:rPr b="0" lang="en-IN" sz="1800" spc="-1" strike="noStrike">
                 <a:latin typeface="Arial"/>
               </a:rPr>
-              <a:t>Hit Pattern in Oblong Layer</a:t>
+              <a:t>Hit Pattern in Cross Layer</a:t>
             </a:r>
             <a:endParaRPr b="0" lang="en-IN" sz="1800" spc="-1" strike="noStrike">
               <a:latin typeface="Arial"/>
@@ -8832,7 +9134,7 @@
       </p:sp>
       <p:sp>
         <p:nvSpPr>
-          <p:cNvPr id="174" name="TextShape 4"/>
+          <p:cNvPr id="179" name="TextShape 4"/>
           <p:cNvSpPr txBox="1"/>
           <p:nvPr/>
         </p:nvSpPr>
@@ -8888,7 +9190,7 @@
       </p:sp>
       <p:pic>
         <p:nvPicPr>
-          <p:cNvPr id="175" name="" descr=""/>
+          <p:cNvPr id="180" name="" descr=""/>
           <p:cNvPicPr/>
           <p:nvPr/>
         </p:nvPicPr>
@@ -8898,8 +9200,8 @@
         </p:blipFill>
         <p:spPr>
           <a:xfrm>
-            <a:off x="2232000" y="1266840"/>
-            <a:ext cx="4893480" cy="3750840"/>
+            <a:off x="1944000" y="1311840"/>
+            <a:ext cx="5472000" cy="3728160"/>
           </a:xfrm>
           <a:prstGeom prst="rect">
             <a:avLst/>
